--- a/диплом/вкр.pptx
+++ b/диплом/вкр.pptx
@@ -29,6 +29,17 @@
     <p:sldId id="276" r:id="rId24"/>
     <p:sldId id="277" r:id="rId25"/>
     <p:sldId id="278" r:id="rId26"/>
+    <p:sldId id="279" r:id="rId27"/>
+    <p:sldId id="280" r:id="rId28"/>
+    <p:sldId id="281" r:id="rId29"/>
+    <p:sldId id="282" r:id="rId30"/>
+    <p:sldId id="283" r:id="rId31"/>
+    <p:sldId id="284" r:id="rId32"/>
+    <p:sldId id="285" r:id="rId33"/>
+    <p:sldId id="286" r:id="rId34"/>
+    <p:sldId id="287" r:id="rId35"/>
+    <p:sldId id="288" r:id="rId36"/>
+    <p:sldId id="289" r:id="rId37"/>
   </p:sldIdLst>
   <p:sldSz cx="10080625" cy="5670550"/>
   <p:notesSz cx="7559675" cy="10691812"/>
@@ -2777,7 +2788,7 @@
         <p:spPr>
           <a:xfrm>
             <a:off x="504000" y="226080"/>
-            <a:ext cx="9070920" cy="945720"/>
+            <a:ext cx="9072000" cy="946440"/>
           </a:xfrm>
           <a:prstGeom prst="rect">
             <a:avLst/>
@@ -2788,13 +2799,218 @@
             <a:noAutofit/>
           </a:bodyPr>
           <a:p>
-            <a:r>
-              <a:rPr b="0" lang="en-GB" sz="1800" spc="-1" strike="noStrike">
-                <a:latin typeface="Arial"/>
-              </a:rPr>
-              <a:t>Click to edit the title text format</a:t>
-            </a:r>
-            <a:endParaRPr b="0" lang="en-GB" sz="1800" spc="-1" strike="noStrike">
+            <a:pPr algn="ctr"/>
+            <a:r>
+              <a:rPr b="0" lang="en-GB" sz="4400" spc="-1" strike="noStrike">
+                <a:latin typeface="Arial"/>
+              </a:rPr>
+              <a:t>C</a:t>
+            </a:r>
+            <a:r>
+              <a:rPr b="0" lang="en-GB" sz="4400" spc="-1" strike="noStrike">
+                <a:latin typeface="Arial"/>
+              </a:rPr>
+              <a:t>l</a:t>
+            </a:r>
+            <a:r>
+              <a:rPr b="0" lang="en-GB" sz="4400" spc="-1" strike="noStrike">
+                <a:latin typeface="Arial"/>
+              </a:rPr>
+              <a:t>i</a:t>
+            </a:r>
+            <a:r>
+              <a:rPr b="0" lang="en-GB" sz="4400" spc="-1" strike="noStrike">
+                <a:latin typeface="Arial"/>
+              </a:rPr>
+              <a:t>c</a:t>
+            </a:r>
+            <a:r>
+              <a:rPr b="0" lang="en-GB" sz="4400" spc="-1" strike="noStrike">
+                <a:latin typeface="Arial"/>
+              </a:rPr>
+              <a:t>k</a:t>
+            </a:r>
+            <a:r>
+              <a:rPr b="0" lang="en-GB" sz="4400" spc="-1" strike="noStrike">
+                <a:latin typeface="Arial"/>
+              </a:rPr>
+              <a:t> </a:t>
+            </a:r>
+            <a:r>
+              <a:rPr b="0" lang="en-GB" sz="4400" spc="-1" strike="noStrike">
+                <a:latin typeface="Arial"/>
+              </a:rPr>
+              <a:t>t</a:t>
+            </a:r>
+            <a:r>
+              <a:rPr b="0" lang="en-GB" sz="4400" spc="-1" strike="noStrike">
+                <a:latin typeface="Arial"/>
+              </a:rPr>
+              <a:t>o</a:t>
+            </a:r>
+            <a:r>
+              <a:rPr b="0" lang="en-GB" sz="4400" spc="-1" strike="noStrike">
+                <a:latin typeface="Arial"/>
+              </a:rPr>
+              <a:t> </a:t>
+            </a:r>
+            <a:r>
+              <a:rPr b="0" lang="en-GB" sz="4400" spc="-1" strike="noStrike">
+                <a:latin typeface="Arial"/>
+              </a:rPr>
+              <a:t>e</a:t>
+            </a:r>
+            <a:r>
+              <a:rPr b="0" lang="en-GB" sz="4400" spc="-1" strike="noStrike">
+                <a:latin typeface="Arial"/>
+              </a:rPr>
+              <a:t>d</a:t>
+            </a:r>
+            <a:r>
+              <a:rPr b="0" lang="en-GB" sz="4400" spc="-1" strike="noStrike">
+                <a:latin typeface="Arial"/>
+              </a:rPr>
+              <a:t>i</a:t>
+            </a:r>
+            <a:r>
+              <a:rPr b="0" lang="en-GB" sz="4400" spc="-1" strike="noStrike">
+                <a:latin typeface="Arial"/>
+              </a:rPr>
+              <a:t>t</a:t>
+            </a:r>
+            <a:r>
+              <a:rPr b="0" lang="en-GB" sz="4400" spc="-1" strike="noStrike">
+                <a:latin typeface="Arial"/>
+              </a:rPr>
+              <a:t> </a:t>
+            </a:r>
+            <a:r>
+              <a:rPr b="0" lang="en-GB" sz="4400" spc="-1" strike="noStrike">
+                <a:latin typeface="Arial"/>
+              </a:rPr>
+              <a:t>t</a:t>
+            </a:r>
+            <a:r>
+              <a:rPr b="0" lang="en-GB" sz="4400" spc="-1" strike="noStrike">
+                <a:latin typeface="Arial"/>
+              </a:rPr>
+              <a:t>h</a:t>
+            </a:r>
+            <a:r>
+              <a:rPr b="0" lang="en-GB" sz="4400" spc="-1" strike="noStrike">
+                <a:latin typeface="Arial"/>
+              </a:rPr>
+              <a:t>e</a:t>
+            </a:r>
+            <a:r>
+              <a:rPr b="0" lang="en-GB" sz="4400" spc="-1" strike="noStrike">
+                <a:latin typeface="Arial"/>
+              </a:rPr>
+              <a:t> </a:t>
+            </a:r>
+            <a:r>
+              <a:rPr b="0" lang="en-GB" sz="4400" spc="-1" strike="noStrike">
+                <a:latin typeface="Arial"/>
+              </a:rPr>
+              <a:t>t</a:t>
+            </a:r>
+            <a:r>
+              <a:rPr b="0" lang="en-GB" sz="4400" spc="-1" strike="noStrike">
+                <a:latin typeface="Arial"/>
+              </a:rPr>
+              <a:t>i</a:t>
+            </a:r>
+            <a:r>
+              <a:rPr b="0" lang="en-GB" sz="4400" spc="-1" strike="noStrike">
+                <a:latin typeface="Arial"/>
+              </a:rPr>
+              <a:t>t</a:t>
+            </a:r>
+            <a:r>
+              <a:rPr b="0" lang="en-GB" sz="4400" spc="-1" strike="noStrike">
+                <a:latin typeface="Arial"/>
+              </a:rPr>
+              <a:t>l</a:t>
+            </a:r>
+            <a:r>
+              <a:rPr b="0" lang="en-GB" sz="4400" spc="-1" strike="noStrike">
+                <a:latin typeface="Arial"/>
+              </a:rPr>
+              <a:t>e</a:t>
+            </a:r>
+            <a:r>
+              <a:rPr b="0" lang="en-GB" sz="4400" spc="-1" strike="noStrike">
+                <a:latin typeface="Arial"/>
+              </a:rPr>
+              <a:t> </a:t>
+            </a:r>
+            <a:r>
+              <a:rPr b="0" lang="en-GB" sz="4400" spc="-1" strike="noStrike">
+                <a:latin typeface="Arial"/>
+              </a:rPr>
+              <a:t>t</a:t>
+            </a:r>
+            <a:r>
+              <a:rPr b="0" lang="en-GB" sz="4400" spc="-1" strike="noStrike">
+                <a:latin typeface="Arial"/>
+              </a:rPr>
+              <a:t>e</a:t>
+            </a:r>
+            <a:r>
+              <a:rPr b="0" lang="en-GB" sz="4400" spc="-1" strike="noStrike">
+                <a:latin typeface="Arial"/>
+              </a:rPr>
+              <a:t>x</a:t>
+            </a:r>
+            <a:r>
+              <a:rPr b="0" lang="en-GB" sz="4400" spc="-1" strike="noStrike">
+                <a:latin typeface="Arial"/>
+              </a:rPr>
+              <a:t>t</a:t>
+            </a:r>
+            <a:r>
+              <a:rPr b="0" lang="en-GB" sz="4400" spc="-1" strike="noStrike">
+                <a:latin typeface="Arial"/>
+              </a:rPr>
+              <a:t> </a:t>
+            </a:r>
+            <a:r>
+              <a:rPr b="0" lang="en-GB" sz="4400" spc="-1" strike="noStrike">
+                <a:latin typeface="Arial"/>
+              </a:rPr>
+              <a:t>f</a:t>
+            </a:r>
+            <a:r>
+              <a:rPr b="0" lang="en-GB" sz="4400" spc="-1" strike="noStrike">
+                <a:latin typeface="Arial"/>
+              </a:rPr>
+              <a:t>o</a:t>
+            </a:r>
+            <a:r>
+              <a:rPr b="0" lang="en-GB" sz="4400" spc="-1" strike="noStrike">
+                <a:latin typeface="Arial"/>
+              </a:rPr>
+              <a:t>r</a:t>
+            </a:r>
+            <a:r>
+              <a:rPr b="0" lang="en-GB" sz="4400" spc="-1" strike="noStrike">
+                <a:latin typeface="Arial"/>
+              </a:rPr>
+              <a:t>m</a:t>
+            </a:r>
+            <a:r>
+              <a:rPr b="0" lang="en-GB" sz="4400" spc="-1" strike="noStrike">
+                <a:latin typeface="Arial"/>
+              </a:rPr>
+              <a:t>a</a:t>
+            </a:r>
+            <a:r>
+              <a:rPr b="0" lang="en-GB" sz="4400" spc="-1" strike="noStrike">
+                <a:latin typeface="Arial"/>
+              </a:rPr>
+              <a:t>t</a:t>
+            </a:r>
+            <a:endParaRPr b="0" lang="en-GB" sz="4400" spc="-1" strike="noStrike">
               <a:latin typeface="Arial"/>
             </a:endParaRPr>
           </a:p>
@@ -2813,7 +3029,7 @@
         <p:spPr>
           <a:xfrm>
             <a:off x="504000" y="1326600"/>
-            <a:ext cx="9070920" cy="3287520"/>
+            <a:ext cx="9072000" cy="3288600"/>
           </a:xfrm>
           <a:prstGeom prst="rect">
             <a:avLst/>
@@ -2836,12 +3052,12 @@
               <a:buChar char=""/>
             </a:pPr>
             <a:r>
-              <a:rPr b="0" lang="en-GB" sz="1800" spc="-1" strike="noStrike">
+              <a:rPr b="0" lang="en-GB" sz="3200" spc="-1" strike="noStrike">
                 <a:latin typeface="Arial"/>
               </a:rPr>
               <a:t>Click to edit the outline text format</a:t>
             </a:r>
-            <a:endParaRPr b="0" lang="en-GB" sz="1800" spc="-1" strike="noStrike">
+            <a:endParaRPr b="0" lang="en-GB" sz="3200" spc="-1" strike="noStrike">
               <a:latin typeface="Arial"/>
             </a:endParaRPr>
           </a:p>
@@ -2858,12 +3074,12 @@
               <a:buChar char=""/>
             </a:pPr>
             <a:r>
-              <a:rPr b="0" lang="en-GB" sz="1800" spc="-1" strike="noStrike">
+              <a:rPr b="0" lang="en-GB" sz="2800" spc="-1" strike="noStrike">
                 <a:latin typeface="Arial"/>
               </a:rPr>
               <a:t>Second Outline Level</a:t>
             </a:r>
-            <a:endParaRPr b="0" lang="en-GB" sz="1800" spc="-1" strike="noStrike">
+            <a:endParaRPr b="0" lang="en-GB" sz="2800" spc="-1" strike="noStrike">
               <a:latin typeface="Arial"/>
             </a:endParaRPr>
           </a:p>
@@ -2880,12 +3096,12 @@
               <a:buChar char=""/>
             </a:pPr>
             <a:r>
-              <a:rPr b="0" lang="en-GB" sz="1800" spc="-1" strike="noStrike">
+              <a:rPr b="0" lang="en-GB" sz="2400" spc="-1" strike="noStrike">
                 <a:latin typeface="Arial"/>
               </a:rPr>
               <a:t>Third Outline Level</a:t>
             </a:r>
-            <a:endParaRPr b="0" lang="en-GB" sz="1800" spc="-1" strike="noStrike">
+            <a:endParaRPr b="0" lang="en-GB" sz="2400" spc="-1" strike="noStrike">
               <a:latin typeface="Arial"/>
             </a:endParaRPr>
           </a:p>
@@ -2902,12 +3118,12 @@
               <a:buChar char=""/>
             </a:pPr>
             <a:r>
-              <a:rPr b="0" lang="en-GB" sz="1800" spc="-1" strike="noStrike">
+              <a:rPr b="0" lang="en-GB" sz="2000" spc="-1" strike="noStrike">
                 <a:latin typeface="Arial"/>
               </a:rPr>
               <a:t>Fourth Outline Level</a:t>
             </a:r>
-            <a:endParaRPr b="0" lang="en-GB" sz="1800" spc="-1" strike="noStrike">
+            <a:endParaRPr b="0" lang="en-GB" sz="2000" spc="-1" strike="noStrike">
               <a:latin typeface="Arial"/>
             </a:endParaRPr>
           </a:p>
@@ -2924,12 +3140,12 @@
               <a:buChar char=""/>
             </a:pPr>
             <a:r>
-              <a:rPr b="0" lang="en-GB" sz="1800" spc="-1" strike="noStrike">
+              <a:rPr b="0" lang="en-GB" sz="2000" spc="-1" strike="noStrike">
                 <a:latin typeface="Arial"/>
               </a:rPr>
               <a:t>Fifth Outline Level</a:t>
             </a:r>
-            <a:endParaRPr b="0" lang="en-GB" sz="1800" spc="-1" strike="noStrike">
+            <a:endParaRPr b="0" lang="en-GB" sz="2000" spc="-1" strike="noStrike">
               <a:latin typeface="Arial"/>
             </a:endParaRPr>
           </a:p>
@@ -2946,12 +3162,12 @@
               <a:buChar char=""/>
             </a:pPr>
             <a:r>
-              <a:rPr b="0" lang="en-GB" sz="1800" spc="-1" strike="noStrike">
+              <a:rPr b="0" lang="en-GB" sz="2000" spc="-1" strike="noStrike">
                 <a:latin typeface="Arial"/>
               </a:rPr>
               <a:t>Sixth Outline Level</a:t>
             </a:r>
-            <a:endParaRPr b="0" lang="en-GB" sz="1800" spc="-1" strike="noStrike">
+            <a:endParaRPr b="0" lang="en-GB" sz="2000" spc="-1" strike="noStrike">
               <a:latin typeface="Arial"/>
             </a:endParaRPr>
           </a:p>
@@ -2968,12 +3184,12 @@
               <a:buChar char=""/>
             </a:pPr>
             <a:r>
-              <a:rPr b="0" lang="en-GB" sz="1800" spc="-1" strike="noStrike">
+              <a:rPr b="0" lang="en-GB" sz="2000" spc="-1" strike="noStrike">
                 <a:latin typeface="Arial"/>
               </a:rPr>
               <a:t>Seventh Outline Level</a:t>
             </a:r>
-            <a:endParaRPr b="0" lang="en-GB" sz="1800" spc="-1" strike="noStrike">
+            <a:endParaRPr b="0" lang="en-GB" sz="2000" spc="-1" strike="noStrike">
               <a:latin typeface="Arial"/>
             </a:endParaRPr>
           </a:p>
@@ -3278,7 +3494,7 @@
         <p:spPr>
           <a:xfrm>
             <a:off x="504000" y="1031760"/>
-            <a:ext cx="9070920" cy="3287520"/>
+            <a:ext cx="9070560" cy="3287160"/>
           </a:xfrm>
           <a:prstGeom prst="rect">
             <a:avLst/>
@@ -3329,7 +3545,7 @@
         <p:spPr>
           <a:xfrm>
             <a:off x="4032000" y="4581720"/>
-            <a:ext cx="5768640" cy="857520"/>
+            <a:ext cx="5768280" cy="857160"/>
           </a:xfrm>
           <a:prstGeom prst="rect">
             <a:avLst/>
@@ -3450,7 +3666,7 @@
         <p:spPr>
           <a:xfrm>
             <a:off x="504000" y="226080"/>
-            <a:ext cx="9070920" cy="945720"/>
+            <a:ext cx="9070560" cy="945360"/>
           </a:xfrm>
           <a:prstGeom prst="rect">
             <a:avLst/>
@@ -3484,7 +3700,7 @@
                 <a:latin typeface="Arial"/>
                 <a:ea typeface="DejaVu Sans"/>
               </a:rPr>
-              <a:t>Детектор Shi-Tomasi</a:t>
+              <a:t>Используемые дескрипторы</a:t>
             </a:r>
             <a:endParaRPr b="0" lang="en-GB" sz="4400" spc="-1" strike="noStrike">
               <a:latin typeface="Arial"/>
@@ -3501,7 +3717,7 @@
         <p:spPr>
           <a:xfrm>
             <a:off x="504000" y="1326600"/>
-            <a:ext cx="9070920" cy="3287520"/>
+            <a:ext cx="9070560" cy="3287160"/>
           </a:xfrm>
           <a:prstGeom prst="rect">
             <a:avLst/>
@@ -3519,293 +3735,61 @@
         </p:style>
         <p:txBody>
           <a:bodyPr lIns="0" rIns="0" tIns="0" bIns="0">
-            <a:normAutofit fontScale="37000"/>
-          </a:bodyPr>
-          <a:p>
-            <a:pPr marL="432000" indent="-323280">
-              <a:lnSpc>
-                <a:spcPct val="100000"/>
-              </a:lnSpc>
-              <a:spcBef>
-                <a:spcPts val="1417"/>
-              </a:spcBef>
-              <a:buClr>
-                <a:srgbClr val="000000"/>
-              </a:buClr>
-              <a:buSzPct val="45000"/>
-              <a:buFont typeface="Wingdings" charset="2"/>
-              <a:buChar char=""/>
-            </a:pPr>
-            <a:r>
-              <a:rPr b="0" lang="en-GB" sz="3200" spc="-1" strike="noStrike">
-                <a:solidFill>
-                  <a:srgbClr val="000000"/>
-                </a:solidFill>
-                <a:latin typeface="Arial"/>
-                <a:ea typeface="DejaVu Sans"/>
-              </a:rPr>
-              <a:t>Shi-Tomasi + BRIEF</a:t>
-            </a:r>
-            <a:endParaRPr b="0" lang="en-GB" sz="3200" spc="-1" strike="noStrike">
-              <a:latin typeface="Arial"/>
-            </a:endParaRPr>
-          </a:p>
-          <a:p>
-            <a:pPr marL="432000" indent="-323280">
-              <a:lnSpc>
-                <a:spcPct val="100000"/>
-              </a:lnSpc>
-              <a:spcBef>
-                <a:spcPts val="1417"/>
-              </a:spcBef>
-              <a:buClr>
-                <a:srgbClr val="000000"/>
-              </a:buClr>
-              <a:buSzPct val="45000"/>
-              <a:buFont typeface="Wingdings" charset="2"/>
-              <a:buChar char=""/>
-            </a:pPr>
-            <a:r>
-              <a:rPr b="0" lang="en-GB" sz="3200" spc="-1" strike="noStrike">
-                <a:solidFill>
-                  <a:srgbClr val="000000"/>
-                </a:solidFill>
-                <a:latin typeface="Arial"/>
-                <a:ea typeface="DejaVu Sans"/>
-              </a:rPr>
-              <a:t>Shi-Tomasi + FREAK</a:t>
-            </a:r>
-            <a:endParaRPr b="0" lang="en-GB" sz="3200" spc="-1" strike="noStrike">
-              <a:latin typeface="Arial"/>
-            </a:endParaRPr>
-          </a:p>
-          <a:p>
-            <a:pPr marL="432000" indent="-323280">
-              <a:lnSpc>
-                <a:spcPct val="100000"/>
-              </a:lnSpc>
-              <a:spcBef>
-                <a:spcPts val="1417"/>
-              </a:spcBef>
-              <a:buClr>
-                <a:srgbClr val="000000"/>
-              </a:buClr>
-              <a:buSzPct val="45000"/>
-              <a:buFont typeface="Wingdings" charset="2"/>
-              <a:buChar char=""/>
-            </a:pPr>
-            <a:r>
-              <a:rPr b="0" lang="en-GB" sz="3200" spc="-1" strike="noStrike">
-                <a:solidFill>
-                  <a:srgbClr val="000000"/>
-                </a:solidFill>
-                <a:latin typeface="Arial"/>
-                <a:ea typeface="DejaVu Sans"/>
-              </a:rPr>
-              <a:t>Harris + BRIEF</a:t>
-            </a:r>
-            <a:endParaRPr b="0" lang="en-GB" sz="3200" spc="-1" strike="noStrike">
-              <a:latin typeface="Arial"/>
-            </a:endParaRPr>
-          </a:p>
-          <a:p>
-            <a:pPr marL="432000" indent="-323280">
-              <a:lnSpc>
-                <a:spcPct val="100000"/>
-              </a:lnSpc>
-              <a:spcBef>
-                <a:spcPts val="1417"/>
-              </a:spcBef>
-              <a:buClr>
-                <a:srgbClr val="000000"/>
-              </a:buClr>
-              <a:buSzPct val="45000"/>
-              <a:buFont typeface="Wingdings" charset="2"/>
-              <a:buChar char=""/>
-            </a:pPr>
-            <a:r>
-              <a:rPr b="0" lang="en-GB" sz="3200" spc="-1" strike="noStrike">
-                <a:solidFill>
-                  <a:srgbClr val="000000"/>
-                </a:solidFill>
-                <a:latin typeface="Arial"/>
-                <a:ea typeface="DejaVu Sans"/>
-              </a:rPr>
-              <a:t>Harris + FREAK</a:t>
-            </a:r>
-            <a:endParaRPr b="0" lang="en-GB" sz="3200" spc="-1" strike="noStrike">
-              <a:latin typeface="Arial"/>
-            </a:endParaRPr>
-          </a:p>
-          <a:p>
-            <a:pPr marL="432000" indent="-323280">
-              <a:lnSpc>
-                <a:spcPct val="100000"/>
-              </a:lnSpc>
-              <a:spcBef>
-                <a:spcPts val="1417"/>
-              </a:spcBef>
-              <a:buClr>
-                <a:srgbClr val="000000"/>
-              </a:buClr>
-              <a:buSzPct val="45000"/>
-              <a:buFont typeface="Wingdings" charset="2"/>
-              <a:buChar char=""/>
-            </a:pPr>
-            <a:r>
-              <a:rPr b="0" lang="en-GB" sz="3200" spc="-1" strike="noStrike">
-                <a:solidFill>
-                  <a:srgbClr val="000000"/>
-                </a:solidFill>
-                <a:latin typeface="Arial"/>
-                <a:ea typeface="DejaVu Sans"/>
-              </a:rPr>
-              <a:t>Star + BRIEF</a:t>
-            </a:r>
-            <a:endParaRPr b="0" lang="en-GB" sz="3200" spc="-1" strike="noStrike">
-              <a:latin typeface="Arial"/>
-            </a:endParaRPr>
-          </a:p>
-          <a:p>
-            <a:pPr marL="432000" indent="-323280">
-              <a:lnSpc>
-                <a:spcPct val="100000"/>
-              </a:lnSpc>
-              <a:spcBef>
-                <a:spcPts val="1417"/>
-              </a:spcBef>
-              <a:buClr>
-                <a:srgbClr val="000000"/>
-              </a:buClr>
-              <a:buSzPct val="45000"/>
-              <a:buFont typeface="Wingdings" charset="2"/>
-              <a:buChar char=""/>
-            </a:pPr>
-            <a:r>
-              <a:rPr b="0" lang="en-GB" sz="3200" spc="-1" strike="noStrike">
-                <a:solidFill>
-                  <a:srgbClr val="000000"/>
-                </a:solidFill>
-                <a:latin typeface="Arial"/>
-                <a:ea typeface="DejaVu Sans"/>
-              </a:rPr>
-              <a:t>Star + FREAK</a:t>
-            </a:r>
-            <a:endParaRPr b="0" lang="en-GB" sz="3200" spc="-1" strike="noStrike">
-              <a:latin typeface="Arial"/>
-            </a:endParaRPr>
-          </a:p>
-          <a:p>
-            <a:pPr marL="432000" indent="-323280">
-              <a:lnSpc>
-                <a:spcPct val="100000"/>
-              </a:lnSpc>
-              <a:spcBef>
-                <a:spcPts val="1417"/>
-              </a:spcBef>
-              <a:buClr>
-                <a:srgbClr val="000000"/>
-              </a:buClr>
-              <a:buSzPct val="45000"/>
-              <a:buFont typeface="Wingdings" charset="2"/>
-              <a:buChar char=""/>
-            </a:pPr>
-            <a:r>
-              <a:rPr b="0" lang="en-GB" sz="3200" spc="-1" strike="noStrike">
-                <a:solidFill>
-                  <a:srgbClr val="000000"/>
-                </a:solidFill>
-                <a:latin typeface="Arial"/>
-                <a:ea typeface="DejaVu Sans"/>
-              </a:rPr>
-              <a:t>SURF</a:t>
-            </a:r>
-            <a:endParaRPr b="0" lang="en-GB" sz="3200" spc="-1" strike="noStrike">
-              <a:latin typeface="Arial"/>
-            </a:endParaRPr>
-          </a:p>
-          <a:p>
-            <a:pPr marL="432000" indent="-323280">
-              <a:lnSpc>
-                <a:spcPct val="100000"/>
-              </a:lnSpc>
-              <a:spcBef>
-                <a:spcPts val="1417"/>
-              </a:spcBef>
-              <a:buClr>
-                <a:srgbClr val="000000"/>
-              </a:buClr>
-              <a:buSzPct val="45000"/>
-              <a:buFont typeface="Wingdings" charset="2"/>
-              <a:buChar char=""/>
-            </a:pPr>
-            <a:r>
-              <a:rPr b="0" lang="en-GB" sz="3200" spc="-1" strike="noStrike">
-                <a:solidFill>
-                  <a:srgbClr val="000000"/>
-                </a:solidFill>
-                <a:latin typeface="Arial"/>
-                <a:ea typeface="DejaVu Sans"/>
-              </a:rPr>
-              <a:t>ORB</a:t>
-            </a:r>
-            <a:endParaRPr b="0" lang="en-GB" sz="3200" spc="-1" strike="noStrike">
-              <a:latin typeface="Arial"/>
-            </a:endParaRPr>
-          </a:p>
-          <a:p>
-            <a:pPr marL="432000" indent="-323280">
-              <a:lnSpc>
-                <a:spcPct val="100000"/>
-              </a:lnSpc>
-              <a:spcBef>
-                <a:spcPts val="1417"/>
-              </a:spcBef>
-              <a:buClr>
-                <a:srgbClr val="000000"/>
-              </a:buClr>
-              <a:buSzPct val="45000"/>
-              <a:buFont typeface="Wingdings" charset="2"/>
-              <a:buChar char=""/>
-            </a:pPr>
-            <a:r>
-              <a:rPr b="0" lang="en-GB" sz="3200" spc="-1" strike="noStrike">
-                <a:solidFill>
-                  <a:srgbClr val="000000"/>
-                </a:solidFill>
-                <a:latin typeface="Arial"/>
-                <a:ea typeface="DejaVu Sans"/>
-              </a:rPr>
-              <a:t>FAST + FREAK</a:t>
-            </a:r>
-            <a:endParaRPr b="0" lang="en-GB" sz="3200" spc="-1" strike="noStrike">
-              <a:latin typeface="Arial"/>
-            </a:endParaRPr>
-          </a:p>
-          <a:p>
-            <a:pPr marL="432000" indent="-323280">
-              <a:lnSpc>
-                <a:spcPct val="100000"/>
-              </a:lnSpc>
-              <a:spcBef>
-                <a:spcPts val="1417"/>
-              </a:spcBef>
-              <a:buClr>
-                <a:srgbClr val="000000"/>
-              </a:buClr>
-              <a:buSzPct val="45000"/>
-              <a:buFont typeface="Wingdings" charset="2"/>
-              <a:buChar char=""/>
-            </a:pPr>
-            <a:r>
-              <a:rPr b="0" lang="en-GB" sz="3200" spc="-1" strike="noStrike">
-                <a:solidFill>
-                  <a:srgbClr val="000000"/>
-                </a:solidFill>
-                <a:latin typeface="Arial"/>
-                <a:ea typeface="DejaVu Sans"/>
-              </a:rPr>
-              <a:t>BRISK</a:t>
+            <a:normAutofit/>
+          </a:bodyPr>
+          <a:p>
+            <a:pPr marL="432000" indent="-322920">
+              <a:lnSpc>
+                <a:spcPct val="100000"/>
+              </a:lnSpc>
+              <a:spcBef>
+                <a:spcPts val="1417"/>
+              </a:spcBef>
+              <a:buClr>
+                <a:srgbClr val="000000"/>
+              </a:buClr>
+              <a:buSzPct val="45000"/>
+              <a:buFont typeface="Wingdings" charset="2"/>
+              <a:buChar char=""/>
+            </a:pPr>
+            <a:r>
+              <a:rPr b="0" lang="en-GB" sz="3200" spc="-1" strike="noStrike">
+                <a:solidFill>
+                  <a:srgbClr val="000000"/>
+                </a:solidFill>
+                <a:latin typeface="Arial"/>
+                <a:ea typeface="DejaVu Sans"/>
+              </a:rPr>
+              <a:t>BRIEF</a:t>
+            </a:r>
+            <a:endParaRPr b="0" lang="en-GB" sz="3200" spc="-1" strike="noStrike">
+              <a:latin typeface="Arial"/>
+            </a:endParaRPr>
+          </a:p>
+          <a:p>
+            <a:pPr marL="432000" indent="-322920">
+              <a:lnSpc>
+                <a:spcPct val="100000"/>
+              </a:lnSpc>
+              <a:spcBef>
+                <a:spcPts val="1417"/>
+              </a:spcBef>
+              <a:buClr>
+                <a:srgbClr val="000000"/>
+              </a:buClr>
+              <a:buSzPct val="45000"/>
+              <a:buFont typeface="Wingdings" charset="2"/>
+              <a:buChar char=""/>
+            </a:pPr>
+            <a:r>
+              <a:rPr b="0" lang="en-GB" sz="3200" spc="-1" strike="noStrike">
+                <a:solidFill>
+                  <a:srgbClr val="000000"/>
+                </a:solidFill>
+                <a:latin typeface="Arial"/>
+                <a:ea typeface="DejaVu Sans"/>
+              </a:rPr>
+              <a:t>FREAK</a:t>
             </a:r>
             <a:endParaRPr b="0" lang="en-GB" sz="3200" spc="-1" strike="noStrike">
               <a:latin typeface="Arial"/>
@@ -3852,7 +3836,7 @@
         <p:spPr>
           <a:xfrm>
             <a:off x="504000" y="226080"/>
-            <a:ext cx="9070920" cy="945720"/>
+            <a:ext cx="9070560" cy="945360"/>
           </a:xfrm>
           <a:prstGeom prst="rect">
             <a:avLst/>
@@ -3886,7 +3870,7 @@
                 <a:latin typeface="Arial"/>
                 <a:ea typeface="DejaVu Sans"/>
               </a:rPr>
-              <a:t>Детектор Star</a:t>
+              <a:t>Решения детектор + дескриптор</a:t>
             </a:r>
             <a:endParaRPr b="0" lang="en-GB" sz="4400" spc="-1" strike="noStrike">
               <a:latin typeface="Arial"/>
@@ -3903,7 +3887,7 @@
         <p:spPr>
           <a:xfrm>
             <a:off x="504000" y="1326600"/>
-            <a:ext cx="9070920" cy="3287520"/>
+            <a:ext cx="9070560" cy="3287160"/>
           </a:xfrm>
           <a:prstGeom prst="rect">
             <a:avLst/>
@@ -3921,184 +3905,39 @@
         </p:style>
         <p:txBody>
           <a:bodyPr lIns="0" rIns="0" tIns="0" bIns="0">
-            <a:normAutofit fontScale="37000"/>
-          </a:bodyPr>
-          <a:p>
-            <a:pPr marL="432000" indent="-323280">
-              <a:lnSpc>
-                <a:spcPct val="100000"/>
-              </a:lnSpc>
-              <a:spcBef>
-                <a:spcPts val="1417"/>
-              </a:spcBef>
-              <a:buClr>
-                <a:srgbClr val="000000"/>
-              </a:buClr>
-              <a:buSzPct val="45000"/>
-              <a:buFont typeface="Wingdings" charset="2"/>
-              <a:buChar char=""/>
-            </a:pPr>
-            <a:r>
-              <a:rPr b="0" lang="en-GB" sz="3200" spc="-1" strike="noStrike">
-                <a:solidFill>
-                  <a:srgbClr val="000000"/>
-                </a:solidFill>
-                <a:latin typeface="Arial"/>
-                <a:ea typeface="DejaVu Sans"/>
-              </a:rPr>
-              <a:t>Shi-Tomasi + BRIEF</a:t>
-            </a:r>
-            <a:endParaRPr b="0" lang="en-GB" sz="3200" spc="-1" strike="noStrike">
-              <a:latin typeface="Arial"/>
-            </a:endParaRPr>
-          </a:p>
-          <a:p>
-            <a:pPr marL="432000" indent="-323280">
-              <a:lnSpc>
-                <a:spcPct val="100000"/>
-              </a:lnSpc>
-              <a:spcBef>
-                <a:spcPts val="1417"/>
-              </a:spcBef>
-              <a:buClr>
-                <a:srgbClr val="000000"/>
-              </a:buClr>
-              <a:buSzPct val="45000"/>
-              <a:buFont typeface="Wingdings" charset="2"/>
-              <a:buChar char=""/>
-            </a:pPr>
-            <a:r>
-              <a:rPr b="0" lang="en-GB" sz="3200" spc="-1" strike="noStrike">
-                <a:solidFill>
-                  <a:srgbClr val="000000"/>
-                </a:solidFill>
-                <a:latin typeface="Arial"/>
-                <a:ea typeface="DejaVu Sans"/>
-              </a:rPr>
-              <a:t>Shi-Tomasi + FREAK</a:t>
-            </a:r>
-            <a:endParaRPr b="0" lang="en-GB" sz="3200" spc="-1" strike="noStrike">
-              <a:latin typeface="Arial"/>
-            </a:endParaRPr>
-          </a:p>
-          <a:p>
-            <a:pPr marL="432000" indent="-323280">
-              <a:lnSpc>
-                <a:spcPct val="100000"/>
-              </a:lnSpc>
-              <a:spcBef>
-                <a:spcPts val="1417"/>
-              </a:spcBef>
-              <a:buClr>
-                <a:srgbClr val="000000"/>
-              </a:buClr>
-              <a:buSzPct val="45000"/>
-              <a:buFont typeface="Wingdings" charset="2"/>
-              <a:buChar char=""/>
-            </a:pPr>
-            <a:r>
-              <a:rPr b="0" lang="en-GB" sz="3200" spc="-1" strike="noStrike">
-                <a:solidFill>
-                  <a:srgbClr val="000000"/>
-                </a:solidFill>
-                <a:latin typeface="Arial"/>
-                <a:ea typeface="DejaVu Sans"/>
-              </a:rPr>
-              <a:t>Harris + BRIEF</a:t>
-            </a:r>
-            <a:endParaRPr b="0" lang="en-GB" sz="3200" spc="-1" strike="noStrike">
-              <a:latin typeface="Arial"/>
-            </a:endParaRPr>
-          </a:p>
-          <a:p>
-            <a:pPr marL="432000" indent="-323280">
-              <a:lnSpc>
-                <a:spcPct val="100000"/>
-              </a:lnSpc>
-              <a:spcBef>
-                <a:spcPts val="1417"/>
-              </a:spcBef>
-              <a:buClr>
-                <a:srgbClr val="000000"/>
-              </a:buClr>
-              <a:buSzPct val="45000"/>
-              <a:buFont typeface="Wingdings" charset="2"/>
-              <a:buChar char=""/>
-            </a:pPr>
-            <a:r>
-              <a:rPr b="0" lang="en-GB" sz="3200" spc="-1" strike="noStrike">
-                <a:solidFill>
-                  <a:srgbClr val="000000"/>
-                </a:solidFill>
-                <a:latin typeface="Arial"/>
-                <a:ea typeface="DejaVu Sans"/>
-              </a:rPr>
-              <a:t>Harris + FREAK</a:t>
-            </a:r>
-            <a:endParaRPr b="0" lang="en-GB" sz="3200" spc="-1" strike="noStrike">
-              <a:latin typeface="Arial"/>
-            </a:endParaRPr>
-          </a:p>
-          <a:p>
-            <a:pPr marL="432000" indent="-323280">
-              <a:lnSpc>
-                <a:spcPct val="100000"/>
-              </a:lnSpc>
-              <a:spcBef>
-                <a:spcPts val="1417"/>
-              </a:spcBef>
-              <a:buClr>
-                <a:srgbClr val="000000"/>
-              </a:buClr>
-              <a:buSzPct val="45000"/>
-              <a:buFont typeface="Wingdings" charset="2"/>
-              <a:buChar char=""/>
-            </a:pPr>
-            <a:r>
-              <a:rPr b="0" lang="en-GB" sz="3200" spc="-1" strike="noStrike">
-                <a:solidFill>
-                  <a:srgbClr val="000000"/>
-                </a:solidFill>
-                <a:latin typeface="Arial"/>
-                <a:ea typeface="DejaVu Sans"/>
-              </a:rPr>
-              <a:t>Star + BRIEF</a:t>
-            </a:r>
-            <a:endParaRPr b="0" lang="en-GB" sz="3200" spc="-1" strike="noStrike">
-              <a:latin typeface="Arial"/>
-            </a:endParaRPr>
-          </a:p>
-          <a:p>
-            <a:pPr marL="432000" indent="-323280">
-              <a:lnSpc>
-                <a:spcPct val="100000"/>
-              </a:lnSpc>
-              <a:spcBef>
-                <a:spcPts val="1417"/>
-              </a:spcBef>
-              <a:buClr>
-                <a:srgbClr val="000000"/>
-              </a:buClr>
-              <a:buSzPct val="45000"/>
-              <a:buFont typeface="Wingdings" charset="2"/>
-              <a:buChar char=""/>
-            </a:pPr>
-            <a:r>
-              <a:rPr b="0" lang="en-GB" sz="3200" spc="-1" strike="noStrike">
-                <a:solidFill>
-                  <a:srgbClr val="000000"/>
-                </a:solidFill>
-                <a:latin typeface="Arial"/>
-                <a:ea typeface="DejaVu Sans"/>
-              </a:rPr>
-              <a:t>Star + FREAK</a:t>
-            </a:r>
-            <a:endParaRPr b="0" lang="en-GB" sz="3200" spc="-1" strike="noStrike">
-              <a:latin typeface="Arial"/>
-            </a:endParaRPr>
-          </a:p>
-          <a:p>
-            <a:pPr marL="432000" indent="-323280">
+            <a:normAutofit/>
+          </a:bodyPr>
+          <a:p>
+            <a:pPr marL="432000" indent="-322920">
+              <a:lnSpc>
+                <a:spcPct val="100000"/>
+              </a:lnSpc>
+              <a:spcBef>
+                <a:spcPts val="1417"/>
+              </a:spcBef>
+              <a:buClr>
+                <a:srgbClr val="000000"/>
+              </a:buClr>
+              <a:buSzPct val="45000"/>
+              <a:buFont typeface="Wingdings" charset="2"/>
+              <a:buChar char=""/>
+            </a:pPr>
+            <a:r>
+              <a:rPr b="0" lang="en-GB" sz="3200" spc="-1" strike="noStrike">
+                <a:solidFill>
+                  <a:srgbClr val="000000"/>
+                </a:solidFill>
+                <a:latin typeface="Arial"/>
+                <a:ea typeface="DejaVu Sans"/>
+              </a:rPr>
+              <a:t>SIFT – не используется в данной работе</a:t>
+            </a:r>
+            <a:endParaRPr b="0" lang="en-GB" sz="3200" spc="-1" strike="noStrike">
+              <a:latin typeface="Arial"/>
+            </a:endParaRPr>
+          </a:p>
+          <a:p>
+            <a:pPr marL="432000" indent="-322920">
               <a:lnSpc>
                 <a:spcPct val="100000"/>
               </a:lnSpc>
@@ -4127,7 +3966,7 @@
             </a:endParaRPr>
           </a:p>
           <a:p>
-            <a:pPr marL="432000" indent="-323280">
+            <a:pPr marL="432000" indent="-322920">
               <a:lnSpc>
                 <a:spcPct val="100000"/>
               </a:lnSpc>
@@ -4150,64 +3989,6 @@
                 <a:ea typeface="DejaVu Sans"/>
               </a:rPr>
               <a:t>ORB</a:t>
-            </a:r>
-            <a:endParaRPr b="0" lang="en-GB" sz="3200" spc="-1" strike="noStrike">
-              <a:latin typeface="Arial"/>
-            </a:endParaRPr>
-          </a:p>
-          <a:p>
-            <a:pPr marL="432000" indent="-323280">
-              <a:lnSpc>
-                <a:spcPct val="100000"/>
-              </a:lnSpc>
-              <a:spcBef>
-                <a:spcPts val="1417"/>
-              </a:spcBef>
-              <a:buClr>
-                <a:srgbClr val="000000"/>
-              </a:buClr>
-              <a:buSzPct val="45000"/>
-              <a:buFont typeface="Wingdings" charset="2"/>
-              <a:buChar char=""/>
-            </a:pPr>
-            <a:r>
-              <a:rPr b="0" lang="en-GB" sz="3200" spc="-1" strike="noStrike">
-                <a:solidFill>
-                  <a:srgbClr val="000000"/>
-                </a:solidFill>
-                <a:latin typeface="Arial"/>
-                <a:ea typeface="DejaVu Sans"/>
-              </a:rPr>
-              <a:t>FAST + FREAK</a:t>
-            </a:r>
-            <a:endParaRPr b="0" lang="en-GB" sz="3200" spc="-1" strike="noStrike">
-              <a:latin typeface="Arial"/>
-            </a:endParaRPr>
-          </a:p>
-          <a:p>
-            <a:pPr marL="432000" indent="-323280">
-              <a:lnSpc>
-                <a:spcPct val="100000"/>
-              </a:lnSpc>
-              <a:spcBef>
-                <a:spcPts val="1417"/>
-              </a:spcBef>
-              <a:buClr>
-                <a:srgbClr val="000000"/>
-              </a:buClr>
-              <a:buSzPct val="45000"/>
-              <a:buFont typeface="Wingdings" charset="2"/>
-              <a:buChar char=""/>
-            </a:pPr>
-            <a:r>
-              <a:rPr b="0" lang="en-GB" sz="3200" spc="-1" strike="noStrike">
-                <a:solidFill>
-                  <a:srgbClr val="000000"/>
-                </a:solidFill>
-                <a:latin typeface="Arial"/>
-                <a:ea typeface="DejaVu Sans"/>
-              </a:rPr>
-              <a:t>BRISK</a:t>
             </a:r>
             <a:endParaRPr b="0" lang="en-GB" sz="3200" spc="-1" strike="noStrike">
               <a:latin typeface="Arial"/>
@@ -4254,7 +4035,7 @@
         <p:spPr>
           <a:xfrm>
             <a:off x="504000" y="226080"/>
-            <a:ext cx="9070920" cy="945720"/>
+            <a:ext cx="9070560" cy="945360"/>
           </a:xfrm>
           <a:prstGeom prst="rect">
             <a:avLst/>
@@ -4281,16 +4062,16 @@
               </a:lnSpc>
             </a:pPr>
             <a:r>
-              <a:rPr b="0" lang="en-GB" sz="4400" spc="-1" strike="noStrike">
-                <a:solidFill>
-                  <a:srgbClr val="000000"/>
-                </a:solidFill>
-                <a:latin typeface="Arial"/>
-                <a:ea typeface="DejaVu Sans"/>
-              </a:rPr>
-              <a:t>Детектор FAST</a:t>
-            </a:r>
-            <a:endParaRPr b="0" lang="en-GB" sz="4400" spc="-1" strike="noStrike">
+              <a:rPr b="0" lang="en-GB" sz="2800" spc="-1" strike="noStrike">
+                <a:solidFill>
+                  <a:srgbClr val="000000"/>
+                </a:solidFill>
+                <a:latin typeface="Arial"/>
+                <a:ea typeface="DejaVu Sans"/>
+              </a:rPr>
+              <a:t>Сопоставление дескрипторов и прослеживание оптического потока</a:t>
+            </a:r>
+            <a:endParaRPr b="0" lang="en-GB" sz="2800" spc="-1" strike="noStrike">
               <a:latin typeface="Arial"/>
             </a:endParaRPr>
           </a:p>
@@ -4305,7 +4086,7 @@
         <p:spPr>
           <a:xfrm>
             <a:off x="504000" y="1326600"/>
-            <a:ext cx="9070920" cy="3287520"/>
+            <a:ext cx="9070560" cy="3287160"/>
           </a:xfrm>
           <a:prstGeom prst="rect">
             <a:avLst/>
@@ -4323,293 +4104,90 @@
         </p:style>
         <p:txBody>
           <a:bodyPr lIns="0" rIns="0" tIns="0" bIns="0">
-            <a:normAutofit fontScale="37000"/>
-          </a:bodyPr>
-          <a:p>
-            <a:pPr marL="432000" indent="-323280">
-              <a:lnSpc>
-                <a:spcPct val="100000"/>
-              </a:lnSpc>
-              <a:spcBef>
-                <a:spcPts val="1417"/>
-              </a:spcBef>
-              <a:buClr>
-                <a:srgbClr val="000000"/>
-              </a:buClr>
-              <a:buSzPct val="45000"/>
-              <a:buFont typeface="Wingdings" charset="2"/>
-              <a:buChar char=""/>
-            </a:pPr>
-            <a:r>
-              <a:rPr b="0" lang="en-GB" sz="3200" spc="-1" strike="noStrike">
-                <a:solidFill>
-                  <a:srgbClr val="000000"/>
-                </a:solidFill>
-                <a:latin typeface="Arial"/>
-                <a:ea typeface="DejaVu Sans"/>
-              </a:rPr>
-              <a:t>Shi-Tomasi + BRIEF</a:t>
-            </a:r>
-            <a:endParaRPr b="0" lang="en-GB" sz="3200" spc="-1" strike="noStrike">
-              <a:latin typeface="Arial"/>
-            </a:endParaRPr>
-          </a:p>
-          <a:p>
-            <a:pPr marL="432000" indent="-323280">
-              <a:lnSpc>
-                <a:spcPct val="100000"/>
-              </a:lnSpc>
-              <a:spcBef>
-                <a:spcPts val="1417"/>
-              </a:spcBef>
-              <a:buClr>
-                <a:srgbClr val="000000"/>
-              </a:buClr>
-              <a:buSzPct val="45000"/>
-              <a:buFont typeface="Wingdings" charset="2"/>
-              <a:buChar char=""/>
-            </a:pPr>
-            <a:r>
-              <a:rPr b="0" lang="en-GB" sz="3200" spc="-1" strike="noStrike">
-                <a:solidFill>
-                  <a:srgbClr val="000000"/>
-                </a:solidFill>
-                <a:latin typeface="Arial"/>
-                <a:ea typeface="DejaVu Sans"/>
-              </a:rPr>
-              <a:t>Shi-Tomasi + FREAK</a:t>
-            </a:r>
-            <a:endParaRPr b="0" lang="en-GB" sz="3200" spc="-1" strike="noStrike">
-              <a:latin typeface="Arial"/>
-            </a:endParaRPr>
-          </a:p>
-          <a:p>
-            <a:pPr marL="432000" indent="-323280">
-              <a:lnSpc>
-                <a:spcPct val="100000"/>
-              </a:lnSpc>
-              <a:spcBef>
-                <a:spcPts val="1417"/>
-              </a:spcBef>
-              <a:buClr>
-                <a:srgbClr val="000000"/>
-              </a:buClr>
-              <a:buSzPct val="45000"/>
-              <a:buFont typeface="Wingdings" charset="2"/>
-              <a:buChar char=""/>
-            </a:pPr>
-            <a:r>
-              <a:rPr b="0" lang="en-GB" sz="3200" spc="-1" strike="noStrike">
-                <a:solidFill>
-                  <a:srgbClr val="000000"/>
-                </a:solidFill>
-                <a:latin typeface="Arial"/>
-                <a:ea typeface="DejaVu Sans"/>
-              </a:rPr>
-              <a:t>Harris + BRIEF</a:t>
-            </a:r>
-            <a:endParaRPr b="0" lang="en-GB" sz="3200" spc="-1" strike="noStrike">
-              <a:latin typeface="Arial"/>
-            </a:endParaRPr>
-          </a:p>
-          <a:p>
-            <a:pPr marL="432000" indent="-323280">
-              <a:lnSpc>
-                <a:spcPct val="100000"/>
-              </a:lnSpc>
-              <a:spcBef>
-                <a:spcPts val="1417"/>
-              </a:spcBef>
-              <a:buClr>
-                <a:srgbClr val="000000"/>
-              </a:buClr>
-              <a:buSzPct val="45000"/>
-              <a:buFont typeface="Wingdings" charset="2"/>
-              <a:buChar char=""/>
-            </a:pPr>
-            <a:r>
-              <a:rPr b="0" lang="en-GB" sz="3200" spc="-1" strike="noStrike">
-                <a:solidFill>
-                  <a:srgbClr val="000000"/>
-                </a:solidFill>
-                <a:latin typeface="Arial"/>
-                <a:ea typeface="DejaVu Sans"/>
-              </a:rPr>
-              <a:t>Harris + FREAK</a:t>
-            </a:r>
-            <a:endParaRPr b="0" lang="en-GB" sz="3200" spc="-1" strike="noStrike">
-              <a:latin typeface="Arial"/>
-            </a:endParaRPr>
-          </a:p>
-          <a:p>
-            <a:pPr marL="432000" indent="-323280">
-              <a:lnSpc>
-                <a:spcPct val="100000"/>
-              </a:lnSpc>
-              <a:spcBef>
-                <a:spcPts val="1417"/>
-              </a:spcBef>
-              <a:buClr>
-                <a:srgbClr val="000000"/>
-              </a:buClr>
-              <a:buSzPct val="45000"/>
-              <a:buFont typeface="Wingdings" charset="2"/>
-              <a:buChar char=""/>
-            </a:pPr>
-            <a:r>
-              <a:rPr b="0" lang="en-GB" sz="3200" spc="-1" strike="noStrike">
-                <a:solidFill>
-                  <a:srgbClr val="000000"/>
-                </a:solidFill>
-                <a:latin typeface="Arial"/>
-                <a:ea typeface="DejaVu Sans"/>
-              </a:rPr>
-              <a:t>Star + BRIEF</a:t>
-            </a:r>
-            <a:endParaRPr b="0" lang="en-GB" sz="3200" spc="-1" strike="noStrike">
-              <a:latin typeface="Arial"/>
-            </a:endParaRPr>
-          </a:p>
-          <a:p>
-            <a:pPr marL="432000" indent="-323280">
-              <a:lnSpc>
-                <a:spcPct val="100000"/>
-              </a:lnSpc>
-              <a:spcBef>
-                <a:spcPts val="1417"/>
-              </a:spcBef>
-              <a:buClr>
-                <a:srgbClr val="000000"/>
-              </a:buClr>
-              <a:buSzPct val="45000"/>
-              <a:buFont typeface="Wingdings" charset="2"/>
-              <a:buChar char=""/>
-            </a:pPr>
-            <a:r>
-              <a:rPr b="0" lang="en-GB" sz="3200" spc="-1" strike="noStrike">
-                <a:solidFill>
-                  <a:srgbClr val="000000"/>
-                </a:solidFill>
-                <a:latin typeface="Arial"/>
-                <a:ea typeface="DejaVu Sans"/>
-              </a:rPr>
-              <a:t>Star + FREAK</a:t>
-            </a:r>
-            <a:endParaRPr b="0" lang="en-GB" sz="3200" spc="-1" strike="noStrike">
-              <a:latin typeface="Arial"/>
-            </a:endParaRPr>
-          </a:p>
-          <a:p>
-            <a:pPr marL="432000" indent="-323280">
-              <a:lnSpc>
-                <a:spcPct val="100000"/>
-              </a:lnSpc>
-              <a:spcBef>
-                <a:spcPts val="1417"/>
-              </a:spcBef>
-              <a:buClr>
-                <a:srgbClr val="000000"/>
-              </a:buClr>
-              <a:buSzPct val="45000"/>
-              <a:buFont typeface="Wingdings" charset="2"/>
-              <a:buChar char=""/>
-            </a:pPr>
-            <a:r>
-              <a:rPr b="0" lang="en-GB" sz="3200" spc="-1" strike="noStrike">
-                <a:solidFill>
-                  <a:srgbClr val="000000"/>
-                </a:solidFill>
-                <a:latin typeface="Arial"/>
-                <a:ea typeface="DejaVu Sans"/>
-              </a:rPr>
-              <a:t>SURF</a:t>
-            </a:r>
-            <a:endParaRPr b="0" lang="en-GB" sz="3200" spc="-1" strike="noStrike">
-              <a:latin typeface="Arial"/>
-            </a:endParaRPr>
-          </a:p>
-          <a:p>
-            <a:pPr marL="432000" indent="-323280">
-              <a:lnSpc>
-                <a:spcPct val="100000"/>
-              </a:lnSpc>
-              <a:spcBef>
-                <a:spcPts val="1417"/>
-              </a:spcBef>
-              <a:buClr>
-                <a:srgbClr val="000000"/>
-              </a:buClr>
-              <a:buSzPct val="45000"/>
-              <a:buFont typeface="Wingdings" charset="2"/>
-              <a:buChar char=""/>
-            </a:pPr>
-            <a:r>
-              <a:rPr b="0" lang="en-GB" sz="3200" spc="-1" strike="noStrike">
-                <a:solidFill>
-                  <a:srgbClr val="000000"/>
-                </a:solidFill>
-                <a:latin typeface="Arial"/>
-                <a:ea typeface="DejaVu Sans"/>
-              </a:rPr>
-              <a:t>ORB</a:t>
-            </a:r>
-            <a:endParaRPr b="0" lang="en-GB" sz="3200" spc="-1" strike="noStrike">
-              <a:latin typeface="Arial"/>
-            </a:endParaRPr>
-          </a:p>
-          <a:p>
-            <a:pPr marL="432000" indent="-323280">
-              <a:lnSpc>
-                <a:spcPct val="100000"/>
-              </a:lnSpc>
-              <a:spcBef>
-                <a:spcPts val="1417"/>
-              </a:spcBef>
-              <a:buClr>
-                <a:srgbClr val="000000"/>
-              </a:buClr>
-              <a:buSzPct val="45000"/>
-              <a:buFont typeface="Wingdings" charset="2"/>
-              <a:buChar char=""/>
-            </a:pPr>
-            <a:r>
-              <a:rPr b="0" lang="en-GB" sz="3200" spc="-1" strike="noStrike">
-                <a:solidFill>
-                  <a:srgbClr val="000000"/>
-                </a:solidFill>
-                <a:latin typeface="Arial"/>
-                <a:ea typeface="DejaVu Sans"/>
-              </a:rPr>
-              <a:t>FAST + FREAK</a:t>
-            </a:r>
-            <a:endParaRPr b="0" lang="en-GB" sz="3200" spc="-1" strike="noStrike">
-              <a:latin typeface="Arial"/>
-            </a:endParaRPr>
-          </a:p>
-          <a:p>
-            <a:pPr marL="432000" indent="-323280">
-              <a:lnSpc>
-                <a:spcPct val="100000"/>
-              </a:lnSpc>
-              <a:spcBef>
-                <a:spcPts val="1417"/>
-              </a:spcBef>
-              <a:buClr>
-                <a:srgbClr val="000000"/>
-              </a:buClr>
-              <a:buSzPct val="45000"/>
-              <a:buFont typeface="Wingdings" charset="2"/>
-              <a:buChar char=""/>
-            </a:pPr>
-            <a:r>
-              <a:rPr b="0" lang="en-GB" sz="3200" spc="-1" strike="noStrike">
-                <a:solidFill>
-                  <a:srgbClr val="000000"/>
-                </a:solidFill>
-                <a:latin typeface="Arial"/>
-                <a:ea typeface="DejaVu Sans"/>
-              </a:rPr>
-              <a:t>BRISK</a:t>
+            <a:normAutofit/>
+          </a:bodyPr>
+          <a:p>
+            <a:pPr marL="432000" indent="-322920">
+              <a:lnSpc>
+                <a:spcPct val="100000"/>
+              </a:lnSpc>
+              <a:spcBef>
+                <a:spcPts val="1417"/>
+              </a:spcBef>
+              <a:buClr>
+                <a:srgbClr val="000000"/>
+              </a:buClr>
+              <a:buSzPct val="45000"/>
+              <a:buFont typeface="Wingdings" charset="2"/>
+              <a:buChar char=""/>
+            </a:pPr>
+            <a:r>
+              <a:rPr b="0" lang="en-GB" sz="3200" spc="-1" strike="noStrike">
+                <a:solidFill>
+                  <a:srgbClr val="000000"/>
+                </a:solidFill>
+                <a:latin typeface="Arial"/>
+                <a:ea typeface="DejaVu Sans"/>
+              </a:rPr>
+              <a:t>Метод полного перебора – не используется в данной работе</a:t>
+            </a:r>
+            <a:endParaRPr b="0" lang="en-GB" sz="3200" spc="-1" strike="noStrike">
+              <a:latin typeface="Arial"/>
+            </a:endParaRPr>
+          </a:p>
+          <a:p>
+            <a:pPr marL="432000" indent="-322920">
+              <a:lnSpc>
+                <a:spcPct val="100000"/>
+              </a:lnSpc>
+              <a:spcBef>
+                <a:spcPts val="1417"/>
+              </a:spcBef>
+              <a:buClr>
+                <a:srgbClr val="000000"/>
+              </a:buClr>
+              <a:buSzPct val="45000"/>
+              <a:buFont typeface="Wingdings" charset="2"/>
+              <a:buChar char=""/>
+            </a:pPr>
+            <a:r>
+              <a:rPr b="0" lang="en-GB" sz="3200" spc="-1" strike="noStrike">
+                <a:solidFill>
+                  <a:srgbClr val="000000"/>
+                </a:solidFill>
+                <a:latin typeface="Arial"/>
+                <a:ea typeface="DejaVu Sans"/>
+              </a:rPr>
+              <a:t>Approximate Nearest Neighbor</a:t>
+            </a:r>
+            <a:endParaRPr b="0" lang="en-GB" sz="3200" spc="-1" strike="noStrike">
+              <a:latin typeface="Arial"/>
+            </a:endParaRPr>
+          </a:p>
+          <a:p>
+            <a:pPr marL="432000" indent="-322920">
+              <a:lnSpc>
+                <a:spcPct val="100000"/>
+              </a:lnSpc>
+              <a:spcBef>
+                <a:spcPts val="1417"/>
+              </a:spcBef>
+              <a:buClr>
+                <a:srgbClr val="000000"/>
+              </a:buClr>
+              <a:buSzPct val="45000"/>
+              <a:buFont typeface="Wingdings" charset="2"/>
+              <a:buChar char=""/>
+            </a:pPr>
+            <a:r>
+              <a:rPr b="0" lang="en-GB" sz="3200" spc="-1" strike="noStrike">
+                <a:solidFill>
+                  <a:srgbClr val="000000"/>
+                </a:solidFill>
+                <a:latin typeface="Arial"/>
+                <a:ea typeface="DejaVu Sans"/>
+              </a:rPr>
+              <a:t>Алгоритм Лукаса-Канадэ</a:t>
             </a:r>
             <a:endParaRPr b="0" lang="en-GB" sz="3200" spc="-1" strike="noStrike">
               <a:latin typeface="Arial"/>
@@ -4656,7 +4234,7 @@
         <p:spPr>
           <a:xfrm>
             <a:off x="504000" y="226080"/>
-            <a:ext cx="9070920" cy="945720"/>
+            <a:ext cx="9070560" cy="945360"/>
           </a:xfrm>
           <a:prstGeom prst="rect">
             <a:avLst/>
@@ -4690,7 +4268,7 @@
                 <a:latin typeface="Arial"/>
                 <a:ea typeface="DejaVu Sans"/>
               </a:rPr>
-              <a:t>Дескриптор BRIEF</a:t>
+              <a:t>Алгоритмы прослеживания</a:t>
             </a:r>
             <a:endParaRPr b="0" lang="en-GB" sz="4400" spc="-1" strike="noStrike">
               <a:latin typeface="Arial"/>
@@ -4707,7 +4285,7 @@
         <p:spPr>
           <a:xfrm>
             <a:off x="504000" y="1326600"/>
-            <a:ext cx="9070920" cy="3287520"/>
+            <a:ext cx="9070560" cy="3287160"/>
           </a:xfrm>
           <a:prstGeom prst="rect">
             <a:avLst/>
@@ -4725,293 +4303,264 @@
         </p:style>
         <p:txBody>
           <a:bodyPr lIns="0" rIns="0" tIns="0" bIns="0">
-            <a:normAutofit fontScale="37000"/>
-          </a:bodyPr>
-          <a:p>
-            <a:pPr marL="432000" indent="-323280">
-              <a:lnSpc>
-                <a:spcPct val="100000"/>
-              </a:lnSpc>
-              <a:spcBef>
-                <a:spcPts val="1417"/>
-              </a:spcBef>
-              <a:buClr>
-                <a:srgbClr val="000000"/>
-              </a:buClr>
-              <a:buSzPct val="45000"/>
-              <a:buFont typeface="Wingdings" charset="2"/>
-              <a:buChar char=""/>
-            </a:pPr>
-            <a:r>
-              <a:rPr b="0" lang="en-GB" sz="3200" spc="-1" strike="noStrike">
-                <a:solidFill>
-                  <a:srgbClr val="000000"/>
-                </a:solidFill>
-                <a:latin typeface="Arial"/>
-                <a:ea typeface="DejaVu Sans"/>
-              </a:rPr>
-              <a:t>Shi-Tomasi + BRIEF</a:t>
-            </a:r>
-            <a:endParaRPr b="0" lang="en-GB" sz="3200" spc="-1" strike="noStrike">
-              <a:latin typeface="Arial"/>
-            </a:endParaRPr>
-          </a:p>
-          <a:p>
-            <a:pPr marL="432000" indent="-323280">
-              <a:lnSpc>
-                <a:spcPct val="100000"/>
-              </a:lnSpc>
-              <a:spcBef>
-                <a:spcPts val="1417"/>
-              </a:spcBef>
-              <a:buClr>
-                <a:srgbClr val="000000"/>
-              </a:buClr>
-              <a:buSzPct val="45000"/>
-              <a:buFont typeface="Wingdings" charset="2"/>
-              <a:buChar char=""/>
-            </a:pPr>
-            <a:r>
-              <a:rPr b="0" lang="en-GB" sz="3200" spc="-1" strike="noStrike">
-                <a:solidFill>
-                  <a:srgbClr val="000000"/>
-                </a:solidFill>
-                <a:latin typeface="Arial"/>
-                <a:ea typeface="DejaVu Sans"/>
-              </a:rPr>
-              <a:t>Shi-Tomasi + FREAK</a:t>
-            </a:r>
-            <a:endParaRPr b="0" lang="en-GB" sz="3200" spc="-1" strike="noStrike">
-              <a:latin typeface="Arial"/>
-            </a:endParaRPr>
-          </a:p>
-          <a:p>
-            <a:pPr marL="432000" indent="-323280">
-              <a:lnSpc>
-                <a:spcPct val="100000"/>
-              </a:lnSpc>
-              <a:spcBef>
-                <a:spcPts val="1417"/>
-              </a:spcBef>
-              <a:buClr>
-                <a:srgbClr val="000000"/>
-              </a:buClr>
-              <a:buSzPct val="45000"/>
-              <a:buFont typeface="Wingdings" charset="2"/>
-              <a:buChar char=""/>
-            </a:pPr>
-            <a:r>
-              <a:rPr b="0" lang="en-GB" sz="3200" spc="-1" strike="noStrike">
-                <a:solidFill>
-                  <a:srgbClr val="000000"/>
-                </a:solidFill>
-                <a:latin typeface="Arial"/>
-                <a:ea typeface="DejaVu Sans"/>
-              </a:rPr>
-              <a:t>Harris + BRIEF</a:t>
-            </a:r>
-            <a:endParaRPr b="0" lang="en-GB" sz="3200" spc="-1" strike="noStrike">
-              <a:latin typeface="Arial"/>
-            </a:endParaRPr>
-          </a:p>
-          <a:p>
-            <a:pPr marL="432000" indent="-323280">
-              <a:lnSpc>
-                <a:spcPct val="100000"/>
-              </a:lnSpc>
-              <a:spcBef>
-                <a:spcPts val="1417"/>
-              </a:spcBef>
-              <a:buClr>
-                <a:srgbClr val="000000"/>
-              </a:buClr>
-              <a:buSzPct val="45000"/>
-              <a:buFont typeface="Wingdings" charset="2"/>
-              <a:buChar char=""/>
-            </a:pPr>
-            <a:r>
-              <a:rPr b="0" lang="en-GB" sz="3200" spc="-1" strike="noStrike">
-                <a:solidFill>
-                  <a:srgbClr val="000000"/>
-                </a:solidFill>
-                <a:latin typeface="Arial"/>
-                <a:ea typeface="DejaVu Sans"/>
-              </a:rPr>
-              <a:t>Harris + FREAK</a:t>
-            </a:r>
-            <a:endParaRPr b="0" lang="en-GB" sz="3200" spc="-1" strike="noStrike">
-              <a:latin typeface="Arial"/>
-            </a:endParaRPr>
-          </a:p>
-          <a:p>
-            <a:pPr marL="432000" indent="-323280">
-              <a:lnSpc>
-                <a:spcPct val="100000"/>
-              </a:lnSpc>
-              <a:spcBef>
-                <a:spcPts val="1417"/>
-              </a:spcBef>
-              <a:buClr>
-                <a:srgbClr val="000000"/>
-              </a:buClr>
-              <a:buSzPct val="45000"/>
-              <a:buFont typeface="Wingdings" charset="2"/>
-              <a:buChar char=""/>
-            </a:pPr>
-            <a:r>
-              <a:rPr b="0" lang="en-GB" sz="3200" spc="-1" strike="noStrike">
-                <a:solidFill>
-                  <a:srgbClr val="000000"/>
-                </a:solidFill>
-                <a:latin typeface="Arial"/>
-                <a:ea typeface="DejaVu Sans"/>
-              </a:rPr>
-              <a:t>Star + BRIEF</a:t>
-            </a:r>
-            <a:endParaRPr b="0" lang="en-GB" sz="3200" spc="-1" strike="noStrike">
-              <a:latin typeface="Arial"/>
-            </a:endParaRPr>
-          </a:p>
-          <a:p>
-            <a:pPr marL="432000" indent="-323280">
-              <a:lnSpc>
-                <a:spcPct val="100000"/>
-              </a:lnSpc>
-              <a:spcBef>
-                <a:spcPts val="1417"/>
-              </a:spcBef>
-              <a:buClr>
-                <a:srgbClr val="000000"/>
-              </a:buClr>
-              <a:buSzPct val="45000"/>
-              <a:buFont typeface="Wingdings" charset="2"/>
-              <a:buChar char=""/>
-            </a:pPr>
-            <a:r>
-              <a:rPr b="0" lang="en-GB" sz="3200" spc="-1" strike="noStrike">
-                <a:solidFill>
-                  <a:srgbClr val="000000"/>
-                </a:solidFill>
-                <a:latin typeface="Arial"/>
-                <a:ea typeface="DejaVu Sans"/>
-              </a:rPr>
-              <a:t>Star + FREAK</a:t>
-            </a:r>
-            <a:endParaRPr b="0" lang="en-GB" sz="3200" spc="-1" strike="noStrike">
-              <a:latin typeface="Arial"/>
-            </a:endParaRPr>
-          </a:p>
-          <a:p>
-            <a:pPr marL="432000" indent="-323280">
-              <a:lnSpc>
-                <a:spcPct val="100000"/>
-              </a:lnSpc>
-              <a:spcBef>
-                <a:spcPts val="1417"/>
-              </a:spcBef>
-              <a:buClr>
-                <a:srgbClr val="000000"/>
-              </a:buClr>
-              <a:buSzPct val="45000"/>
-              <a:buFont typeface="Wingdings" charset="2"/>
-              <a:buChar char=""/>
-            </a:pPr>
-            <a:r>
-              <a:rPr b="0" lang="en-GB" sz="3200" spc="-1" strike="noStrike">
-                <a:solidFill>
-                  <a:srgbClr val="000000"/>
-                </a:solidFill>
-                <a:latin typeface="Arial"/>
-                <a:ea typeface="DejaVu Sans"/>
-              </a:rPr>
-              <a:t>SURF</a:t>
-            </a:r>
-            <a:endParaRPr b="0" lang="en-GB" sz="3200" spc="-1" strike="noStrike">
-              <a:latin typeface="Arial"/>
-            </a:endParaRPr>
-          </a:p>
-          <a:p>
-            <a:pPr marL="432000" indent="-323280">
-              <a:lnSpc>
-                <a:spcPct val="100000"/>
-              </a:lnSpc>
-              <a:spcBef>
-                <a:spcPts val="1417"/>
-              </a:spcBef>
-              <a:buClr>
-                <a:srgbClr val="000000"/>
-              </a:buClr>
-              <a:buSzPct val="45000"/>
-              <a:buFont typeface="Wingdings" charset="2"/>
-              <a:buChar char=""/>
-            </a:pPr>
-            <a:r>
-              <a:rPr b="0" lang="en-GB" sz="3200" spc="-1" strike="noStrike">
-                <a:solidFill>
-                  <a:srgbClr val="000000"/>
-                </a:solidFill>
-                <a:latin typeface="Arial"/>
-                <a:ea typeface="DejaVu Sans"/>
-              </a:rPr>
-              <a:t>ORB</a:t>
-            </a:r>
-            <a:endParaRPr b="0" lang="en-GB" sz="3200" spc="-1" strike="noStrike">
-              <a:latin typeface="Arial"/>
-            </a:endParaRPr>
-          </a:p>
-          <a:p>
-            <a:pPr marL="432000" indent="-323280">
-              <a:lnSpc>
-                <a:spcPct val="100000"/>
-              </a:lnSpc>
-              <a:spcBef>
-                <a:spcPts val="1417"/>
-              </a:spcBef>
-              <a:buClr>
-                <a:srgbClr val="000000"/>
-              </a:buClr>
-              <a:buSzPct val="45000"/>
-              <a:buFont typeface="Wingdings" charset="2"/>
-              <a:buChar char=""/>
-            </a:pPr>
-            <a:r>
-              <a:rPr b="0" lang="en-GB" sz="3200" spc="-1" strike="noStrike">
-                <a:solidFill>
-                  <a:srgbClr val="000000"/>
-                </a:solidFill>
-                <a:latin typeface="Arial"/>
-                <a:ea typeface="DejaVu Sans"/>
-              </a:rPr>
-              <a:t>FAST + FREAK</a:t>
-            </a:r>
-            <a:endParaRPr b="0" lang="en-GB" sz="3200" spc="-1" strike="noStrike">
-              <a:latin typeface="Arial"/>
-            </a:endParaRPr>
-          </a:p>
-          <a:p>
-            <a:pPr marL="432000" indent="-323280">
-              <a:lnSpc>
-                <a:spcPct val="100000"/>
-              </a:lnSpc>
-              <a:spcBef>
-                <a:spcPts val="1417"/>
-              </a:spcBef>
-              <a:buClr>
-                <a:srgbClr val="000000"/>
-              </a:buClr>
-              <a:buSzPct val="45000"/>
-              <a:buFont typeface="Wingdings" charset="2"/>
-              <a:buChar char=""/>
-            </a:pPr>
-            <a:r>
-              <a:rPr b="0" lang="en-GB" sz="3200" spc="-1" strike="noStrike">
-                <a:solidFill>
-                  <a:srgbClr val="000000"/>
-                </a:solidFill>
-                <a:latin typeface="Arial"/>
-                <a:ea typeface="DejaVu Sans"/>
-              </a:rPr>
-              <a:t>BRISK</a:t>
+            <a:normAutofit fontScale="45000"/>
+          </a:bodyPr>
+          <a:p>
+            <a:pPr marL="432000" indent="-322920">
+              <a:lnSpc>
+                <a:spcPct val="100000"/>
+              </a:lnSpc>
+              <a:spcBef>
+                <a:spcPts val="1417"/>
+              </a:spcBef>
+              <a:buClr>
+                <a:srgbClr val="000000"/>
+              </a:buClr>
+              <a:buSzPct val="45000"/>
+              <a:buFont typeface="Wingdings" charset="2"/>
+              <a:buChar char=""/>
+            </a:pPr>
+            <a:r>
+              <a:rPr b="0" lang="en-GB" sz="3200" spc="-1" strike="noStrike">
+                <a:solidFill>
+                  <a:srgbClr val="000000"/>
+                </a:solidFill>
+                <a:latin typeface="Arial"/>
+                <a:ea typeface="DejaVu Sans"/>
+              </a:rPr>
+              <a:t>Shi-Tomasi + Lucas-Kanade</a:t>
+            </a:r>
+            <a:endParaRPr b="0" lang="en-GB" sz="3200" spc="-1" strike="noStrike">
+              <a:latin typeface="Arial"/>
+            </a:endParaRPr>
+          </a:p>
+          <a:p>
+            <a:pPr marL="432000" indent="-322920">
+              <a:lnSpc>
+                <a:spcPct val="100000"/>
+              </a:lnSpc>
+              <a:spcBef>
+                <a:spcPts val="1417"/>
+              </a:spcBef>
+              <a:buClr>
+                <a:srgbClr val="000000"/>
+              </a:buClr>
+              <a:buSzPct val="45000"/>
+              <a:buFont typeface="Wingdings" charset="2"/>
+              <a:buChar char=""/>
+            </a:pPr>
+            <a:r>
+              <a:rPr b="0" lang="en-GB" sz="3200" spc="-1" strike="noStrike">
+                <a:solidFill>
+                  <a:srgbClr val="000000"/>
+                </a:solidFill>
+                <a:latin typeface="Arial"/>
+                <a:ea typeface="DejaVu Sans"/>
+              </a:rPr>
+              <a:t>Harris + Lucas-Kanade</a:t>
+            </a:r>
+            <a:endParaRPr b="0" lang="en-GB" sz="3200" spc="-1" strike="noStrike">
+              <a:latin typeface="Arial"/>
+            </a:endParaRPr>
+          </a:p>
+          <a:p>
+            <a:pPr marL="432000" indent="-322920">
+              <a:lnSpc>
+                <a:spcPct val="100000"/>
+              </a:lnSpc>
+              <a:spcBef>
+                <a:spcPts val="1417"/>
+              </a:spcBef>
+              <a:buClr>
+                <a:srgbClr val="000000"/>
+              </a:buClr>
+              <a:buSzPct val="45000"/>
+              <a:buFont typeface="Wingdings" charset="2"/>
+              <a:buChar char=""/>
+            </a:pPr>
+            <a:r>
+              <a:rPr b="0" lang="en-GB" sz="3200" spc="-1" strike="noStrike">
+                <a:solidFill>
+                  <a:srgbClr val="000000"/>
+                </a:solidFill>
+                <a:latin typeface="Arial"/>
+                <a:ea typeface="DejaVu Sans"/>
+              </a:rPr>
+              <a:t>Star + Lucas-Kanade</a:t>
+            </a:r>
+            <a:endParaRPr b="0" lang="en-GB" sz="3200" spc="-1" strike="noStrike">
+              <a:latin typeface="Arial"/>
+            </a:endParaRPr>
+          </a:p>
+          <a:p>
+            <a:pPr marL="432000" indent="-322920">
+              <a:lnSpc>
+                <a:spcPct val="100000"/>
+              </a:lnSpc>
+              <a:spcBef>
+                <a:spcPts val="1417"/>
+              </a:spcBef>
+              <a:buClr>
+                <a:srgbClr val="000000"/>
+              </a:buClr>
+              <a:buSzPct val="45000"/>
+              <a:buFont typeface="Wingdings" charset="2"/>
+              <a:buChar char=""/>
+            </a:pPr>
+            <a:r>
+              <a:rPr b="0" lang="en-GB" sz="3200" spc="-1" strike="noStrike">
+                <a:solidFill>
+                  <a:srgbClr val="000000"/>
+                </a:solidFill>
+                <a:latin typeface="Arial"/>
+                <a:ea typeface="DejaVu Sans"/>
+              </a:rPr>
+              <a:t>Fast + Lucas-Kanade</a:t>
+            </a:r>
+            <a:endParaRPr b="0" lang="en-GB" sz="3200" spc="-1" strike="noStrike">
+              <a:latin typeface="Arial"/>
+            </a:endParaRPr>
+          </a:p>
+          <a:p>
+            <a:pPr marL="432000" indent="-322920">
+              <a:lnSpc>
+                <a:spcPct val="100000"/>
+              </a:lnSpc>
+              <a:spcBef>
+                <a:spcPts val="1417"/>
+              </a:spcBef>
+              <a:buClr>
+                <a:srgbClr val="000000"/>
+              </a:buClr>
+              <a:buSzPct val="45000"/>
+              <a:buFont typeface="Wingdings" charset="2"/>
+              <a:buChar char=""/>
+            </a:pPr>
+            <a:r>
+              <a:rPr b="0" lang="en-GB" sz="3200" spc="-1" strike="noStrike">
+                <a:solidFill>
+                  <a:srgbClr val="000000"/>
+                </a:solidFill>
+                <a:latin typeface="Arial"/>
+                <a:ea typeface="DejaVu Sans"/>
+              </a:rPr>
+              <a:t>Shi-Tomasi + BRIEF + FLANN</a:t>
+            </a:r>
+            <a:endParaRPr b="0" lang="en-GB" sz="3200" spc="-1" strike="noStrike">
+              <a:latin typeface="Arial"/>
+            </a:endParaRPr>
+          </a:p>
+          <a:p>
+            <a:pPr marL="432000" indent="-322920">
+              <a:lnSpc>
+                <a:spcPct val="100000"/>
+              </a:lnSpc>
+              <a:spcBef>
+                <a:spcPts val="1417"/>
+              </a:spcBef>
+              <a:buClr>
+                <a:srgbClr val="000000"/>
+              </a:buClr>
+              <a:buSzPct val="45000"/>
+              <a:buFont typeface="Wingdings" charset="2"/>
+              <a:buChar char=""/>
+            </a:pPr>
+            <a:r>
+              <a:rPr b="0" lang="en-GB" sz="3200" spc="-1" strike="noStrike">
+                <a:solidFill>
+                  <a:srgbClr val="000000"/>
+                </a:solidFill>
+                <a:latin typeface="Arial"/>
+                <a:ea typeface="DejaVu Sans"/>
+              </a:rPr>
+              <a:t>Shi-Tomasi + FREAK + FLANN</a:t>
+            </a:r>
+            <a:endParaRPr b="0" lang="en-GB" sz="3200" spc="-1" strike="noStrike">
+              <a:latin typeface="Arial"/>
+            </a:endParaRPr>
+          </a:p>
+          <a:p>
+            <a:pPr marL="432000" indent="-322920">
+              <a:lnSpc>
+                <a:spcPct val="100000"/>
+              </a:lnSpc>
+              <a:spcBef>
+                <a:spcPts val="1417"/>
+              </a:spcBef>
+              <a:buClr>
+                <a:srgbClr val="000000"/>
+              </a:buClr>
+              <a:buSzPct val="45000"/>
+              <a:buFont typeface="Wingdings" charset="2"/>
+              <a:buChar char=""/>
+            </a:pPr>
+            <a:r>
+              <a:rPr b="0" lang="en-GB" sz="3200" spc="-1" strike="noStrike">
+                <a:solidFill>
+                  <a:srgbClr val="000000"/>
+                </a:solidFill>
+                <a:latin typeface="Arial"/>
+                <a:ea typeface="DejaVu Sans"/>
+              </a:rPr>
+              <a:t>SURF + FLANN</a:t>
+            </a:r>
+            <a:endParaRPr b="0" lang="en-GB" sz="3200" spc="-1" strike="noStrike">
+              <a:latin typeface="Arial"/>
+            </a:endParaRPr>
+          </a:p>
+          <a:p>
+            <a:pPr marL="432000" indent="-322920">
+              <a:lnSpc>
+                <a:spcPct val="100000"/>
+              </a:lnSpc>
+              <a:spcBef>
+                <a:spcPts val="1417"/>
+              </a:spcBef>
+              <a:buClr>
+                <a:srgbClr val="000000"/>
+              </a:buClr>
+              <a:buSzPct val="45000"/>
+              <a:buFont typeface="Wingdings" charset="2"/>
+              <a:buChar char=""/>
+            </a:pPr>
+            <a:r>
+              <a:rPr b="0" lang="en-GB" sz="3200" spc="-1" strike="noStrike">
+                <a:solidFill>
+                  <a:srgbClr val="000000"/>
+                </a:solidFill>
+                <a:latin typeface="Arial"/>
+                <a:ea typeface="DejaVu Sans"/>
+              </a:rPr>
+              <a:t>ORB + FLANN</a:t>
+            </a:r>
+            <a:endParaRPr b="0" lang="en-GB" sz="3200" spc="-1" strike="noStrike">
+              <a:latin typeface="Arial"/>
+            </a:endParaRPr>
+          </a:p>
+          <a:p>
+            <a:pPr marL="432000" indent="-322920">
+              <a:lnSpc>
+                <a:spcPct val="100000"/>
+              </a:lnSpc>
+              <a:spcBef>
+                <a:spcPts val="1417"/>
+              </a:spcBef>
+              <a:buClr>
+                <a:srgbClr val="000000"/>
+              </a:buClr>
+              <a:buSzPct val="45000"/>
+              <a:buFont typeface="Wingdings" charset="2"/>
+              <a:buChar char=""/>
+            </a:pPr>
+            <a:r>
+              <a:rPr b="0" lang="en-GB" sz="3200" spc="-1" strike="noStrike">
+                <a:solidFill>
+                  <a:srgbClr val="000000"/>
+                </a:solidFill>
+                <a:latin typeface="Arial"/>
+                <a:ea typeface="DejaVu Sans"/>
+              </a:rPr>
+              <a:t>BRISK + FLANN</a:t>
             </a:r>
             <a:endParaRPr b="0" lang="en-GB" sz="3200" spc="-1" strike="noStrike">
               <a:latin typeface="Arial"/>
@@ -5058,7 +4607,7 @@
         <p:spPr>
           <a:xfrm>
             <a:off x="504000" y="226080"/>
-            <a:ext cx="9070920" cy="945720"/>
+            <a:ext cx="9070560" cy="945360"/>
           </a:xfrm>
           <a:prstGeom prst="rect">
             <a:avLst/>
@@ -5092,7 +4641,7 @@
                 <a:latin typeface="Arial"/>
                 <a:ea typeface="DejaVu Sans"/>
               </a:rPr>
-              <a:t>Дескриптор FREAK</a:t>
+              <a:t>Детектор Харриса</a:t>
             </a:r>
             <a:endParaRPr b="0" lang="en-GB" sz="4400" spc="-1" strike="noStrike">
               <a:latin typeface="Arial"/>
@@ -5109,7 +4658,7 @@
         <p:spPr>
           <a:xfrm>
             <a:off x="504000" y="1326600"/>
-            <a:ext cx="9070920" cy="3287520"/>
+            <a:ext cx="9070560" cy="3287160"/>
           </a:xfrm>
           <a:prstGeom prst="rect">
             <a:avLst/>
@@ -5130,7 +4679,7 @@
             <a:normAutofit fontScale="37000"/>
           </a:bodyPr>
           <a:p>
-            <a:pPr marL="432000" indent="-323280">
+            <a:pPr marL="432000" indent="-322920">
               <a:lnSpc>
                 <a:spcPct val="100000"/>
               </a:lnSpc>
@@ -5159,7 +4708,7 @@
             </a:endParaRPr>
           </a:p>
           <a:p>
-            <a:pPr marL="432000" indent="-323280">
+            <a:pPr marL="432000" indent="-322920">
               <a:lnSpc>
                 <a:spcPct val="100000"/>
               </a:lnSpc>
@@ -5188,7 +4737,7 @@
             </a:endParaRPr>
           </a:p>
           <a:p>
-            <a:pPr marL="432000" indent="-323280">
+            <a:pPr marL="432000" indent="-322920">
               <a:lnSpc>
                 <a:spcPct val="100000"/>
               </a:lnSpc>
@@ -5217,7 +4766,7 @@
             </a:endParaRPr>
           </a:p>
           <a:p>
-            <a:pPr marL="432000" indent="-323280">
+            <a:pPr marL="432000" indent="-322920">
               <a:lnSpc>
                 <a:spcPct val="100000"/>
               </a:lnSpc>
@@ -5246,7 +4795,7 @@
             </a:endParaRPr>
           </a:p>
           <a:p>
-            <a:pPr marL="432000" indent="-323280">
+            <a:pPr marL="432000" indent="-322920">
               <a:lnSpc>
                 <a:spcPct val="100000"/>
               </a:lnSpc>
@@ -5275,7 +4824,7 @@
             </a:endParaRPr>
           </a:p>
           <a:p>
-            <a:pPr marL="432000" indent="-323280">
+            <a:pPr marL="432000" indent="-322920">
               <a:lnSpc>
                 <a:spcPct val="100000"/>
               </a:lnSpc>
@@ -5304,7 +4853,7 @@
             </a:endParaRPr>
           </a:p>
           <a:p>
-            <a:pPr marL="432000" indent="-323280">
+            <a:pPr marL="432000" indent="-322920">
               <a:lnSpc>
                 <a:spcPct val="100000"/>
               </a:lnSpc>
@@ -5333,7 +4882,7 @@
             </a:endParaRPr>
           </a:p>
           <a:p>
-            <a:pPr marL="432000" indent="-323280">
+            <a:pPr marL="432000" indent="-322920">
               <a:lnSpc>
                 <a:spcPct val="100000"/>
               </a:lnSpc>
@@ -5362,7 +4911,7 @@
             </a:endParaRPr>
           </a:p>
           <a:p>
-            <a:pPr marL="432000" indent="-323280">
+            <a:pPr marL="432000" indent="-322920">
               <a:lnSpc>
                 <a:spcPct val="100000"/>
               </a:lnSpc>
@@ -5391,7 +4940,7 @@
             </a:endParaRPr>
           </a:p>
           <a:p>
-            <a:pPr marL="432000" indent="-323280">
+            <a:pPr marL="432000" indent="-322920">
               <a:lnSpc>
                 <a:spcPct val="100000"/>
               </a:lnSpc>
@@ -5460,7 +5009,7 @@
         <p:spPr>
           <a:xfrm>
             <a:off x="504000" y="226080"/>
-            <a:ext cx="9070920" cy="945720"/>
+            <a:ext cx="9070560" cy="945360"/>
           </a:xfrm>
           <a:prstGeom prst="rect">
             <a:avLst/>
@@ -5494,7 +5043,7 @@
                 <a:latin typeface="Arial"/>
                 <a:ea typeface="DejaVu Sans"/>
               </a:rPr>
-              <a:t>Детектор SIFT</a:t>
+              <a:t>Детектор Shi-Tomasi</a:t>
             </a:r>
             <a:endParaRPr b="0" lang="en-GB" sz="4400" spc="-1" strike="noStrike">
               <a:latin typeface="Arial"/>
@@ -5511,7 +5060,7 @@
         <p:spPr>
           <a:xfrm>
             <a:off x="504000" y="1326600"/>
-            <a:ext cx="9070920" cy="3287520"/>
+            <a:ext cx="9070560" cy="3287160"/>
           </a:xfrm>
           <a:prstGeom prst="rect">
             <a:avLst/>
@@ -5532,7 +5081,7 @@
             <a:normAutofit fontScale="37000"/>
           </a:bodyPr>
           <a:p>
-            <a:pPr marL="432000" indent="-323280">
+            <a:pPr marL="432000" indent="-322920">
               <a:lnSpc>
                 <a:spcPct val="100000"/>
               </a:lnSpc>
@@ -5561,7 +5110,7 @@
             </a:endParaRPr>
           </a:p>
           <a:p>
-            <a:pPr marL="432000" indent="-323280">
+            <a:pPr marL="432000" indent="-322920">
               <a:lnSpc>
                 <a:spcPct val="100000"/>
               </a:lnSpc>
@@ -5590,7 +5139,7 @@
             </a:endParaRPr>
           </a:p>
           <a:p>
-            <a:pPr marL="432000" indent="-323280">
+            <a:pPr marL="432000" indent="-322920">
               <a:lnSpc>
                 <a:spcPct val="100000"/>
               </a:lnSpc>
@@ -5619,7 +5168,7 @@
             </a:endParaRPr>
           </a:p>
           <a:p>
-            <a:pPr marL="432000" indent="-323280">
+            <a:pPr marL="432000" indent="-322920">
               <a:lnSpc>
                 <a:spcPct val="100000"/>
               </a:lnSpc>
@@ -5648,7 +5197,7 @@
             </a:endParaRPr>
           </a:p>
           <a:p>
-            <a:pPr marL="432000" indent="-323280">
+            <a:pPr marL="432000" indent="-322920">
               <a:lnSpc>
                 <a:spcPct val="100000"/>
               </a:lnSpc>
@@ -5677,7 +5226,7 @@
             </a:endParaRPr>
           </a:p>
           <a:p>
-            <a:pPr marL="432000" indent="-323280">
+            <a:pPr marL="432000" indent="-322920">
               <a:lnSpc>
                 <a:spcPct val="100000"/>
               </a:lnSpc>
@@ -5706,7 +5255,7 @@
             </a:endParaRPr>
           </a:p>
           <a:p>
-            <a:pPr marL="432000" indent="-323280">
+            <a:pPr marL="432000" indent="-322920">
               <a:lnSpc>
                 <a:spcPct val="100000"/>
               </a:lnSpc>
@@ -5735,7 +5284,7 @@
             </a:endParaRPr>
           </a:p>
           <a:p>
-            <a:pPr marL="432000" indent="-323280">
+            <a:pPr marL="432000" indent="-322920">
               <a:lnSpc>
                 <a:spcPct val="100000"/>
               </a:lnSpc>
@@ -5764,7 +5313,7 @@
             </a:endParaRPr>
           </a:p>
           <a:p>
-            <a:pPr marL="432000" indent="-323280">
+            <a:pPr marL="432000" indent="-322920">
               <a:lnSpc>
                 <a:spcPct val="100000"/>
               </a:lnSpc>
@@ -5793,7 +5342,7 @@
             </a:endParaRPr>
           </a:p>
           <a:p>
-            <a:pPr marL="432000" indent="-323280">
+            <a:pPr marL="432000" indent="-322920">
               <a:lnSpc>
                 <a:spcPct val="100000"/>
               </a:lnSpc>
@@ -5862,7 +5411,7 @@
         <p:spPr>
           <a:xfrm>
             <a:off x="504000" y="226080"/>
-            <a:ext cx="9070920" cy="945720"/>
+            <a:ext cx="9070560" cy="945360"/>
           </a:xfrm>
           <a:prstGeom prst="rect">
             <a:avLst/>
@@ -5896,7 +5445,7 @@
                 <a:latin typeface="Arial"/>
                 <a:ea typeface="DejaVu Sans"/>
               </a:rPr>
-              <a:t>Детектор SURF</a:t>
+              <a:t>Детектор Star</a:t>
             </a:r>
             <a:endParaRPr b="0" lang="en-GB" sz="4400" spc="-1" strike="noStrike">
               <a:latin typeface="Arial"/>
@@ -5913,7 +5462,7 @@
         <p:spPr>
           <a:xfrm>
             <a:off x="504000" y="1326600"/>
-            <a:ext cx="9070920" cy="3287520"/>
+            <a:ext cx="9070560" cy="3287160"/>
           </a:xfrm>
           <a:prstGeom prst="rect">
             <a:avLst/>
@@ -5934,7 +5483,7 @@
             <a:normAutofit fontScale="37000"/>
           </a:bodyPr>
           <a:p>
-            <a:pPr marL="432000" indent="-323280">
+            <a:pPr marL="432000" indent="-322920">
               <a:lnSpc>
                 <a:spcPct val="100000"/>
               </a:lnSpc>
@@ -5963,7 +5512,7 @@
             </a:endParaRPr>
           </a:p>
           <a:p>
-            <a:pPr marL="432000" indent="-323280">
+            <a:pPr marL="432000" indent="-322920">
               <a:lnSpc>
                 <a:spcPct val="100000"/>
               </a:lnSpc>
@@ -5992,7 +5541,7 @@
             </a:endParaRPr>
           </a:p>
           <a:p>
-            <a:pPr marL="432000" indent="-323280">
+            <a:pPr marL="432000" indent="-322920">
               <a:lnSpc>
                 <a:spcPct val="100000"/>
               </a:lnSpc>
@@ -6021,7 +5570,7 @@
             </a:endParaRPr>
           </a:p>
           <a:p>
-            <a:pPr marL="432000" indent="-323280">
+            <a:pPr marL="432000" indent="-322920">
               <a:lnSpc>
                 <a:spcPct val="100000"/>
               </a:lnSpc>
@@ -6050,7 +5599,7 @@
             </a:endParaRPr>
           </a:p>
           <a:p>
-            <a:pPr marL="432000" indent="-323280">
+            <a:pPr marL="432000" indent="-322920">
               <a:lnSpc>
                 <a:spcPct val="100000"/>
               </a:lnSpc>
@@ -6079,7 +5628,7 @@
             </a:endParaRPr>
           </a:p>
           <a:p>
-            <a:pPr marL="432000" indent="-323280">
+            <a:pPr marL="432000" indent="-322920">
               <a:lnSpc>
                 <a:spcPct val="100000"/>
               </a:lnSpc>
@@ -6108,7 +5657,7 @@
             </a:endParaRPr>
           </a:p>
           <a:p>
-            <a:pPr marL="432000" indent="-323280">
+            <a:pPr marL="432000" indent="-322920">
               <a:lnSpc>
                 <a:spcPct val="100000"/>
               </a:lnSpc>
@@ -6137,7 +5686,7 @@
             </a:endParaRPr>
           </a:p>
           <a:p>
-            <a:pPr marL="432000" indent="-323280">
+            <a:pPr marL="432000" indent="-322920">
               <a:lnSpc>
                 <a:spcPct val="100000"/>
               </a:lnSpc>
@@ -6166,7 +5715,7 @@
             </a:endParaRPr>
           </a:p>
           <a:p>
-            <a:pPr marL="432000" indent="-323280">
+            <a:pPr marL="432000" indent="-322920">
               <a:lnSpc>
                 <a:spcPct val="100000"/>
               </a:lnSpc>
@@ -6195,7 +5744,7 @@
             </a:endParaRPr>
           </a:p>
           <a:p>
-            <a:pPr marL="432000" indent="-323280">
+            <a:pPr marL="432000" indent="-322920">
               <a:lnSpc>
                 <a:spcPct val="100000"/>
               </a:lnSpc>
@@ -6264,7 +5813,7 @@
         <p:spPr>
           <a:xfrm>
             <a:off x="504000" y="226080"/>
-            <a:ext cx="9070920" cy="945720"/>
+            <a:ext cx="9070560" cy="945360"/>
           </a:xfrm>
           <a:prstGeom prst="rect">
             <a:avLst/>
@@ -6298,7 +5847,7 @@
                 <a:latin typeface="Arial"/>
                 <a:ea typeface="DejaVu Sans"/>
               </a:rPr>
-              <a:t>Детектор ORB</a:t>
+              <a:t>Детектор FAST</a:t>
             </a:r>
             <a:endParaRPr b="0" lang="en-GB" sz="4400" spc="-1" strike="noStrike">
               <a:latin typeface="Arial"/>
@@ -6315,7 +5864,7 @@
         <p:spPr>
           <a:xfrm>
             <a:off x="504000" y="1326600"/>
-            <a:ext cx="9070920" cy="3287520"/>
+            <a:ext cx="9070560" cy="3287160"/>
           </a:xfrm>
           <a:prstGeom prst="rect">
             <a:avLst/>
@@ -6336,7 +5885,7 @@
             <a:normAutofit fontScale="37000"/>
           </a:bodyPr>
           <a:p>
-            <a:pPr marL="432000" indent="-323280">
+            <a:pPr marL="432000" indent="-322920">
               <a:lnSpc>
                 <a:spcPct val="100000"/>
               </a:lnSpc>
@@ -6365,7 +5914,7 @@
             </a:endParaRPr>
           </a:p>
           <a:p>
-            <a:pPr marL="432000" indent="-323280">
+            <a:pPr marL="432000" indent="-322920">
               <a:lnSpc>
                 <a:spcPct val="100000"/>
               </a:lnSpc>
@@ -6394,7 +5943,7 @@
             </a:endParaRPr>
           </a:p>
           <a:p>
-            <a:pPr marL="432000" indent="-323280">
+            <a:pPr marL="432000" indent="-322920">
               <a:lnSpc>
                 <a:spcPct val="100000"/>
               </a:lnSpc>
@@ -6423,7 +5972,7 @@
             </a:endParaRPr>
           </a:p>
           <a:p>
-            <a:pPr marL="432000" indent="-323280">
+            <a:pPr marL="432000" indent="-322920">
               <a:lnSpc>
                 <a:spcPct val="100000"/>
               </a:lnSpc>
@@ -6452,7 +6001,7 @@
             </a:endParaRPr>
           </a:p>
           <a:p>
-            <a:pPr marL="432000" indent="-323280">
+            <a:pPr marL="432000" indent="-322920">
               <a:lnSpc>
                 <a:spcPct val="100000"/>
               </a:lnSpc>
@@ -6481,7 +6030,7 @@
             </a:endParaRPr>
           </a:p>
           <a:p>
-            <a:pPr marL="432000" indent="-323280">
+            <a:pPr marL="432000" indent="-322920">
               <a:lnSpc>
                 <a:spcPct val="100000"/>
               </a:lnSpc>
@@ -6510,7 +6059,7 @@
             </a:endParaRPr>
           </a:p>
           <a:p>
-            <a:pPr marL="432000" indent="-323280">
+            <a:pPr marL="432000" indent="-322920">
               <a:lnSpc>
                 <a:spcPct val="100000"/>
               </a:lnSpc>
@@ -6539,7 +6088,7 @@
             </a:endParaRPr>
           </a:p>
           <a:p>
-            <a:pPr marL="432000" indent="-323280">
+            <a:pPr marL="432000" indent="-322920">
               <a:lnSpc>
                 <a:spcPct val="100000"/>
               </a:lnSpc>
@@ -6568,7 +6117,7 @@
             </a:endParaRPr>
           </a:p>
           <a:p>
-            <a:pPr marL="432000" indent="-323280">
+            <a:pPr marL="432000" indent="-322920">
               <a:lnSpc>
                 <a:spcPct val="100000"/>
               </a:lnSpc>
@@ -6597,7 +6146,7 @@
             </a:endParaRPr>
           </a:p>
           <a:p>
-            <a:pPr marL="432000" indent="-323280">
+            <a:pPr marL="432000" indent="-322920">
               <a:lnSpc>
                 <a:spcPct val="100000"/>
               </a:lnSpc>
@@ -6666,7 +6215,7 @@
         <p:spPr>
           <a:xfrm>
             <a:off x="504000" y="226080"/>
-            <a:ext cx="9070920" cy="945720"/>
+            <a:ext cx="9070560" cy="945360"/>
           </a:xfrm>
           <a:prstGeom prst="rect">
             <a:avLst/>
@@ -6700,7 +6249,7 @@
                 <a:latin typeface="Arial"/>
                 <a:ea typeface="DejaVu Sans"/>
               </a:rPr>
-              <a:t>Детектор BRISK</a:t>
+              <a:t>Дескриптор BRIEF</a:t>
             </a:r>
             <a:endParaRPr b="0" lang="en-GB" sz="4400" spc="-1" strike="noStrike">
               <a:latin typeface="Arial"/>
@@ -6717,7 +6266,7 @@
         <p:spPr>
           <a:xfrm>
             <a:off x="504000" y="1326600"/>
-            <a:ext cx="9070920" cy="3287520"/>
+            <a:ext cx="9070560" cy="3287160"/>
           </a:xfrm>
           <a:prstGeom prst="rect">
             <a:avLst/>
@@ -6738,7 +6287,7 @@
             <a:normAutofit fontScale="37000"/>
           </a:bodyPr>
           <a:p>
-            <a:pPr marL="432000" indent="-323280">
+            <a:pPr marL="432000" indent="-322920">
               <a:lnSpc>
                 <a:spcPct val="100000"/>
               </a:lnSpc>
@@ -6767,7 +6316,7 @@
             </a:endParaRPr>
           </a:p>
           <a:p>
-            <a:pPr marL="432000" indent="-323280">
+            <a:pPr marL="432000" indent="-322920">
               <a:lnSpc>
                 <a:spcPct val="100000"/>
               </a:lnSpc>
@@ -6796,7 +6345,7 @@
             </a:endParaRPr>
           </a:p>
           <a:p>
-            <a:pPr marL="432000" indent="-323280">
+            <a:pPr marL="432000" indent="-322920">
               <a:lnSpc>
                 <a:spcPct val="100000"/>
               </a:lnSpc>
@@ -6825,7 +6374,7 @@
             </a:endParaRPr>
           </a:p>
           <a:p>
-            <a:pPr marL="432000" indent="-323280">
+            <a:pPr marL="432000" indent="-322920">
               <a:lnSpc>
                 <a:spcPct val="100000"/>
               </a:lnSpc>
@@ -6854,7 +6403,7 @@
             </a:endParaRPr>
           </a:p>
           <a:p>
-            <a:pPr marL="432000" indent="-323280">
+            <a:pPr marL="432000" indent="-322920">
               <a:lnSpc>
                 <a:spcPct val="100000"/>
               </a:lnSpc>
@@ -6883,7 +6432,7 @@
             </a:endParaRPr>
           </a:p>
           <a:p>
-            <a:pPr marL="432000" indent="-323280">
+            <a:pPr marL="432000" indent="-322920">
               <a:lnSpc>
                 <a:spcPct val="100000"/>
               </a:lnSpc>
@@ -6912,7 +6461,7 @@
             </a:endParaRPr>
           </a:p>
           <a:p>
-            <a:pPr marL="432000" indent="-323280">
+            <a:pPr marL="432000" indent="-322920">
               <a:lnSpc>
                 <a:spcPct val="100000"/>
               </a:lnSpc>
@@ -6941,7 +6490,7 @@
             </a:endParaRPr>
           </a:p>
           <a:p>
-            <a:pPr marL="432000" indent="-323280">
+            <a:pPr marL="432000" indent="-322920">
               <a:lnSpc>
                 <a:spcPct val="100000"/>
               </a:lnSpc>
@@ -6970,7 +6519,7 @@
             </a:endParaRPr>
           </a:p>
           <a:p>
-            <a:pPr marL="432000" indent="-323280">
+            <a:pPr marL="432000" indent="-322920">
               <a:lnSpc>
                 <a:spcPct val="100000"/>
               </a:lnSpc>
@@ -6999,7 +6548,7 @@
             </a:endParaRPr>
           </a:p>
           <a:p>
-            <a:pPr marL="432000" indent="-323280">
+            <a:pPr marL="432000" indent="-322920">
               <a:lnSpc>
                 <a:spcPct val="100000"/>
               </a:lnSpc>
@@ -7067,8 +6616,8 @@
         </p:nvSpPr>
         <p:spPr>
           <a:xfrm>
-            <a:off x="504000" y="74160"/>
-            <a:ext cx="9070920" cy="1249560"/>
+            <a:off x="504000" y="226080"/>
+            <a:ext cx="9070560" cy="945360"/>
           </a:xfrm>
           <a:prstGeom prst="rect">
             <a:avLst/>
@@ -7102,7 +6651,7 @@
                 <a:latin typeface="Arial"/>
                 <a:ea typeface="DejaVu Sans"/>
               </a:rPr>
-              <a:t>Критерии оценки работы детекторов</a:t>
+              <a:t>Дескриптор FREAK</a:t>
             </a:r>
             <a:endParaRPr b="0" lang="en-GB" sz="4400" spc="-1" strike="noStrike">
               <a:latin typeface="Arial"/>
@@ -7119,7 +6668,7 @@
         <p:spPr>
           <a:xfrm>
             <a:off x="504000" y="1326600"/>
-            <a:ext cx="9070920" cy="3287520"/>
+            <a:ext cx="9070560" cy="3287160"/>
           </a:xfrm>
           <a:prstGeom prst="rect">
             <a:avLst/>
@@ -7137,61 +6686,293 @@
         </p:style>
         <p:txBody>
           <a:bodyPr lIns="0" rIns="0" tIns="0" bIns="0">
-            <a:normAutofit/>
-          </a:bodyPr>
-          <a:p>
-            <a:pPr marL="432000" indent="-323280">
-              <a:lnSpc>
-                <a:spcPct val="100000"/>
-              </a:lnSpc>
-              <a:spcBef>
-                <a:spcPts val="1417"/>
-              </a:spcBef>
-              <a:buClr>
-                <a:srgbClr val="000000"/>
-              </a:buClr>
-              <a:buSzPct val="45000"/>
-              <a:buFont typeface="Wingdings" charset="2"/>
-              <a:buChar char=""/>
-            </a:pPr>
-            <a:r>
-              <a:rPr b="0" lang="en-GB" sz="3200" spc="-1" strike="noStrike">
-                <a:solidFill>
-                  <a:srgbClr val="000000"/>
-                </a:solidFill>
-                <a:latin typeface="Arial"/>
-                <a:ea typeface="DejaVu Sans"/>
-              </a:rPr>
-              <a:t>Скорость: количество кадров, которые можно обработать с помощью данного детектора на данном вычислителе</a:t>
-            </a:r>
-            <a:endParaRPr b="0" lang="en-GB" sz="3200" spc="-1" strike="noStrike">
-              <a:latin typeface="Arial"/>
-            </a:endParaRPr>
-          </a:p>
-          <a:p>
-            <a:pPr marL="432000" indent="-323280">
-              <a:lnSpc>
-                <a:spcPct val="100000"/>
-              </a:lnSpc>
-              <a:spcBef>
-                <a:spcPts val="1417"/>
-              </a:spcBef>
-              <a:buClr>
-                <a:srgbClr val="000000"/>
-              </a:buClr>
-              <a:buSzPct val="45000"/>
-              <a:buFont typeface="Wingdings" charset="2"/>
-              <a:buChar char=""/>
-            </a:pPr>
-            <a:r>
-              <a:rPr b="0" lang="en-GB" sz="3200" spc="-1" strike="noStrike">
-                <a:solidFill>
-                  <a:srgbClr val="000000"/>
-                </a:solidFill>
-                <a:latin typeface="Arial"/>
-                <a:ea typeface="DejaVu Sans"/>
-              </a:rPr>
-              <a:t>Нажёдность: среднее и максимальное количество кадров, на которых отслеживается признак</a:t>
+            <a:normAutofit fontScale="37000"/>
+          </a:bodyPr>
+          <a:p>
+            <a:pPr marL="432000" indent="-322920">
+              <a:lnSpc>
+                <a:spcPct val="100000"/>
+              </a:lnSpc>
+              <a:spcBef>
+                <a:spcPts val="1417"/>
+              </a:spcBef>
+              <a:buClr>
+                <a:srgbClr val="000000"/>
+              </a:buClr>
+              <a:buSzPct val="45000"/>
+              <a:buFont typeface="Wingdings" charset="2"/>
+              <a:buChar char=""/>
+            </a:pPr>
+            <a:r>
+              <a:rPr b="0" lang="en-GB" sz="3200" spc="-1" strike="noStrike">
+                <a:solidFill>
+                  <a:srgbClr val="000000"/>
+                </a:solidFill>
+                <a:latin typeface="Arial"/>
+                <a:ea typeface="DejaVu Sans"/>
+              </a:rPr>
+              <a:t>Shi-Tomasi + BRIEF</a:t>
+            </a:r>
+            <a:endParaRPr b="0" lang="en-GB" sz="3200" spc="-1" strike="noStrike">
+              <a:latin typeface="Arial"/>
+            </a:endParaRPr>
+          </a:p>
+          <a:p>
+            <a:pPr marL="432000" indent="-322920">
+              <a:lnSpc>
+                <a:spcPct val="100000"/>
+              </a:lnSpc>
+              <a:spcBef>
+                <a:spcPts val="1417"/>
+              </a:spcBef>
+              <a:buClr>
+                <a:srgbClr val="000000"/>
+              </a:buClr>
+              <a:buSzPct val="45000"/>
+              <a:buFont typeface="Wingdings" charset="2"/>
+              <a:buChar char=""/>
+            </a:pPr>
+            <a:r>
+              <a:rPr b="0" lang="en-GB" sz="3200" spc="-1" strike="noStrike">
+                <a:solidFill>
+                  <a:srgbClr val="000000"/>
+                </a:solidFill>
+                <a:latin typeface="Arial"/>
+                <a:ea typeface="DejaVu Sans"/>
+              </a:rPr>
+              <a:t>Shi-Tomasi + FREAK</a:t>
+            </a:r>
+            <a:endParaRPr b="0" lang="en-GB" sz="3200" spc="-1" strike="noStrike">
+              <a:latin typeface="Arial"/>
+            </a:endParaRPr>
+          </a:p>
+          <a:p>
+            <a:pPr marL="432000" indent="-322920">
+              <a:lnSpc>
+                <a:spcPct val="100000"/>
+              </a:lnSpc>
+              <a:spcBef>
+                <a:spcPts val="1417"/>
+              </a:spcBef>
+              <a:buClr>
+                <a:srgbClr val="000000"/>
+              </a:buClr>
+              <a:buSzPct val="45000"/>
+              <a:buFont typeface="Wingdings" charset="2"/>
+              <a:buChar char=""/>
+            </a:pPr>
+            <a:r>
+              <a:rPr b="0" lang="en-GB" sz="3200" spc="-1" strike="noStrike">
+                <a:solidFill>
+                  <a:srgbClr val="000000"/>
+                </a:solidFill>
+                <a:latin typeface="Arial"/>
+                <a:ea typeface="DejaVu Sans"/>
+              </a:rPr>
+              <a:t>Harris + BRIEF</a:t>
+            </a:r>
+            <a:endParaRPr b="0" lang="en-GB" sz="3200" spc="-1" strike="noStrike">
+              <a:latin typeface="Arial"/>
+            </a:endParaRPr>
+          </a:p>
+          <a:p>
+            <a:pPr marL="432000" indent="-322920">
+              <a:lnSpc>
+                <a:spcPct val="100000"/>
+              </a:lnSpc>
+              <a:spcBef>
+                <a:spcPts val="1417"/>
+              </a:spcBef>
+              <a:buClr>
+                <a:srgbClr val="000000"/>
+              </a:buClr>
+              <a:buSzPct val="45000"/>
+              <a:buFont typeface="Wingdings" charset="2"/>
+              <a:buChar char=""/>
+            </a:pPr>
+            <a:r>
+              <a:rPr b="0" lang="en-GB" sz="3200" spc="-1" strike="noStrike">
+                <a:solidFill>
+                  <a:srgbClr val="000000"/>
+                </a:solidFill>
+                <a:latin typeface="Arial"/>
+                <a:ea typeface="DejaVu Sans"/>
+              </a:rPr>
+              <a:t>Harris + FREAK</a:t>
+            </a:r>
+            <a:endParaRPr b="0" lang="en-GB" sz="3200" spc="-1" strike="noStrike">
+              <a:latin typeface="Arial"/>
+            </a:endParaRPr>
+          </a:p>
+          <a:p>
+            <a:pPr marL="432000" indent="-322920">
+              <a:lnSpc>
+                <a:spcPct val="100000"/>
+              </a:lnSpc>
+              <a:spcBef>
+                <a:spcPts val="1417"/>
+              </a:spcBef>
+              <a:buClr>
+                <a:srgbClr val="000000"/>
+              </a:buClr>
+              <a:buSzPct val="45000"/>
+              <a:buFont typeface="Wingdings" charset="2"/>
+              <a:buChar char=""/>
+            </a:pPr>
+            <a:r>
+              <a:rPr b="0" lang="en-GB" sz="3200" spc="-1" strike="noStrike">
+                <a:solidFill>
+                  <a:srgbClr val="000000"/>
+                </a:solidFill>
+                <a:latin typeface="Arial"/>
+                <a:ea typeface="DejaVu Sans"/>
+              </a:rPr>
+              <a:t>Star + BRIEF</a:t>
+            </a:r>
+            <a:endParaRPr b="0" lang="en-GB" sz="3200" spc="-1" strike="noStrike">
+              <a:latin typeface="Arial"/>
+            </a:endParaRPr>
+          </a:p>
+          <a:p>
+            <a:pPr marL="432000" indent="-322920">
+              <a:lnSpc>
+                <a:spcPct val="100000"/>
+              </a:lnSpc>
+              <a:spcBef>
+                <a:spcPts val="1417"/>
+              </a:spcBef>
+              <a:buClr>
+                <a:srgbClr val="000000"/>
+              </a:buClr>
+              <a:buSzPct val="45000"/>
+              <a:buFont typeface="Wingdings" charset="2"/>
+              <a:buChar char=""/>
+            </a:pPr>
+            <a:r>
+              <a:rPr b="0" lang="en-GB" sz="3200" spc="-1" strike="noStrike">
+                <a:solidFill>
+                  <a:srgbClr val="000000"/>
+                </a:solidFill>
+                <a:latin typeface="Arial"/>
+                <a:ea typeface="DejaVu Sans"/>
+              </a:rPr>
+              <a:t>Star + FREAK</a:t>
+            </a:r>
+            <a:endParaRPr b="0" lang="en-GB" sz="3200" spc="-1" strike="noStrike">
+              <a:latin typeface="Arial"/>
+            </a:endParaRPr>
+          </a:p>
+          <a:p>
+            <a:pPr marL="432000" indent="-322920">
+              <a:lnSpc>
+                <a:spcPct val="100000"/>
+              </a:lnSpc>
+              <a:spcBef>
+                <a:spcPts val="1417"/>
+              </a:spcBef>
+              <a:buClr>
+                <a:srgbClr val="000000"/>
+              </a:buClr>
+              <a:buSzPct val="45000"/>
+              <a:buFont typeface="Wingdings" charset="2"/>
+              <a:buChar char=""/>
+            </a:pPr>
+            <a:r>
+              <a:rPr b="0" lang="en-GB" sz="3200" spc="-1" strike="noStrike">
+                <a:solidFill>
+                  <a:srgbClr val="000000"/>
+                </a:solidFill>
+                <a:latin typeface="Arial"/>
+                <a:ea typeface="DejaVu Sans"/>
+              </a:rPr>
+              <a:t>SURF</a:t>
+            </a:r>
+            <a:endParaRPr b="0" lang="en-GB" sz="3200" spc="-1" strike="noStrike">
+              <a:latin typeface="Arial"/>
+            </a:endParaRPr>
+          </a:p>
+          <a:p>
+            <a:pPr marL="432000" indent="-322920">
+              <a:lnSpc>
+                <a:spcPct val="100000"/>
+              </a:lnSpc>
+              <a:spcBef>
+                <a:spcPts val="1417"/>
+              </a:spcBef>
+              <a:buClr>
+                <a:srgbClr val="000000"/>
+              </a:buClr>
+              <a:buSzPct val="45000"/>
+              <a:buFont typeface="Wingdings" charset="2"/>
+              <a:buChar char=""/>
+            </a:pPr>
+            <a:r>
+              <a:rPr b="0" lang="en-GB" sz="3200" spc="-1" strike="noStrike">
+                <a:solidFill>
+                  <a:srgbClr val="000000"/>
+                </a:solidFill>
+                <a:latin typeface="Arial"/>
+                <a:ea typeface="DejaVu Sans"/>
+              </a:rPr>
+              <a:t>ORB</a:t>
+            </a:r>
+            <a:endParaRPr b="0" lang="en-GB" sz="3200" spc="-1" strike="noStrike">
+              <a:latin typeface="Arial"/>
+            </a:endParaRPr>
+          </a:p>
+          <a:p>
+            <a:pPr marL="432000" indent="-322920">
+              <a:lnSpc>
+                <a:spcPct val="100000"/>
+              </a:lnSpc>
+              <a:spcBef>
+                <a:spcPts val="1417"/>
+              </a:spcBef>
+              <a:buClr>
+                <a:srgbClr val="000000"/>
+              </a:buClr>
+              <a:buSzPct val="45000"/>
+              <a:buFont typeface="Wingdings" charset="2"/>
+              <a:buChar char=""/>
+            </a:pPr>
+            <a:r>
+              <a:rPr b="0" lang="en-GB" sz="3200" spc="-1" strike="noStrike">
+                <a:solidFill>
+                  <a:srgbClr val="000000"/>
+                </a:solidFill>
+                <a:latin typeface="Arial"/>
+                <a:ea typeface="DejaVu Sans"/>
+              </a:rPr>
+              <a:t>FAST + FREAK</a:t>
+            </a:r>
+            <a:endParaRPr b="0" lang="en-GB" sz="3200" spc="-1" strike="noStrike">
+              <a:latin typeface="Arial"/>
+            </a:endParaRPr>
+          </a:p>
+          <a:p>
+            <a:pPr marL="432000" indent="-322920">
+              <a:lnSpc>
+                <a:spcPct val="100000"/>
+              </a:lnSpc>
+              <a:spcBef>
+                <a:spcPts val="1417"/>
+              </a:spcBef>
+              <a:buClr>
+                <a:srgbClr val="000000"/>
+              </a:buClr>
+              <a:buSzPct val="45000"/>
+              <a:buFont typeface="Wingdings" charset="2"/>
+              <a:buChar char=""/>
+            </a:pPr>
+            <a:r>
+              <a:rPr b="0" lang="en-GB" sz="3200" spc="-1" strike="noStrike">
+                <a:solidFill>
+                  <a:srgbClr val="000000"/>
+                </a:solidFill>
+                <a:latin typeface="Arial"/>
+                <a:ea typeface="DejaVu Sans"/>
+              </a:rPr>
+              <a:t>BRISK</a:t>
             </a:r>
             <a:endParaRPr b="0" lang="en-GB" sz="3200" spc="-1" strike="noStrike">
               <a:latin typeface="Arial"/>
@@ -7238,7 +7019,7 @@
         <p:spPr>
           <a:xfrm>
             <a:off x="504000" y="226080"/>
-            <a:ext cx="9070920" cy="945720"/>
+            <a:ext cx="9070560" cy="945360"/>
           </a:xfrm>
           <a:prstGeom prst="rect">
             <a:avLst/>
@@ -7289,7 +7070,7 @@
         <p:spPr>
           <a:xfrm>
             <a:off x="504000" y="1326600"/>
-            <a:ext cx="9070920" cy="3287520"/>
+            <a:ext cx="9070560" cy="3287160"/>
           </a:xfrm>
           <a:prstGeom prst="rect">
             <a:avLst/>
@@ -7307,32 +7088,32 @@
         </p:style>
         <p:txBody>
           <a:bodyPr lIns="0" rIns="0" tIns="0" bIns="0">
-            <a:normAutofit fontScale="81000"/>
-          </a:bodyPr>
-          <a:p>
-            <a:pPr marL="432000" indent="-323280">
-              <a:lnSpc>
-                <a:spcPct val="100000"/>
-              </a:lnSpc>
-              <a:spcBef>
-                <a:spcPts val="1417"/>
-              </a:spcBef>
-              <a:buClr>
-                <a:srgbClr val="000000"/>
-              </a:buClr>
-              <a:buSzPct val="45000"/>
-              <a:buFont typeface="Wingdings" charset="2"/>
-              <a:buChar char=""/>
-            </a:pPr>
-            <a:r>
-              <a:rPr b="0" lang="en-GB" sz="3200" spc="-1" strike="noStrike">
-                <a:solidFill>
-                  <a:srgbClr val="000000"/>
-                </a:solidFill>
-                <a:latin typeface="Arial"/>
-                <a:ea typeface="DejaVu Sans"/>
-              </a:rPr>
-              <a:t>Выбрать детектор особенностей, который работает быстро и надежно</a:t>
+            <a:normAutofit fontScale="68000"/>
+          </a:bodyPr>
+          <a:p>
+            <a:pPr marL="432000" indent="-322920">
+              <a:lnSpc>
+                <a:spcPct val="100000"/>
+              </a:lnSpc>
+              <a:spcBef>
+                <a:spcPts val="1417"/>
+              </a:spcBef>
+              <a:buClr>
+                <a:srgbClr val="000000"/>
+              </a:buClr>
+              <a:buSzPct val="45000"/>
+              <a:buFont typeface="Wingdings" charset="2"/>
+              <a:buChar char=""/>
+            </a:pPr>
+            <a:r>
+              <a:rPr b="0" lang="en-GB" sz="3200" spc="-1" strike="noStrike">
+                <a:solidFill>
+                  <a:srgbClr val="000000"/>
+                </a:solidFill>
+                <a:latin typeface="Arial"/>
+                <a:ea typeface="DejaVu Sans"/>
+              </a:rPr>
+              <a:t>Выбрать алгоритм прослеживания особенностей, который работает быстро и надежно</a:t>
             </a:r>
             <a:endParaRPr b="0" lang="en-GB" sz="3200" spc="-1" strike="noStrike">
               <a:latin typeface="Arial"/>
@@ -7352,7 +7133,7 @@
             </a:endParaRPr>
           </a:p>
           <a:p>
-            <a:pPr marL="432000" indent="-323280">
+            <a:pPr marL="432000" indent="-322920">
               <a:lnSpc>
                 <a:spcPct val="100000"/>
               </a:lnSpc>
@@ -7381,29 +7162,29 @@
             </a:endParaRPr>
           </a:p>
           <a:p>
-            <a:pPr marL="432000" indent="-323280">
-              <a:lnSpc>
-                <a:spcPct val="100000"/>
-              </a:lnSpc>
-              <a:spcBef>
-                <a:spcPts val="1417"/>
-              </a:spcBef>
-              <a:buClr>
-                <a:srgbClr val="000000"/>
-              </a:buClr>
-              <a:buSzPct val="45000"/>
-              <a:buFont typeface="Wingdings" charset="2"/>
-              <a:buChar char=""/>
-            </a:pPr>
-            <a:r>
-              <a:rPr b="0" lang="en-GB" sz="3200" spc="-1" strike="noStrike">
-                <a:solidFill>
-                  <a:srgbClr val="000000"/>
-                </a:solidFill>
-                <a:latin typeface="Arial"/>
-                <a:ea typeface="DejaVu Sans"/>
-              </a:rPr>
-              <a:t>Надёжно: возволяет отследить признак не менее, чем на трёх последовательных кадрах</a:t>
+            <a:pPr marL="432000" indent="-322920">
+              <a:lnSpc>
+                <a:spcPct val="100000"/>
+              </a:lnSpc>
+              <a:spcBef>
+                <a:spcPts val="1417"/>
+              </a:spcBef>
+              <a:buClr>
+                <a:srgbClr val="000000"/>
+              </a:buClr>
+              <a:buSzPct val="45000"/>
+              <a:buFont typeface="Wingdings" charset="2"/>
+              <a:buChar char=""/>
+            </a:pPr>
+            <a:r>
+              <a:rPr b="0" lang="en-GB" sz="3200" spc="-1" strike="noStrike">
+                <a:solidFill>
+                  <a:srgbClr val="000000"/>
+                </a:solidFill>
+                <a:latin typeface="Arial"/>
+                <a:ea typeface="DejaVu Sans"/>
+              </a:rPr>
+              <a:t>Надёжно: позволяет отследить признак не менее, чем на трёх последовательных кадрах</a:t>
             </a:r>
             <a:endParaRPr b="0" lang="en-GB" sz="3200" spc="-1" strike="noStrike">
               <a:latin typeface="Arial"/>
@@ -7449,8 +7230,8 @@
         </p:nvSpPr>
         <p:spPr>
           <a:xfrm>
-            <a:off x="504000" y="74160"/>
-            <a:ext cx="9070920" cy="1249560"/>
+            <a:off x="504000" y="226080"/>
+            <a:ext cx="9070560" cy="945360"/>
           </a:xfrm>
           <a:prstGeom prst="rect">
             <a:avLst/>
@@ -7484,7 +7265,7 @@
                 <a:latin typeface="Arial"/>
                 <a:ea typeface="DejaVu Sans"/>
               </a:rPr>
-              <a:t>Алгоритм оценки работы детекторов</a:t>
+              <a:t>Детектор SIFT</a:t>
             </a:r>
             <a:endParaRPr b="0" lang="en-GB" sz="4400" spc="-1" strike="noStrike">
               <a:latin typeface="Arial"/>
@@ -7501,7 +7282,7 @@
         <p:spPr>
           <a:xfrm>
             <a:off x="504000" y="1326600"/>
-            <a:ext cx="9070920" cy="3287520"/>
+            <a:ext cx="9070560" cy="3287160"/>
           </a:xfrm>
           <a:prstGeom prst="rect">
             <a:avLst/>
@@ -7519,150 +7300,295 @@
         </p:style>
         <p:txBody>
           <a:bodyPr lIns="0" rIns="0" tIns="0" bIns="0">
-            <a:normAutofit fontScale="82000"/>
-          </a:bodyPr>
-          <a:p>
-            <a:pPr marL="432000" indent="-323280">
-              <a:lnSpc>
-                <a:spcPct val="100000"/>
-              </a:lnSpc>
-              <a:spcBef>
-                <a:spcPts val="1417"/>
-              </a:spcBef>
-              <a:buClr>
-                <a:srgbClr val="000000"/>
-              </a:buClr>
-              <a:buSzPct val="45000"/>
-              <a:buFont typeface="Wingdings" charset="2"/>
-              <a:buChar char=""/>
-            </a:pPr>
-            <a:r>
-              <a:rPr b="0" lang="en-GB" sz="3200" spc="-1" strike="noStrike">
-                <a:solidFill>
-                  <a:srgbClr val="000000"/>
-                </a:solidFill>
-                <a:latin typeface="Arial"/>
-                <a:ea typeface="DejaVu Sans"/>
-              </a:rPr>
-              <a:t>Для каждого a из набора архитектур:</a:t>
-            </a:r>
-            <a:endParaRPr b="0" lang="en-GB" sz="3200" spc="-1" strike="noStrike">
-              <a:latin typeface="Arial"/>
-            </a:endParaRPr>
-          </a:p>
-          <a:p>
-            <a:pPr lvl="1" marL="864000" indent="-323280">
-              <a:lnSpc>
-                <a:spcPct val="100000"/>
-              </a:lnSpc>
-              <a:spcBef>
-                <a:spcPts val="1134"/>
-              </a:spcBef>
-              <a:buClr>
-                <a:srgbClr val="000000"/>
-              </a:buClr>
-              <a:buSzPct val="75000"/>
-              <a:buFont typeface="Symbol"/>
-              <a:buChar char=""/>
-            </a:pPr>
-            <a:r>
-              <a:rPr b="0" lang="en-GB" sz="2800" spc="-1" strike="noStrike">
-                <a:solidFill>
-                  <a:srgbClr val="000000"/>
-                </a:solidFill>
-                <a:latin typeface="Arial"/>
-                <a:ea typeface="DejaVu Sans"/>
-              </a:rPr>
-              <a:t>Для каждого d из набора детекторов:</a:t>
-            </a:r>
-            <a:endParaRPr b="0" lang="en-GB" sz="2800" spc="-1" strike="noStrike">
-              <a:latin typeface="Arial"/>
-            </a:endParaRPr>
-          </a:p>
-          <a:p>
-            <a:pPr lvl="2" marL="1296000" indent="-287280">
-              <a:lnSpc>
-                <a:spcPct val="100000"/>
-              </a:lnSpc>
-              <a:spcBef>
-                <a:spcPts val="850"/>
-              </a:spcBef>
-              <a:buClr>
-                <a:srgbClr val="000000"/>
-              </a:buClr>
-              <a:buSzPct val="45000"/>
-              <a:buFont typeface="Wingdings" charset="2"/>
-              <a:buChar char=""/>
-            </a:pPr>
-            <a:r>
-              <a:rPr b="0" lang="en-GB" sz="2400" spc="-1" strike="noStrike">
-                <a:solidFill>
-                  <a:srgbClr val="000000"/>
-                </a:solidFill>
-                <a:latin typeface="Arial"/>
-                <a:ea typeface="DejaVu Sans"/>
-              </a:rPr>
-              <a:t>Вычислить fps(a, d) – среднее количество кадров, обрабатываемых в секунду</a:t>
-            </a:r>
-            <a:endParaRPr b="0" lang="en-GB" sz="2400" spc="-1" strike="noStrike">
-              <a:latin typeface="Arial"/>
-            </a:endParaRPr>
-          </a:p>
-          <a:p>
-            <a:pPr lvl="2" marL="1296000" indent="-287280">
-              <a:lnSpc>
-                <a:spcPct val="100000"/>
-              </a:lnSpc>
-              <a:spcBef>
-                <a:spcPts val="850"/>
-              </a:spcBef>
-              <a:buClr>
-                <a:srgbClr val="000000"/>
-              </a:buClr>
-              <a:buSzPct val="45000"/>
-              <a:buFont typeface="Wingdings" charset="2"/>
-              <a:buChar char=""/>
-            </a:pPr>
-            <a:r>
-              <a:rPr b="0" lang="en-GB" sz="2400" spc="-1" strike="noStrike">
-                <a:solidFill>
-                  <a:srgbClr val="000000"/>
-                </a:solidFill>
-                <a:latin typeface="Arial"/>
-                <a:ea typeface="DejaVu Sans"/>
-              </a:rPr>
-              <a:t>Вычислить avgTrace(a, d) – среднее количество кадров, на которых отслеживается признак</a:t>
-            </a:r>
-            <a:endParaRPr b="0" lang="en-GB" sz="2400" spc="-1" strike="noStrike">
-              <a:latin typeface="Arial"/>
-            </a:endParaRPr>
-          </a:p>
-          <a:p>
-            <a:pPr lvl="2" marL="1296000" indent="-287280">
-              <a:lnSpc>
-                <a:spcPct val="100000"/>
-              </a:lnSpc>
-              <a:spcBef>
-                <a:spcPts val="850"/>
-              </a:spcBef>
-              <a:buClr>
-                <a:srgbClr val="000000"/>
-              </a:buClr>
-              <a:buSzPct val="45000"/>
-              <a:buFont typeface="Wingdings" charset="2"/>
-              <a:buChar char=""/>
-            </a:pPr>
-            <a:r>
-              <a:rPr b="0" lang="en-GB" sz="2400" spc="-1" strike="noStrike">
-                <a:solidFill>
-                  <a:srgbClr val="000000"/>
-                </a:solidFill>
-                <a:latin typeface="Arial"/>
-                <a:ea typeface="DejaVu Sans"/>
-              </a:rPr>
-              <a:t>Вычислить maxTrace(a, d) – максимальное количество кадров, на которых отслеживается признак</a:t>
-            </a:r>
-            <a:endParaRPr b="0" lang="en-GB" sz="2400" spc="-1" strike="noStrike">
+            <a:normAutofit fontScale="37000"/>
+          </a:bodyPr>
+          <a:p>
+            <a:pPr marL="432000" indent="-322920">
+              <a:lnSpc>
+                <a:spcPct val="100000"/>
+              </a:lnSpc>
+              <a:spcBef>
+                <a:spcPts val="1417"/>
+              </a:spcBef>
+              <a:buClr>
+                <a:srgbClr val="000000"/>
+              </a:buClr>
+              <a:buSzPct val="45000"/>
+              <a:buFont typeface="Wingdings" charset="2"/>
+              <a:buChar char=""/>
+            </a:pPr>
+            <a:r>
+              <a:rPr b="0" lang="en-GB" sz="3200" spc="-1" strike="noStrike">
+                <a:solidFill>
+                  <a:srgbClr val="000000"/>
+                </a:solidFill>
+                <a:latin typeface="Arial"/>
+                <a:ea typeface="DejaVu Sans"/>
+              </a:rPr>
+              <a:t>Shi-Tomasi + BRIEF</a:t>
+            </a:r>
+            <a:endParaRPr b="0" lang="en-GB" sz="3200" spc="-1" strike="noStrike">
+              <a:latin typeface="Arial"/>
+            </a:endParaRPr>
+          </a:p>
+          <a:p>
+            <a:pPr marL="432000" indent="-322920">
+              <a:lnSpc>
+                <a:spcPct val="100000"/>
+              </a:lnSpc>
+              <a:spcBef>
+                <a:spcPts val="1417"/>
+              </a:spcBef>
+              <a:buClr>
+                <a:srgbClr val="000000"/>
+              </a:buClr>
+              <a:buSzPct val="45000"/>
+              <a:buFont typeface="Wingdings" charset="2"/>
+              <a:buChar char=""/>
+            </a:pPr>
+            <a:r>
+              <a:rPr b="0" lang="en-GB" sz="3200" spc="-1" strike="noStrike">
+                <a:solidFill>
+                  <a:srgbClr val="000000"/>
+                </a:solidFill>
+                <a:latin typeface="Arial"/>
+                <a:ea typeface="DejaVu Sans"/>
+              </a:rPr>
+              <a:t>Shi-Tomasi + FREAK</a:t>
+            </a:r>
+            <a:endParaRPr b="0" lang="en-GB" sz="3200" spc="-1" strike="noStrike">
+              <a:latin typeface="Arial"/>
+            </a:endParaRPr>
+          </a:p>
+          <a:p>
+            <a:pPr marL="432000" indent="-322920">
+              <a:lnSpc>
+                <a:spcPct val="100000"/>
+              </a:lnSpc>
+              <a:spcBef>
+                <a:spcPts val="1417"/>
+              </a:spcBef>
+              <a:buClr>
+                <a:srgbClr val="000000"/>
+              </a:buClr>
+              <a:buSzPct val="45000"/>
+              <a:buFont typeface="Wingdings" charset="2"/>
+              <a:buChar char=""/>
+            </a:pPr>
+            <a:r>
+              <a:rPr b="0" lang="en-GB" sz="3200" spc="-1" strike="noStrike">
+                <a:solidFill>
+                  <a:srgbClr val="000000"/>
+                </a:solidFill>
+                <a:latin typeface="Arial"/>
+                <a:ea typeface="DejaVu Sans"/>
+              </a:rPr>
+              <a:t>Harris + BRIEF</a:t>
+            </a:r>
+            <a:endParaRPr b="0" lang="en-GB" sz="3200" spc="-1" strike="noStrike">
+              <a:latin typeface="Arial"/>
+            </a:endParaRPr>
+          </a:p>
+          <a:p>
+            <a:pPr marL="432000" indent="-322920">
+              <a:lnSpc>
+                <a:spcPct val="100000"/>
+              </a:lnSpc>
+              <a:spcBef>
+                <a:spcPts val="1417"/>
+              </a:spcBef>
+              <a:buClr>
+                <a:srgbClr val="000000"/>
+              </a:buClr>
+              <a:buSzPct val="45000"/>
+              <a:buFont typeface="Wingdings" charset="2"/>
+              <a:buChar char=""/>
+            </a:pPr>
+            <a:r>
+              <a:rPr b="0" lang="en-GB" sz="3200" spc="-1" strike="noStrike">
+                <a:solidFill>
+                  <a:srgbClr val="000000"/>
+                </a:solidFill>
+                <a:latin typeface="Arial"/>
+                <a:ea typeface="DejaVu Sans"/>
+              </a:rPr>
+              <a:t>Harris + FREAK</a:t>
+            </a:r>
+            <a:endParaRPr b="0" lang="en-GB" sz="3200" spc="-1" strike="noStrike">
+              <a:latin typeface="Arial"/>
+            </a:endParaRPr>
+          </a:p>
+          <a:p>
+            <a:pPr marL="432000" indent="-322920">
+              <a:lnSpc>
+                <a:spcPct val="100000"/>
+              </a:lnSpc>
+              <a:spcBef>
+                <a:spcPts val="1417"/>
+              </a:spcBef>
+              <a:buClr>
+                <a:srgbClr val="000000"/>
+              </a:buClr>
+              <a:buSzPct val="45000"/>
+              <a:buFont typeface="Wingdings" charset="2"/>
+              <a:buChar char=""/>
+            </a:pPr>
+            <a:r>
+              <a:rPr b="0" lang="en-GB" sz="3200" spc="-1" strike="noStrike">
+                <a:solidFill>
+                  <a:srgbClr val="000000"/>
+                </a:solidFill>
+                <a:latin typeface="Arial"/>
+                <a:ea typeface="DejaVu Sans"/>
+              </a:rPr>
+              <a:t>Star + BRIEF</a:t>
+            </a:r>
+            <a:endParaRPr b="0" lang="en-GB" sz="3200" spc="-1" strike="noStrike">
+              <a:latin typeface="Arial"/>
+            </a:endParaRPr>
+          </a:p>
+          <a:p>
+            <a:pPr marL="432000" indent="-322920">
+              <a:lnSpc>
+                <a:spcPct val="100000"/>
+              </a:lnSpc>
+              <a:spcBef>
+                <a:spcPts val="1417"/>
+              </a:spcBef>
+              <a:buClr>
+                <a:srgbClr val="000000"/>
+              </a:buClr>
+              <a:buSzPct val="45000"/>
+              <a:buFont typeface="Wingdings" charset="2"/>
+              <a:buChar char=""/>
+            </a:pPr>
+            <a:r>
+              <a:rPr b="0" lang="en-GB" sz="3200" spc="-1" strike="noStrike">
+                <a:solidFill>
+                  <a:srgbClr val="000000"/>
+                </a:solidFill>
+                <a:latin typeface="Arial"/>
+                <a:ea typeface="DejaVu Sans"/>
+              </a:rPr>
+              <a:t>Star + FREAK</a:t>
+            </a:r>
+            <a:endParaRPr b="0" lang="en-GB" sz="3200" spc="-1" strike="noStrike">
+              <a:latin typeface="Arial"/>
+            </a:endParaRPr>
+          </a:p>
+          <a:p>
+            <a:pPr marL="432000" indent="-322920">
+              <a:lnSpc>
+                <a:spcPct val="100000"/>
+              </a:lnSpc>
+              <a:spcBef>
+                <a:spcPts val="1417"/>
+              </a:spcBef>
+              <a:buClr>
+                <a:srgbClr val="000000"/>
+              </a:buClr>
+              <a:buSzPct val="45000"/>
+              <a:buFont typeface="Wingdings" charset="2"/>
+              <a:buChar char=""/>
+            </a:pPr>
+            <a:r>
+              <a:rPr b="0" lang="en-GB" sz="3200" spc="-1" strike="noStrike">
+                <a:solidFill>
+                  <a:srgbClr val="000000"/>
+                </a:solidFill>
+                <a:latin typeface="Arial"/>
+                <a:ea typeface="DejaVu Sans"/>
+              </a:rPr>
+              <a:t>SURF</a:t>
+            </a:r>
+            <a:endParaRPr b="0" lang="en-GB" sz="3200" spc="-1" strike="noStrike">
+              <a:latin typeface="Arial"/>
+            </a:endParaRPr>
+          </a:p>
+          <a:p>
+            <a:pPr marL="432000" indent="-322920">
+              <a:lnSpc>
+                <a:spcPct val="100000"/>
+              </a:lnSpc>
+              <a:spcBef>
+                <a:spcPts val="1417"/>
+              </a:spcBef>
+              <a:buClr>
+                <a:srgbClr val="000000"/>
+              </a:buClr>
+              <a:buSzPct val="45000"/>
+              <a:buFont typeface="Wingdings" charset="2"/>
+              <a:buChar char=""/>
+            </a:pPr>
+            <a:r>
+              <a:rPr b="0" lang="en-GB" sz="3200" spc="-1" strike="noStrike">
+                <a:solidFill>
+                  <a:srgbClr val="000000"/>
+                </a:solidFill>
+                <a:latin typeface="Arial"/>
+                <a:ea typeface="DejaVu Sans"/>
+              </a:rPr>
+              <a:t>ORB</a:t>
+            </a:r>
+            <a:endParaRPr b="0" lang="en-GB" sz="3200" spc="-1" strike="noStrike">
+              <a:latin typeface="Arial"/>
+            </a:endParaRPr>
+          </a:p>
+          <a:p>
+            <a:pPr marL="432000" indent="-322920">
+              <a:lnSpc>
+                <a:spcPct val="100000"/>
+              </a:lnSpc>
+              <a:spcBef>
+                <a:spcPts val="1417"/>
+              </a:spcBef>
+              <a:buClr>
+                <a:srgbClr val="000000"/>
+              </a:buClr>
+              <a:buSzPct val="45000"/>
+              <a:buFont typeface="Wingdings" charset="2"/>
+              <a:buChar char=""/>
+            </a:pPr>
+            <a:r>
+              <a:rPr b="0" lang="en-GB" sz="3200" spc="-1" strike="noStrike">
+                <a:solidFill>
+                  <a:srgbClr val="000000"/>
+                </a:solidFill>
+                <a:latin typeface="Arial"/>
+                <a:ea typeface="DejaVu Sans"/>
+              </a:rPr>
+              <a:t>FAST + FREAK</a:t>
+            </a:r>
+            <a:endParaRPr b="0" lang="en-GB" sz="3200" spc="-1" strike="noStrike">
+              <a:latin typeface="Arial"/>
+            </a:endParaRPr>
+          </a:p>
+          <a:p>
+            <a:pPr marL="432000" indent="-322920">
+              <a:lnSpc>
+                <a:spcPct val="100000"/>
+              </a:lnSpc>
+              <a:spcBef>
+                <a:spcPts val="1417"/>
+              </a:spcBef>
+              <a:buClr>
+                <a:srgbClr val="000000"/>
+              </a:buClr>
+              <a:buSzPct val="45000"/>
+              <a:buFont typeface="Wingdings" charset="2"/>
+              <a:buChar char=""/>
+            </a:pPr>
+            <a:r>
+              <a:rPr b="0" lang="en-GB" sz="3200" spc="-1" strike="noStrike">
+                <a:solidFill>
+                  <a:srgbClr val="000000"/>
+                </a:solidFill>
+                <a:latin typeface="Arial"/>
+                <a:ea typeface="DejaVu Sans"/>
+              </a:rPr>
+              <a:t>BRISK</a:t>
+            </a:r>
+            <a:endParaRPr b="0" lang="en-GB" sz="3200" spc="-1" strike="noStrike">
               <a:latin typeface="Arial"/>
             </a:endParaRPr>
           </a:p>
@@ -7706,8 +7632,8 @@
         </p:nvSpPr>
         <p:spPr>
           <a:xfrm>
-            <a:off x="504000" y="74160"/>
-            <a:ext cx="9070920" cy="1249560"/>
+            <a:off x="504000" y="226080"/>
+            <a:ext cx="9070560" cy="945360"/>
           </a:xfrm>
           <a:prstGeom prst="rect">
             <a:avLst/>
@@ -7741,7 +7667,7 @@
                 <a:latin typeface="Arial"/>
                 <a:ea typeface="DejaVu Sans"/>
               </a:rPr>
-              <a:t>Результаты работы алгоритма оценки:</a:t>
+              <a:t>Детектор SURF</a:t>
             </a:r>
             <a:endParaRPr b="0" lang="en-GB" sz="4400" spc="-1" strike="noStrike">
               <a:latin typeface="Arial"/>
@@ -7758,7 +7684,7 @@
         <p:spPr>
           <a:xfrm>
             <a:off x="504000" y="1326600"/>
-            <a:ext cx="9070920" cy="3287520"/>
+            <a:ext cx="9070560" cy="3287160"/>
           </a:xfrm>
           <a:prstGeom prst="rect">
             <a:avLst/>
@@ -7774,30 +7700,302 @@
           <a:effectRef idx="0"/>
           <a:fontRef idx="minor"/>
         </p:style>
-      </p:sp>
-      <p:pic>
-        <p:nvPicPr>
-          <p:cNvPr id="119" name="" descr=""/>
-          <p:cNvPicPr/>
-          <p:nvPr/>
-        </p:nvPicPr>
-        <p:blipFill>
-          <a:blip r:embed="rId1"/>
-          <a:stretch/>
-        </p:blipFill>
-        <p:spPr>
-          <a:xfrm>
-            <a:off x="1915200" y="1440000"/>
-            <a:ext cx="6266880" cy="3923640"/>
-          </a:xfrm>
-          <a:prstGeom prst="rect">
-            <a:avLst/>
-          </a:prstGeom>
-          <a:ln>
-            <a:noFill/>
-          </a:ln>
-        </p:spPr>
-      </p:pic>
+        <p:txBody>
+          <a:bodyPr lIns="0" rIns="0" tIns="0" bIns="0">
+            <a:normAutofit fontScale="37000"/>
+          </a:bodyPr>
+          <a:p>
+            <a:pPr marL="432000" indent="-322920">
+              <a:lnSpc>
+                <a:spcPct val="100000"/>
+              </a:lnSpc>
+              <a:spcBef>
+                <a:spcPts val="1417"/>
+              </a:spcBef>
+              <a:buClr>
+                <a:srgbClr val="000000"/>
+              </a:buClr>
+              <a:buSzPct val="45000"/>
+              <a:buFont typeface="Wingdings" charset="2"/>
+              <a:buChar char=""/>
+            </a:pPr>
+            <a:r>
+              <a:rPr b="0" lang="en-GB" sz="3200" spc="-1" strike="noStrike">
+                <a:solidFill>
+                  <a:srgbClr val="000000"/>
+                </a:solidFill>
+                <a:latin typeface="Arial"/>
+                <a:ea typeface="DejaVu Sans"/>
+              </a:rPr>
+              <a:t>Shi-Tomasi + BRIEF</a:t>
+            </a:r>
+            <a:endParaRPr b="0" lang="en-GB" sz="3200" spc="-1" strike="noStrike">
+              <a:latin typeface="Arial"/>
+            </a:endParaRPr>
+          </a:p>
+          <a:p>
+            <a:pPr marL="432000" indent="-322920">
+              <a:lnSpc>
+                <a:spcPct val="100000"/>
+              </a:lnSpc>
+              <a:spcBef>
+                <a:spcPts val="1417"/>
+              </a:spcBef>
+              <a:buClr>
+                <a:srgbClr val="000000"/>
+              </a:buClr>
+              <a:buSzPct val="45000"/>
+              <a:buFont typeface="Wingdings" charset="2"/>
+              <a:buChar char=""/>
+            </a:pPr>
+            <a:r>
+              <a:rPr b="0" lang="en-GB" sz="3200" spc="-1" strike="noStrike">
+                <a:solidFill>
+                  <a:srgbClr val="000000"/>
+                </a:solidFill>
+                <a:latin typeface="Arial"/>
+                <a:ea typeface="DejaVu Sans"/>
+              </a:rPr>
+              <a:t>Shi-Tomasi + FREAK</a:t>
+            </a:r>
+            <a:endParaRPr b="0" lang="en-GB" sz="3200" spc="-1" strike="noStrike">
+              <a:latin typeface="Arial"/>
+            </a:endParaRPr>
+          </a:p>
+          <a:p>
+            <a:pPr marL="432000" indent="-322920">
+              <a:lnSpc>
+                <a:spcPct val="100000"/>
+              </a:lnSpc>
+              <a:spcBef>
+                <a:spcPts val="1417"/>
+              </a:spcBef>
+              <a:buClr>
+                <a:srgbClr val="000000"/>
+              </a:buClr>
+              <a:buSzPct val="45000"/>
+              <a:buFont typeface="Wingdings" charset="2"/>
+              <a:buChar char=""/>
+            </a:pPr>
+            <a:r>
+              <a:rPr b="0" lang="en-GB" sz="3200" spc="-1" strike="noStrike">
+                <a:solidFill>
+                  <a:srgbClr val="000000"/>
+                </a:solidFill>
+                <a:latin typeface="Arial"/>
+                <a:ea typeface="DejaVu Sans"/>
+              </a:rPr>
+              <a:t>Harris + BRIEF</a:t>
+            </a:r>
+            <a:endParaRPr b="0" lang="en-GB" sz="3200" spc="-1" strike="noStrike">
+              <a:latin typeface="Arial"/>
+            </a:endParaRPr>
+          </a:p>
+          <a:p>
+            <a:pPr marL="432000" indent="-322920">
+              <a:lnSpc>
+                <a:spcPct val="100000"/>
+              </a:lnSpc>
+              <a:spcBef>
+                <a:spcPts val="1417"/>
+              </a:spcBef>
+              <a:buClr>
+                <a:srgbClr val="000000"/>
+              </a:buClr>
+              <a:buSzPct val="45000"/>
+              <a:buFont typeface="Wingdings" charset="2"/>
+              <a:buChar char=""/>
+            </a:pPr>
+            <a:r>
+              <a:rPr b="0" lang="en-GB" sz="3200" spc="-1" strike="noStrike">
+                <a:solidFill>
+                  <a:srgbClr val="000000"/>
+                </a:solidFill>
+                <a:latin typeface="Arial"/>
+                <a:ea typeface="DejaVu Sans"/>
+              </a:rPr>
+              <a:t>Harris + FREAK</a:t>
+            </a:r>
+            <a:endParaRPr b="0" lang="en-GB" sz="3200" spc="-1" strike="noStrike">
+              <a:latin typeface="Arial"/>
+            </a:endParaRPr>
+          </a:p>
+          <a:p>
+            <a:pPr marL="432000" indent="-322920">
+              <a:lnSpc>
+                <a:spcPct val="100000"/>
+              </a:lnSpc>
+              <a:spcBef>
+                <a:spcPts val="1417"/>
+              </a:spcBef>
+              <a:buClr>
+                <a:srgbClr val="000000"/>
+              </a:buClr>
+              <a:buSzPct val="45000"/>
+              <a:buFont typeface="Wingdings" charset="2"/>
+              <a:buChar char=""/>
+            </a:pPr>
+            <a:r>
+              <a:rPr b="0" lang="en-GB" sz="3200" spc="-1" strike="noStrike">
+                <a:solidFill>
+                  <a:srgbClr val="000000"/>
+                </a:solidFill>
+                <a:latin typeface="Arial"/>
+                <a:ea typeface="DejaVu Sans"/>
+              </a:rPr>
+              <a:t>Star + BRIEF</a:t>
+            </a:r>
+            <a:endParaRPr b="0" lang="en-GB" sz="3200" spc="-1" strike="noStrike">
+              <a:latin typeface="Arial"/>
+            </a:endParaRPr>
+          </a:p>
+          <a:p>
+            <a:pPr marL="432000" indent="-322920">
+              <a:lnSpc>
+                <a:spcPct val="100000"/>
+              </a:lnSpc>
+              <a:spcBef>
+                <a:spcPts val="1417"/>
+              </a:spcBef>
+              <a:buClr>
+                <a:srgbClr val="000000"/>
+              </a:buClr>
+              <a:buSzPct val="45000"/>
+              <a:buFont typeface="Wingdings" charset="2"/>
+              <a:buChar char=""/>
+            </a:pPr>
+            <a:r>
+              <a:rPr b="0" lang="en-GB" sz="3200" spc="-1" strike="noStrike">
+                <a:solidFill>
+                  <a:srgbClr val="000000"/>
+                </a:solidFill>
+                <a:latin typeface="Arial"/>
+                <a:ea typeface="DejaVu Sans"/>
+              </a:rPr>
+              <a:t>Star + FREAK</a:t>
+            </a:r>
+            <a:endParaRPr b="0" lang="en-GB" sz="3200" spc="-1" strike="noStrike">
+              <a:latin typeface="Arial"/>
+            </a:endParaRPr>
+          </a:p>
+          <a:p>
+            <a:pPr marL="432000" indent="-322920">
+              <a:lnSpc>
+                <a:spcPct val="100000"/>
+              </a:lnSpc>
+              <a:spcBef>
+                <a:spcPts val="1417"/>
+              </a:spcBef>
+              <a:buClr>
+                <a:srgbClr val="000000"/>
+              </a:buClr>
+              <a:buSzPct val="45000"/>
+              <a:buFont typeface="Wingdings" charset="2"/>
+              <a:buChar char=""/>
+            </a:pPr>
+            <a:r>
+              <a:rPr b="0" lang="en-GB" sz="3200" spc="-1" strike="noStrike">
+                <a:solidFill>
+                  <a:srgbClr val="000000"/>
+                </a:solidFill>
+                <a:latin typeface="Arial"/>
+                <a:ea typeface="DejaVu Sans"/>
+              </a:rPr>
+              <a:t>SURF</a:t>
+            </a:r>
+            <a:endParaRPr b="0" lang="en-GB" sz="3200" spc="-1" strike="noStrike">
+              <a:latin typeface="Arial"/>
+            </a:endParaRPr>
+          </a:p>
+          <a:p>
+            <a:pPr marL="432000" indent="-322920">
+              <a:lnSpc>
+                <a:spcPct val="100000"/>
+              </a:lnSpc>
+              <a:spcBef>
+                <a:spcPts val="1417"/>
+              </a:spcBef>
+              <a:buClr>
+                <a:srgbClr val="000000"/>
+              </a:buClr>
+              <a:buSzPct val="45000"/>
+              <a:buFont typeface="Wingdings" charset="2"/>
+              <a:buChar char=""/>
+            </a:pPr>
+            <a:r>
+              <a:rPr b="0" lang="en-GB" sz="3200" spc="-1" strike="noStrike">
+                <a:solidFill>
+                  <a:srgbClr val="000000"/>
+                </a:solidFill>
+                <a:latin typeface="Arial"/>
+                <a:ea typeface="DejaVu Sans"/>
+              </a:rPr>
+              <a:t>ORB</a:t>
+            </a:r>
+            <a:endParaRPr b="0" lang="en-GB" sz="3200" spc="-1" strike="noStrike">
+              <a:latin typeface="Arial"/>
+            </a:endParaRPr>
+          </a:p>
+          <a:p>
+            <a:pPr marL="432000" indent="-322920">
+              <a:lnSpc>
+                <a:spcPct val="100000"/>
+              </a:lnSpc>
+              <a:spcBef>
+                <a:spcPts val="1417"/>
+              </a:spcBef>
+              <a:buClr>
+                <a:srgbClr val="000000"/>
+              </a:buClr>
+              <a:buSzPct val="45000"/>
+              <a:buFont typeface="Wingdings" charset="2"/>
+              <a:buChar char=""/>
+            </a:pPr>
+            <a:r>
+              <a:rPr b="0" lang="en-GB" sz="3200" spc="-1" strike="noStrike">
+                <a:solidFill>
+                  <a:srgbClr val="000000"/>
+                </a:solidFill>
+                <a:latin typeface="Arial"/>
+                <a:ea typeface="DejaVu Sans"/>
+              </a:rPr>
+              <a:t>FAST + FREAK</a:t>
+            </a:r>
+            <a:endParaRPr b="0" lang="en-GB" sz="3200" spc="-1" strike="noStrike">
+              <a:latin typeface="Arial"/>
+            </a:endParaRPr>
+          </a:p>
+          <a:p>
+            <a:pPr marL="432000" indent="-322920">
+              <a:lnSpc>
+                <a:spcPct val="100000"/>
+              </a:lnSpc>
+              <a:spcBef>
+                <a:spcPts val="1417"/>
+              </a:spcBef>
+              <a:buClr>
+                <a:srgbClr val="000000"/>
+              </a:buClr>
+              <a:buSzPct val="45000"/>
+              <a:buFont typeface="Wingdings" charset="2"/>
+              <a:buChar char=""/>
+            </a:pPr>
+            <a:r>
+              <a:rPr b="0" lang="en-GB" sz="3200" spc="-1" strike="noStrike">
+                <a:solidFill>
+                  <a:srgbClr val="000000"/>
+                </a:solidFill>
+                <a:latin typeface="Arial"/>
+                <a:ea typeface="DejaVu Sans"/>
+              </a:rPr>
+              <a:t>BRISK</a:t>
+            </a:r>
+            <a:endParaRPr b="0" lang="en-GB" sz="3200" spc="-1" strike="noStrike">
+              <a:latin typeface="Arial"/>
+            </a:endParaRPr>
+          </a:p>
+        </p:txBody>
+      </p:sp>
     </p:spTree>
   </p:cSld>
   <mc:AlternateContent>
@@ -7830,14 +8028,14 @@
       </p:grpSpPr>
       <p:sp>
         <p:nvSpPr>
-          <p:cNvPr id="120" name="CustomShape 1"/>
+          <p:cNvPr id="119" name="CustomShape 1"/>
           <p:cNvSpPr/>
           <p:nvPr/>
         </p:nvSpPr>
         <p:spPr>
           <a:xfrm>
             <a:off x="504000" y="226080"/>
-            <a:ext cx="9070920" cy="945720"/>
+            <a:ext cx="9070560" cy="945360"/>
           </a:xfrm>
           <a:prstGeom prst="rect">
             <a:avLst/>
@@ -7871,7 +8069,7 @@
                 <a:latin typeface="Arial"/>
                 <a:ea typeface="DejaVu Sans"/>
               </a:rPr>
-              <a:t>Интерпретация результатов</a:t>
+              <a:t>Детектор ORB</a:t>
             </a:r>
             <a:endParaRPr b="0" lang="en-GB" sz="4400" spc="-1" strike="noStrike">
               <a:latin typeface="Arial"/>
@@ -7881,14 +8079,14 @@
       </p:sp>
       <p:sp>
         <p:nvSpPr>
-          <p:cNvPr id="121" name="CustomShape 2"/>
+          <p:cNvPr id="120" name="CustomShape 2"/>
           <p:cNvSpPr/>
           <p:nvPr/>
         </p:nvSpPr>
         <p:spPr>
           <a:xfrm>
             <a:off x="504000" y="1326600"/>
-            <a:ext cx="9070920" cy="3287520"/>
+            <a:ext cx="9070560" cy="3287160"/>
           </a:xfrm>
           <a:prstGeom prst="rect">
             <a:avLst/>
@@ -7906,32 +8104,293 @@
         </p:style>
         <p:txBody>
           <a:bodyPr lIns="0" rIns="0" tIns="0" bIns="0">
-            <a:normAutofit/>
-          </a:bodyPr>
-          <a:p>
-            <a:pPr marL="432000" indent="-323280">
-              <a:lnSpc>
-                <a:spcPct val="100000"/>
-              </a:lnSpc>
-              <a:spcBef>
-                <a:spcPts val="1417"/>
-              </a:spcBef>
-              <a:buClr>
-                <a:srgbClr val="000000"/>
-              </a:buClr>
-              <a:buSzPct val="45000"/>
-              <a:buFont typeface="Wingdings" charset="2"/>
-              <a:buChar char=""/>
-            </a:pPr>
-            <a:r>
-              <a:rPr b="0" lang="en-GB" sz="3200" spc="-1" strike="noStrike">
-                <a:solidFill>
-                  <a:srgbClr val="000000"/>
-                </a:solidFill>
-                <a:latin typeface="Arial"/>
-                <a:ea typeface="DejaVu Sans"/>
-              </a:rPr>
-              <a:t>...</a:t>
+            <a:normAutofit fontScale="37000"/>
+          </a:bodyPr>
+          <a:p>
+            <a:pPr marL="432000" indent="-322920">
+              <a:lnSpc>
+                <a:spcPct val="100000"/>
+              </a:lnSpc>
+              <a:spcBef>
+                <a:spcPts val="1417"/>
+              </a:spcBef>
+              <a:buClr>
+                <a:srgbClr val="000000"/>
+              </a:buClr>
+              <a:buSzPct val="45000"/>
+              <a:buFont typeface="Wingdings" charset="2"/>
+              <a:buChar char=""/>
+            </a:pPr>
+            <a:r>
+              <a:rPr b="0" lang="en-GB" sz="3200" spc="-1" strike="noStrike">
+                <a:solidFill>
+                  <a:srgbClr val="000000"/>
+                </a:solidFill>
+                <a:latin typeface="Arial"/>
+                <a:ea typeface="DejaVu Sans"/>
+              </a:rPr>
+              <a:t>Shi-Tomasi + BRIEF</a:t>
+            </a:r>
+            <a:endParaRPr b="0" lang="en-GB" sz="3200" spc="-1" strike="noStrike">
+              <a:latin typeface="Arial"/>
+            </a:endParaRPr>
+          </a:p>
+          <a:p>
+            <a:pPr marL="432000" indent="-322920">
+              <a:lnSpc>
+                <a:spcPct val="100000"/>
+              </a:lnSpc>
+              <a:spcBef>
+                <a:spcPts val="1417"/>
+              </a:spcBef>
+              <a:buClr>
+                <a:srgbClr val="000000"/>
+              </a:buClr>
+              <a:buSzPct val="45000"/>
+              <a:buFont typeface="Wingdings" charset="2"/>
+              <a:buChar char=""/>
+            </a:pPr>
+            <a:r>
+              <a:rPr b="0" lang="en-GB" sz="3200" spc="-1" strike="noStrike">
+                <a:solidFill>
+                  <a:srgbClr val="000000"/>
+                </a:solidFill>
+                <a:latin typeface="Arial"/>
+                <a:ea typeface="DejaVu Sans"/>
+              </a:rPr>
+              <a:t>Shi-Tomasi + FREAK</a:t>
+            </a:r>
+            <a:endParaRPr b="0" lang="en-GB" sz="3200" spc="-1" strike="noStrike">
+              <a:latin typeface="Arial"/>
+            </a:endParaRPr>
+          </a:p>
+          <a:p>
+            <a:pPr marL="432000" indent="-322920">
+              <a:lnSpc>
+                <a:spcPct val="100000"/>
+              </a:lnSpc>
+              <a:spcBef>
+                <a:spcPts val="1417"/>
+              </a:spcBef>
+              <a:buClr>
+                <a:srgbClr val="000000"/>
+              </a:buClr>
+              <a:buSzPct val="45000"/>
+              <a:buFont typeface="Wingdings" charset="2"/>
+              <a:buChar char=""/>
+            </a:pPr>
+            <a:r>
+              <a:rPr b="0" lang="en-GB" sz="3200" spc="-1" strike="noStrike">
+                <a:solidFill>
+                  <a:srgbClr val="000000"/>
+                </a:solidFill>
+                <a:latin typeface="Arial"/>
+                <a:ea typeface="DejaVu Sans"/>
+              </a:rPr>
+              <a:t>Harris + BRIEF</a:t>
+            </a:r>
+            <a:endParaRPr b="0" lang="en-GB" sz="3200" spc="-1" strike="noStrike">
+              <a:latin typeface="Arial"/>
+            </a:endParaRPr>
+          </a:p>
+          <a:p>
+            <a:pPr marL="432000" indent="-322920">
+              <a:lnSpc>
+                <a:spcPct val="100000"/>
+              </a:lnSpc>
+              <a:spcBef>
+                <a:spcPts val="1417"/>
+              </a:spcBef>
+              <a:buClr>
+                <a:srgbClr val="000000"/>
+              </a:buClr>
+              <a:buSzPct val="45000"/>
+              <a:buFont typeface="Wingdings" charset="2"/>
+              <a:buChar char=""/>
+            </a:pPr>
+            <a:r>
+              <a:rPr b="0" lang="en-GB" sz="3200" spc="-1" strike="noStrike">
+                <a:solidFill>
+                  <a:srgbClr val="000000"/>
+                </a:solidFill>
+                <a:latin typeface="Arial"/>
+                <a:ea typeface="DejaVu Sans"/>
+              </a:rPr>
+              <a:t>Harris + FREAK</a:t>
+            </a:r>
+            <a:endParaRPr b="0" lang="en-GB" sz="3200" spc="-1" strike="noStrike">
+              <a:latin typeface="Arial"/>
+            </a:endParaRPr>
+          </a:p>
+          <a:p>
+            <a:pPr marL="432000" indent="-322920">
+              <a:lnSpc>
+                <a:spcPct val="100000"/>
+              </a:lnSpc>
+              <a:spcBef>
+                <a:spcPts val="1417"/>
+              </a:spcBef>
+              <a:buClr>
+                <a:srgbClr val="000000"/>
+              </a:buClr>
+              <a:buSzPct val="45000"/>
+              <a:buFont typeface="Wingdings" charset="2"/>
+              <a:buChar char=""/>
+            </a:pPr>
+            <a:r>
+              <a:rPr b="0" lang="en-GB" sz="3200" spc="-1" strike="noStrike">
+                <a:solidFill>
+                  <a:srgbClr val="000000"/>
+                </a:solidFill>
+                <a:latin typeface="Arial"/>
+                <a:ea typeface="DejaVu Sans"/>
+              </a:rPr>
+              <a:t>Star + BRIEF</a:t>
+            </a:r>
+            <a:endParaRPr b="0" lang="en-GB" sz="3200" spc="-1" strike="noStrike">
+              <a:latin typeface="Arial"/>
+            </a:endParaRPr>
+          </a:p>
+          <a:p>
+            <a:pPr marL="432000" indent="-322920">
+              <a:lnSpc>
+                <a:spcPct val="100000"/>
+              </a:lnSpc>
+              <a:spcBef>
+                <a:spcPts val="1417"/>
+              </a:spcBef>
+              <a:buClr>
+                <a:srgbClr val="000000"/>
+              </a:buClr>
+              <a:buSzPct val="45000"/>
+              <a:buFont typeface="Wingdings" charset="2"/>
+              <a:buChar char=""/>
+            </a:pPr>
+            <a:r>
+              <a:rPr b="0" lang="en-GB" sz="3200" spc="-1" strike="noStrike">
+                <a:solidFill>
+                  <a:srgbClr val="000000"/>
+                </a:solidFill>
+                <a:latin typeface="Arial"/>
+                <a:ea typeface="DejaVu Sans"/>
+              </a:rPr>
+              <a:t>Star + FREAK</a:t>
+            </a:r>
+            <a:endParaRPr b="0" lang="en-GB" sz="3200" spc="-1" strike="noStrike">
+              <a:latin typeface="Arial"/>
+            </a:endParaRPr>
+          </a:p>
+          <a:p>
+            <a:pPr marL="432000" indent="-322920">
+              <a:lnSpc>
+                <a:spcPct val="100000"/>
+              </a:lnSpc>
+              <a:spcBef>
+                <a:spcPts val="1417"/>
+              </a:spcBef>
+              <a:buClr>
+                <a:srgbClr val="000000"/>
+              </a:buClr>
+              <a:buSzPct val="45000"/>
+              <a:buFont typeface="Wingdings" charset="2"/>
+              <a:buChar char=""/>
+            </a:pPr>
+            <a:r>
+              <a:rPr b="0" lang="en-GB" sz="3200" spc="-1" strike="noStrike">
+                <a:solidFill>
+                  <a:srgbClr val="000000"/>
+                </a:solidFill>
+                <a:latin typeface="Arial"/>
+                <a:ea typeface="DejaVu Sans"/>
+              </a:rPr>
+              <a:t>SURF</a:t>
+            </a:r>
+            <a:endParaRPr b="0" lang="en-GB" sz="3200" spc="-1" strike="noStrike">
+              <a:latin typeface="Arial"/>
+            </a:endParaRPr>
+          </a:p>
+          <a:p>
+            <a:pPr marL="432000" indent="-322920">
+              <a:lnSpc>
+                <a:spcPct val="100000"/>
+              </a:lnSpc>
+              <a:spcBef>
+                <a:spcPts val="1417"/>
+              </a:spcBef>
+              <a:buClr>
+                <a:srgbClr val="000000"/>
+              </a:buClr>
+              <a:buSzPct val="45000"/>
+              <a:buFont typeface="Wingdings" charset="2"/>
+              <a:buChar char=""/>
+            </a:pPr>
+            <a:r>
+              <a:rPr b="0" lang="en-GB" sz="3200" spc="-1" strike="noStrike">
+                <a:solidFill>
+                  <a:srgbClr val="000000"/>
+                </a:solidFill>
+                <a:latin typeface="Arial"/>
+                <a:ea typeface="DejaVu Sans"/>
+              </a:rPr>
+              <a:t>ORB</a:t>
+            </a:r>
+            <a:endParaRPr b="0" lang="en-GB" sz="3200" spc="-1" strike="noStrike">
+              <a:latin typeface="Arial"/>
+            </a:endParaRPr>
+          </a:p>
+          <a:p>
+            <a:pPr marL="432000" indent="-322920">
+              <a:lnSpc>
+                <a:spcPct val="100000"/>
+              </a:lnSpc>
+              <a:spcBef>
+                <a:spcPts val="1417"/>
+              </a:spcBef>
+              <a:buClr>
+                <a:srgbClr val="000000"/>
+              </a:buClr>
+              <a:buSzPct val="45000"/>
+              <a:buFont typeface="Wingdings" charset="2"/>
+              <a:buChar char=""/>
+            </a:pPr>
+            <a:r>
+              <a:rPr b="0" lang="en-GB" sz="3200" spc="-1" strike="noStrike">
+                <a:solidFill>
+                  <a:srgbClr val="000000"/>
+                </a:solidFill>
+                <a:latin typeface="Arial"/>
+                <a:ea typeface="DejaVu Sans"/>
+              </a:rPr>
+              <a:t>FAST + FREAK</a:t>
+            </a:r>
+            <a:endParaRPr b="0" lang="en-GB" sz="3200" spc="-1" strike="noStrike">
+              <a:latin typeface="Arial"/>
+            </a:endParaRPr>
+          </a:p>
+          <a:p>
+            <a:pPr marL="432000" indent="-322920">
+              <a:lnSpc>
+                <a:spcPct val="100000"/>
+              </a:lnSpc>
+              <a:spcBef>
+                <a:spcPts val="1417"/>
+              </a:spcBef>
+              <a:buClr>
+                <a:srgbClr val="000000"/>
+              </a:buClr>
+              <a:buSzPct val="45000"/>
+              <a:buFont typeface="Wingdings" charset="2"/>
+              <a:buChar char=""/>
+            </a:pPr>
+            <a:r>
+              <a:rPr b="0" lang="en-GB" sz="3200" spc="-1" strike="noStrike">
+                <a:solidFill>
+                  <a:srgbClr val="000000"/>
+                </a:solidFill>
+                <a:latin typeface="Arial"/>
+                <a:ea typeface="DejaVu Sans"/>
+              </a:rPr>
+              <a:t>BRISK</a:t>
             </a:r>
             <a:endParaRPr b="0" lang="en-GB" sz="3200" spc="-1" strike="noStrike">
               <a:latin typeface="Arial"/>
@@ -7971,14 +8430,14 @@
       </p:grpSpPr>
       <p:sp>
         <p:nvSpPr>
-          <p:cNvPr id="122" name="CustomShape 1"/>
+          <p:cNvPr id="121" name="CustomShape 1"/>
           <p:cNvSpPr/>
           <p:nvPr/>
         </p:nvSpPr>
         <p:spPr>
           <a:xfrm>
-            <a:off x="504000" y="2221560"/>
-            <a:ext cx="9070920" cy="945720"/>
+            <a:off x="504000" y="226080"/>
+            <a:ext cx="9070560" cy="945360"/>
           </a:xfrm>
           <a:prstGeom prst="rect">
             <a:avLst/>
@@ -8012,7 +8471,7 @@
                 <a:latin typeface="Arial"/>
                 <a:ea typeface="DejaVu Sans"/>
               </a:rPr>
-              <a:t>Спасибо за внимание</a:t>
+              <a:t>Детектор BRISK</a:t>
             </a:r>
             <a:endParaRPr b="0" lang="en-GB" sz="4400" spc="-1" strike="noStrike">
               <a:latin typeface="Arial"/>
@@ -8020,6 +8479,1458 @@
           </a:p>
         </p:txBody>
       </p:sp>
+      <p:sp>
+        <p:nvSpPr>
+          <p:cNvPr id="122" name="CustomShape 2"/>
+          <p:cNvSpPr/>
+          <p:nvPr/>
+        </p:nvSpPr>
+        <p:spPr>
+          <a:xfrm>
+            <a:off x="504000" y="1326600"/>
+            <a:ext cx="9070560" cy="3287160"/>
+          </a:xfrm>
+          <a:prstGeom prst="rect">
+            <a:avLst/>
+          </a:prstGeom>
+          <a:noFill/>
+          <a:ln>
+            <a:noFill/>
+          </a:ln>
+        </p:spPr>
+        <p:style>
+          <a:lnRef idx="0"/>
+          <a:fillRef idx="0"/>
+          <a:effectRef idx="0"/>
+          <a:fontRef idx="minor"/>
+        </p:style>
+        <p:txBody>
+          <a:bodyPr lIns="0" rIns="0" tIns="0" bIns="0">
+            <a:normAutofit fontScale="37000"/>
+          </a:bodyPr>
+          <a:p>
+            <a:pPr marL="432000" indent="-322920">
+              <a:lnSpc>
+                <a:spcPct val="100000"/>
+              </a:lnSpc>
+              <a:spcBef>
+                <a:spcPts val="1417"/>
+              </a:spcBef>
+              <a:buClr>
+                <a:srgbClr val="000000"/>
+              </a:buClr>
+              <a:buSzPct val="45000"/>
+              <a:buFont typeface="Wingdings" charset="2"/>
+              <a:buChar char=""/>
+            </a:pPr>
+            <a:r>
+              <a:rPr b="0" lang="en-GB" sz="3200" spc="-1" strike="noStrike">
+                <a:solidFill>
+                  <a:srgbClr val="000000"/>
+                </a:solidFill>
+                <a:latin typeface="Arial"/>
+                <a:ea typeface="DejaVu Sans"/>
+              </a:rPr>
+              <a:t>Shi-Tomasi + BRIEF</a:t>
+            </a:r>
+            <a:endParaRPr b="0" lang="en-GB" sz="3200" spc="-1" strike="noStrike">
+              <a:latin typeface="Arial"/>
+            </a:endParaRPr>
+          </a:p>
+          <a:p>
+            <a:pPr marL="432000" indent="-322920">
+              <a:lnSpc>
+                <a:spcPct val="100000"/>
+              </a:lnSpc>
+              <a:spcBef>
+                <a:spcPts val="1417"/>
+              </a:spcBef>
+              <a:buClr>
+                <a:srgbClr val="000000"/>
+              </a:buClr>
+              <a:buSzPct val="45000"/>
+              <a:buFont typeface="Wingdings" charset="2"/>
+              <a:buChar char=""/>
+            </a:pPr>
+            <a:r>
+              <a:rPr b="0" lang="en-GB" sz="3200" spc="-1" strike="noStrike">
+                <a:solidFill>
+                  <a:srgbClr val="000000"/>
+                </a:solidFill>
+                <a:latin typeface="Arial"/>
+                <a:ea typeface="DejaVu Sans"/>
+              </a:rPr>
+              <a:t>Shi-Tomasi + FREAK</a:t>
+            </a:r>
+            <a:endParaRPr b="0" lang="en-GB" sz="3200" spc="-1" strike="noStrike">
+              <a:latin typeface="Arial"/>
+            </a:endParaRPr>
+          </a:p>
+          <a:p>
+            <a:pPr marL="432000" indent="-322920">
+              <a:lnSpc>
+                <a:spcPct val="100000"/>
+              </a:lnSpc>
+              <a:spcBef>
+                <a:spcPts val="1417"/>
+              </a:spcBef>
+              <a:buClr>
+                <a:srgbClr val="000000"/>
+              </a:buClr>
+              <a:buSzPct val="45000"/>
+              <a:buFont typeface="Wingdings" charset="2"/>
+              <a:buChar char=""/>
+            </a:pPr>
+            <a:r>
+              <a:rPr b="0" lang="en-GB" sz="3200" spc="-1" strike="noStrike">
+                <a:solidFill>
+                  <a:srgbClr val="000000"/>
+                </a:solidFill>
+                <a:latin typeface="Arial"/>
+                <a:ea typeface="DejaVu Sans"/>
+              </a:rPr>
+              <a:t>Harris + BRIEF</a:t>
+            </a:r>
+            <a:endParaRPr b="0" lang="en-GB" sz="3200" spc="-1" strike="noStrike">
+              <a:latin typeface="Arial"/>
+            </a:endParaRPr>
+          </a:p>
+          <a:p>
+            <a:pPr marL="432000" indent="-322920">
+              <a:lnSpc>
+                <a:spcPct val="100000"/>
+              </a:lnSpc>
+              <a:spcBef>
+                <a:spcPts val="1417"/>
+              </a:spcBef>
+              <a:buClr>
+                <a:srgbClr val="000000"/>
+              </a:buClr>
+              <a:buSzPct val="45000"/>
+              <a:buFont typeface="Wingdings" charset="2"/>
+              <a:buChar char=""/>
+            </a:pPr>
+            <a:r>
+              <a:rPr b="0" lang="en-GB" sz="3200" spc="-1" strike="noStrike">
+                <a:solidFill>
+                  <a:srgbClr val="000000"/>
+                </a:solidFill>
+                <a:latin typeface="Arial"/>
+                <a:ea typeface="DejaVu Sans"/>
+              </a:rPr>
+              <a:t>Harris + FREAK</a:t>
+            </a:r>
+            <a:endParaRPr b="0" lang="en-GB" sz="3200" spc="-1" strike="noStrike">
+              <a:latin typeface="Arial"/>
+            </a:endParaRPr>
+          </a:p>
+          <a:p>
+            <a:pPr marL="432000" indent="-322920">
+              <a:lnSpc>
+                <a:spcPct val="100000"/>
+              </a:lnSpc>
+              <a:spcBef>
+                <a:spcPts val="1417"/>
+              </a:spcBef>
+              <a:buClr>
+                <a:srgbClr val="000000"/>
+              </a:buClr>
+              <a:buSzPct val="45000"/>
+              <a:buFont typeface="Wingdings" charset="2"/>
+              <a:buChar char=""/>
+            </a:pPr>
+            <a:r>
+              <a:rPr b="0" lang="en-GB" sz="3200" spc="-1" strike="noStrike">
+                <a:solidFill>
+                  <a:srgbClr val="000000"/>
+                </a:solidFill>
+                <a:latin typeface="Arial"/>
+                <a:ea typeface="DejaVu Sans"/>
+              </a:rPr>
+              <a:t>Star + BRIEF</a:t>
+            </a:r>
+            <a:endParaRPr b="0" lang="en-GB" sz="3200" spc="-1" strike="noStrike">
+              <a:latin typeface="Arial"/>
+            </a:endParaRPr>
+          </a:p>
+          <a:p>
+            <a:pPr marL="432000" indent="-322920">
+              <a:lnSpc>
+                <a:spcPct val="100000"/>
+              </a:lnSpc>
+              <a:spcBef>
+                <a:spcPts val="1417"/>
+              </a:spcBef>
+              <a:buClr>
+                <a:srgbClr val="000000"/>
+              </a:buClr>
+              <a:buSzPct val="45000"/>
+              <a:buFont typeface="Wingdings" charset="2"/>
+              <a:buChar char=""/>
+            </a:pPr>
+            <a:r>
+              <a:rPr b="0" lang="en-GB" sz="3200" spc="-1" strike="noStrike">
+                <a:solidFill>
+                  <a:srgbClr val="000000"/>
+                </a:solidFill>
+                <a:latin typeface="Arial"/>
+                <a:ea typeface="DejaVu Sans"/>
+              </a:rPr>
+              <a:t>Star + FREAK</a:t>
+            </a:r>
+            <a:endParaRPr b="0" lang="en-GB" sz="3200" spc="-1" strike="noStrike">
+              <a:latin typeface="Arial"/>
+            </a:endParaRPr>
+          </a:p>
+          <a:p>
+            <a:pPr marL="432000" indent="-322920">
+              <a:lnSpc>
+                <a:spcPct val="100000"/>
+              </a:lnSpc>
+              <a:spcBef>
+                <a:spcPts val="1417"/>
+              </a:spcBef>
+              <a:buClr>
+                <a:srgbClr val="000000"/>
+              </a:buClr>
+              <a:buSzPct val="45000"/>
+              <a:buFont typeface="Wingdings" charset="2"/>
+              <a:buChar char=""/>
+            </a:pPr>
+            <a:r>
+              <a:rPr b="0" lang="en-GB" sz="3200" spc="-1" strike="noStrike">
+                <a:solidFill>
+                  <a:srgbClr val="000000"/>
+                </a:solidFill>
+                <a:latin typeface="Arial"/>
+                <a:ea typeface="DejaVu Sans"/>
+              </a:rPr>
+              <a:t>SURF</a:t>
+            </a:r>
+            <a:endParaRPr b="0" lang="en-GB" sz="3200" spc="-1" strike="noStrike">
+              <a:latin typeface="Arial"/>
+            </a:endParaRPr>
+          </a:p>
+          <a:p>
+            <a:pPr marL="432000" indent="-322920">
+              <a:lnSpc>
+                <a:spcPct val="100000"/>
+              </a:lnSpc>
+              <a:spcBef>
+                <a:spcPts val="1417"/>
+              </a:spcBef>
+              <a:buClr>
+                <a:srgbClr val="000000"/>
+              </a:buClr>
+              <a:buSzPct val="45000"/>
+              <a:buFont typeface="Wingdings" charset="2"/>
+              <a:buChar char=""/>
+            </a:pPr>
+            <a:r>
+              <a:rPr b="0" lang="en-GB" sz="3200" spc="-1" strike="noStrike">
+                <a:solidFill>
+                  <a:srgbClr val="000000"/>
+                </a:solidFill>
+                <a:latin typeface="Arial"/>
+                <a:ea typeface="DejaVu Sans"/>
+              </a:rPr>
+              <a:t>ORB</a:t>
+            </a:r>
+            <a:endParaRPr b="0" lang="en-GB" sz="3200" spc="-1" strike="noStrike">
+              <a:latin typeface="Arial"/>
+            </a:endParaRPr>
+          </a:p>
+          <a:p>
+            <a:pPr marL="432000" indent="-322920">
+              <a:lnSpc>
+                <a:spcPct val="100000"/>
+              </a:lnSpc>
+              <a:spcBef>
+                <a:spcPts val="1417"/>
+              </a:spcBef>
+              <a:buClr>
+                <a:srgbClr val="000000"/>
+              </a:buClr>
+              <a:buSzPct val="45000"/>
+              <a:buFont typeface="Wingdings" charset="2"/>
+              <a:buChar char=""/>
+            </a:pPr>
+            <a:r>
+              <a:rPr b="0" lang="en-GB" sz="3200" spc="-1" strike="noStrike">
+                <a:solidFill>
+                  <a:srgbClr val="000000"/>
+                </a:solidFill>
+                <a:latin typeface="Arial"/>
+                <a:ea typeface="DejaVu Sans"/>
+              </a:rPr>
+              <a:t>FAST + FREAK</a:t>
+            </a:r>
+            <a:endParaRPr b="0" lang="en-GB" sz="3200" spc="-1" strike="noStrike">
+              <a:latin typeface="Arial"/>
+            </a:endParaRPr>
+          </a:p>
+          <a:p>
+            <a:pPr marL="432000" indent="-322920">
+              <a:lnSpc>
+                <a:spcPct val="100000"/>
+              </a:lnSpc>
+              <a:spcBef>
+                <a:spcPts val="1417"/>
+              </a:spcBef>
+              <a:buClr>
+                <a:srgbClr val="000000"/>
+              </a:buClr>
+              <a:buSzPct val="45000"/>
+              <a:buFont typeface="Wingdings" charset="2"/>
+              <a:buChar char=""/>
+            </a:pPr>
+            <a:r>
+              <a:rPr b="0" lang="en-GB" sz="3200" spc="-1" strike="noStrike">
+                <a:solidFill>
+                  <a:srgbClr val="000000"/>
+                </a:solidFill>
+                <a:latin typeface="Arial"/>
+                <a:ea typeface="DejaVu Sans"/>
+              </a:rPr>
+              <a:t>BRISK</a:t>
+            </a:r>
+            <a:endParaRPr b="0" lang="en-GB" sz="3200" spc="-1" strike="noStrike">
+              <a:latin typeface="Arial"/>
+            </a:endParaRPr>
+          </a:p>
+        </p:txBody>
+      </p:sp>
+    </p:spTree>
+  </p:cSld>
+  <mc:AlternateContent>
+    <mc:Choice Requires="p14">
+      <p:transition spd="slow" p14:dur="2000"/>
+    </mc:Choice>
+    <mc:Fallback>
+      <p:transition spd="slow"/>
+    </mc:Fallback>
+  </mc:AlternateContent>
+</p:sld>
+</file>
+
+<file path=ppt/slides/slide24.xml><?xml version="1.0" encoding="utf-8"?>
+<p:sld xmlns:a="http://schemas.openxmlformats.org/drawingml/2006/main" xmlns:p="http://schemas.openxmlformats.org/presentationml/2006/main" xmlns:r="http://schemas.openxmlformats.org/officeDocument/2006/relationships" xmlns:p14="http://schemas.microsoft.com/office/powerpoint/2010/main" xmlns:p15="http://schemas.microsoft.com/office/powerpoint/2012/main" xmlns:mc="http://schemas.openxmlformats.org/markup-compatibility/2006">
+  <p:cSld>
+    <p:spTree>
+      <p:nvGrpSpPr>
+        <p:cNvPr id="1" name=""/>
+        <p:cNvGrpSpPr/>
+        <p:nvPr/>
+      </p:nvGrpSpPr>
+      <p:grpSpPr>
+        <a:xfrm>
+          <a:off x="0" y="0"/>
+          <a:ext cx="0" cy="0"/>
+          <a:chOff x="0" y="0"/>
+          <a:chExt cx="0" cy="0"/>
+        </a:xfrm>
+      </p:grpSpPr>
+      <p:sp>
+        <p:nvSpPr>
+          <p:cNvPr id="123" name="CustomShape 1"/>
+          <p:cNvSpPr/>
+          <p:nvPr/>
+        </p:nvSpPr>
+        <p:spPr>
+          <a:xfrm>
+            <a:off x="504000" y="74160"/>
+            <a:ext cx="9070560" cy="1249200"/>
+          </a:xfrm>
+          <a:prstGeom prst="rect">
+            <a:avLst/>
+          </a:prstGeom>
+          <a:noFill/>
+          <a:ln>
+            <a:noFill/>
+          </a:ln>
+        </p:spPr>
+        <p:style>
+          <a:lnRef idx="0"/>
+          <a:fillRef idx="0"/>
+          <a:effectRef idx="0"/>
+          <a:fontRef idx="minor"/>
+        </p:style>
+        <p:txBody>
+          <a:bodyPr lIns="0" rIns="0" tIns="0" bIns="0" anchor="ctr">
+            <a:noAutofit/>
+          </a:bodyPr>
+          <a:p>
+            <a:pPr algn="ctr">
+              <a:lnSpc>
+                <a:spcPct val="100000"/>
+              </a:lnSpc>
+            </a:pPr>
+            <a:r>
+              <a:rPr b="0" lang="en-GB" sz="4400" spc="-1" strike="noStrike">
+                <a:solidFill>
+                  <a:srgbClr val="000000"/>
+                </a:solidFill>
+                <a:latin typeface="Arial"/>
+                <a:ea typeface="DejaVu Sans"/>
+              </a:rPr>
+              <a:t>Критерии оценки работы алгоритмов</a:t>
+            </a:r>
+            <a:endParaRPr b="0" lang="en-GB" sz="4400" spc="-1" strike="noStrike">
+              <a:latin typeface="Arial"/>
+            </a:endParaRPr>
+          </a:p>
+        </p:txBody>
+      </p:sp>
+      <p:sp>
+        <p:nvSpPr>
+          <p:cNvPr id="124" name="CustomShape 2"/>
+          <p:cNvSpPr/>
+          <p:nvPr/>
+        </p:nvSpPr>
+        <p:spPr>
+          <a:xfrm>
+            <a:off x="504000" y="1326600"/>
+            <a:ext cx="9070560" cy="3287160"/>
+          </a:xfrm>
+          <a:prstGeom prst="rect">
+            <a:avLst/>
+          </a:prstGeom>
+          <a:noFill/>
+          <a:ln>
+            <a:noFill/>
+          </a:ln>
+        </p:spPr>
+        <p:style>
+          <a:lnRef idx="0"/>
+          <a:fillRef idx="0"/>
+          <a:effectRef idx="0"/>
+          <a:fontRef idx="minor"/>
+        </p:style>
+        <p:txBody>
+          <a:bodyPr lIns="0" rIns="0" tIns="0" bIns="0">
+            <a:normAutofit/>
+          </a:bodyPr>
+          <a:p>
+            <a:pPr marL="432000" indent="-322920">
+              <a:lnSpc>
+                <a:spcPct val="100000"/>
+              </a:lnSpc>
+              <a:spcBef>
+                <a:spcPts val="1417"/>
+              </a:spcBef>
+              <a:buClr>
+                <a:srgbClr val="000000"/>
+              </a:buClr>
+              <a:buSzPct val="45000"/>
+              <a:buFont typeface="Wingdings" charset="2"/>
+              <a:buChar char=""/>
+            </a:pPr>
+            <a:r>
+              <a:rPr b="0" lang="en-GB" sz="3200" spc="-1" strike="noStrike">
+                <a:solidFill>
+                  <a:srgbClr val="000000"/>
+                </a:solidFill>
+                <a:latin typeface="Arial"/>
+                <a:ea typeface="DejaVu Sans"/>
+              </a:rPr>
+              <a:t>Скорость: количество кадров, которые можно обработать с помощью данного алгоритма на данном вычислителе</a:t>
+            </a:r>
+            <a:endParaRPr b="0" lang="en-GB" sz="3200" spc="-1" strike="noStrike">
+              <a:latin typeface="Arial"/>
+            </a:endParaRPr>
+          </a:p>
+          <a:p>
+            <a:pPr marL="432000" indent="-322920">
+              <a:lnSpc>
+                <a:spcPct val="100000"/>
+              </a:lnSpc>
+              <a:spcBef>
+                <a:spcPts val="1417"/>
+              </a:spcBef>
+              <a:buClr>
+                <a:srgbClr val="000000"/>
+              </a:buClr>
+              <a:buSzPct val="45000"/>
+              <a:buFont typeface="Wingdings" charset="2"/>
+              <a:buChar char=""/>
+            </a:pPr>
+            <a:r>
+              <a:rPr b="0" lang="en-GB" sz="3200" spc="-1" strike="noStrike">
+                <a:solidFill>
+                  <a:srgbClr val="000000"/>
+                </a:solidFill>
+                <a:latin typeface="Arial"/>
+                <a:ea typeface="DejaVu Sans"/>
+              </a:rPr>
+              <a:t>Нажёдность: среднее и максимальное количество кадров, на которых отслеживается признак</a:t>
+            </a:r>
+            <a:endParaRPr b="0" lang="en-GB" sz="3200" spc="-1" strike="noStrike">
+              <a:latin typeface="Arial"/>
+            </a:endParaRPr>
+          </a:p>
+        </p:txBody>
+      </p:sp>
+    </p:spTree>
+  </p:cSld>
+  <mc:AlternateContent>
+    <mc:Choice Requires="p14">
+      <p:transition spd="slow" p14:dur="2000"/>
+    </mc:Choice>
+    <mc:Fallback>
+      <p:transition spd="slow"/>
+    </mc:Fallback>
+  </mc:AlternateContent>
+</p:sld>
+</file>
+
+<file path=ppt/slides/slide25.xml><?xml version="1.0" encoding="utf-8"?>
+<p:sld xmlns:a="http://schemas.openxmlformats.org/drawingml/2006/main" xmlns:p="http://schemas.openxmlformats.org/presentationml/2006/main" xmlns:r="http://schemas.openxmlformats.org/officeDocument/2006/relationships" xmlns:p14="http://schemas.microsoft.com/office/powerpoint/2010/main" xmlns:p15="http://schemas.microsoft.com/office/powerpoint/2012/main" xmlns:mc="http://schemas.openxmlformats.org/markup-compatibility/2006">
+  <p:cSld>
+    <p:spTree>
+      <p:nvGrpSpPr>
+        <p:cNvPr id="1" name=""/>
+        <p:cNvGrpSpPr/>
+        <p:nvPr/>
+      </p:nvGrpSpPr>
+      <p:grpSpPr>
+        <a:xfrm>
+          <a:off x="0" y="0"/>
+          <a:ext cx="0" cy="0"/>
+          <a:chOff x="0" y="0"/>
+          <a:chExt cx="0" cy="0"/>
+        </a:xfrm>
+      </p:grpSpPr>
+      <p:sp>
+        <p:nvSpPr>
+          <p:cNvPr id="125" name="CustomShape 1"/>
+          <p:cNvSpPr/>
+          <p:nvPr/>
+        </p:nvSpPr>
+        <p:spPr>
+          <a:xfrm>
+            <a:off x="504000" y="74160"/>
+            <a:ext cx="9070560" cy="1249200"/>
+          </a:xfrm>
+          <a:prstGeom prst="rect">
+            <a:avLst/>
+          </a:prstGeom>
+          <a:noFill/>
+          <a:ln>
+            <a:noFill/>
+          </a:ln>
+        </p:spPr>
+        <p:style>
+          <a:lnRef idx="0"/>
+          <a:fillRef idx="0"/>
+          <a:effectRef idx="0"/>
+          <a:fontRef idx="minor"/>
+        </p:style>
+        <p:txBody>
+          <a:bodyPr lIns="0" rIns="0" tIns="0" bIns="0" anchor="ctr">
+            <a:noAutofit/>
+          </a:bodyPr>
+          <a:p>
+            <a:pPr algn="ctr">
+              <a:lnSpc>
+                <a:spcPct val="100000"/>
+              </a:lnSpc>
+            </a:pPr>
+            <a:r>
+              <a:rPr b="0" lang="en-GB" sz="2800" spc="-1" strike="noStrike">
+                <a:solidFill>
+                  <a:srgbClr val="000000"/>
+                </a:solidFill>
+                <a:latin typeface="Arial"/>
+                <a:ea typeface="DejaVu Sans"/>
+              </a:rPr>
+              <a:t>Алгоритм оценки работы алгоритмов прослеживания</a:t>
+            </a:r>
+            <a:endParaRPr b="0" lang="en-GB" sz="2800" spc="-1" strike="noStrike">
+              <a:latin typeface="Arial"/>
+            </a:endParaRPr>
+          </a:p>
+        </p:txBody>
+      </p:sp>
+      <p:sp>
+        <p:nvSpPr>
+          <p:cNvPr id="126" name="TextShape 2"/>
+          <p:cNvSpPr txBox="1"/>
+          <p:nvPr/>
+        </p:nvSpPr>
+        <p:spPr>
+          <a:xfrm>
+            <a:off x="432000" y="1080000"/>
+            <a:ext cx="9288000" cy="3929760"/>
+          </a:xfrm>
+          <a:prstGeom prst="rect">
+            <a:avLst/>
+          </a:prstGeom>
+          <a:noFill/>
+          <a:ln>
+            <a:noFill/>
+          </a:ln>
+        </p:spPr>
+        <p:txBody>
+          <a:bodyPr lIns="90000" rIns="90000" tIns="45000" bIns="45000">
+            <a:noAutofit/>
+          </a:bodyPr>
+          <a:p>
+            <a:r>
+              <a:rPr b="0" lang="en-GB" sz="1800" spc="-1" strike="noStrike">
+                <a:latin typeface="Arial"/>
+              </a:rPr>
+              <a:t>Пусть Arch = {Intel, CUDA, OpenCL} – набор архитектур;</a:t>
+            </a:r>
+            <a:endParaRPr b="0" lang="en-GB" sz="1800" spc="-1" strike="noStrike">
+              <a:latin typeface="Arial"/>
+            </a:endParaRPr>
+          </a:p>
+          <a:p>
+            <a:r>
+              <a:rPr b="0" lang="en-GB" sz="1800" spc="-1" strike="noStrike">
+                <a:latin typeface="Arial"/>
+              </a:rPr>
+              <a:t>Пусть Algo  - набор алгоритмов;</a:t>
+            </a:r>
+            <a:endParaRPr b="0" lang="en-GB" sz="1800" spc="-1" strike="noStrike">
+              <a:latin typeface="Arial"/>
+            </a:endParaRPr>
+          </a:p>
+          <a:p>
+            <a:r>
+              <a:rPr b="0" lang="en-GB" sz="1800" spc="-1" strike="noStrike">
+                <a:latin typeface="Arial"/>
+              </a:rPr>
+              <a:t>Пусть Video = {stereo.mp4, icy_scarp.mp4} – набор видеопоследовательностей;</a:t>
+            </a:r>
+            <a:endParaRPr b="0" lang="en-GB" sz="1800" spc="-1" strike="noStrike">
+              <a:latin typeface="Arial"/>
+            </a:endParaRPr>
+          </a:p>
+          <a:p>
+            <a:endParaRPr b="0" lang="en-GB" sz="1800" spc="-1" strike="noStrike">
+              <a:latin typeface="Arial"/>
+            </a:endParaRPr>
+          </a:p>
+          <a:p>
+            <a:r>
+              <a:rPr b="0" lang="en-GB" sz="1800" spc="-1" strike="noStrike">
+                <a:latin typeface="Arial"/>
+              </a:rPr>
+              <a:t>Для каждого ar из Arch:</a:t>
+            </a:r>
+            <a:endParaRPr b="0" lang="en-GB" sz="1800" spc="-1" strike="noStrike">
+              <a:latin typeface="Arial"/>
+            </a:endParaRPr>
+          </a:p>
+          <a:p>
+            <a:r>
+              <a:rPr b="0" lang="en-GB" sz="1800" spc="-1" strike="noStrike">
+                <a:latin typeface="Arial"/>
+              </a:rPr>
+              <a:t>	</a:t>
+            </a:r>
+            <a:r>
+              <a:rPr b="0" lang="en-GB" sz="1800" spc="-1" strike="noStrike">
+                <a:latin typeface="Arial"/>
+              </a:rPr>
+              <a:t>Для каждого al из Algo:</a:t>
+            </a:r>
+            <a:endParaRPr b="0" lang="en-GB" sz="1800" spc="-1" strike="noStrike">
+              <a:latin typeface="Arial"/>
+            </a:endParaRPr>
+          </a:p>
+          <a:p>
+            <a:r>
+              <a:rPr b="0" lang="en-GB" sz="1800" spc="-1" strike="noStrike">
+                <a:latin typeface="Arial"/>
+              </a:rPr>
+              <a:t>	</a:t>
+            </a:r>
+            <a:r>
+              <a:rPr b="0" lang="en-GB" sz="1800" spc="-1" strike="noStrike">
+                <a:latin typeface="Arial"/>
+              </a:rPr>
+              <a:t>	</a:t>
+            </a:r>
+            <a:r>
+              <a:rPr b="0" lang="en-GB" sz="1800" spc="-1" strike="noStrike">
+                <a:latin typeface="Arial"/>
+              </a:rPr>
+              <a:t>Для каждого v из Video:</a:t>
+            </a:r>
+            <a:endParaRPr b="0" lang="en-GB" sz="1800" spc="-1" strike="noStrike">
+              <a:latin typeface="Arial"/>
+            </a:endParaRPr>
+          </a:p>
+          <a:p>
+            <a:r>
+              <a:rPr b="0" lang="en-GB" sz="1800" spc="-1" strike="noStrike">
+                <a:latin typeface="Arial"/>
+              </a:rPr>
+              <a:t>	</a:t>
+            </a:r>
+            <a:r>
+              <a:rPr b="0" lang="en-GB" sz="1800" spc="-1" strike="noStrike">
+                <a:latin typeface="Arial"/>
+              </a:rPr>
+              <a:t>	</a:t>
+            </a:r>
+            <a:r>
+              <a:rPr b="0" lang="en-GB" sz="1800" spc="-1" strike="noStrike">
+                <a:latin typeface="Arial"/>
+              </a:rPr>
+              <a:t>	</a:t>
+            </a:r>
+            <a:r>
+              <a:rPr b="0" lang="en-GB" sz="1800" spc="-1" strike="noStrike">
+                <a:latin typeface="Arial"/>
+              </a:rPr>
+              <a:t>вычислить fps(ar, al, v)</a:t>
+            </a:r>
+            <a:endParaRPr b="0" lang="en-GB" sz="1800" spc="-1" strike="noStrike">
+              <a:latin typeface="Arial"/>
+            </a:endParaRPr>
+          </a:p>
+          <a:p>
+            <a:r>
+              <a:rPr b="0" lang="en-GB" sz="1800" spc="-1" strike="noStrike">
+                <a:latin typeface="Arial"/>
+              </a:rPr>
+              <a:t>	</a:t>
+            </a:r>
+            <a:r>
+              <a:rPr b="0" lang="en-GB" sz="1800" spc="-1" strike="noStrike">
+                <a:latin typeface="Arial"/>
+              </a:rPr>
+              <a:t>	</a:t>
+            </a:r>
+            <a:r>
+              <a:rPr b="0" lang="en-GB" sz="1800" spc="-1" strike="noStrike">
+                <a:latin typeface="Arial"/>
+              </a:rPr>
+              <a:t>	</a:t>
+            </a:r>
+            <a:r>
+              <a:rPr b="0" lang="en-GB" sz="1800" spc="-1" strike="noStrike">
+                <a:latin typeface="Arial"/>
+              </a:rPr>
+              <a:t>вычислить avgTrack(ar, al, v)</a:t>
+            </a:r>
+            <a:endParaRPr b="0" lang="en-GB" sz="1800" spc="-1" strike="noStrike">
+              <a:latin typeface="Arial"/>
+            </a:endParaRPr>
+          </a:p>
+          <a:p>
+            <a:r>
+              <a:rPr b="0" lang="en-GB" sz="1800" spc="-1" strike="noStrike">
+                <a:latin typeface="Arial"/>
+              </a:rPr>
+              <a:t>	</a:t>
+            </a:r>
+            <a:r>
+              <a:rPr b="0" lang="en-GB" sz="1800" spc="-1" strike="noStrike">
+                <a:latin typeface="Arial"/>
+              </a:rPr>
+              <a:t>	</a:t>
+            </a:r>
+            <a:r>
+              <a:rPr b="0" lang="en-GB" sz="1800" spc="-1" strike="noStrike">
+                <a:latin typeface="Arial"/>
+              </a:rPr>
+              <a:t>	</a:t>
+            </a:r>
+            <a:r>
+              <a:rPr b="0" lang="en-GB" sz="1800" spc="-1" strike="noStrike">
+                <a:latin typeface="Arial"/>
+              </a:rPr>
+              <a:t>вычислить maxTrack(ar, al, v)</a:t>
+            </a:r>
+            <a:endParaRPr b="0" lang="en-GB" sz="1800" spc="-1" strike="noStrike">
+              <a:latin typeface="Arial"/>
+            </a:endParaRPr>
+          </a:p>
+          <a:p>
+            <a:endParaRPr b="0" lang="en-GB" sz="1800" spc="-1" strike="noStrike">
+              <a:latin typeface="Arial"/>
+            </a:endParaRPr>
+          </a:p>
+          <a:p>
+            <a:r>
+              <a:rPr b="0" lang="en-GB" sz="1800" spc="-1" strike="noStrike">
+                <a:latin typeface="Arial"/>
+              </a:rPr>
+              <a:t>Где:</a:t>
+            </a:r>
+            <a:endParaRPr b="0" lang="en-GB" sz="1800" spc="-1" strike="noStrike">
+              <a:latin typeface="Arial"/>
+            </a:endParaRPr>
+          </a:p>
+          <a:p>
+            <a:r>
+              <a:rPr b="0" lang="en-GB" sz="1800" spc="-1" strike="noStrike">
+                <a:latin typeface="Arial"/>
+              </a:rPr>
+              <a:t>	</a:t>
+            </a:r>
+            <a:r>
+              <a:rPr b="0" lang="en-GB" sz="1800" spc="-1" strike="noStrike">
+                <a:latin typeface="Arial"/>
+              </a:rPr>
+              <a:t>fps(ar, al, v) – количество обрабатываемых за секунду кадров</a:t>
+            </a:r>
+            <a:endParaRPr b="0" lang="en-GB" sz="1800" spc="-1" strike="noStrike">
+              <a:latin typeface="Arial"/>
+            </a:endParaRPr>
+          </a:p>
+          <a:p>
+            <a:r>
+              <a:rPr b="0" lang="en-GB" sz="1800" spc="-1" strike="noStrike">
+                <a:latin typeface="Arial"/>
+              </a:rPr>
+              <a:t>	</a:t>
+            </a:r>
+            <a:r>
+              <a:rPr b="0" lang="en-GB" sz="1800" spc="-1" strike="noStrike">
+                <a:latin typeface="Arial"/>
+              </a:rPr>
+              <a:t>avgTrack(ar, al, v) – среднее количество отслеживаемых признаков</a:t>
+            </a:r>
+            <a:endParaRPr b="0" lang="en-GB" sz="1800" spc="-1" strike="noStrike">
+              <a:latin typeface="Arial"/>
+            </a:endParaRPr>
+          </a:p>
+          <a:p>
+            <a:r>
+              <a:rPr b="0" lang="en-GB" sz="1800" spc="-1" strike="noStrike">
+                <a:latin typeface="Arial"/>
+              </a:rPr>
+              <a:t>	</a:t>
+            </a:r>
+            <a:r>
+              <a:rPr b="0" lang="en-GB" sz="1800" spc="-1" strike="noStrike">
+                <a:latin typeface="Arial"/>
+              </a:rPr>
+              <a:t>maxTrack(ar, al, v) – максимальное количество признаков</a:t>
+            </a:r>
+            <a:endParaRPr b="0" lang="en-GB" sz="1800" spc="-1" strike="noStrike">
+              <a:latin typeface="Arial"/>
+            </a:endParaRPr>
+          </a:p>
+        </p:txBody>
+      </p:sp>
+    </p:spTree>
+  </p:cSld>
+  <mc:AlternateContent>
+    <mc:Choice Requires="p14">
+      <p:transition spd="slow" p14:dur="2000"/>
+    </mc:Choice>
+    <mc:Fallback>
+      <p:transition spd="slow"/>
+    </mc:Fallback>
+  </mc:AlternateContent>
+</p:sld>
+</file>
+
+<file path=ppt/slides/slide26.xml><?xml version="1.0" encoding="utf-8"?>
+<p:sld xmlns:a="http://schemas.openxmlformats.org/drawingml/2006/main" xmlns:p="http://schemas.openxmlformats.org/presentationml/2006/main" xmlns:r="http://schemas.openxmlformats.org/officeDocument/2006/relationships" xmlns:p14="http://schemas.microsoft.com/office/powerpoint/2010/main" xmlns:p15="http://schemas.microsoft.com/office/powerpoint/2012/main" xmlns:mc="http://schemas.openxmlformats.org/markup-compatibility/2006">
+  <p:cSld>
+    <p:spTree>
+      <p:nvGrpSpPr>
+        <p:cNvPr id="1" name=""/>
+        <p:cNvGrpSpPr/>
+        <p:nvPr/>
+      </p:nvGrpSpPr>
+      <p:grpSpPr>
+        <a:xfrm>
+          <a:off x="0" y="0"/>
+          <a:ext cx="0" cy="0"/>
+          <a:chOff x="0" y="0"/>
+          <a:chExt cx="0" cy="0"/>
+        </a:xfrm>
+      </p:grpSpPr>
+      <p:sp>
+        <p:nvSpPr>
+          <p:cNvPr id="127" name="CustomShape 1"/>
+          <p:cNvSpPr/>
+          <p:nvPr/>
+        </p:nvSpPr>
+        <p:spPr>
+          <a:xfrm>
+            <a:off x="504000" y="74160"/>
+            <a:ext cx="9070560" cy="1249200"/>
+          </a:xfrm>
+          <a:prstGeom prst="rect">
+            <a:avLst/>
+          </a:prstGeom>
+          <a:noFill/>
+          <a:ln>
+            <a:noFill/>
+          </a:ln>
+        </p:spPr>
+        <p:style>
+          <a:lnRef idx="0"/>
+          <a:fillRef idx="0"/>
+          <a:effectRef idx="0"/>
+          <a:fontRef idx="minor"/>
+        </p:style>
+        <p:txBody>
+          <a:bodyPr lIns="0" rIns="0" tIns="0" bIns="0" anchor="ctr">
+            <a:noAutofit/>
+          </a:bodyPr>
+          <a:p>
+            <a:pPr algn="ctr">
+              <a:lnSpc>
+                <a:spcPct val="100000"/>
+              </a:lnSpc>
+            </a:pPr>
+            <a:r>
+              <a:rPr b="0" lang="en-GB" sz="2800" spc="-1" strike="noStrike">
+                <a:solidFill>
+                  <a:srgbClr val="000000"/>
+                </a:solidFill>
+                <a:latin typeface="Arial"/>
+                <a:ea typeface="DejaVu Sans"/>
+              </a:rPr>
+              <a:t>Shi-Tomasi + Lukas-Kanade, stereo.mp4</a:t>
+            </a:r>
+            <a:endParaRPr b="0" lang="en-GB" sz="2800" spc="-1" strike="noStrike">
+              <a:latin typeface="Arial"/>
+            </a:endParaRPr>
+          </a:p>
+        </p:txBody>
+      </p:sp>
+      <p:sp>
+        <p:nvSpPr>
+          <p:cNvPr id="128" name="CustomShape 2"/>
+          <p:cNvSpPr/>
+          <p:nvPr/>
+        </p:nvSpPr>
+        <p:spPr>
+          <a:xfrm>
+            <a:off x="504000" y="1326600"/>
+            <a:ext cx="9070560" cy="3287160"/>
+          </a:xfrm>
+          <a:prstGeom prst="rect">
+            <a:avLst/>
+          </a:prstGeom>
+          <a:noFill/>
+          <a:ln>
+            <a:noFill/>
+          </a:ln>
+        </p:spPr>
+        <p:style>
+          <a:lnRef idx="0"/>
+          <a:fillRef idx="0"/>
+          <a:effectRef idx="0"/>
+          <a:fontRef idx="minor"/>
+        </p:style>
+      </p:sp>
+      <p:pic>
+        <p:nvPicPr>
+          <p:cNvPr id="129" name="" descr=""/>
+          <p:cNvPicPr/>
+          <p:nvPr/>
+        </p:nvPicPr>
+        <p:blipFill>
+          <a:blip r:embed="rId1"/>
+          <a:stretch/>
+        </p:blipFill>
+        <p:spPr>
+          <a:xfrm>
+            <a:off x="360000" y="1152000"/>
+            <a:ext cx="3816000" cy="2687760"/>
+          </a:xfrm>
+          <a:prstGeom prst="rect">
+            <a:avLst/>
+          </a:prstGeom>
+          <a:ln>
+            <a:noFill/>
+          </a:ln>
+        </p:spPr>
+      </p:pic>
+      <p:pic>
+        <p:nvPicPr>
+          <p:cNvPr id="130" name="" descr=""/>
+          <p:cNvPicPr/>
+          <p:nvPr/>
+        </p:nvPicPr>
+        <p:blipFill>
+          <a:blip r:embed="rId2"/>
+          <a:stretch/>
+        </p:blipFill>
+        <p:spPr>
+          <a:xfrm>
+            <a:off x="4536000" y="1189800"/>
+            <a:ext cx="3870720" cy="2698200"/>
+          </a:xfrm>
+          <a:prstGeom prst="rect">
+            <a:avLst/>
+          </a:prstGeom>
+          <a:ln>
+            <a:noFill/>
+          </a:ln>
+        </p:spPr>
+      </p:pic>
+    </p:spTree>
+  </p:cSld>
+  <mc:AlternateContent>
+    <mc:Choice Requires="p14">
+      <p:transition spd="slow" p14:dur="2000"/>
+    </mc:Choice>
+    <mc:Fallback>
+      <p:transition spd="slow"/>
+    </mc:Fallback>
+  </mc:AlternateContent>
+</p:sld>
+</file>
+
+<file path=ppt/slides/slide27.xml><?xml version="1.0" encoding="utf-8"?>
+<p:sld xmlns:a="http://schemas.openxmlformats.org/drawingml/2006/main" xmlns:p="http://schemas.openxmlformats.org/presentationml/2006/main" xmlns:r="http://schemas.openxmlformats.org/officeDocument/2006/relationships" xmlns:p14="http://schemas.microsoft.com/office/powerpoint/2010/main" xmlns:p15="http://schemas.microsoft.com/office/powerpoint/2012/main" xmlns:mc="http://schemas.openxmlformats.org/markup-compatibility/2006">
+  <p:cSld>
+    <p:spTree>
+      <p:nvGrpSpPr>
+        <p:cNvPr id="1" name=""/>
+        <p:cNvGrpSpPr/>
+        <p:nvPr/>
+      </p:nvGrpSpPr>
+      <p:grpSpPr>
+        <a:xfrm>
+          <a:off x="0" y="0"/>
+          <a:ext cx="0" cy="0"/>
+          <a:chOff x="0" y="0"/>
+          <a:chExt cx="0" cy="0"/>
+        </a:xfrm>
+      </p:grpSpPr>
+      <p:sp>
+        <p:nvSpPr>
+          <p:cNvPr id="131" name="CustomShape 1"/>
+          <p:cNvSpPr/>
+          <p:nvPr/>
+        </p:nvSpPr>
+        <p:spPr>
+          <a:xfrm>
+            <a:off x="504000" y="74160"/>
+            <a:ext cx="9070560" cy="1249200"/>
+          </a:xfrm>
+          <a:prstGeom prst="rect">
+            <a:avLst/>
+          </a:prstGeom>
+          <a:noFill/>
+          <a:ln>
+            <a:noFill/>
+          </a:ln>
+        </p:spPr>
+        <p:style>
+          <a:lnRef idx="0"/>
+          <a:fillRef idx="0"/>
+          <a:effectRef idx="0"/>
+          <a:fontRef idx="minor"/>
+        </p:style>
+        <p:txBody>
+          <a:bodyPr lIns="0" rIns="0" tIns="0" bIns="0" anchor="ctr">
+            <a:noAutofit/>
+          </a:bodyPr>
+          <a:p>
+            <a:pPr algn="ctr">
+              <a:lnSpc>
+                <a:spcPct val="100000"/>
+              </a:lnSpc>
+            </a:pPr>
+            <a:r>
+              <a:rPr b="0" lang="en-GB" sz="2800" spc="-1" strike="noStrike">
+                <a:solidFill>
+                  <a:srgbClr val="000000"/>
+                </a:solidFill>
+                <a:latin typeface="Arial"/>
+                <a:ea typeface="DejaVu Sans"/>
+              </a:rPr>
+              <a:t>Shi-Tomasi + Lukas-Kanade, icy_scarp.mp4</a:t>
+            </a:r>
+            <a:endParaRPr b="0" lang="en-GB" sz="2800" spc="-1" strike="noStrike">
+              <a:latin typeface="Arial"/>
+            </a:endParaRPr>
+          </a:p>
+        </p:txBody>
+      </p:sp>
+      <p:sp>
+        <p:nvSpPr>
+          <p:cNvPr id="132" name="CustomShape 2"/>
+          <p:cNvSpPr/>
+          <p:nvPr/>
+        </p:nvSpPr>
+        <p:spPr>
+          <a:xfrm>
+            <a:off x="504000" y="1326600"/>
+            <a:ext cx="9070560" cy="3287160"/>
+          </a:xfrm>
+          <a:prstGeom prst="rect">
+            <a:avLst/>
+          </a:prstGeom>
+          <a:noFill/>
+          <a:ln>
+            <a:noFill/>
+          </a:ln>
+        </p:spPr>
+        <p:style>
+          <a:lnRef idx="0"/>
+          <a:fillRef idx="0"/>
+          <a:effectRef idx="0"/>
+          <a:fontRef idx="minor"/>
+        </p:style>
+      </p:sp>
+      <p:pic>
+        <p:nvPicPr>
+          <p:cNvPr id="133" name="" descr=""/>
+          <p:cNvPicPr/>
+          <p:nvPr/>
+        </p:nvPicPr>
+        <p:blipFill>
+          <a:blip r:embed="rId1"/>
+          <a:stretch/>
+        </p:blipFill>
+        <p:spPr>
+          <a:xfrm>
+            <a:off x="360000" y="1152000"/>
+            <a:ext cx="3816000" cy="2687760"/>
+          </a:xfrm>
+          <a:prstGeom prst="rect">
+            <a:avLst/>
+          </a:prstGeom>
+          <a:ln>
+            <a:noFill/>
+          </a:ln>
+        </p:spPr>
+      </p:pic>
+      <p:pic>
+        <p:nvPicPr>
+          <p:cNvPr id="134" name="" descr=""/>
+          <p:cNvPicPr/>
+          <p:nvPr/>
+        </p:nvPicPr>
+        <p:blipFill>
+          <a:blip r:embed="rId2"/>
+          <a:stretch/>
+        </p:blipFill>
+        <p:spPr>
+          <a:xfrm>
+            <a:off x="4536000" y="1189800"/>
+            <a:ext cx="3870720" cy="2698200"/>
+          </a:xfrm>
+          <a:prstGeom prst="rect">
+            <a:avLst/>
+          </a:prstGeom>
+          <a:ln>
+            <a:noFill/>
+          </a:ln>
+        </p:spPr>
+      </p:pic>
+    </p:spTree>
+  </p:cSld>
+  <mc:AlternateContent>
+    <mc:Choice Requires="p14">
+      <p:transition spd="slow" p14:dur="2000"/>
+    </mc:Choice>
+    <mc:Fallback>
+      <p:transition spd="slow"/>
+    </mc:Fallback>
+  </mc:AlternateContent>
+</p:sld>
+</file>
+
+<file path=ppt/slides/slide28.xml><?xml version="1.0" encoding="utf-8"?>
+<p:sld xmlns:a="http://schemas.openxmlformats.org/drawingml/2006/main" xmlns:p="http://schemas.openxmlformats.org/presentationml/2006/main" xmlns:r="http://schemas.openxmlformats.org/officeDocument/2006/relationships" xmlns:p14="http://schemas.microsoft.com/office/powerpoint/2010/main" xmlns:p15="http://schemas.microsoft.com/office/powerpoint/2012/main" xmlns:mc="http://schemas.openxmlformats.org/markup-compatibility/2006">
+  <p:cSld>
+    <p:spTree>
+      <p:nvGrpSpPr>
+        <p:cNvPr id="1" name=""/>
+        <p:cNvGrpSpPr/>
+        <p:nvPr/>
+      </p:nvGrpSpPr>
+      <p:grpSpPr>
+        <a:xfrm>
+          <a:off x="0" y="0"/>
+          <a:ext cx="0" cy="0"/>
+          <a:chOff x="0" y="0"/>
+          <a:chExt cx="0" cy="0"/>
+        </a:xfrm>
+      </p:grpSpPr>
+      <p:sp>
+        <p:nvSpPr>
+          <p:cNvPr id="135" name="CustomShape 1"/>
+          <p:cNvSpPr/>
+          <p:nvPr/>
+        </p:nvSpPr>
+        <p:spPr>
+          <a:xfrm>
+            <a:off x="504000" y="74160"/>
+            <a:ext cx="9070560" cy="1249200"/>
+          </a:xfrm>
+          <a:prstGeom prst="rect">
+            <a:avLst/>
+          </a:prstGeom>
+          <a:noFill/>
+          <a:ln>
+            <a:noFill/>
+          </a:ln>
+        </p:spPr>
+        <p:style>
+          <a:lnRef idx="0"/>
+          <a:fillRef idx="0"/>
+          <a:effectRef idx="0"/>
+          <a:fontRef idx="minor"/>
+        </p:style>
+        <p:txBody>
+          <a:bodyPr lIns="0" rIns="0" tIns="0" bIns="0" anchor="ctr">
+            <a:noAutofit/>
+          </a:bodyPr>
+          <a:p>
+            <a:pPr algn="ctr">
+              <a:lnSpc>
+                <a:spcPct val="100000"/>
+              </a:lnSpc>
+            </a:pPr>
+            <a:r>
+              <a:rPr b="0" lang="en-GB" sz="2800" spc="-1" strike="noStrike">
+                <a:solidFill>
+                  <a:srgbClr val="000000"/>
+                </a:solidFill>
+                <a:latin typeface="Arial"/>
+                <a:ea typeface="DejaVu Sans"/>
+              </a:rPr>
+              <a:t>Harris + Lukas-Kanade, stereo.mp4</a:t>
+            </a:r>
+            <a:endParaRPr b="0" lang="en-GB" sz="2800" spc="-1" strike="noStrike">
+              <a:latin typeface="Arial"/>
+            </a:endParaRPr>
+          </a:p>
+        </p:txBody>
+      </p:sp>
+      <p:sp>
+        <p:nvSpPr>
+          <p:cNvPr id="136" name="CustomShape 2"/>
+          <p:cNvSpPr/>
+          <p:nvPr/>
+        </p:nvSpPr>
+        <p:spPr>
+          <a:xfrm>
+            <a:off x="504000" y="1326600"/>
+            <a:ext cx="9070560" cy="3287160"/>
+          </a:xfrm>
+          <a:prstGeom prst="rect">
+            <a:avLst/>
+          </a:prstGeom>
+          <a:noFill/>
+          <a:ln>
+            <a:noFill/>
+          </a:ln>
+        </p:spPr>
+        <p:style>
+          <a:lnRef idx="0"/>
+          <a:fillRef idx="0"/>
+          <a:effectRef idx="0"/>
+          <a:fontRef idx="minor"/>
+        </p:style>
+      </p:sp>
+      <p:pic>
+        <p:nvPicPr>
+          <p:cNvPr id="137" name="" descr=""/>
+          <p:cNvPicPr/>
+          <p:nvPr/>
+        </p:nvPicPr>
+        <p:blipFill>
+          <a:blip r:embed="rId1"/>
+          <a:stretch/>
+        </p:blipFill>
+        <p:spPr>
+          <a:xfrm>
+            <a:off x="360000" y="1152000"/>
+            <a:ext cx="3816000" cy="2687760"/>
+          </a:xfrm>
+          <a:prstGeom prst="rect">
+            <a:avLst/>
+          </a:prstGeom>
+          <a:ln>
+            <a:noFill/>
+          </a:ln>
+        </p:spPr>
+      </p:pic>
+      <p:pic>
+        <p:nvPicPr>
+          <p:cNvPr id="138" name="" descr=""/>
+          <p:cNvPicPr/>
+          <p:nvPr/>
+        </p:nvPicPr>
+        <p:blipFill>
+          <a:blip r:embed="rId2"/>
+          <a:stretch/>
+        </p:blipFill>
+        <p:spPr>
+          <a:xfrm>
+            <a:off x="4536000" y="1189800"/>
+            <a:ext cx="3870720" cy="2698200"/>
+          </a:xfrm>
+          <a:prstGeom prst="rect">
+            <a:avLst/>
+          </a:prstGeom>
+          <a:ln>
+            <a:noFill/>
+          </a:ln>
+        </p:spPr>
+      </p:pic>
+    </p:spTree>
+  </p:cSld>
+  <mc:AlternateContent>
+    <mc:Choice Requires="p14">
+      <p:transition spd="slow" p14:dur="2000"/>
+    </mc:Choice>
+    <mc:Fallback>
+      <p:transition spd="slow"/>
+    </mc:Fallback>
+  </mc:AlternateContent>
+</p:sld>
+</file>
+
+<file path=ppt/slides/slide29.xml><?xml version="1.0" encoding="utf-8"?>
+<p:sld xmlns:a="http://schemas.openxmlformats.org/drawingml/2006/main" xmlns:p="http://schemas.openxmlformats.org/presentationml/2006/main" xmlns:r="http://schemas.openxmlformats.org/officeDocument/2006/relationships" xmlns:p14="http://schemas.microsoft.com/office/powerpoint/2010/main" xmlns:p15="http://schemas.microsoft.com/office/powerpoint/2012/main" xmlns:mc="http://schemas.openxmlformats.org/markup-compatibility/2006">
+  <p:cSld>
+    <p:spTree>
+      <p:nvGrpSpPr>
+        <p:cNvPr id="1" name=""/>
+        <p:cNvGrpSpPr/>
+        <p:nvPr/>
+      </p:nvGrpSpPr>
+      <p:grpSpPr>
+        <a:xfrm>
+          <a:off x="0" y="0"/>
+          <a:ext cx="0" cy="0"/>
+          <a:chOff x="0" y="0"/>
+          <a:chExt cx="0" cy="0"/>
+        </a:xfrm>
+      </p:grpSpPr>
+      <p:sp>
+        <p:nvSpPr>
+          <p:cNvPr id="139" name="CustomShape 1"/>
+          <p:cNvSpPr/>
+          <p:nvPr/>
+        </p:nvSpPr>
+        <p:spPr>
+          <a:xfrm>
+            <a:off x="504000" y="74160"/>
+            <a:ext cx="9070560" cy="1249200"/>
+          </a:xfrm>
+          <a:prstGeom prst="rect">
+            <a:avLst/>
+          </a:prstGeom>
+          <a:noFill/>
+          <a:ln>
+            <a:noFill/>
+          </a:ln>
+        </p:spPr>
+        <p:style>
+          <a:lnRef idx="0"/>
+          <a:fillRef idx="0"/>
+          <a:effectRef idx="0"/>
+          <a:fontRef idx="minor"/>
+        </p:style>
+        <p:txBody>
+          <a:bodyPr lIns="0" rIns="0" tIns="0" bIns="0" anchor="ctr">
+            <a:noAutofit/>
+          </a:bodyPr>
+          <a:p>
+            <a:pPr algn="ctr">
+              <a:lnSpc>
+                <a:spcPct val="100000"/>
+              </a:lnSpc>
+            </a:pPr>
+            <a:r>
+              <a:rPr b="0" lang="en-GB" sz="2800" spc="-1" strike="noStrike">
+                <a:solidFill>
+                  <a:srgbClr val="000000"/>
+                </a:solidFill>
+                <a:latin typeface="Arial"/>
+                <a:ea typeface="DejaVu Sans"/>
+              </a:rPr>
+              <a:t>Harris + Lukas-Kanade, icy_scarp.mp4</a:t>
+            </a:r>
+            <a:endParaRPr b="0" lang="en-GB" sz="2800" spc="-1" strike="noStrike">
+              <a:latin typeface="Arial"/>
+            </a:endParaRPr>
+          </a:p>
+        </p:txBody>
+      </p:sp>
+      <p:sp>
+        <p:nvSpPr>
+          <p:cNvPr id="140" name="CustomShape 2"/>
+          <p:cNvSpPr/>
+          <p:nvPr/>
+        </p:nvSpPr>
+        <p:spPr>
+          <a:xfrm>
+            <a:off x="504000" y="1326600"/>
+            <a:ext cx="9070560" cy="3287160"/>
+          </a:xfrm>
+          <a:prstGeom prst="rect">
+            <a:avLst/>
+          </a:prstGeom>
+          <a:noFill/>
+          <a:ln>
+            <a:noFill/>
+          </a:ln>
+        </p:spPr>
+        <p:style>
+          <a:lnRef idx="0"/>
+          <a:fillRef idx="0"/>
+          <a:effectRef idx="0"/>
+          <a:fontRef idx="minor"/>
+        </p:style>
+      </p:sp>
+      <p:pic>
+        <p:nvPicPr>
+          <p:cNvPr id="141" name="" descr=""/>
+          <p:cNvPicPr/>
+          <p:nvPr/>
+        </p:nvPicPr>
+        <p:blipFill>
+          <a:blip r:embed="rId1"/>
+          <a:stretch/>
+        </p:blipFill>
+        <p:spPr>
+          <a:xfrm>
+            <a:off x="360000" y="1152000"/>
+            <a:ext cx="3816000" cy="2687760"/>
+          </a:xfrm>
+          <a:prstGeom prst="rect">
+            <a:avLst/>
+          </a:prstGeom>
+          <a:ln>
+            <a:noFill/>
+          </a:ln>
+        </p:spPr>
+      </p:pic>
+      <p:pic>
+        <p:nvPicPr>
+          <p:cNvPr id="142" name="" descr=""/>
+          <p:cNvPicPr/>
+          <p:nvPr/>
+        </p:nvPicPr>
+        <p:blipFill>
+          <a:blip r:embed="rId2"/>
+          <a:stretch/>
+        </p:blipFill>
+        <p:spPr>
+          <a:xfrm>
+            <a:off x="4536000" y="1189800"/>
+            <a:ext cx="3870720" cy="2698200"/>
+          </a:xfrm>
+          <a:prstGeom prst="rect">
+            <a:avLst/>
+          </a:prstGeom>
+          <a:ln>
+            <a:noFill/>
+          </a:ln>
+        </p:spPr>
+      </p:pic>
     </p:spTree>
   </p:cSld>
   <mc:AlternateContent>
@@ -8059,7 +9970,7 @@
         <p:spPr>
           <a:xfrm>
             <a:off x="504000" y="226080"/>
-            <a:ext cx="9070920" cy="945720"/>
+            <a:ext cx="9070560" cy="945360"/>
           </a:xfrm>
           <a:prstGeom prst="rect">
             <a:avLst/>
@@ -8110,7 +10021,7 @@
         <p:spPr>
           <a:xfrm>
             <a:off x="504000" y="1326600"/>
-            <a:ext cx="9070920" cy="3287520"/>
+            <a:ext cx="9070560" cy="3287160"/>
           </a:xfrm>
           <a:prstGeom prst="rect">
             <a:avLst/>
@@ -8128,10 +10039,10 @@
         </p:style>
         <p:txBody>
           <a:bodyPr lIns="0" rIns="0" tIns="0" bIns="0">
-            <a:normAutofit fontScale="47000"/>
-          </a:bodyPr>
-          <a:p>
-            <a:pPr marL="432000" indent="-323280">
+            <a:normAutofit fontScale="39000"/>
+          </a:bodyPr>
+          <a:p>
+            <a:pPr marL="432000" indent="-322920">
               <a:lnSpc>
                 <a:spcPct val="100000"/>
               </a:lnSpc>
@@ -8160,60 +10071,839 @@
             </a:endParaRPr>
           </a:p>
           <a:p>
-            <a:pPr marL="432000" indent="-323280">
-              <a:lnSpc>
-                <a:spcPct val="100000"/>
-              </a:lnSpc>
-              <a:spcBef>
-                <a:spcPts val="1417"/>
-              </a:spcBef>
-              <a:buClr>
-                <a:srgbClr val="000000"/>
-              </a:buClr>
-              <a:buSzPct val="45000"/>
-              <a:buFont typeface="Wingdings" charset="2"/>
-              <a:buChar char=""/>
-            </a:pPr>
-            <a:r>
-              <a:rPr b="0" lang="en-GB" sz="3200" spc="-1" strike="noStrike">
-                <a:solidFill>
-                  <a:srgbClr val="000000"/>
-                </a:solidFill>
-                <a:latin typeface="Arial"/>
-                <a:ea typeface="DejaVu Sans"/>
-              </a:rPr>
-              <a:t>Оценить работу детекторов на видеопоследовательностях, представленных в исходных данных, и вычислителях по количеству обрабатываемых в секунду кадров и надёжности отслеживания признаков</a:t>
-            </a:r>
-            <a:endParaRPr b="0" lang="en-GB" sz="3200" spc="-1" strike="noStrike">
-              <a:latin typeface="Arial"/>
-            </a:endParaRPr>
-          </a:p>
-          <a:p>
-            <a:pPr marL="432000" indent="-323280">
-              <a:lnSpc>
-                <a:spcPct val="100000"/>
-              </a:lnSpc>
-              <a:spcBef>
-                <a:spcPts val="1417"/>
-              </a:spcBef>
-              <a:buClr>
-                <a:srgbClr val="000000"/>
-              </a:buClr>
-              <a:buSzPct val="45000"/>
-              <a:buFont typeface="Wingdings" charset="2"/>
-              <a:buChar char=""/>
-            </a:pPr>
-            <a:r>
-              <a:rPr b="0" lang="en-GB" sz="3200" spc="-1" strike="noStrike">
-                <a:solidFill>
-                  <a:srgbClr val="000000"/>
-                </a:solidFill>
-                <a:latin typeface="Arial"/>
-                <a:ea typeface="DejaVu Sans"/>
-              </a:rPr>
-              <a:t>На основании результатов оценки выбрать детектор, удовлетворяющий цели работы</a:t>
-            </a:r>
-            <a:endParaRPr b="0" lang="en-GB" sz="3200" spc="-1" strike="noStrike">
+            <a:pPr marL="432000" indent="-322920">
+              <a:lnSpc>
+                <a:spcPct val="100000"/>
+              </a:lnSpc>
+              <a:spcBef>
+                <a:spcPts val="1417"/>
+              </a:spcBef>
+              <a:buClr>
+                <a:srgbClr val="000000"/>
+              </a:buClr>
+              <a:buSzPct val="45000"/>
+              <a:buFont typeface="Wingdings" charset="2"/>
+              <a:buChar char=""/>
+            </a:pPr>
+            <a:r>
+              <a:rPr b="0" lang="en-GB" sz="3200" spc="-1" strike="noStrike">
+                <a:solidFill>
+                  <a:srgbClr val="000000"/>
+                </a:solidFill>
+                <a:latin typeface="Arial"/>
+                <a:ea typeface="DejaVu Sans"/>
+              </a:rPr>
+              <a:t>Выбрать принцип прослеживания</a:t>
+            </a:r>
+            <a:endParaRPr b="0" lang="en-GB" sz="3200" spc="-1" strike="noStrike">
+              <a:latin typeface="Arial"/>
+            </a:endParaRPr>
+          </a:p>
+          <a:p>
+            <a:pPr marL="432000" indent="-322920">
+              <a:lnSpc>
+                <a:spcPct val="100000"/>
+              </a:lnSpc>
+              <a:spcBef>
+                <a:spcPts val="1417"/>
+              </a:spcBef>
+              <a:buClr>
+                <a:srgbClr val="000000"/>
+              </a:buClr>
+              <a:buSzPct val="45000"/>
+              <a:buFont typeface="Wingdings" charset="2"/>
+              <a:buChar char=""/>
+            </a:pPr>
+            <a:r>
+              <a:rPr b="0" lang="en-GB" sz="3200" spc="-1" strike="noStrike">
+                <a:solidFill>
+                  <a:srgbClr val="000000"/>
+                </a:solidFill>
+                <a:latin typeface="Arial"/>
+                <a:ea typeface="DejaVu Sans"/>
+              </a:rPr>
+              <a:t>Оценить работу алгоритмов на видеопоследовательностях, представленных в исходных данных, и вычислителях по количеству обрабатываемых в секунду кадров и надёжности отслеживания признаков</a:t>
+            </a:r>
+            <a:endParaRPr b="0" lang="en-GB" sz="3200" spc="-1" strike="noStrike">
+              <a:latin typeface="Arial"/>
+            </a:endParaRPr>
+          </a:p>
+          <a:p>
+            <a:pPr marL="432000" indent="-322920">
+              <a:lnSpc>
+                <a:spcPct val="100000"/>
+              </a:lnSpc>
+              <a:spcBef>
+                <a:spcPts val="1417"/>
+              </a:spcBef>
+              <a:buClr>
+                <a:srgbClr val="000000"/>
+              </a:buClr>
+              <a:buSzPct val="45000"/>
+              <a:buFont typeface="Wingdings" charset="2"/>
+              <a:buChar char=""/>
+            </a:pPr>
+            <a:r>
+              <a:rPr b="0" lang="en-GB" sz="3200" spc="-1" strike="noStrike">
+                <a:solidFill>
+                  <a:srgbClr val="000000"/>
+                </a:solidFill>
+                <a:latin typeface="Arial"/>
+                <a:ea typeface="DejaVu Sans"/>
+              </a:rPr>
+              <a:t>На основании результатов оценки выбрать алгоритм, удовлетворяющий цели работы</a:t>
+            </a:r>
+            <a:endParaRPr b="0" lang="en-GB" sz="3200" spc="-1" strike="noStrike">
+              <a:latin typeface="Arial"/>
+            </a:endParaRPr>
+          </a:p>
+        </p:txBody>
+      </p:sp>
+    </p:spTree>
+  </p:cSld>
+  <mc:AlternateContent>
+    <mc:Choice Requires="p14">
+      <p:transition spd="slow" p14:dur="2000"/>
+    </mc:Choice>
+    <mc:Fallback>
+      <p:transition spd="slow"/>
+    </mc:Fallback>
+  </mc:AlternateContent>
+</p:sld>
+</file>
+
+<file path=ppt/slides/slide30.xml><?xml version="1.0" encoding="utf-8"?>
+<p:sld xmlns:a="http://schemas.openxmlformats.org/drawingml/2006/main" xmlns:p="http://schemas.openxmlformats.org/presentationml/2006/main" xmlns:r="http://schemas.openxmlformats.org/officeDocument/2006/relationships" xmlns:p14="http://schemas.microsoft.com/office/powerpoint/2010/main" xmlns:p15="http://schemas.microsoft.com/office/powerpoint/2012/main" xmlns:mc="http://schemas.openxmlformats.org/markup-compatibility/2006">
+  <p:cSld>
+    <p:spTree>
+      <p:nvGrpSpPr>
+        <p:cNvPr id="1" name=""/>
+        <p:cNvGrpSpPr/>
+        <p:nvPr/>
+      </p:nvGrpSpPr>
+      <p:grpSpPr>
+        <a:xfrm>
+          <a:off x="0" y="0"/>
+          <a:ext cx="0" cy="0"/>
+          <a:chOff x="0" y="0"/>
+          <a:chExt cx="0" cy="0"/>
+        </a:xfrm>
+      </p:grpSpPr>
+      <p:sp>
+        <p:nvSpPr>
+          <p:cNvPr id="143" name="CustomShape 1"/>
+          <p:cNvSpPr/>
+          <p:nvPr/>
+        </p:nvSpPr>
+        <p:spPr>
+          <a:xfrm>
+            <a:off x="504000" y="74160"/>
+            <a:ext cx="9070560" cy="1249200"/>
+          </a:xfrm>
+          <a:prstGeom prst="rect">
+            <a:avLst/>
+          </a:prstGeom>
+          <a:noFill/>
+          <a:ln>
+            <a:noFill/>
+          </a:ln>
+        </p:spPr>
+        <p:style>
+          <a:lnRef idx="0"/>
+          <a:fillRef idx="0"/>
+          <a:effectRef idx="0"/>
+          <a:fontRef idx="minor"/>
+        </p:style>
+        <p:txBody>
+          <a:bodyPr lIns="0" rIns="0" tIns="0" bIns="0" anchor="ctr">
+            <a:noAutofit/>
+          </a:bodyPr>
+          <a:p>
+            <a:pPr algn="ctr">
+              <a:lnSpc>
+                <a:spcPct val="100000"/>
+              </a:lnSpc>
+            </a:pPr>
+            <a:r>
+              <a:rPr b="0" lang="en-GB" sz="2800" spc="-1" strike="noStrike">
+                <a:solidFill>
+                  <a:srgbClr val="000000"/>
+                </a:solidFill>
+                <a:latin typeface="Arial"/>
+                <a:ea typeface="DejaVu Sans"/>
+              </a:rPr>
+              <a:t>Star + Lukas-Kanade, stereo.mp4</a:t>
+            </a:r>
+            <a:endParaRPr b="0" lang="en-GB" sz="2800" spc="-1" strike="noStrike">
+              <a:latin typeface="Arial"/>
+            </a:endParaRPr>
+          </a:p>
+        </p:txBody>
+      </p:sp>
+      <p:sp>
+        <p:nvSpPr>
+          <p:cNvPr id="144" name="CustomShape 2"/>
+          <p:cNvSpPr/>
+          <p:nvPr/>
+        </p:nvSpPr>
+        <p:spPr>
+          <a:xfrm>
+            <a:off x="504000" y="1326600"/>
+            <a:ext cx="9070560" cy="3287160"/>
+          </a:xfrm>
+          <a:prstGeom prst="rect">
+            <a:avLst/>
+          </a:prstGeom>
+          <a:noFill/>
+          <a:ln>
+            <a:noFill/>
+          </a:ln>
+        </p:spPr>
+        <p:style>
+          <a:lnRef idx="0"/>
+          <a:fillRef idx="0"/>
+          <a:effectRef idx="0"/>
+          <a:fontRef idx="minor"/>
+        </p:style>
+      </p:sp>
+      <p:pic>
+        <p:nvPicPr>
+          <p:cNvPr id="145" name="" descr=""/>
+          <p:cNvPicPr/>
+          <p:nvPr/>
+        </p:nvPicPr>
+        <p:blipFill>
+          <a:blip r:embed="rId1"/>
+          <a:stretch/>
+        </p:blipFill>
+        <p:spPr>
+          <a:xfrm>
+            <a:off x="1296000" y="1080000"/>
+            <a:ext cx="3312000" cy="2332800"/>
+          </a:xfrm>
+          <a:prstGeom prst="rect">
+            <a:avLst/>
+          </a:prstGeom>
+          <a:ln>
+            <a:noFill/>
+          </a:ln>
+        </p:spPr>
+      </p:pic>
+      <p:pic>
+        <p:nvPicPr>
+          <p:cNvPr id="146" name="" descr=""/>
+          <p:cNvPicPr/>
+          <p:nvPr/>
+        </p:nvPicPr>
+        <p:blipFill>
+          <a:blip r:embed="rId2"/>
+          <a:stretch/>
+        </p:blipFill>
+        <p:spPr>
+          <a:xfrm>
+            <a:off x="5040000" y="1080000"/>
+            <a:ext cx="3408480" cy="2376000"/>
+          </a:xfrm>
+          <a:prstGeom prst="rect">
+            <a:avLst/>
+          </a:prstGeom>
+          <a:ln>
+            <a:noFill/>
+          </a:ln>
+        </p:spPr>
+      </p:pic>
+      <p:pic>
+        <p:nvPicPr>
+          <p:cNvPr id="147" name="" descr=""/>
+          <p:cNvPicPr/>
+          <p:nvPr/>
+        </p:nvPicPr>
+        <p:blipFill>
+          <a:blip r:embed="rId3"/>
+          <a:stretch/>
+        </p:blipFill>
+        <p:spPr>
+          <a:xfrm>
+            <a:off x="1512000" y="3456000"/>
+            <a:ext cx="2952000" cy="2021040"/>
+          </a:xfrm>
+          <a:prstGeom prst="rect">
+            <a:avLst/>
+          </a:prstGeom>
+          <a:ln>
+            <a:noFill/>
+          </a:ln>
+        </p:spPr>
+      </p:pic>
+    </p:spTree>
+  </p:cSld>
+  <mc:AlternateContent>
+    <mc:Choice Requires="p14">
+      <p:transition spd="slow" p14:dur="2000"/>
+    </mc:Choice>
+    <mc:Fallback>
+      <p:transition spd="slow"/>
+    </mc:Fallback>
+  </mc:AlternateContent>
+</p:sld>
+</file>
+
+<file path=ppt/slides/slide31.xml><?xml version="1.0" encoding="utf-8"?>
+<p:sld xmlns:a="http://schemas.openxmlformats.org/drawingml/2006/main" xmlns:p="http://schemas.openxmlformats.org/presentationml/2006/main" xmlns:r="http://schemas.openxmlformats.org/officeDocument/2006/relationships" xmlns:p14="http://schemas.microsoft.com/office/powerpoint/2010/main" xmlns:p15="http://schemas.microsoft.com/office/powerpoint/2012/main" xmlns:mc="http://schemas.openxmlformats.org/markup-compatibility/2006">
+  <p:cSld>
+    <p:spTree>
+      <p:nvGrpSpPr>
+        <p:cNvPr id="1" name=""/>
+        <p:cNvGrpSpPr/>
+        <p:nvPr/>
+      </p:nvGrpSpPr>
+      <p:grpSpPr>
+        <a:xfrm>
+          <a:off x="0" y="0"/>
+          <a:ext cx="0" cy="0"/>
+          <a:chOff x="0" y="0"/>
+          <a:chExt cx="0" cy="0"/>
+        </a:xfrm>
+      </p:grpSpPr>
+      <p:sp>
+        <p:nvSpPr>
+          <p:cNvPr id="148" name="CustomShape 1"/>
+          <p:cNvSpPr/>
+          <p:nvPr/>
+        </p:nvSpPr>
+        <p:spPr>
+          <a:xfrm>
+            <a:off x="504000" y="74160"/>
+            <a:ext cx="9070560" cy="1249200"/>
+          </a:xfrm>
+          <a:prstGeom prst="rect">
+            <a:avLst/>
+          </a:prstGeom>
+          <a:noFill/>
+          <a:ln>
+            <a:noFill/>
+          </a:ln>
+        </p:spPr>
+        <p:style>
+          <a:lnRef idx="0"/>
+          <a:fillRef idx="0"/>
+          <a:effectRef idx="0"/>
+          <a:fontRef idx="minor"/>
+        </p:style>
+        <p:txBody>
+          <a:bodyPr lIns="0" rIns="0" tIns="0" bIns="0" anchor="ctr">
+            <a:noAutofit/>
+          </a:bodyPr>
+          <a:p>
+            <a:pPr algn="ctr">
+              <a:lnSpc>
+                <a:spcPct val="100000"/>
+              </a:lnSpc>
+            </a:pPr>
+            <a:r>
+              <a:rPr b="0" lang="en-GB" sz="2800" spc="-1" strike="noStrike">
+                <a:solidFill>
+                  <a:srgbClr val="000000"/>
+                </a:solidFill>
+                <a:latin typeface="Arial"/>
+                <a:ea typeface="DejaVu Sans"/>
+              </a:rPr>
+              <a:t>Star + Lukas-Kanade, icy_scarp.mp4</a:t>
+            </a:r>
+            <a:endParaRPr b="0" lang="en-GB" sz="2800" spc="-1" strike="noStrike">
+              <a:latin typeface="Arial"/>
+            </a:endParaRPr>
+          </a:p>
+        </p:txBody>
+      </p:sp>
+      <p:sp>
+        <p:nvSpPr>
+          <p:cNvPr id="149" name="CustomShape 2"/>
+          <p:cNvSpPr/>
+          <p:nvPr/>
+        </p:nvSpPr>
+        <p:spPr>
+          <a:xfrm>
+            <a:off x="504000" y="1326600"/>
+            <a:ext cx="9070560" cy="3287160"/>
+          </a:xfrm>
+          <a:prstGeom prst="rect">
+            <a:avLst/>
+          </a:prstGeom>
+          <a:noFill/>
+          <a:ln>
+            <a:noFill/>
+          </a:ln>
+        </p:spPr>
+        <p:style>
+          <a:lnRef idx="0"/>
+          <a:fillRef idx="0"/>
+          <a:effectRef idx="0"/>
+          <a:fontRef idx="minor"/>
+        </p:style>
+      </p:sp>
+      <p:pic>
+        <p:nvPicPr>
+          <p:cNvPr id="150" name="" descr=""/>
+          <p:cNvPicPr/>
+          <p:nvPr/>
+        </p:nvPicPr>
+        <p:blipFill>
+          <a:blip r:embed="rId1"/>
+          <a:stretch/>
+        </p:blipFill>
+        <p:spPr>
+          <a:xfrm>
+            <a:off x="1296000" y="1080000"/>
+            <a:ext cx="3312000" cy="2332800"/>
+          </a:xfrm>
+          <a:prstGeom prst="rect">
+            <a:avLst/>
+          </a:prstGeom>
+          <a:ln>
+            <a:noFill/>
+          </a:ln>
+        </p:spPr>
+      </p:pic>
+      <p:pic>
+        <p:nvPicPr>
+          <p:cNvPr id="151" name="" descr=""/>
+          <p:cNvPicPr/>
+          <p:nvPr/>
+        </p:nvPicPr>
+        <p:blipFill>
+          <a:blip r:embed="rId2"/>
+          <a:stretch/>
+        </p:blipFill>
+        <p:spPr>
+          <a:xfrm>
+            <a:off x="5040000" y="1080000"/>
+            <a:ext cx="3408480" cy="2376000"/>
+          </a:xfrm>
+          <a:prstGeom prst="rect">
+            <a:avLst/>
+          </a:prstGeom>
+          <a:ln>
+            <a:noFill/>
+          </a:ln>
+        </p:spPr>
+      </p:pic>
+      <p:pic>
+        <p:nvPicPr>
+          <p:cNvPr id="152" name="" descr=""/>
+          <p:cNvPicPr/>
+          <p:nvPr/>
+        </p:nvPicPr>
+        <p:blipFill>
+          <a:blip r:embed="rId3"/>
+          <a:stretch/>
+        </p:blipFill>
+        <p:spPr>
+          <a:xfrm>
+            <a:off x="1512000" y="3456000"/>
+            <a:ext cx="2952000" cy="2021040"/>
+          </a:xfrm>
+          <a:prstGeom prst="rect">
+            <a:avLst/>
+          </a:prstGeom>
+          <a:ln>
+            <a:noFill/>
+          </a:ln>
+        </p:spPr>
+      </p:pic>
+    </p:spTree>
+  </p:cSld>
+  <mc:AlternateContent>
+    <mc:Choice Requires="p14">
+      <p:transition spd="slow" p14:dur="2000"/>
+    </mc:Choice>
+    <mc:Fallback>
+      <p:transition spd="slow"/>
+    </mc:Fallback>
+  </mc:AlternateContent>
+</p:sld>
+</file>
+
+<file path=ppt/slides/slide32.xml><?xml version="1.0" encoding="utf-8"?>
+<p:sld xmlns:a="http://schemas.openxmlformats.org/drawingml/2006/main" xmlns:p="http://schemas.openxmlformats.org/presentationml/2006/main" xmlns:r="http://schemas.openxmlformats.org/officeDocument/2006/relationships" xmlns:p14="http://schemas.microsoft.com/office/powerpoint/2010/main" xmlns:p15="http://schemas.microsoft.com/office/powerpoint/2012/main" xmlns:mc="http://schemas.openxmlformats.org/markup-compatibility/2006">
+  <p:cSld>
+    <p:spTree>
+      <p:nvGrpSpPr>
+        <p:cNvPr id="1" name=""/>
+        <p:cNvGrpSpPr/>
+        <p:nvPr/>
+      </p:nvGrpSpPr>
+      <p:grpSpPr>
+        <a:xfrm>
+          <a:off x="0" y="0"/>
+          <a:ext cx="0" cy="0"/>
+          <a:chOff x="0" y="0"/>
+          <a:chExt cx="0" cy="0"/>
+        </a:xfrm>
+      </p:grpSpPr>
+      <p:sp>
+        <p:nvSpPr>
+          <p:cNvPr id="153" name="CustomShape 1"/>
+          <p:cNvSpPr/>
+          <p:nvPr/>
+        </p:nvSpPr>
+        <p:spPr>
+          <a:xfrm>
+            <a:off x="504000" y="74160"/>
+            <a:ext cx="9070560" cy="1249200"/>
+          </a:xfrm>
+          <a:prstGeom prst="rect">
+            <a:avLst/>
+          </a:prstGeom>
+          <a:noFill/>
+          <a:ln>
+            <a:noFill/>
+          </a:ln>
+        </p:spPr>
+        <p:style>
+          <a:lnRef idx="0"/>
+          <a:fillRef idx="0"/>
+          <a:effectRef idx="0"/>
+          <a:fontRef idx="minor"/>
+        </p:style>
+        <p:txBody>
+          <a:bodyPr lIns="0" rIns="0" tIns="0" bIns="0" anchor="ctr">
+            <a:noAutofit/>
+          </a:bodyPr>
+          <a:p>
+            <a:pPr algn="ctr">
+              <a:lnSpc>
+                <a:spcPct val="100000"/>
+              </a:lnSpc>
+            </a:pPr>
+            <a:r>
+              <a:rPr b="0" lang="en-GB" sz="2800" spc="-1" strike="noStrike">
+                <a:solidFill>
+                  <a:srgbClr val="000000"/>
+                </a:solidFill>
+                <a:latin typeface="Arial"/>
+                <a:ea typeface="DejaVu Sans"/>
+              </a:rPr>
+              <a:t>Fast + Lukas-Kanade, stereo.mp4</a:t>
+            </a:r>
+            <a:endParaRPr b="0" lang="en-GB" sz="2800" spc="-1" strike="noStrike">
+              <a:latin typeface="Arial"/>
+            </a:endParaRPr>
+          </a:p>
+        </p:txBody>
+      </p:sp>
+      <p:sp>
+        <p:nvSpPr>
+          <p:cNvPr id="154" name="CustomShape 2"/>
+          <p:cNvSpPr/>
+          <p:nvPr/>
+        </p:nvSpPr>
+        <p:spPr>
+          <a:xfrm>
+            <a:off x="504000" y="1326600"/>
+            <a:ext cx="9070560" cy="3287160"/>
+          </a:xfrm>
+          <a:prstGeom prst="rect">
+            <a:avLst/>
+          </a:prstGeom>
+          <a:noFill/>
+          <a:ln>
+            <a:noFill/>
+          </a:ln>
+        </p:spPr>
+        <p:style>
+          <a:lnRef idx="0"/>
+          <a:fillRef idx="0"/>
+          <a:effectRef idx="0"/>
+          <a:fontRef idx="minor"/>
+        </p:style>
+      </p:sp>
+      <p:pic>
+        <p:nvPicPr>
+          <p:cNvPr id="155" name="" descr=""/>
+          <p:cNvPicPr/>
+          <p:nvPr/>
+        </p:nvPicPr>
+        <p:blipFill>
+          <a:blip r:embed="rId1"/>
+          <a:stretch/>
+        </p:blipFill>
+        <p:spPr>
+          <a:xfrm>
+            <a:off x="1296000" y="1080000"/>
+            <a:ext cx="3312000" cy="2332800"/>
+          </a:xfrm>
+          <a:prstGeom prst="rect">
+            <a:avLst/>
+          </a:prstGeom>
+          <a:ln>
+            <a:noFill/>
+          </a:ln>
+        </p:spPr>
+      </p:pic>
+      <p:pic>
+        <p:nvPicPr>
+          <p:cNvPr id="156" name="" descr=""/>
+          <p:cNvPicPr/>
+          <p:nvPr/>
+        </p:nvPicPr>
+        <p:blipFill>
+          <a:blip r:embed="rId2"/>
+          <a:stretch/>
+        </p:blipFill>
+        <p:spPr>
+          <a:xfrm>
+            <a:off x="5040000" y="1080000"/>
+            <a:ext cx="3408480" cy="2376000"/>
+          </a:xfrm>
+          <a:prstGeom prst="rect">
+            <a:avLst/>
+          </a:prstGeom>
+          <a:ln>
+            <a:noFill/>
+          </a:ln>
+        </p:spPr>
+      </p:pic>
+      <p:pic>
+        <p:nvPicPr>
+          <p:cNvPr id="157" name="" descr=""/>
+          <p:cNvPicPr/>
+          <p:nvPr/>
+        </p:nvPicPr>
+        <p:blipFill>
+          <a:blip r:embed="rId3"/>
+          <a:stretch/>
+        </p:blipFill>
+        <p:spPr>
+          <a:xfrm>
+            <a:off x="1512000" y="3456000"/>
+            <a:ext cx="2952000" cy="2021040"/>
+          </a:xfrm>
+          <a:prstGeom prst="rect">
+            <a:avLst/>
+          </a:prstGeom>
+          <a:ln>
+            <a:noFill/>
+          </a:ln>
+        </p:spPr>
+      </p:pic>
+    </p:spTree>
+  </p:cSld>
+  <mc:AlternateContent>
+    <mc:Choice Requires="p14">
+      <p:transition spd="slow" p14:dur="2000"/>
+    </mc:Choice>
+    <mc:Fallback>
+      <p:transition spd="slow"/>
+    </mc:Fallback>
+  </mc:AlternateContent>
+</p:sld>
+</file>
+
+<file path=ppt/slides/slide33.xml><?xml version="1.0" encoding="utf-8"?>
+<p:sld xmlns:a="http://schemas.openxmlformats.org/drawingml/2006/main" xmlns:p="http://schemas.openxmlformats.org/presentationml/2006/main" xmlns:r="http://schemas.openxmlformats.org/officeDocument/2006/relationships" xmlns:p14="http://schemas.microsoft.com/office/powerpoint/2010/main" xmlns:p15="http://schemas.microsoft.com/office/powerpoint/2012/main" xmlns:mc="http://schemas.openxmlformats.org/markup-compatibility/2006">
+  <p:cSld>
+    <p:spTree>
+      <p:nvGrpSpPr>
+        <p:cNvPr id="1" name=""/>
+        <p:cNvGrpSpPr/>
+        <p:nvPr/>
+      </p:nvGrpSpPr>
+      <p:grpSpPr>
+        <a:xfrm>
+          <a:off x="0" y="0"/>
+          <a:ext cx="0" cy="0"/>
+          <a:chOff x="0" y="0"/>
+          <a:chExt cx="0" cy="0"/>
+        </a:xfrm>
+      </p:grpSpPr>
+      <p:sp>
+        <p:nvSpPr>
+          <p:cNvPr id="158" name="CustomShape 1"/>
+          <p:cNvSpPr/>
+          <p:nvPr/>
+        </p:nvSpPr>
+        <p:spPr>
+          <a:xfrm>
+            <a:off x="504000" y="226080"/>
+            <a:ext cx="9070560" cy="945360"/>
+          </a:xfrm>
+          <a:prstGeom prst="rect">
+            <a:avLst/>
+          </a:prstGeom>
+          <a:noFill/>
+          <a:ln>
+            <a:noFill/>
+          </a:ln>
+        </p:spPr>
+        <p:style>
+          <a:lnRef idx="0"/>
+          <a:fillRef idx="0"/>
+          <a:effectRef idx="0"/>
+          <a:fontRef idx="minor"/>
+        </p:style>
+        <p:txBody>
+          <a:bodyPr lIns="0" rIns="0" tIns="0" bIns="0" anchor="ctr">
+            <a:noAutofit/>
+          </a:bodyPr>
+          <a:p>
+            <a:pPr algn="ctr">
+              <a:lnSpc>
+                <a:spcPct val="100000"/>
+              </a:lnSpc>
+            </a:pPr>
+            <a:r>
+              <a:rPr b="0" lang="en-GB" sz="4400" spc="-1" strike="noStrike">
+                <a:solidFill>
+                  <a:srgbClr val="000000"/>
+                </a:solidFill>
+                <a:latin typeface="Arial"/>
+                <a:ea typeface="DejaVu Sans"/>
+              </a:rPr>
+              <a:t>Интерпретация результатов</a:t>
+            </a:r>
+            <a:endParaRPr b="0" lang="en-GB" sz="4400" spc="-1" strike="noStrike">
+              <a:latin typeface="Arial"/>
+            </a:endParaRPr>
+          </a:p>
+        </p:txBody>
+      </p:sp>
+      <p:sp>
+        <p:nvSpPr>
+          <p:cNvPr id="159" name="CustomShape 2"/>
+          <p:cNvSpPr/>
+          <p:nvPr/>
+        </p:nvSpPr>
+        <p:spPr>
+          <a:xfrm>
+            <a:off x="504000" y="1326600"/>
+            <a:ext cx="9070560" cy="3287160"/>
+          </a:xfrm>
+          <a:prstGeom prst="rect">
+            <a:avLst/>
+          </a:prstGeom>
+          <a:noFill/>
+          <a:ln>
+            <a:noFill/>
+          </a:ln>
+        </p:spPr>
+        <p:style>
+          <a:lnRef idx="0"/>
+          <a:fillRef idx="0"/>
+          <a:effectRef idx="0"/>
+          <a:fontRef idx="minor"/>
+        </p:style>
+        <p:txBody>
+          <a:bodyPr lIns="0" rIns="0" tIns="0" bIns="0">
+            <a:normAutofit/>
+          </a:bodyPr>
+          <a:p>
+            <a:pPr marL="432000" indent="-322920">
+              <a:lnSpc>
+                <a:spcPct val="100000"/>
+              </a:lnSpc>
+              <a:spcBef>
+                <a:spcPts val="1417"/>
+              </a:spcBef>
+              <a:buClr>
+                <a:srgbClr val="000000"/>
+              </a:buClr>
+              <a:buSzPct val="45000"/>
+              <a:buFont typeface="Wingdings" charset="2"/>
+              <a:buChar char=""/>
+            </a:pPr>
+            <a:r>
+              <a:rPr b="0" lang="en-GB" sz="3200" spc="-1" strike="noStrike">
+                <a:solidFill>
+                  <a:srgbClr val="000000"/>
+                </a:solidFill>
+                <a:latin typeface="Arial"/>
+                <a:ea typeface="DejaVu Sans"/>
+              </a:rPr>
+              <a:t>...</a:t>
+            </a:r>
+            <a:endParaRPr b="0" lang="en-GB" sz="3200" spc="-1" strike="noStrike">
+              <a:latin typeface="Arial"/>
+            </a:endParaRPr>
+          </a:p>
+        </p:txBody>
+      </p:sp>
+    </p:spTree>
+  </p:cSld>
+  <mc:AlternateContent>
+    <mc:Choice Requires="p14">
+      <p:transition spd="slow" p14:dur="2000"/>
+    </mc:Choice>
+    <mc:Fallback>
+      <p:transition spd="slow"/>
+    </mc:Fallback>
+  </mc:AlternateContent>
+</p:sld>
+</file>
+
+<file path=ppt/slides/slide34.xml><?xml version="1.0" encoding="utf-8"?>
+<p:sld xmlns:a="http://schemas.openxmlformats.org/drawingml/2006/main" xmlns:p="http://schemas.openxmlformats.org/presentationml/2006/main" xmlns:r="http://schemas.openxmlformats.org/officeDocument/2006/relationships" xmlns:p14="http://schemas.microsoft.com/office/powerpoint/2010/main" xmlns:p15="http://schemas.microsoft.com/office/powerpoint/2012/main" xmlns:mc="http://schemas.openxmlformats.org/markup-compatibility/2006">
+  <p:cSld>
+    <p:spTree>
+      <p:nvGrpSpPr>
+        <p:cNvPr id="1" name=""/>
+        <p:cNvGrpSpPr/>
+        <p:nvPr/>
+      </p:nvGrpSpPr>
+      <p:grpSpPr>
+        <a:xfrm>
+          <a:off x="0" y="0"/>
+          <a:ext cx="0" cy="0"/>
+          <a:chOff x="0" y="0"/>
+          <a:chExt cx="0" cy="0"/>
+        </a:xfrm>
+      </p:grpSpPr>
+      <p:sp>
+        <p:nvSpPr>
+          <p:cNvPr id="160" name="CustomShape 1"/>
+          <p:cNvSpPr/>
+          <p:nvPr/>
+        </p:nvSpPr>
+        <p:spPr>
+          <a:xfrm>
+            <a:off x="504000" y="2221560"/>
+            <a:ext cx="9070560" cy="945360"/>
+          </a:xfrm>
+          <a:prstGeom prst="rect">
+            <a:avLst/>
+          </a:prstGeom>
+          <a:noFill/>
+          <a:ln>
+            <a:noFill/>
+          </a:ln>
+        </p:spPr>
+        <p:style>
+          <a:lnRef idx="0"/>
+          <a:fillRef idx="0"/>
+          <a:effectRef idx="0"/>
+          <a:fontRef idx="minor"/>
+        </p:style>
+        <p:txBody>
+          <a:bodyPr lIns="0" rIns="0" tIns="0" bIns="0" anchor="ctr">
+            <a:noAutofit/>
+          </a:bodyPr>
+          <a:p>
+            <a:pPr algn="ctr">
+              <a:lnSpc>
+                <a:spcPct val="100000"/>
+              </a:lnSpc>
+            </a:pPr>
+            <a:r>
+              <a:rPr b="0" lang="en-GB" sz="4400" spc="-1" strike="noStrike">
+                <a:solidFill>
+                  <a:srgbClr val="000000"/>
+                </a:solidFill>
+                <a:latin typeface="Arial"/>
+                <a:ea typeface="DejaVu Sans"/>
+              </a:rPr>
+              <a:t>Спасибо за внимание</a:t>
+            </a:r>
+            <a:endParaRPr b="0" lang="en-GB" sz="4400" spc="-1" strike="noStrike">
               <a:latin typeface="Arial"/>
             </a:endParaRPr>
           </a:p>
@@ -8258,7 +10948,7 @@
         <p:spPr>
           <a:xfrm>
             <a:off x="504000" y="226080"/>
-            <a:ext cx="9070920" cy="945720"/>
+            <a:ext cx="9070560" cy="945360"/>
           </a:xfrm>
           <a:prstGeom prst="rect">
             <a:avLst/>
@@ -8292,7 +10982,7 @@
                 <a:latin typeface="Arial"/>
                 <a:ea typeface="DejaVu Sans"/>
               </a:rPr>
-              <a:t>Исходные данные</a:t>
+              <a:t>Принципы прослеживания</a:t>
             </a:r>
             <a:endParaRPr b="0" lang="en-GB" sz="4400" spc="-1" strike="noStrike">
               <a:latin typeface="Arial"/>
@@ -8300,29 +10990,95 @@
           </a:p>
         </p:txBody>
       </p:sp>
-      <p:pic>
-        <p:nvPicPr>
-          <p:cNvPr id="83" name="" descr=""/>
-          <p:cNvPicPr/>
+      <p:sp>
+        <p:nvSpPr>
+          <p:cNvPr id="83" name="CustomShape 2"/>
+          <p:cNvSpPr/>
           <p:nvPr/>
-        </p:nvPicPr>
-        <p:blipFill>
-          <a:blip r:embed="rId1"/>
-          <a:stretch/>
-        </p:blipFill>
-        <p:spPr>
-          <a:xfrm>
-            <a:off x="216000" y="1224000"/>
-            <a:ext cx="9618120" cy="4012200"/>
-          </a:xfrm>
-          <a:prstGeom prst="rect">
-            <a:avLst/>
-          </a:prstGeom>
+        </p:nvSpPr>
+        <p:spPr>
+          <a:xfrm>
+            <a:off x="504000" y="1326600"/>
+            <a:ext cx="9070560" cy="3287160"/>
+          </a:xfrm>
+          <a:prstGeom prst="rect">
+            <a:avLst/>
+          </a:prstGeom>
+          <a:noFill/>
           <a:ln>
             <a:noFill/>
           </a:ln>
         </p:spPr>
-      </p:pic>
+        <p:style>
+          <a:lnRef idx="0"/>
+          <a:fillRef idx="0"/>
+          <a:effectRef idx="0"/>
+          <a:fontRef idx="minor"/>
+        </p:style>
+        <p:txBody>
+          <a:bodyPr lIns="0" rIns="0" tIns="0" bIns="0">
+            <a:normAutofit/>
+          </a:bodyPr>
+          <a:p>
+            <a:pPr marL="432000" indent="-322920">
+              <a:lnSpc>
+                <a:spcPct val="100000"/>
+              </a:lnSpc>
+              <a:spcBef>
+                <a:spcPts val="1417"/>
+              </a:spcBef>
+              <a:buClr>
+                <a:srgbClr val="000000"/>
+              </a:buClr>
+              <a:buSzPct val="45000"/>
+              <a:buFont typeface="Wingdings" charset="2"/>
+              <a:buChar char=""/>
+            </a:pPr>
+            <a:r>
+              <a:rPr b="0" lang="en-GB" sz="3200" spc="-1" strike="noStrike">
+                <a:solidFill>
+                  <a:srgbClr val="000000"/>
+                </a:solidFill>
+                <a:latin typeface="Arial"/>
+                <a:ea typeface="DejaVu Sans"/>
+              </a:rPr>
+              <a:t>Детектор особых точек + алгоритм прослеживания оптического потока</a:t>
+            </a:r>
+            <a:endParaRPr b="0" lang="en-GB" sz="3200" spc="-1" strike="noStrike">
+              <a:latin typeface="Arial"/>
+            </a:endParaRPr>
+          </a:p>
+          <a:p>
+            <a:pPr marL="432000" indent="-322920">
+              <a:lnSpc>
+                <a:spcPct val="100000"/>
+              </a:lnSpc>
+              <a:spcBef>
+                <a:spcPts val="1417"/>
+              </a:spcBef>
+              <a:buClr>
+                <a:srgbClr val="000000"/>
+              </a:buClr>
+              <a:buSzPct val="45000"/>
+              <a:buFont typeface="Wingdings" charset="2"/>
+              <a:buChar char=""/>
+            </a:pPr>
+            <a:r>
+              <a:rPr b="0" lang="en-GB" sz="3200" spc="-1" strike="noStrike">
+                <a:solidFill>
+                  <a:srgbClr val="000000"/>
+                </a:solidFill>
+                <a:latin typeface="Arial"/>
+                <a:ea typeface="DejaVu Sans"/>
+              </a:rPr>
+              <a:t>Детектор особых точек + дескриптор + сопоставление признаков</a:t>
+            </a:r>
+            <a:endParaRPr b="0" lang="en-GB" sz="3200" spc="-1" strike="noStrike">
+              <a:latin typeface="Arial"/>
+            </a:endParaRPr>
+          </a:p>
+        </p:txBody>
+      </p:sp>
     </p:spTree>
   </p:cSld>
   <mc:AlternateContent>
@@ -8362,7 +11118,7 @@
         <p:spPr>
           <a:xfrm>
             <a:off x="504000" y="226080"/>
-            <a:ext cx="9070920" cy="945720"/>
+            <a:ext cx="9070560" cy="945360"/>
           </a:xfrm>
           <a:prstGeom prst="rect">
             <a:avLst/>
@@ -8404,105 +11160,29 @@
           </a:p>
         </p:txBody>
       </p:sp>
-      <p:sp>
-        <p:nvSpPr>
-          <p:cNvPr id="85" name="CustomShape 2"/>
-          <p:cNvSpPr/>
+      <p:pic>
+        <p:nvPicPr>
+          <p:cNvPr id="85" name="" descr=""/>
+          <p:cNvPicPr/>
           <p:nvPr/>
-        </p:nvSpPr>
-        <p:spPr>
-          <a:xfrm>
-            <a:off x="432000" y="1368000"/>
-            <a:ext cx="9431640" cy="1369800"/>
-          </a:xfrm>
-          <a:prstGeom prst="rect">
-            <a:avLst/>
-          </a:prstGeom>
-          <a:noFill/>
+        </p:nvPicPr>
+        <p:blipFill>
+          <a:blip r:embed="rId1"/>
+          <a:stretch/>
+        </p:blipFill>
+        <p:spPr>
+          <a:xfrm>
+            <a:off x="216000" y="1224000"/>
+            <a:ext cx="9617760" cy="4011840"/>
+          </a:xfrm>
+          <a:prstGeom prst="rect">
+            <a:avLst/>
+          </a:prstGeom>
           <a:ln>
             <a:noFill/>
           </a:ln>
         </p:spPr>
-        <p:style>
-          <a:lnRef idx="0"/>
-          <a:fillRef idx="0"/>
-          <a:effectRef idx="0"/>
-          <a:fontRef idx="minor"/>
-        </p:style>
-        <p:txBody>
-          <a:bodyPr lIns="90000" rIns="90000" tIns="45000" bIns="45000">
-            <a:noAutofit/>
-          </a:bodyPr>
-          <a:p>
-            <a:pPr>
-              <a:lnSpc>
-                <a:spcPct val="100000"/>
-              </a:lnSpc>
-            </a:pPr>
-            <a:r>
-              <a:rPr b="0" lang="en-GB" sz="1800" spc="-1" strike="noStrike">
-                <a:latin typeface="Arial"/>
-              </a:rPr>
-              <a:t>20201113_1516_Cam_1_15_00.mp4</a:t>
-            </a:r>
-            <a:endParaRPr b="0" lang="en-GB" sz="1800" spc="-1" strike="noStrike">
-              <a:latin typeface="Arial"/>
-            </a:endParaRPr>
-          </a:p>
-          <a:p>
-            <a:pPr>
-              <a:lnSpc>
-                <a:spcPct val="100000"/>
-              </a:lnSpc>
-            </a:pPr>
-            <a:endParaRPr b="0" lang="en-GB" sz="1800" spc="-1" strike="noStrike">
-              <a:latin typeface="Arial"/>
-            </a:endParaRPr>
-          </a:p>
-          <a:p>
-            <a:pPr>
-              <a:lnSpc>
-                <a:spcPct val="100000"/>
-              </a:lnSpc>
-            </a:pPr>
-            <a:r>
-              <a:rPr b="0" lang="en-GB" sz="1800" spc="-1" strike="noStrike">
-                <a:latin typeface="Arial"/>
-              </a:rPr>
-              <a:t>Продолжительность: 00:00:05.12</a:t>
-            </a:r>
-            <a:endParaRPr b="0" lang="en-GB" sz="1800" spc="-1" strike="noStrike">
-              <a:latin typeface="Arial"/>
-            </a:endParaRPr>
-          </a:p>
-          <a:p>
-            <a:pPr>
-              <a:lnSpc>
-                <a:spcPct val="100000"/>
-              </a:lnSpc>
-            </a:pPr>
-            <a:endParaRPr b="0" lang="en-GB" sz="1800" spc="-1" strike="noStrike">
-              <a:latin typeface="Arial"/>
-            </a:endParaRPr>
-          </a:p>
-          <a:p>
-            <a:pPr>
-              <a:lnSpc>
-                <a:spcPct val="100000"/>
-              </a:lnSpc>
-            </a:pPr>
-            <a:r>
-              <a:rPr b="0" lang="en-GB" sz="1800" spc="-1" strike="noStrike">
-                <a:latin typeface="Arial"/>
-              </a:rPr>
-              <a:t>Размер кадра: 4928x2056</a:t>
-            </a:r>
-            <a:endParaRPr b="0" lang="en-GB" sz="1800" spc="-1" strike="noStrike">
-              <a:latin typeface="Arial"/>
-            </a:endParaRPr>
-          </a:p>
-        </p:txBody>
-      </p:sp>
+      </p:pic>
     </p:spTree>
   </p:cSld>
   <mc:AlternateContent>
@@ -8542,7 +11222,7 @@
         <p:spPr>
           <a:xfrm>
             <a:off x="504000" y="226080"/>
-            <a:ext cx="9070920" cy="945720"/>
+            <a:ext cx="9070560" cy="945360"/>
           </a:xfrm>
           <a:prstGeom prst="rect">
             <a:avLst/>
@@ -8584,39 +11264,16 @@
           </a:p>
         </p:txBody>
       </p:sp>
-      <p:pic>
-        <p:nvPicPr>
-          <p:cNvPr id="87" name="" descr=""/>
-          <p:cNvPicPr/>
-          <p:nvPr/>
-        </p:nvPicPr>
-        <p:blipFill>
-          <a:blip r:embed="rId1"/>
-          <a:stretch/>
-        </p:blipFill>
-        <p:spPr>
-          <a:xfrm>
-            <a:off x="224640" y="1296000"/>
-            <a:ext cx="6831000" cy="3842280"/>
-          </a:xfrm>
-          <a:prstGeom prst="rect">
-            <a:avLst/>
-          </a:prstGeom>
-          <a:ln>
-            <a:noFill/>
-          </a:ln>
-        </p:spPr>
-      </p:pic>
-      <p:sp>
-        <p:nvSpPr>
-          <p:cNvPr id="88" name="CustomShape 2"/>
+      <p:sp>
+        <p:nvSpPr>
+          <p:cNvPr id="87" name="CustomShape 2"/>
           <p:cNvSpPr/>
           <p:nvPr/>
         </p:nvSpPr>
         <p:spPr>
           <a:xfrm>
-            <a:off x="7272000" y="1296000"/>
-            <a:ext cx="2591640" cy="1881720"/>
+            <a:off x="432000" y="1368000"/>
+            <a:ext cx="9431280" cy="1369440"/>
           </a:xfrm>
           <a:prstGeom prst="rect">
             <a:avLst/>
@@ -8644,9 +11301,13 @@
             </a:pPr>
             <a:r>
               <a:rPr b="0" lang="en-GB" sz="1800" spc="-1" strike="noStrike">
-                <a:latin typeface="Arial"/>
-              </a:rPr>
-              <a:t>icy_scarp.mp4</a:t>
+                <a:solidFill>
+                  <a:srgbClr val="000000"/>
+                </a:solidFill>
+                <a:latin typeface="Arial"/>
+                <a:ea typeface="DejaVu Sans"/>
+              </a:rPr>
+              <a:t>20201113_1516_Cam_1_15_00.mp4</a:t>
             </a:r>
             <a:endParaRPr b="0" lang="en-GB" sz="1800" spc="-1" strike="noStrike">
               <a:latin typeface="Arial"/>
@@ -8670,9 +11331,13 @@
             </a:pPr>
             <a:r>
               <a:rPr b="0" lang="en-GB" sz="1800" spc="-1" strike="noStrike">
-                <a:latin typeface="Arial"/>
-              </a:rPr>
-              <a:t>Продолжительность: 00:00:55.06</a:t>
+                <a:solidFill>
+                  <a:srgbClr val="000000"/>
+                </a:solidFill>
+                <a:latin typeface="Arial"/>
+                <a:ea typeface="DejaVu Sans"/>
+              </a:rPr>
+              <a:t>Продолжительность: 00:00:05.12</a:t>
             </a:r>
             <a:endParaRPr b="0" lang="en-GB" sz="1800" spc="-1" strike="noStrike">
               <a:latin typeface="Arial"/>
@@ -8696,9 +11361,13 @@
             </a:pPr>
             <a:r>
               <a:rPr b="0" lang="en-GB" sz="1800" spc="-1" strike="noStrike">
-                <a:latin typeface="Arial"/>
-              </a:rPr>
-              <a:t>Размер кадра: 1920x1080</a:t>
+                <a:solidFill>
+                  <a:srgbClr val="000000"/>
+                </a:solidFill>
+                <a:latin typeface="Arial"/>
+                <a:ea typeface="DejaVu Sans"/>
+              </a:rPr>
+              <a:t>Размер кадра: 4928x2056</a:t>
             </a:r>
             <a:endParaRPr b="0" lang="en-GB" sz="1800" spc="-1" strike="noStrike">
               <a:latin typeface="Arial"/>
@@ -8738,14 +11407,14 @@
       </p:grpSpPr>
       <p:sp>
         <p:nvSpPr>
-          <p:cNvPr id="89" name="CustomShape 1"/>
+          <p:cNvPr id="88" name="CustomShape 1"/>
           <p:cNvSpPr/>
           <p:nvPr/>
         </p:nvSpPr>
         <p:spPr>
           <a:xfrm>
             <a:off x="504000" y="226080"/>
-            <a:ext cx="9070920" cy="945720"/>
+            <a:ext cx="9070560" cy="945360"/>
           </a:xfrm>
           <a:prstGeom prst="rect">
             <a:avLst/>
@@ -8779,7 +11448,7 @@
                 <a:latin typeface="Arial"/>
                 <a:ea typeface="DejaVu Sans"/>
               </a:rPr>
-              <a:t>Используемые вычислители</a:t>
+              <a:t>Исходные данные</a:t>
             </a:r>
             <a:endParaRPr b="0" lang="en-GB" sz="4400" spc="-1" strike="noStrike">
               <a:latin typeface="Arial"/>
@@ -8787,6 +11456,29 @@
           </a:p>
         </p:txBody>
       </p:sp>
+      <p:pic>
+        <p:nvPicPr>
+          <p:cNvPr id="89" name="" descr=""/>
+          <p:cNvPicPr/>
+          <p:nvPr/>
+        </p:nvPicPr>
+        <p:blipFill>
+          <a:blip r:embed="rId1"/>
+          <a:stretch/>
+        </p:blipFill>
+        <p:spPr>
+          <a:xfrm>
+            <a:off x="224640" y="1296000"/>
+            <a:ext cx="6830640" cy="3841920"/>
+          </a:xfrm>
+          <a:prstGeom prst="rect">
+            <a:avLst/>
+          </a:prstGeom>
+          <a:ln>
+            <a:noFill/>
+          </a:ln>
+        </p:spPr>
+      </p:pic>
       <p:sp>
         <p:nvSpPr>
           <p:cNvPr id="90" name="CustomShape 2"/>
@@ -8795,8 +11487,8 @@
         </p:nvSpPr>
         <p:spPr>
           <a:xfrm>
-            <a:off x="504000" y="1326600"/>
-            <a:ext cx="9070920" cy="3287520"/>
+            <a:off x="7272000" y="1296000"/>
+            <a:ext cx="2591280" cy="1881360"/>
           </a:xfrm>
           <a:prstGeom prst="rect">
             <a:avLst/>
@@ -8813,93 +11505,86 @@
           <a:fontRef idx="minor"/>
         </p:style>
         <p:txBody>
-          <a:bodyPr lIns="0" rIns="0" tIns="0" bIns="0">
-            <a:normAutofit/>
-          </a:bodyPr>
-          <a:p>
-            <a:pPr marL="432000" indent="-323280">
-              <a:lnSpc>
-                <a:spcPct val="100000"/>
-              </a:lnSpc>
-              <a:spcBef>
-                <a:spcPts val="1417"/>
-              </a:spcBef>
-              <a:buClr>
-                <a:srgbClr val="000000"/>
-              </a:buClr>
-              <a:buSzPct val="45000"/>
-              <a:buFont typeface="Wingdings" charset="2"/>
-              <a:buChar char=""/>
-            </a:pPr>
-            <a:r>
-              <a:rPr b="0" lang="en-GB" sz="3200" spc="-1" strike="noStrike">
-                <a:solidFill>
-                  <a:srgbClr val="000000"/>
-                </a:solidFill>
-                <a:latin typeface="Arial"/>
-                <a:ea typeface="DejaVu Sans"/>
-              </a:rPr>
-              <a:t>Intel Core i5 (C++ &amp;&amp; SSE)</a:t>
-            </a:r>
-            <a:endParaRPr b="0" lang="en-GB" sz="3200" spc="-1" strike="noStrike">
-              <a:latin typeface="Arial"/>
-            </a:endParaRPr>
-          </a:p>
-          <a:p>
-            <a:pPr marL="432000" indent="-323280">
-              <a:lnSpc>
-                <a:spcPct val="100000"/>
-              </a:lnSpc>
-              <a:spcBef>
-                <a:spcPts val="1417"/>
-              </a:spcBef>
-              <a:buClr>
-                <a:srgbClr val="000000"/>
-              </a:buClr>
-              <a:buSzPct val="45000"/>
-              <a:buFont typeface="Wingdings" charset="2"/>
-              <a:buChar char=""/>
-            </a:pPr>
-            <a:r>
-              <a:rPr b="0" lang="en-GB" sz="3200" spc="-1" strike="noStrike">
-                <a:solidFill>
-                  <a:srgbClr val="000000"/>
-                </a:solidFill>
-                <a:latin typeface="Arial"/>
-                <a:ea typeface="DejaVu Sans"/>
-              </a:rPr>
-              <a:t>GeForce GTX 1050 (Nvidia CUDA)</a:t>
-            </a:r>
-            <a:endParaRPr b="0" lang="en-GB" sz="3200" spc="-1" strike="noStrike">
-              <a:latin typeface="Arial"/>
-            </a:endParaRPr>
-          </a:p>
-          <a:p>
-            <a:pPr marL="432000" indent="-323280">
-              <a:lnSpc>
-                <a:spcPct val="100000"/>
-              </a:lnSpc>
-              <a:spcBef>
-                <a:spcPts val="1417"/>
-              </a:spcBef>
-              <a:buClr>
-                <a:srgbClr val="000000"/>
-              </a:buClr>
-              <a:buSzPct val="45000"/>
-              <a:buFont typeface="Wingdings" charset="2"/>
-              <a:buChar char=""/>
-            </a:pPr>
-            <a:r>
-              <a:rPr b="0" lang="en-GB" sz="3200" spc="-1" strike="noStrike">
-                <a:solidFill>
-                  <a:srgbClr val="000000"/>
-                </a:solidFill>
-                <a:latin typeface="Arial"/>
-                <a:ea typeface="DejaVu Sans"/>
-              </a:rPr>
-              <a:t>GeForce GTX 1050 (OpenCL)</a:t>
-            </a:r>
-            <a:endParaRPr b="0" lang="en-GB" sz="3200" spc="-1" strike="noStrike">
+          <a:bodyPr lIns="90000" rIns="90000" tIns="45000" bIns="45000">
+            <a:noAutofit/>
+          </a:bodyPr>
+          <a:p>
+            <a:pPr>
+              <a:lnSpc>
+                <a:spcPct val="100000"/>
+              </a:lnSpc>
+            </a:pPr>
+            <a:r>
+              <a:rPr b="0" lang="en-GB" sz="1800" spc="-1" strike="noStrike">
+                <a:solidFill>
+                  <a:srgbClr val="000000"/>
+                </a:solidFill>
+                <a:latin typeface="Arial"/>
+                <a:ea typeface="DejaVu Sans"/>
+              </a:rPr>
+              <a:t>icy_scarp.mp4</a:t>
+            </a:r>
+            <a:endParaRPr b="0" lang="en-GB" sz="1800" spc="-1" strike="noStrike">
+              <a:latin typeface="Arial"/>
+            </a:endParaRPr>
+          </a:p>
+          <a:p>
+            <a:pPr>
+              <a:lnSpc>
+                <a:spcPct val="100000"/>
+              </a:lnSpc>
+            </a:pPr>
+            <a:endParaRPr b="0" lang="en-GB" sz="1800" spc="-1" strike="noStrike">
+              <a:latin typeface="Arial"/>
+            </a:endParaRPr>
+          </a:p>
+          <a:p>
+            <a:pPr>
+              <a:lnSpc>
+                <a:spcPct val="100000"/>
+              </a:lnSpc>
+            </a:pPr>
+            <a:r>
+              <a:rPr b="0" lang="en-GB" sz="1800" spc="-1" strike="noStrike">
+                <a:solidFill>
+                  <a:srgbClr val="000000"/>
+                </a:solidFill>
+                <a:latin typeface="Arial"/>
+                <a:ea typeface="DejaVu Sans"/>
+              </a:rPr>
+              <a:t>Продолжительность: 00:00:55.06</a:t>
+            </a:r>
+            <a:endParaRPr b="0" lang="en-GB" sz="1800" spc="-1" strike="noStrike">
+              <a:latin typeface="Arial"/>
+            </a:endParaRPr>
+          </a:p>
+          <a:p>
+            <a:pPr>
+              <a:lnSpc>
+                <a:spcPct val="100000"/>
+              </a:lnSpc>
+            </a:pPr>
+            <a:endParaRPr b="0" lang="en-GB" sz="1800" spc="-1" strike="noStrike">
+              <a:latin typeface="Arial"/>
+            </a:endParaRPr>
+          </a:p>
+          <a:p>
+            <a:pPr>
+              <a:lnSpc>
+                <a:spcPct val="100000"/>
+              </a:lnSpc>
+            </a:pPr>
+            <a:r>
+              <a:rPr b="0" lang="en-GB" sz="1800" spc="-1" strike="noStrike">
+                <a:solidFill>
+                  <a:srgbClr val="000000"/>
+                </a:solidFill>
+                <a:latin typeface="Arial"/>
+                <a:ea typeface="DejaVu Sans"/>
+              </a:rPr>
+              <a:t>Размер кадра: 1920x1080</a:t>
+            </a:r>
+            <a:endParaRPr b="0" lang="en-GB" sz="1800" spc="-1" strike="noStrike">
               <a:latin typeface="Arial"/>
             </a:endParaRPr>
           </a:p>
@@ -8944,7 +11629,7 @@
         <p:spPr>
           <a:xfrm>
             <a:off x="504000" y="226080"/>
-            <a:ext cx="9070920" cy="945720"/>
+            <a:ext cx="9070560" cy="945360"/>
           </a:xfrm>
           <a:prstGeom prst="rect">
             <a:avLst/>
@@ -8978,7 +11663,7 @@
                 <a:latin typeface="Arial"/>
                 <a:ea typeface="DejaVu Sans"/>
               </a:rPr>
-              <a:t>Используемые детекторы</a:t>
+              <a:t>Используемые вычислители</a:t>
             </a:r>
             <a:endParaRPr b="0" lang="en-GB" sz="4400" spc="-1" strike="noStrike">
               <a:latin typeface="Arial"/>
@@ -8995,7 +11680,7 @@
         <p:spPr>
           <a:xfrm>
             <a:off x="504000" y="1326600"/>
-            <a:ext cx="9070920" cy="3287520"/>
+            <a:ext cx="9070560" cy="3287160"/>
           </a:xfrm>
           <a:prstGeom prst="rect">
             <a:avLst/>
@@ -9013,293 +11698,90 @@
         </p:style>
         <p:txBody>
           <a:bodyPr lIns="0" rIns="0" tIns="0" bIns="0">
-            <a:normAutofit fontScale="37000"/>
-          </a:bodyPr>
-          <a:p>
-            <a:pPr marL="432000" indent="-323280">
-              <a:lnSpc>
-                <a:spcPct val="100000"/>
-              </a:lnSpc>
-              <a:spcBef>
-                <a:spcPts val="1417"/>
-              </a:spcBef>
-              <a:buClr>
-                <a:srgbClr val="000000"/>
-              </a:buClr>
-              <a:buSzPct val="45000"/>
-              <a:buFont typeface="Wingdings" charset="2"/>
-              <a:buChar char=""/>
-            </a:pPr>
-            <a:r>
-              <a:rPr b="0" lang="en-GB" sz="3200" spc="-1" strike="noStrike">
-                <a:solidFill>
-                  <a:srgbClr val="000000"/>
-                </a:solidFill>
-                <a:latin typeface="Arial"/>
-                <a:ea typeface="DejaVu Sans"/>
-              </a:rPr>
-              <a:t>Shi-Tomasi + BRIEF</a:t>
-            </a:r>
-            <a:endParaRPr b="0" lang="en-GB" sz="3200" spc="-1" strike="noStrike">
-              <a:latin typeface="Arial"/>
-            </a:endParaRPr>
-          </a:p>
-          <a:p>
-            <a:pPr marL="432000" indent="-323280">
-              <a:lnSpc>
-                <a:spcPct val="100000"/>
-              </a:lnSpc>
-              <a:spcBef>
-                <a:spcPts val="1417"/>
-              </a:spcBef>
-              <a:buClr>
-                <a:srgbClr val="000000"/>
-              </a:buClr>
-              <a:buSzPct val="45000"/>
-              <a:buFont typeface="Wingdings" charset="2"/>
-              <a:buChar char=""/>
-            </a:pPr>
-            <a:r>
-              <a:rPr b="0" lang="en-GB" sz="3200" spc="-1" strike="noStrike">
-                <a:solidFill>
-                  <a:srgbClr val="000000"/>
-                </a:solidFill>
-                <a:latin typeface="Arial"/>
-                <a:ea typeface="DejaVu Sans"/>
-              </a:rPr>
-              <a:t>Shi-Tomasi + FREAK</a:t>
-            </a:r>
-            <a:endParaRPr b="0" lang="en-GB" sz="3200" spc="-1" strike="noStrike">
-              <a:latin typeface="Arial"/>
-            </a:endParaRPr>
-          </a:p>
-          <a:p>
-            <a:pPr marL="432000" indent="-323280">
-              <a:lnSpc>
-                <a:spcPct val="100000"/>
-              </a:lnSpc>
-              <a:spcBef>
-                <a:spcPts val="1417"/>
-              </a:spcBef>
-              <a:buClr>
-                <a:srgbClr val="000000"/>
-              </a:buClr>
-              <a:buSzPct val="45000"/>
-              <a:buFont typeface="Wingdings" charset="2"/>
-              <a:buChar char=""/>
-            </a:pPr>
-            <a:r>
-              <a:rPr b="0" lang="en-GB" sz="3200" spc="-1" strike="noStrike">
-                <a:solidFill>
-                  <a:srgbClr val="000000"/>
-                </a:solidFill>
-                <a:latin typeface="Arial"/>
-                <a:ea typeface="DejaVu Sans"/>
-              </a:rPr>
-              <a:t>Harris + BRIEF</a:t>
-            </a:r>
-            <a:endParaRPr b="0" lang="en-GB" sz="3200" spc="-1" strike="noStrike">
-              <a:latin typeface="Arial"/>
-            </a:endParaRPr>
-          </a:p>
-          <a:p>
-            <a:pPr marL="432000" indent="-323280">
-              <a:lnSpc>
-                <a:spcPct val="100000"/>
-              </a:lnSpc>
-              <a:spcBef>
-                <a:spcPts val="1417"/>
-              </a:spcBef>
-              <a:buClr>
-                <a:srgbClr val="000000"/>
-              </a:buClr>
-              <a:buSzPct val="45000"/>
-              <a:buFont typeface="Wingdings" charset="2"/>
-              <a:buChar char=""/>
-            </a:pPr>
-            <a:r>
-              <a:rPr b="0" lang="en-GB" sz="3200" spc="-1" strike="noStrike">
-                <a:solidFill>
-                  <a:srgbClr val="000000"/>
-                </a:solidFill>
-                <a:latin typeface="Arial"/>
-                <a:ea typeface="DejaVu Sans"/>
-              </a:rPr>
-              <a:t>Harris + FREAK</a:t>
-            </a:r>
-            <a:endParaRPr b="0" lang="en-GB" sz="3200" spc="-1" strike="noStrike">
-              <a:latin typeface="Arial"/>
-            </a:endParaRPr>
-          </a:p>
-          <a:p>
-            <a:pPr marL="432000" indent="-323280">
-              <a:lnSpc>
-                <a:spcPct val="100000"/>
-              </a:lnSpc>
-              <a:spcBef>
-                <a:spcPts val="1417"/>
-              </a:spcBef>
-              <a:buClr>
-                <a:srgbClr val="000000"/>
-              </a:buClr>
-              <a:buSzPct val="45000"/>
-              <a:buFont typeface="Wingdings" charset="2"/>
-              <a:buChar char=""/>
-            </a:pPr>
-            <a:r>
-              <a:rPr b="0" lang="en-GB" sz="3200" spc="-1" strike="noStrike">
-                <a:solidFill>
-                  <a:srgbClr val="000000"/>
-                </a:solidFill>
-                <a:latin typeface="Arial"/>
-                <a:ea typeface="DejaVu Sans"/>
-              </a:rPr>
-              <a:t>Star + BRIEF</a:t>
-            </a:r>
-            <a:endParaRPr b="0" lang="en-GB" sz="3200" spc="-1" strike="noStrike">
-              <a:latin typeface="Arial"/>
-            </a:endParaRPr>
-          </a:p>
-          <a:p>
-            <a:pPr marL="432000" indent="-323280">
-              <a:lnSpc>
-                <a:spcPct val="100000"/>
-              </a:lnSpc>
-              <a:spcBef>
-                <a:spcPts val="1417"/>
-              </a:spcBef>
-              <a:buClr>
-                <a:srgbClr val="000000"/>
-              </a:buClr>
-              <a:buSzPct val="45000"/>
-              <a:buFont typeface="Wingdings" charset="2"/>
-              <a:buChar char=""/>
-            </a:pPr>
-            <a:r>
-              <a:rPr b="0" lang="en-GB" sz="3200" spc="-1" strike="noStrike">
-                <a:solidFill>
-                  <a:srgbClr val="000000"/>
-                </a:solidFill>
-                <a:latin typeface="Arial"/>
-                <a:ea typeface="DejaVu Sans"/>
-              </a:rPr>
-              <a:t>Star + FREAK</a:t>
-            </a:r>
-            <a:endParaRPr b="0" lang="en-GB" sz="3200" spc="-1" strike="noStrike">
-              <a:latin typeface="Arial"/>
-            </a:endParaRPr>
-          </a:p>
-          <a:p>
-            <a:pPr marL="432000" indent="-323280">
-              <a:lnSpc>
-                <a:spcPct val="100000"/>
-              </a:lnSpc>
-              <a:spcBef>
-                <a:spcPts val="1417"/>
-              </a:spcBef>
-              <a:buClr>
-                <a:srgbClr val="000000"/>
-              </a:buClr>
-              <a:buSzPct val="45000"/>
-              <a:buFont typeface="Wingdings" charset="2"/>
-              <a:buChar char=""/>
-            </a:pPr>
-            <a:r>
-              <a:rPr b="0" lang="en-GB" sz="3200" spc="-1" strike="noStrike">
-                <a:solidFill>
-                  <a:srgbClr val="000000"/>
-                </a:solidFill>
-                <a:latin typeface="Arial"/>
-                <a:ea typeface="DejaVu Sans"/>
-              </a:rPr>
-              <a:t>SURF</a:t>
-            </a:r>
-            <a:endParaRPr b="0" lang="en-GB" sz="3200" spc="-1" strike="noStrike">
-              <a:latin typeface="Arial"/>
-            </a:endParaRPr>
-          </a:p>
-          <a:p>
-            <a:pPr marL="432000" indent="-323280">
-              <a:lnSpc>
-                <a:spcPct val="100000"/>
-              </a:lnSpc>
-              <a:spcBef>
-                <a:spcPts val="1417"/>
-              </a:spcBef>
-              <a:buClr>
-                <a:srgbClr val="000000"/>
-              </a:buClr>
-              <a:buSzPct val="45000"/>
-              <a:buFont typeface="Wingdings" charset="2"/>
-              <a:buChar char=""/>
-            </a:pPr>
-            <a:r>
-              <a:rPr b="0" lang="en-GB" sz="3200" spc="-1" strike="noStrike">
-                <a:solidFill>
-                  <a:srgbClr val="000000"/>
-                </a:solidFill>
-                <a:latin typeface="Arial"/>
-                <a:ea typeface="DejaVu Sans"/>
-              </a:rPr>
-              <a:t>ORB</a:t>
-            </a:r>
-            <a:endParaRPr b="0" lang="en-GB" sz="3200" spc="-1" strike="noStrike">
-              <a:latin typeface="Arial"/>
-            </a:endParaRPr>
-          </a:p>
-          <a:p>
-            <a:pPr marL="432000" indent="-323280">
-              <a:lnSpc>
-                <a:spcPct val="100000"/>
-              </a:lnSpc>
-              <a:spcBef>
-                <a:spcPts val="1417"/>
-              </a:spcBef>
-              <a:buClr>
-                <a:srgbClr val="000000"/>
-              </a:buClr>
-              <a:buSzPct val="45000"/>
-              <a:buFont typeface="Wingdings" charset="2"/>
-              <a:buChar char=""/>
-            </a:pPr>
-            <a:r>
-              <a:rPr b="0" lang="en-GB" sz="3200" spc="-1" strike="noStrike">
-                <a:solidFill>
-                  <a:srgbClr val="000000"/>
-                </a:solidFill>
-                <a:latin typeface="Arial"/>
-                <a:ea typeface="DejaVu Sans"/>
-              </a:rPr>
-              <a:t>FAST + FREAK</a:t>
-            </a:r>
-            <a:endParaRPr b="0" lang="en-GB" sz="3200" spc="-1" strike="noStrike">
-              <a:latin typeface="Arial"/>
-            </a:endParaRPr>
-          </a:p>
-          <a:p>
-            <a:pPr marL="432000" indent="-323280">
-              <a:lnSpc>
-                <a:spcPct val="100000"/>
-              </a:lnSpc>
-              <a:spcBef>
-                <a:spcPts val="1417"/>
-              </a:spcBef>
-              <a:buClr>
-                <a:srgbClr val="000000"/>
-              </a:buClr>
-              <a:buSzPct val="45000"/>
-              <a:buFont typeface="Wingdings" charset="2"/>
-              <a:buChar char=""/>
-            </a:pPr>
-            <a:r>
-              <a:rPr b="0" lang="en-GB" sz="3200" spc="-1" strike="noStrike">
-                <a:solidFill>
-                  <a:srgbClr val="000000"/>
-                </a:solidFill>
-                <a:latin typeface="Arial"/>
-                <a:ea typeface="DejaVu Sans"/>
-              </a:rPr>
-              <a:t>BRISK</a:t>
+            <a:normAutofit/>
+          </a:bodyPr>
+          <a:p>
+            <a:pPr marL="432000" indent="-322920">
+              <a:lnSpc>
+                <a:spcPct val="100000"/>
+              </a:lnSpc>
+              <a:spcBef>
+                <a:spcPts val="1417"/>
+              </a:spcBef>
+              <a:buClr>
+                <a:srgbClr val="000000"/>
+              </a:buClr>
+              <a:buSzPct val="45000"/>
+              <a:buFont typeface="Wingdings" charset="2"/>
+              <a:buChar char=""/>
+            </a:pPr>
+            <a:r>
+              <a:rPr b="0" lang="en-GB" sz="3200" spc="-1" strike="noStrike">
+                <a:solidFill>
+                  <a:srgbClr val="000000"/>
+                </a:solidFill>
+                <a:latin typeface="Arial"/>
+                <a:ea typeface="DejaVu Sans"/>
+              </a:rPr>
+              <a:t>Intel Core i5 (C++ &amp;&amp; SSE)</a:t>
+            </a:r>
+            <a:endParaRPr b="0" lang="en-GB" sz="3200" spc="-1" strike="noStrike">
+              <a:latin typeface="Arial"/>
+            </a:endParaRPr>
+          </a:p>
+          <a:p>
+            <a:pPr marL="432000" indent="-322920">
+              <a:lnSpc>
+                <a:spcPct val="100000"/>
+              </a:lnSpc>
+              <a:spcBef>
+                <a:spcPts val="1417"/>
+              </a:spcBef>
+              <a:buClr>
+                <a:srgbClr val="000000"/>
+              </a:buClr>
+              <a:buSzPct val="45000"/>
+              <a:buFont typeface="Wingdings" charset="2"/>
+              <a:buChar char=""/>
+            </a:pPr>
+            <a:r>
+              <a:rPr b="0" lang="en-GB" sz="3200" spc="-1" strike="noStrike">
+                <a:solidFill>
+                  <a:srgbClr val="000000"/>
+                </a:solidFill>
+                <a:latin typeface="Arial"/>
+                <a:ea typeface="DejaVu Sans"/>
+              </a:rPr>
+              <a:t>GeForce GTX 1050 (Nvidia CUDA)</a:t>
+            </a:r>
+            <a:endParaRPr b="0" lang="en-GB" sz="3200" spc="-1" strike="noStrike">
+              <a:latin typeface="Arial"/>
+            </a:endParaRPr>
+          </a:p>
+          <a:p>
+            <a:pPr marL="432000" indent="-322920">
+              <a:lnSpc>
+                <a:spcPct val="100000"/>
+              </a:lnSpc>
+              <a:spcBef>
+                <a:spcPts val="1417"/>
+              </a:spcBef>
+              <a:buClr>
+                <a:srgbClr val="000000"/>
+              </a:buClr>
+              <a:buSzPct val="45000"/>
+              <a:buFont typeface="Wingdings" charset="2"/>
+              <a:buChar char=""/>
+            </a:pPr>
+            <a:r>
+              <a:rPr b="0" lang="en-GB" sz="3200" spc="-1" strike="noStrike">
+                <a:solidFill>
+                  <a:srgbClr val="000000"/>
+                </a:solidFill>
+                <a:latin typeface="Arial"/>
+                <a:ea typeface="DejaVu Sans"/>
+              </a:rPr>
+              <a:t>GeForce GTX 1050 (OpenCL)</a:t>
             </a:r>
             <a:endParaRPr b="0" lang="en-GB" sz="3200" spc="-1" strike="noStrike">
               <a:latin typeface="Arial"/>
@@ -9346,7 +11828,7 @@
         <p:spPr>
           <a:xfrm>
             <a:off x="504000" y="226080"/>
-            <a:ext cx="9070920" cy="945720"/>
+            <a:ext cx="9070560" cy="945360"/>
           </a:xfrm>
           <a:prstGeom prst="rect">
             <a:avLst/>
@@ -9380,7 +11862,7 @@
                 <a:latin typeface="Arial"/>
                 <a:ea typeface="DejaVu Sans"/>
               </a:rPr>
-              <a:t>Детектор Харриса</a:t>
+              <a:t>Используемые детекторы</a:t>
             </a:r>
             <a:endParaRPr b="0" lang="en-GB" sz="4400" spc="-1" strike="noStrike">
               <a:latin typeface="Arial"/>
@@ -9397,7 +11879,7 @@
         <p:spPr>
           <a:xfrm>
             <a:off x="504000" y="1326600"/>
-            <a:ext cx="9070920" cy="3287520"/>
+            <a:ext cx="9070560" cy="3287160"/>
           </a:xfrm>
           <a:prstGeom prst="rect">
             <a:avLst/>
@@ -9415,293 +11897,119 @@
         </p:style>
         <p:txBody>
           <a:bodyPr lIns="0" rIns="0" tIns="0" bIns="0">
-            <a:normAutofit fontScale="37000"/>
-          </a:bodyPr>
-          <a:p>
-            <a:pPr marL="432000" indent="-323280">
-              <a:lnSpc>
-                <a:spcPct val="100000"/>
-              </a:lnSpc>
-              <a:spcBef>
-                <a:spcPts val="1417"/>
-              </a:spcBef>
-              <a:buClr>
-                <a:srgbClr val="000000"/>
-              </a:buClr>
-              <a:buSzPct val="45000"/>
-              <a:buFont typeface="Wingdings" charset="2"/>
-              <a:buChar char=""/>
-            </a:pPr>
-            <a:r>
-              <a:rPr b="0" lang="en-GB" sz="3200" spc="-1" strike="noStrike">
-                <a:solidFill>
-                  <a:srgbClr val="000000"/>
-                </a:solidFill>
-                <a:latin typeface="Arial"/>
-                <a:ea typeface="DejaVu Sans"/>
-              </a:rPr>
-              <a:t>Shi-Tomasi + BRIEF</a:t>
-            </a:r>
-            <a:endParaRPr b="0" lang="en-GB" sz="3200" spc="-1" strike="noStrike">
-              <a:latin typeface="Arial"/>
-            </a:endParaRPr>
-          </a:p>
-          <a:p>
-            <a:pPr marL="432000" indent="-323280">
-              <a:lnSpc>
-                <a:spcPct val="100000"/>
-              </a:lnSpc>
-              <a:spcBef>
-                <a:spcPts val="1417"/>
-              </a:spcBef>
-              <a:buClr>
-                <a:srgbClr val="000000"/>
-              </a:buClr>
-              <a:buSzPct val="45000"/>
-              <a:buFont typeface="Wingdings" charset="2"/>
-              <a:buChar char=""/>
-            </a:pPr>
-            <a:r>
-              <a:rPr b="0" lang="en-GB" sz="3200" spc="-1" strike="noStrike">
-                <a:solidFill>
-                  <a:srgbClr val="000000"/>
-                </a:solidFill>
-                <a:latin typeface="Arial"/>
-                <a:ea typeface="DejaVu Sans"/>
-              </a:rPr>
-              <a:t>Shi-Tomasi + FREAK</a:t>
-            </a:r>
-            <a:endParaRPr b="0" lang="en-GB" sz="3200" spc="-1" strike="noStrike">
-              <a:latin typeface="Arial"/>
-            </a:endParaRPr>
-          </a:p>
-          <a:p>
-            <a:pPr marL="432000" indent="-323280">
-              <a:lnSpc>
-                <a:spcPct val="100000"/>
-              </a:lnSpc>
-              <a:spcBef>
-                <a:spcPts val="1417"/>
-              </a:spcBef>
-              <a:buClr>
-                <a:srgbClr val="000000"/>
-              </a:buClr>
-              <a:buSzPct val="45000"/>
-              <a:buFont typeface="Wingdings" charset="2"/>
-              <a:buChar char=""/>
-            </a:pPr>
-            <a:r>
-              <a:rPr b="0" lang="en-GB" sz="3200" spc="-1" strike="noStrike">
-                <a:solidFill>
-                  <a:srgbClr val="000000"/>
-                </a:solidFill>
-                <a:latin typeface="Arial"/>
-                <a:ea typeface="DejaVu Sans"/>
-              </a:rPr>
-              <a:t>Harris + BRIEF</a:t>
-            </a:r>
-            <a:endParaRPr b="0" lang="en-GB" sz="3200" spc="-1" strike="noStrike">
-              <a:latin typeface="Arial"/>
-            </a:endParaRPr>
-          </a:p>
-          <a:p>
-            <a:pPr marL="432000" indent="-323280">
-              <a:lnSpc>
-                <a:spcPct val="100000"/>
-              </a:lnSpc>
-              <a:spcBef>
-                <a:spcPts val="1417"/>
-              </a:spcBef>
-              <a:buClr>
-                <a:srgbClr val="000000"/>
-              </a:buClr>
-              <a:buSzPct val="45000"/>
-              <a:buFont typeface="Wingdings" charset="2"/>
-              <a:buChar char=""/>
-            </a:pPr>
-            <a:r>
-              <a:rPr b="0" lang="en-GB" sz="3200" spc="-1" strike="noStrike">
-                <a:solidFill>
-                  <a:srgbClr val="000000"/>
-                </a:solidFill>
-                <a:latin typeface="Arial"/>
-                <a:ea typeface="DejaVu Sans"/>
-              </a:rPr>
-              <a:t>Harris + FREAK</a:t>
-            </a:r>
-            <a:endParaRPr b="0" lang="en-GB" sz="3200" spc="-1" strike="noStrike">
-              <a:latin typeface="Arial"/>
-            </a:endParaRPr>
-          </a:p>
-          <a:p>
-            <a:pPr marL="432000" indent="-323280">
-              <a:lnSpc>
-                <a:spcPct val="100000"/>
-              </a:lnSpc>
-              <a:spcBef>
-                <a:spcPts val="1417"/>
-              </a:spcBef>
-              <a:buClr>
-                <a:srgbClr val="000000"/>
-              </a:buClr>
-              <a:buSzPct val="45000"/>
-              <a:buFont typeface="Wingdings" charset="2"/>
-              <a:buChar char=""/>
-            </a:pPr>
-            <a:r>
-              <a:rPr b="0" lang="en-GB" sz="3200" spc="-1" strike="noStrike">
-                <a:solidFill>
-                  <a:srgbClr val="000000"/>
-                </a:solidFill>
-                <a:latin typeface="Arial"/>
-                <a:ea typeface="DejaVu Sans"/>
-              </a:rPr>
-              <a:t>Star + BRIEF</a:t>
-            </a:r>
-            <a:endParaRPr b="0" lang="en-GB" sz="3200" spc="-1" strike="noStrike">
-              <a:latin typeface="Arial"/>
-            </a:endParaRPr>
-          </a:p>
-          <a:p>
-            <a:pPr marL="432000" indent="-323280">
-              <a:lnSpc>
-                <a:spcPct val="100000"/>
-              </a:lnSpc>
-              <a:spcBef>
-                <a:spcPts val="1417"/>
-              </a:spcBef>
-              <a:buClr>
-                <a:srgbClr val="000000"/>
-              </a:buClr>
-              <a:buSzPct val="45000"/>
-              <a:buFont typeface="Wingdings" charset="2"/>
-              <a:buChar char=""/>
-            </a:pPr>
-            <a:r>
-              <a:rPr b="0" lang="en-GB" sz="3200" spc="-1" strike="noStrike">
-                <a:solidFill>
-                  <a:srgbClr val="000000"/>
-                </a:solidFill>
-                <a:latin typeface="Arial"/>
-                <a:ea typeface="DejaVu Sans"/>
-              </a:rPr>
-              <a:t>Star + FREAK</a:t>
-            </a:r>
-            <a:endParaRPr b="0" lang="en-GB" sz="3200" spc="-1" strike="noStrike">
-              <a:latin typeface="Arial"/>
-            </a:endParaRPr>
-          </a:p>
-          <a:p>
-            <a:pPr marL="432000" indent="-323280">
-              <a:lnSpc>
-                <a:spcPct val="100000"/>
-              </a:lnSpc>
-              <a:spcBef>
-                <a:spcPts val="1417"/>
-              </a:spcBef>
-              <a:buClr>
-                <a:srgbClr val="000000"/>
-              </a:buClr>
-              <a:buSzPct val="45000"/>
-              <a:buFont typeface="Wingdings" charset="2"/>
-              <a:buChar char=""/>
-            </a:pPr>
-            <a:r>
-              <a:rPr b="0" lang="en-GB" sz="3200" spc="-1" strike="noStrike">
-                <a:solidFill>
-                  <a:srgbClr val="000000"/>
-                </a:solidFill>
-                <a:latin typeface="Arial"/>
-                <a:ea typeface="DejaVu Sans"/>
-              </a:rPr>
-              <a:t>SURF</a:t>
-            </a:r>
-            <a:endParaRPr b="0" lang="en-GB" sz="3200" spc="-1" strike="noStrike">
-              <a:latin typeface="Arial"/>
-            </a:endParaRPr>
-          </a:p>
-          <a:p>
-            <a:pPr marL="432000" indent="-323280">
-              <a:lnSpc>
-                <a:spcPct val="100000"/>
-              </a:lnSpc>
-              <a:spcBef>
-                <a:spcPts val="1417"/>
-              </a:spcBef>
-              <a:buClr>
-                <a:srgbClr val="000000"/>
-              </a:buClr>
-              <a:buSzPct val="45000"/>
-              <a:buFont typeface="Wingdings" charset="2"/>
-              <a:buChar char=""/>
-            </a:pPr>
-            <a:r>
-              <a:rPr b="0" lang="en-GB" sz="3200" spc="-1" strike="noStrike">
-                <a:solidFill>
-                  <a:srgbClr val="000000"/>
-                </a:solidFill>
-                <a:latin typeface="Arial"/>
-                <a:ea typeface="DejaVu Sans"/>
-              </a:rPr>
-              <a:t>ORB</a:t>
-            </a:r>
-            <a:endParaRPr b="0" lang="en-GB" sz="3200" spc="-1" strike="noStrike">
-              <a:latin typeface="Arial"/>
-            </a:endParaRPr>
-          </a:p>
-          <a:p>
-            <a:pPr marL="432000" indent="-323280">
-              <a:lnSpc>
-                <a:spcPct val="100000"/>
-              </a:lnSpc>
-              <a:spcBef>
-                <a:spcPts val="1417"/>
-              </a:spcBef>
-              <a:buClr>
-                <a:srgbClr val="000000"/>
-              </a:buClr>
-              <a:buSzPct val="45000"/>
-              <a:buFont typeface="Wingdings" charset="2"/>
-              <a:buChar char=""/>
-            </a:pPr>
-            <a:r>
-              <a:rPr b="0" lang="en-GB" sz="3200" spc="-1" strike="noStrike">
-                <a:solidFill>
-                  <a:srgbClr val="000000"/>
-                </a:solidFill>
-                <a:latin typeface="Arial"/>
-                <a:ea typeface="DejaVu Sans"/>
-              </a:rPr>
-              <a:t>FAST + FREAK</a:t>
-            </a:r>
-            <a:endParaRPr b="0" lang="en-GB" sz="3200" spc="-1" strike="noStrike">
-              <a:latin typeface="Arial"/>
-            </a:endParaRPr>
-          </a:p>
-          <a:p>
-            <a:pPr marL="432000" indent="-323280">
-              <a:lnSpc>
-                <a:spcPct val="100000"/>
-              </a:lnSpc>
-              <a:spcBef>
-                <a:spcPts val="1417"/>
-              </a:spcBef>
-              <a:buClr>
-                <a:srgbClr val="000000"/>
-              </a:buClr>
-              <a:buSzPct val="45000"/>
-              <a:buFont typeface="Wingdings" charset="2"/>
-              <a:buChar char=""/>
-            </a:pPr>
-            <a:r>
-              <a:rPr b="0" lang="en-GB" sz="3200" spc="-1" strike="noStrike">
-                <a:solidFill>
-                  <a:srgbClr val="000000"/>
-                </a:solidFill>
-                <a:latin typeface="Arial"/>
-                <a:ea typeface="DejaVu Sans"/>
-              </a:rPr>
-              <a:t>BRISK</a:t>
+            <a:normAutofit/>
+          </a:bodyPr>
+          <a:p>
+            <a:pPr marL="432000" indent="-322920">
+              <a:lnSpc>
+                <a:spcPct val="100000"/>
+              </a:lnSpc>
+              <a:spcBef>
+                <a:spcPts val="1417"/>
+              </a:spcBef>
+              <a:buClr>
+                <a:srgbClr val="000000"/>
+              </a:buClr>
+              <a:buSzPct val="45000"/>
+              <a:buFont typeface="Wingdings" charset="2"/>
+              <a:buChar char=""/>
+            </a:pPr>
+            <a:r>
+              <a:rPr b="0" lang="en-GB" sz="3200" spc="-1" strike="noStrike">
+                <a:solidFill>
+                  <a:srgbClr val="000000"/>
+                </a:solidFill>
+                <a:latin typeface="Arial"/>
+                <a:ea typeface="DejaVu Sans"/>
+              </a:rPr>
+              <a:t>Harris</a:t>
+            </a:r>
+            <a:endParaRPr b="0" lang="en-GB" sz="3200" spc="-1" strike="noStrike">
+              <a:latin typeface="Arial"/>
+            </a:endParaRPr>
+          </a:p>
+          <a:p>
+            <a:pPr marL="432000" indent="-322920">
+              <a:lnSpc>
+                <a:spcPct val="100000"/>
+              </a:lnSpc>
+              <a:spcBef>
+                <a:spcPts val="1417"/>
+              </a:spcBef>
+              <a:buClr>
+                <a:srgbClr val="000000"/>
+              </a:buClr>
+              <a:buSzPct val="45000"/>
+              <a:buFont typeface="Wingdings" charset="2"/>
+              <a:buChar char=""/>
+            </a:pPr>
+            <a:r>
+              <a:rPr b="0" lang="en-GB" sz="3200" spc="-1" strike="noStrike">
+                <a:solidFill>
+                  <a:srgbClr val="000000"/>
+                </a:solidFill>
+                <a:latin typeface="Arial"/>
+                <a:ea typeface="DejaVu Sans"/>
+              </a:rPr>
+              <a:t>Shi-Tomasi</a:t>
+            </a:r>
+            <a:endParaRPr b="0" lang="en-GB" sz="3200" spc="-1" strike="noStrike">
+              <a:latin typeface="Arial"/>
+            </a:endParaRPr>
+          </a:p>
+          <a:p>
+            <a:pPr marL="432000" indent="-322920">
+              <a:lnSpc>
+                <a:spcPct val="100000"/>
+              </a:lnSpc>
+              <a:spcBef>
+                <a:spcPts val="1417"/>
+              </a:spcBef>
+              <a:buClr>
+                <a:srgbClr val="000000"/>
+              </a:buClr>
+              <a:buSzPct val="45000"/>
+              <a:buFont typeface="Wingdings" charset="2"/>
+              <a:buChar char=""/>
+            </a:pPr>
+            <a:r>
+              <a:rPr b="0" lang="en-GB" sz="3200" spc="-1" strike="noStrike">
+                <a:solidFill>
+                  <a:srgbClr val="000000"/>
+                </a:solidFill>
+                <a:latin typeface="Arial"/>
+                <a:ea typeface="DejaVu Sans"/>
+              </a:rPr>
+              <a:t>Star</a:t>
+            </a:r>
+            <a:endParaRPr b="0" lang="en-GB" sz="3200" spc="-1" strike="noStrike">
+              <a:latin typeface="Arial"/>
+            </a:endParaRPr>
+          </a:p>
+          <a:p>
+            <a:pPr marL="432000" indent="-322920">
+              <a:lnSpc>
+                <a:spcPct val="100000"/>
+              </a:lnSpc>
+              <a:spcBef>
+                <a:spcPts val="1417"/>
+              </a:spcBef>
+              <a:buClr>
+                <a:srgbClr val="000000"/>
+              </a:buClr>
+              <a:buSzPct val="45000"/>
+              <a:buFont typeface="Wingdings" charset="2"/>
+              <a:buChar char=""/>
+            </a:pPr>
+            <a:r>
+              <a:rPr b="0" lang="en-GB" sz="3200" spc="-1" strike="noStrike">
+                <a:solidFill>
+                  <a:srgbClr val="000000"/>
+                </a:solidFill>
+                <a:latin typeface="Arial"/>
+                <a:ea typeface="DejaVu Sans"/>
+              </a:rPr>
+              <a:t>Fast</a:t>
             </a:r>
             <a:endParaRPr b="0" lang="en-GB" sz="3200" spc="-1" strike="noStrike">
               <a:latin typeface="Arial"/>

--- a/диплом/вкр.pptx
+++ b/диплом/вкр.pptx
@@ -2804,211 +2804,7 @@
               <a:rPr b="0" lang="en-GB" sz="4400" spc="-1" strike="noStrike">
                 <a:latin typeface="Arial"/>
               </a:rPr>
-              <a:t>C</a:t>
-            </a:r>
-            <a:r>
-              <a:rPr b="0" lang="en-GB" sz="4400" spc="-1" strike="noStrike">
-                <a:latin typeface="Arial"/>
-              </a:rPr>
-              <a:t>l</a:t>
-            </a:r>
-            <a:r>
-              <a:rPr b="0" lang="en-GB" sz="4400" spc="-1" strike="noStrike">
-                <a:latin typeface="Arial"/>
-              </a:rPr>
-              <a:t>i</a:t>
-            </a:r>
-            <a:r>
-              <a:rPr b="0" lang="en-GB" sz="4400" spc="-1" strike="noStrike">
-                <a:latin typeface="Arial"/>
-              </a:rPr>
-              <a:t>c</a:t>
-            </a:r>
-            <a:r>
-              <a:rPr b="0" lang="en-GB" sz="4400" spc="-1" strike="noStrike">
-                <a:latin typeface="Arial"/>
-              </a:rPr>
-              <a:t>k</a:t>
-            </a:r>
-            <a:r>
-              <a:rPr b="0" lang="en-GB" sz="4400" spc="-1" strike="noStrike">
-                <a:latin typeface="Arial"/>
-              </a:rPr>
-              <a:t> </a:t>
-            </a:r>
-            <a:r>
-              <a:rPr b="0" lang="en-GB" sz="4400" spc="-1" strike="noStrike">
-                <a:latin typeface="Arial"/>
-              </a:rPr>
-              <a:t>t</a:t>
-            </a:r>
-            <a:r>
-              <a:rPr b="0" lang="en-GB" sz="4400" spc="-1" strike="noStrike">
-                <a:latin typeface="Arial"/>
-              </a:rPr>
-              <a:t>o</a:t>
-            </a:r>
-            <a:r>
-              <a:rPr b="0" lang="en-GB" sz="4400" spc="-1" strike="noStrike">
-                <a:latin typeface="Arial"/>
-              </a:rPr>
-              <a:t> </a:t>
-            </a:r>
-            <a:r>
-              <a:rPr b="0" lang="en-GB" sz="4400" spc="-1" strike="noStrike">
-                <a:latin typeface="Arial"/>
-              </a:rPr>
-              <a:t>e</a:t>
-            </a:r>
-            <a:r>
-              <a:rPr b="0" lang="en-GB" sz="4400" spc="-1" strike="noStrike">
-                <a:latin typeface="Arial"/>
-              </a:rPr>
-              <a:t>d</a:t>
-            </a:r>
-            <a:r>
-              <a:rPr b="0" lang="en-GB" sz="4400" spc="-1" strike="noStrike">
-                <a:latin typeface="Arial"/>
-              </a:rPr>
-              <a:t>i</a:t>
-            </a:r>
-            <a:r>
-              <a:rPr b="0" lang="en-GB" sz="4400" spc="-1" strike="noStrike">
-                <a:latin typeface="Arial"/>
-              </a:rPr>
-              <a:t>t</a:t>
-            </a:r>
-            <a:r>
-              <a:rPr b="0" lang="en-GB" sz="4400" spc="-1" strike="noStrike">
-                <a:latin typeface="Arial"/>
-              </a:rPr>
-              <a:t> </a:t>
-            </a:r>
-            <a:r>
-              <a:rPr b="0" lang="en-GB" sz="4400" spc="-1" strike="noStrike">
-                <a:latin typeface="Arial"/>
-              </a:rPr>
-              <a:t>t</a:t>
-            </a:r>
-            <a:r>
-              <a:rPr b="0" lang="en-GB" sz="4400" spc="-1" strike="noStrike">
-                <a:latin typeface="Arial"/>
-              </a:rPr>
-              <a:t>h</a:t>
-            </a:r>
-            <a:r>
-              <a:rPr b="0" lang="en-GB" sz="4400" spc="-1" strike="noStrike">
-                <a:latin typeface="Arial"/>
-              </a:rPr>
-              <a:t>e</a:t>
-            </a:r>
-            <a:r>
-              <a:rPr b="0" lang="en-GB" sz="4400" spc="-1" strike="noStrike">
-                <a:latin typeface="Arial"/>
-              </a:rPr>
-              <a:t> </a:t>
-            </a:r>
-            <a:r>
-              <a:rPr b="0" lang="en-GB" sz="4400" spc="-1" strike="noStrike">
-                <a:latin typeface="Arial"/>
-              </a:rPr>
-              <a:t>t</a:t>
-            </a:r>
-            <a:r>
-              <a:rPr b="0" lang="en-GB" sz="4400" spc="-1" strike="noStrike">
-                <a:latin typeface="Arial"/>
-              </a:rPr>
-              <a:t>i</a:t>
-            </a:r>
-            <a:r>
-              <a:rPr b="0" lang="en-GB" sz="4400" spc="-1" strike="noStrike">
-                <a:latin typeface="Arial"/>
-              </a:rPr>
-              <a:t>t</a:t>
-            </a:r>
-            <a:r>
-              <a:rPr b="0" lang="en-GB" sz="4400" spc="-1" strike="noStrike">
-                <a:latin typeface="Arial"/>
-              </a:rPr>
-              <a:t>l</a:t>
-            </a:r>
-            <a:r>
-              <a:rPr b="0" lang="en-GB" sz="4400" spc="-1" strike="noStrike">
-                <a:latin typeface="Arial"/>
-              </a:rPr>
-              <a:t>e</a:t>
-            </a:r>
-            <a:r>
-              <a:rPr b="0" lang="en-GB" sz="4400" spc="-1" strike="noStrike">
-                <a:latin typeface="Arial"/>
-              </a:rPr>
-              <a:t> </a:t>
-            </a:r>
-            <a:r>
-              <a:rPr b="0" lang="en-GB" sz="4400" spc="-1" strike="noStrike">
-                <a:latin typeface="Arial"/>
-              </a:rPr>
-              <a:t>t</a:t>
-            </a:r>
-            <a:r>
-              <a:rPr b="0" lang="en-GB" sz="4400" spc="-1" strike="noStrike">
-                <a:latin typeface="Arial"/>
-              </a:rPr>
-              <a:t>e</a:t>
-            </a:r>
-            <a:r>
-              <a:rPr b="0" lang="en-GB" sz="4400" spc="-1" strike="noStrike">
-                <a:latin typeface="Arial"/>
-              </a:rPr>
-              <a:t>x</a:t>
-            </a:r>
-            <a:r>
-              <a:rPr b="0" lang="en-GB" sz="4400" spc="-1" strike="noStrike">
-                <a:latin typeface="Arial"/>
-              </a:rPr>
-              <a:t>t</a:t>
-            </a:r>
-            <a:r>
-              <a:rPr b="0" lang="en-GB" sz="4400" spc="-1" strike="noStrike">
-                <a:latin typeface="Arial"/>
-              </a:rPr>
-              <a:t> </a:t>
-            </a:r>
-            <a:r>
-              <a:rPr b="0" lang="en-GB" sz="4400" spc="-1" strike="noStrike">
-                <a:latin typeface="Arial"/>
-              </a:rPr>
-              <a:t>f</a:t>
-            </a:r>
-            <a:r>
-              <a:rPr b="0" lang="en-GB" sz="4400" spc="-1" strike="noStrike">
-                <a:latin typeface="Arial"/>
-              </a:rPr>
-              <a:t>o</a:t>
-            </a:r>
-            <a:r>
-              <a:rPr b="0" lang="en-GB" sz="4400" spc="-1" strike="noStrike">
-                <a:latin typeface="Arial"/>
-              </a:rPr>
-              <a:t>r</a:t>
-            </a:r>
-            <a:r>
-              <a:rPr b="0" lang="en-GB" sz="4400" spc="-1" strike="noStrike">
-                <a:latin typeface="Arial"/>
-              </a:rPr>
-              <a:t>m</a:t>
-            </a:r>
-            <a:r>
-              <a:rPr b="0" lang="en-GB" sz="4400" spc="-1" strike="noStrike">
-                <a:latin typeface="Arial"/>
-              </a:rPr>
-              <a:t>a</a:t>
-            </a:r>
-            <a:r>
-              <a:rPr b="0" lang="en-GB" sz="4400" spc="-1" strike="noStrike">
-                <a:latin typeface="Arial"/>
-              </a:rPr>
-              <a:t>t</a:t>
+              <a:t>Click to edit the title text format</a:t>
             </a:r>
             <a:endParaRPr b="0" lang="en-GB" sz="4400" spc="-1" strike="noStrike">
               <a:latin typeface="Arial"/>

--- a/диплом/вкр.pptx
+++ b/диплом/вкр.pptx
@@ -40,6 +40,24 @@
     <p:sldId id="287" r:id="rId35"/>
     <p:sldId id="288" r:id="rId36"/>
     <p:sldId id="289" r:id="rId37"/>
+    <p:sldId id="290" r:id="rId38"/>
+    <p:sldId id="291" r:id="rId39"/>
+    <p:sldId id="292" r:id="rId40"/>
+    <p:sldId id="293" r:id="rId41"/>
+    <p:sldId id="294" r:id="rId42"/>
+    <p:sldId id="295" r:id="rId43"/>
+    <p:sldId id="296" r:id="rId44"/>
+    <p:sldId id="297" r:id="rId45"/>
+    <p:sldId id="298" r:id="rId46"/>
+    <p:sldId id="299" r:id="rId47"/>
+    <p:sldId id="300" r:id="rId48"/>
+    <p:sldId id="301" r:id="rId49"/>
+    <p:sldId id="302" r:id="rId50"/>
+    <p:sldId id="303" r:id="rId51"/>
+    <p:sldId id="304" r:id="rId52"/>
+    <p:sldId id="305" r:id="rId53"/>
+    <p:sldId id="306" r:id="rId54"/>
+    <p:sldId id="307" r:id="rId55"/>
   </p:sldIdLst>
   <p:sldSz cx="10080625" cy="5670550"/>
   <p:notesSz cx="7559675" cy="10691812"/>
@@ -3057,7 +3075,211 @@
               <a:rPr b="0" lang="en-GB" sz="4400" spc="-1" strike="noStrike">
                 <a:latin typeface="Arial"/>
               </a:rPr>
-              <a:t>Click to edit the title text format</a:t>
+              <a:t>C</a:t>
+            </a:r>
+            <a:r>
+              <a:rPr b="0" lang="en-GB" sz="4400" spc="-1" strike="noStrike">
+                <a:latin typeface="Arial"/>
+              </a:rPr>
+              <a:t>l</a:t>
+            </a:r>
+            <a:r>
+              <a:rPr b="0" lang="en-GB" sz="4400" spc="-1" strike="noStrike">
+                <a:latin typeface="Arial"/>
+              </a:rPr>
+              <a:t>i</a:t>
+            </a:r>
+            <a:r>
+              <a:rPr b="0" lang="en-GB" sz="4400" spc="-1" strike="noStrike">
+                <a:latin typeface="Arial"/>
+              </a:rPr>
+              <a:t>c</a:t>
+            </a:r>
+            <a:r>
+              <a:rPr b="0" lang="en-GB" sz="4400" spc="-1" strike="noStrike">
+                <a:latin typeface="Arial"/>
+              </a:rPr>
+              <a:t>k</a:t>
+            </a:r>
+            <a:r>
+              <a:rPr b="0" lang="en-GB" sz="4400" spc="-1" strike="noStrike">
+                <a:latin typeface="Arial"/>
+              </a:rPr>
+              <a:t> </a:t>
+            </a:r>
+            <a:r>
+              <a:rPr b="0" lang="en-GB" sz="4400" spc="-1" strike="noStrike">
+                <a:latin typeface="Arial"/>
+              </a:rPr>
+              <a:t>t</a:t>
+            </a:r>
+            <a:r>
+              <a:rPr b="0" lang="en-GB" sz="4400" spc="-1" strike="noStrike">
+                <a:latin typeface="Arial"/>
+              </a:rPr>
+              <a:t>o</a:t>
+            </a:r>
+            <a:r>
+              <a:rPr b="0" lang="en-GB" sz="4400" spc="-1" strike="noStrike">
+                <a:latin typeface="Arial"/>
+              </a:rPr>
+              <a:t> </a:t>
+            </a:r>
+            <a:r>
+              <a:rPr b="0" lang="en-GB" sz="4400" spc="-1" strike="noStrike">
+                <a:latin typeface="Arial"/>
+              </a:rPr>
+              <a:t>e</a:t>
+            </a:r>
+            <a:r>
+              <a:rPr b="0" lang="en-GB" sz="4400" spc="-1" strike="noStrike">
+                <a:latin typeface="Arial"/>
+              </a:rPr>
+              <a:t>d</a:t>
+            </a:r>
+            <a:r>
+              <a:rPr b="0" lang="en-GB" sz="4400" spc="-1" strike="noStrike">
+                <a:latin typeface="Arial"/>
+              </a:rPr>
+              <a:t>i</a:t>
+            </a:r>
+            <a:r>
+              <a:rPr b="0" lang="en-GB" sz="4400" spc="-1" strike="noStrike">
+                <a:latin typeface="Arial"/>
+              </a:rPr>
+              <a:t>t</a:t>
+            </a:r>
+            <a:r>
+              <a:rPr b="0" lang="en-GB" sz="4400" spc="-1" strike="noStrike">
+                <a:latin typeface="Arial"/>
+              </a:rPr>
+              <a:t> </a:t>
+            </a:r>
+            <a:r>
+              <a:rPr b="0" lang="en-GB" sz="4400" spc="-1" strike="noStrike">
+                <a:latin typeface="Arial"/>
+              </a:rPr>
+              <a:t>t</a:t>
+            </a:r>
+            <a:r>
+              <a:rPr b="0" lang="en-GB" sz="4400" spc="-1" strike="noStrike">
+                <a:latin typeface="Arial"/>
+              </a:rPr>
+              <a:t>h</a:t>
+            </a:r>
+            <a:r>
+              <a:rPr b="0" lang="en-GB" sz="4400" spc="-1" strike="noStrike">
+                <a:latin typeface="Arial"/>
+              </a:rPr>
+              <a:t>e</a:t>
+            </a:r>
+            <a:r>
+              <a:rPr b="0" lang="en-GB" sz="4400" spc="-1" strike="noStrike">
+                <a:latin typeface="Arial"/>
+              </a:rPr>
+              <a:t> </a:t>
+            </a:r>
+            <a:r>
+              <a:rPr b="0" lang="en-GB" sz="4400" spc="-1" strike="noStrike">
+                <a:latin typeface="Arial"/>
+              </a:rPr>
+              <a:t>t</a:t>
+            </a:r>
+            <a:r>
+              <a:rPr b="0" lang="en-GB" sz="4400" spc="-1" strike="noStrike">
+                <a:latin typeface="Arial"/>
+              </a:rPr>
+              <a:t>i</a:t>
+            </a:r>
+            <a:r>
+              <a:rPr b="0" lang="en-GB" sz="4400" spc="-1" strike="noStrike">
+                <a:latin typeface="Arial"/>
+              </a:rPr>
+              <a:t>t</a:t>
+            </a:r>
+            <a:r>
+              <a:rPr b="0" lang="en-GB" sz="4400" spc="-1" strike="noStrike">
+                <a:latin typeface="Arial"/>
+              </a:rPr>
+              <a:t>l</a:t>
+            </a:r>
+            <a:r>
+              <a:rPr b="0" lang="en-GB" sz="4400" spc="-1" strike="noStrike">
+                <a:latin typeface="Arial"/>
+              </a:rPr>
+              <a:t>e</a:t>
+            </a:r>
+            <a:r>
+              <a:rPr b="0" lang="en-GB" sz="4400" spc="-1" strike="noStrike">
+                <a:latin typeface="Arial"/>
+              </a:rPr>
+              <a:t> </a:t>
+            </a:r>
+            <a:r>
+              <a:rPr b="0" lang="en-GB" sz="4400" spc="-1" strike="noStrike">
+                <a:latin typeface="Arial"/>
+              </a:rPr>
+              <a:t>t</a:t>
+            </a:r>
+            <a:r>
+              <a:rPr b="0" lang="en-GB" sz="4400" spc="-1" strike="noStrike">
+                <a:latin typeface="Arial"/>
+              </a:rPr>
+              <a:t>e</a:t>
+            </a:r>
+            <a:r>
+              <a:rPr b="0" lang="en-GB" sz="4400" spc="-1" strike="noStrike">
+                <a:latin typeface="Arial"/>
+              </a:rPr>
+              <a:t>x</a:t>
+            </a:r>
+            <a:r>
+              <a:rPr b="0" lang="en-GB" sz="4400" spc="-1" strike="noStrike">
+                <a:latin typeface="Arial"/>
+              </a:rPr>
+              <a:t>t</a:t>
+            </a:r>
+            <a:r>
+              <a:rPr b="0" lang="en-GB" sz="4400" spc="-1" strike="noStrike">
+                <a:latin typeface="Arial"/>
+              </a:rPr>
+              <a:t> </a:t>
+            </a:r>
+            <a:r>
+              <a:rPr b="0" lang="en-GB" sz="4400" spc="-1" strike="noStrike">
+                <a:latin typeface="Arial"/>
+              </a:rPr>
+              <a:t>f</a:t>
+            </a:r>
+            <a:r>
+              <a:rPr b="0" lang="en-GB" sz="4400" spc="-1" strike="noStrike">
+                <a:latin typeface="Arial"/>
+              </a:rPr>
+              <a:t>o</a:t>
+            </a:r>
+            <a:r>
+              <a:rPr b="0" lang="en-GB" sz="4400" spc="-1" strike="noStrike">
+                <a:latin typeface="Arial"/>
+              </a:rPr>
+              <a:t>r</a:t>
+            </a:r>
+            <a:r>
+              <a:rPr b="0" lang="en-GB" sz="4400" spc="-1" strike="noStrike">
+                <a:latin typeface="Arial"/>
+              </a:rPr>
+              <a:t>m</a:t>
+            </a:r>
+            <a:r>
+              <a:rPr b="0" lang="en-GB" sz="4400" spc="-1" strike="noStrike">
+                <a:latin typeface="Arial"/>
+              </a:rPr>
+              <a:t>a</a:t>
+            </a:r>
+            <a:r>
+              <a:rPr b="0" lang="en-GB" sz="4400" spc="-1" strike="noStrike">
+                <a:latin typeface="Arial"/>
+              </a:rPr>
+              <a:t>t</a:t>
             </a:r>
             <a:endParaRPr b="0" lang="en-GB" sz="4400" spc="-1" strike="noStrike">
               <a:latin typeface="Arial"/>
@@ -10521,8 +10743,8 @@
         </p:nvSpPr>
         <p:spPr>
           <a:xfrm>
-            <a:off x="504000" y="226080"/>
-            <a:ext cx="9070560" cy="945360"/>
+            <a:off x="504000" y="74160"/>
+            <a:ext cx="9070560" cy="1249200"/>
           </a:xfrm>
           <a:prstGeom prst="rect">
             <a:avLst/>
@@ -10549,16 +10771,16 @@
               </a:lnSpc>
             </a:pPr>
             <a:r>
-              <a:rPr b="0" lang="en-GB" sz="4400" spc="-1" strike="noStrike">
-                <a:solidFill>
-                  <a:srgbClr val="000000"/>
-                </a:solidFill>
-                <a:latin typeface="Arial"/>
-                <a:ea typeface="DejaVu Sans"/>
-              </a:rPr>
-              <a:t>Интерпретация результатов</a:t>
-            </a:r>
-            <a:endParaRPr b="0" lang="en-GB" sz="4400" spc="-1" strike="noStrike">
+              <a:rPr b="0" lang="en-GB" sz="2800" spc="-1" strike="noStrike">
+                <a:solidFill>
+                  <a:srgbClr val="000000"/>
+                </a:solidFill>
+                <a:latin typeface="Arial"/>
+                <a:ea typeface="DejaVu Sans"/>
+              </a:rPr>
+              <a:t>Shi-Tomasi + BRIEF + FLANN, stereo.mp4</a:t>
+            </a:r>
+            <a:endParaRPr b="0" lang="en-GB" sz="2800" spc="-1" strike="noStrike">
               <a:latin typeface="Arial"/>
             </a:endParaRPr>
           </a:p>
@@ -10589,41 +10811,76 @@
           <a:effectRef idx="0"/>
           <a:fontRef idx="minor"/>
         </p:style>
-        <p:txBody>
-          <a:bodyPr lIns="0" rIns="0" tIns="0" bIns="0">
-            <a:normAutofit/>
-          </a:bodyPr>
-          <a:p>
-            <a:pPr marL="432000" indent="-322920">
-              <a:lnSpc>
-                <a:spcPct val="100000"/>
-              </a:lnSpc>
-              <a:spcBef>
-                <a:spcPts val="1417"/>
-              </a:spcBef>
-              <a:buClr>
-                <a:srgbClr val="000000"/>
-              </a:buClr>
-              <a:buSzPct val="45000"/>
-              <a:buFont typeface="Wingdings" charset="2"/>
-              <a:buChar char=""/>
-            </a:pPr>
-            <a:r>
-              <a:rPr b="0" lang="en-GB" sz="3200" spc="-1" strike="noStrike">
-                <a:solidFill>
-                  <a:srgbClr val="000000"/>
-                </a:solidFill>
-                <a:latin typeface="Arial"/>
-                <a:ea typeface="DejaVu Sans"/>
-              </a:rPr>
-              <a:t>...</a:t>
-            </a:r>
-            <a:endParaRPr b="0" lang="en-GB" sz="3200" spc="-1" strike="noStrike">
-              <a:latin typeface="Arial"/>
-            </a:endParaRPr>
-          </a:p>
-        </p:txBody>
-      </p:sp>
+      </p:sp>
+      <p:pic>
+        <p:nvPicPr>
+          <p:cNvPr id="160" name="" descr=""/>
+          <p:cNvPicPr/>
+          <p:nvPr/>
+        </p:nvPicPr>
+        <p:blipFill>
+          <a:blip r:embed="rId1"/>
+          <a:stretch/>
+        </p:blipFill>
+        <p:spPr>
+          <a:xfrm>
+            <a:off x="1296000" y="1080000"/>
+            <a:ext cx="3312000" cy="2332800"/>
+          </a:xfrm>
+          <a:prstGeom prst="rect">
+            <a:avLst/>
+          </a:prstGeom>
+          <a:ln>
+            <a:noFill/>
+          </a:ln>
+        </p:spPr>
+      </p:pic>
+      <p:pic>
+        <p:nvPicPr>
+          <p:cNvPr id="161" name="" descr=""/>
+          <p:cNvPicPr/>
+          <p:nvPr/>
+        </p:nvPicPr>
+        <p:blipFill>
+          <a:blip r:embed="rId2"/>
+          <a:stretch/>
+        </p:blipFill>
+        <p:spPr>
+          <a:xfrm>
+            <a:off x="5040000" y="1080000"/>
+            <a:ext cx="3408480" cy="2376000"/>
+          </a:xfrm>
+          <a:prstGeom prst="rect">
+            <a:avLst/>
+          </a:prstGeom>
+          <a:ln>
+            <a:noFill/>
+          </a:ln>
+        </p:spPr>
+      </p:pic>
+      <p:pic>
+        <p:nvPicPr>
+          <p:cNvPr id="162" name="" descr=""/>
+          <p:cNvPicPr/>
+          <p:nvPr/>
+        </p:nvPicPr>
+        <p:blipFill>
+          <a:blip r:embed="rId3"/>
+          <a:stretch/>
+        </p:blipFill>
+        <p:spPr>
+          <a:xfrm>
+            <a:off x="1512000" y="3456000"/>
+            <a:ext cx="2952000" cy="2021040"/>
+          </a:xfrm>
+          <a:prstGeom prst="rect">
+            <a:avLst/>
+          </a:prstGeom>
+          <a:ln>
+            <a:noFill/>
+          </a:ln>
+        </p:spPr>
+      </p:pic>
     </p:spTree>
   </p:cSld>
   <mc:AlternateContent>
@@ -10656,14 +10913,14 @@
       </p:grpSpPr>
       <p:sp>
         <p:nvSpPr>
-          <p:cNvPr id="160" name="CustomShape 1"/>
+          <p:cNvPr id="163" name="CustomShape 1"/>
           <p:cNvSpPr/>
           <p:nvPr/>
         </p:nvSpPr>
         <p:spPr>
           <a:xfrm>
-            <a:off x="504000" y="2221560"/>
-            <a:ext cx="9070560" cy="945360"/>
+            <a:off x="504000" y="74160"/>
+            <a:ext cx="9070560" cy="1249200"/>
           </a:xfrm>
           <a:prstGeom prst="rect">
             <a:avLst/>
@@ -10690,21 +10947,996 @@
               </a:lnSpc>
             </a:pPr>
             <a:r>
-              <a:rPr b="0" lang="en-GB" sz="4400" spc="-1" strike="noStrike">
-                <a:solidFill>
-                  <a:srgbClr val="000000"/>
-                </a:solidFill>
-                <a:latin typeface="Arial"/>
-                <a:ea typeface="DejaVu Sans"/>
-              </a:rPr>
-              <a:t>Спасибо за внимание</a:t>
-            </a:r>
-            <a:endParaRPr b="0" lang="en-GB" sz="4400" spc="-1" strike="noStrike">
+              <a:rPr b="0" lang="en-GB" sz="2800" spc="-1" strike="noStrike">
+                <a:solidFill>
+                  <a:srgbClr val="000000"/>
+                </a:solidFill>
+                <a:latin typeface="Arial"/>
+                <a:ea typeface="DejaVu Sans"/>
+              </a:rPr>
+              <a:t>Shi-Tomasi + BRIEF + FLANN, icy_scarp.mp4</a:t>
+            </a:r>
+            <a:endParaRPr b="0" lang="en-GB" sz="2800" spc="-1" strike="noStrike">
               <a:latin typeface="Arial"/>
             </a:endParaRPr>
           </a:p>
         </p:txBody>
       </p:sp>
+      <p:sp>
+        <p:nvSpPr>
+          <p:cNvPr id="164" name="CustomShape 2"/>
+          <p:cNvSpPr/>
+          <p:nvPr/>
+        </p:nvSpPr>
+        <p:spPr>
+          <a:xfrm>
+            <a:off x="504000" y="1326600"/>
+            <a:ext cx="9070560" cy="3287160"/>
+          </a:xfrm>
+          <a:prstGeom prst="rect">
+            <a:avLst/>
+          </a:prstGeom>
+          <a:noFill/>
+          <a:ln>
+            <a:noFill/>
+          </a:ln>
+        </p:spPr>
+        <p:style>
+          <a:lnRef idx="0"/>
+          <a:fillRef idx="0"/>
+          <a:effectRef idx="0"/>
+          <a:fontRef idx="minor"/>
+        </p:style>
+      </p:sp>
+      <p:pic>
+        <p:nvPicPr>
+          <p:cNvPr id="165" name="" descr=""/>
+          <p:cNvPicPr/>
+          <p:nvPr/>
+        </p:nvPicPr>
+        <p:blipFill>
+          <a:blip r:embed="rId1"/>
+          <a:stretch/>
+        </p:blipFill>
+        <p:spPr>
+          <a:xfrm>
+            <a:off x="1296000" y="1080000"/>
+            <a:ext cx="3312000" cy="2332800"/>
+          </a:xfrm>
+          <a:prstGeom prst="rect">
+            <a:avLst/>
+          </a:prstGeom>
+          <a:ln>
+            <a:noFill/>
+          </a:ln>
+        </p:spPr>
+      </p:pic>
+      <p:pic>
+        <p:nvPicPr>
+          <p:cNvPr id="166" name="" descr=""/>
+          <p:cNvPicPr/>
+          <p:nvPr/>
+        </p:nvPicPr>
+        <p:blipFill>
+          <a:blip r:embed="rId2"/>
+          <a:stretch/>
+        </p:blipFill>
+        <p:spPr>
+          <a:xfrm>
+            <a:off x="5040000" y="1080000"/>
+            <a:ext cx="3408480" cy="2376000"/>
+          </a:xfrm>
+          <a:prstGeom prst="rect">
+            <a:avLst/>
+          </a:prstGeom>
+          <a:ln>
+            <a:noFill/>
+          </a:ln>
+        </p:spPr>
+      </p:pic>
+      <p:pic>
+        <p:nvPicPr>
+          <p:cNvPr id="167" name="" descr=""/>
+          <p:cNvPicPr/>
+          <p:nvPr/>
+        </p:nvPicPr>
+        <p:blipFill>
+          <a:blip r:embed="rId3"/>
+          <a:stretch/>
+        </p:blipFill>
+        <p:spPr>
+          <a:xfrm>
+            <a:off x="1512000" y="3456000"/>
+            <a:ext cx="2952000" cy="2021040"/>
+          </a:xfrm>
+          <a:prstGeom prst="rect">
+            <a:avLst/>
+          </a:prstGeom>
+          <a:ln>
+            <a:noFill/>
+          </a:ln>
+        </p:spPr>
+      </p:pic>
+    </p:spTree>
+  </p:cSld>
+  <mc:AlternateContent>
+    <mc:Choice Requires="p14">
+      <p:transition spd="slow" p14:dur="2000"/>
+    </mc:Choice>
+    <mc:Fallback>
+      <p:transition spd="slow"/>
+    </mc:Fallback>
+  </mc:AlternateContent>
+</p:sld>
+</file>
+
+<file path=ppt/slides/slide35.xml><?xml version="1.0" encoding="utf-8"?>
+<p:sld xmlns:a="http://schemas.openxmlformats.org/drawingml/2006/main" xmlns:p="http://schemas.openxmlformats.org/presentationml/2006/main" xmlns:r="http://schemas.openxmlformats.org/officeDocument/2006/relationships" xmlns:p14="http://schemas.microsoft.com/office/powerpoint/2010/main" xmlns:p15="http://schemas.microsoft.com/office/powerpoint/2012/main" xmlns:mc="http://schemas.openxmlformats.org/markup-compatibility/2006">
+  <p:cSld>
+    <p:spTree>
+      <p:nvGrpSpPr>
+        <p:cNvPr id="1" name=""/>
+        <p:cNvGrpSpPr/>
+        <p:nvPr/>
+      </p:nvGrpSpPr>
+      <p:grpSpPr>
+        <a:xfrm>
+          <a:off x="0" y="0"/>
+          <a:ext cx="0" cy="0"/>
+          <a:chOff x="0" y="0"/>
+          <a:chExt cx="0" cy="0"/>
+        </a:xfrm>
+      </p:grpSpPr>
+      <p:sp>
+        <p:nvSpPr>
+          <p:cNvPr id="168" name="CustomShape 1"/>
+          <p:cNvSpPr/>
+          <p:nvPr/>
+        </p:nvSpPr>
+        <p:spPr>
+          <a:xfrm>
+            <a:off x="504000" y="74160"/>
+            <a:ext cx="9070560" cy="1249200"/>
+          </a:xfrm>
+          <a:prstGeom prst="rect">
+            <a:avLst/>
+          </a:prstGeom>
+          <a:noFill/>
+          <a:ln>
+            <a:noFill/>
+          </a:ln>
+        </p:spPr>
+        <p:style>
+          <a:lnRef idx="0"/>
+          <a:fillRef idx="0"/>
+          <a:effectRef idx="0"/>
+          <a:fontRef idx="minor"/>
+        </p:style>
+        <p:txBody>
+          <a:bodyPr lIns="0" rIns="0" tIns="0" bIns="0" anchor="ctr">
+            <a:noAutofit/>
+          </a:bodyPr>
+          <a:p>
+            <a:pPr algn="ctr">
+              <a:lnSpc>
+                <a:spcPct val="100000"/>
+              </a:lnSpc>
+            </a:pPr>
+            <a:r>
+              <a:rPr b="0" lang="en-GB" sz="2800" spc="-1" strike="noStrike">
+                <a:solidFill>
+                  <a:srgbClr val="000000"/>
+                </a:solidFill>
+                <a:latin typeface="Arial"/>
+                <a:ea typeface="DejaVu Sans"/>
+              </a:rPr>
+              <a:t>Shi-Tomasi + FREAK + FLANN, stereo.mp4</a:t>
+            </a:r>
+            <a:endParaRPr b="0" lang="en-GB" sz="2800" spc="-1" strike="noStrike">
+              <a:latin typeface="Arial"/>
+            </a:endParaRPr>
+          </a:p>
+        </p:txBody>
+      </p:sp>
+      <p:sp>
+        <p:nvSpPr>
+          <p:cNvPr id="169" name="CustomShape 2"/>
+          <p:cNvSpPr/>
+          <p:nvPr/>
+        </p:nvSpPr>
+        <p:spPr>
+          <a:xfrm>
+            <a:off x="504000" y="1326600"/>
+            <a:ext cx="9070560" cy="3287160"/>
+          </a:xfrm>
+          <a:prstGeom prst="rect">
+            <a:avLst/>
+          </a:prstGeom>
+          <a:noFill/>
+          <a:ln>
+            <a:noFill/>
+          </a:ln>
+        </p:spPr>
+        <p:style>
+          <a:lnRef idx="0"/>
+          <a:fillRef idx="0"/>
+          <a:effectRef idx="0"/>
+          <a:fontRef idx="minor"/>
+        </p:style>
+      </p:sp>
+      <p:pic>
+        <p:nvPicPr>
+          <p:cNvPr id="170" name="" descr=""/>
+          <p:cNvPicPr/>
+          <p:nvPr/>
+        </p:nvPicPr>
+        <p:blipFill>
+          <a:blip r:embed="rId1"/>
+          <a:stretch/>
+        </p:blipFill>
+        <p:spPr>
+          <a:xfrm>
+            <a:off x="1296000" y="1080000"/>
+            <a:ext cx="3312000" cy="2332800"/>
+          </a:xfrm>
+          <a:prstGeom prst="rect">
+            <a:avLst/>
+          </a:prstGeom>
+          <a:ln>
+            <a:noFill/>
+          </a:ln>
+        </p:spPr>
+      </p:pic>
+      <p:pic>
+        <p:nvPicPr>
+          <p:cNvPr id="171" name="" descr=""/>
+          <p:cNvPicPr/>
+          <p:nvPr/>
+        </p:nvPicPr>
+        <p:blipFill>
+          <a:blip r:embed="rId2"/>
+          <a:stretch/>
+        </p:blipFill>
+        <p:spPr>
+          <a:xfrm>
+            <a:off x="5040000" y="1080000"/>
+            <a:ext cx="3408480" cy="2376000"/>
+          </a:xfrm>
+          <a:prstGeom prst="rect">
+            <a:avLst/>
+          </a:prstGeom>
+          <a:ln>
+            <a:noFill/>
+          </a:ln>
+        </p:spPr>
+      </p:pic>
+      <p:pic>
+        <p:nvPicPr>
+          <p:cNvPr id="172" name="" descr=""/>
+          <p:cNvPicPr/>
+          <p:nvPr/>
+        </p:nvPicPr>
+        <p:blipFill>
+          <a:blip r:embed="rId3"/>
+          <a:stretch/>
+        </p:blipFill>
+        <p:spPr>
+          <a:xfrm>
+            <a:off x="1512000" y="3456000"/>
+            <a:ext cx="2952000" cy="2021040"/>
+          </a:xfrm>
+          <a:prstGeom prst="rect">
+            <a:avLst/>
+          </a:prstGeom>
+          <a:ln>
+            <a:noFill/>
+          </a:ln>
+        </p:spPr>
+      </p:pic>
+    </p:spTree>
+  </p:cSld>
+  <mc:AlternateContent>
+    <mc:Choice Requires="p14">
+      <p:transition spd="slow" p14:dur="2000"/>
+    </mc:Choice>
+    <mc:Fallback>
+      <p:transition spd="slow"/>
+    </mc:Fallback>
+  </mc:AlternateContent>
+</p:sld>
+</file>
+
+<file path=ppt/slides/slide36.xml><?xml version="1.0" encoding="utf-8"?>
+<p:sld xmlns:a="http://schemas.openxmlformats.org/drawingml/2006/main" xmlns:p="http://schemas.openxmlformats.org/presentationml/2006/main" xmlns:r="http://schemas.openxmlformats.org/officeDocument/2006/relationships" xmlns:p14="http://schemas.microsoft.com/office/powerpoint/2010/main" xmlns:p15="http://schemas.microsoft.com/office/powerpoint/2012/main" xmlns:mc="http://schemas.openxmlformats.org/markup-compatibility/2006">
+  <p:cSld>
+    <p:spTree>
+      <p:nvGrpSpPr>
+        <p:cNvPr id="1" name=""/>
+        <p:cNvGrpSpPr/>
+        <p:nvPr/>
+      </p:nvGrpSpPr>
+      <p:grpSpPr>
+        <a:xfrm>
+          <a:off x="0" y="0"/>
+          <a:ext cx="0" cy="0"/>
+          <a:chOff x="0" y="0"/>
+          <a:chExt cx="0" cy="0"/>
+        </a:xfrm>
+      </p:grpSpPr>
+      <p:sp>
+        <p:nvSpPr>
+          <p:cNvPr id="173" name="CustomShape 1"/>
+          <p:cNvSpPr/>
+          <p:nvPr/>
+        </p:nvSpPr>
+        <p:spPr>
+          <a:xfrm>
+            <a:off x="504000" y="74160"/>
+            <a:ext cx="9070560" cy="1249200"/>
+          </a:xfrm>
+          <a:prstGeom prst="rect">
+            <a:avLst/>
+          </a:prstGeom>
+          <a:noFill/>
+          <a:ln>
+            <a:noFill/>
+          </a:ln>
+        </p:spPr>
+        <p:style>
+          <a:lnRef idx="0"/>
+          <a:fillRef idx="0"/>
+          <a:effectRef idx="0"/>
+          <a:fontRef idx="minor"/>
+        </p:style>
+        <p:txBody>
+          <a:bodyPr lIns="0" rIns="0" tIns="0" bIns="0" anchor="ctr">
+            <a:noAutofit/>
+          </a:bodyPr>
+          <a:p>
+            <a:pPr algn="ctr">
+              <a:lnSpc>
+                <a:spcPct val="100000"/>
+              </a:lnSpc>
+            </a:pPr>
+            <a:r>
+              <a:rPr b="0" lang="en-GB" sz="2800" spc="-1" strike="noStrike">
+                <a:solidFill>
+                  <a:srgbClr val="000000"/>
+                </a:solidFill>
+                <a:latin typeface="Arial"/>
+                <a:ea typeface="DejaVu Sans"/>
+              </a:rPr>
+              <a:t>Shi-Tomasi + FREAK + FLANN, icy_scarp.mp4</a:t>
+            </a:r>
+            <a:endParaRPr b="0" lang="en-GB" sz="2800" spc="-1" strike="noStrike">
+              <a:latin typeface="Arial"/>
+            </a:endParaRPr>
+          </a:p>
+        </p:txBody>
+      </p:sp>
+      <p:sp>
+        <p:nvSpPr>
+          <p:cNvPr id="174" name="CustomShape 2"/>
+          <p:cNvSpPr/>
+          <p:nvPr/>
+        </p:nvSpPr>
+        <p:spPr>
+          <a:xfrm>
+            <a:off x="504000" y="1326600"/>
+            <a:ext cx="9070560" cy="3287160"/>
+          </a:xfrm>
+          <a:prstGeom prst="rect">
+            <a:avLst/>
+          </a:prstGeom>
+          <a:noFill/>
+          <a:ln>
+            <a:noFill/>
+          </a:ln>
+        </p:spPr>
+        <p:style>
+          <a:lnRef idx="0"/>
+          <a:fillRef idx="0"/>
+          <a:effectRef idx="0"/>
+          <a:fontRef idx="minor"/>
+        </p:style>
+      </p:sp>
+      <p:pic>
+        <p:nvPicPr>
+          <p:cNvPr id="175" name="" descr=""/>
+          <p:cNvPicPr/>
+          <p:nvPr/>
+        </p:nvPicPr>
+        <p:blipFill>
+          <a:blip r:embed="rId1"/>
+          <a:stretch/>
+        </p:blipFill>
+        <p:spPr>
+          <a:xfrm>
+            <a:off x="1296000" y="1080000"/>
+            <a:ext cx="3312000" cy="2332800"/>
+          </a:xfrm>
+          <a:prstGeom prst="rect">
+            <a:avLst/>
+          </a:prstGeom>
+          <a:ln>
+            <a:noFill/>
+          </a:ln>
+        </p:spPr>
+      </p:pic>
+      <p:pic>
+        <p:nvPicPr>
+          <p:cNvPr id="176" name="" descr=""/>
+          <p:cNvPicPr/>
+          <p:nvPr/>
+        </p:nvPicPr>
+        <p:blipFill>
+          <a:blip r:embed="rId2"/>
+          <a:stretch/>
+        </p:blipFill>
+        <p:spPr>
+          <a:xfrm>
+            <a:off x="5040000" y="1080000"/>
+            <a:ext cx="3408480" cy="2376000"/>
+          </a:xfrm>
+          <a:prstGeom prst="rect">
+            <a:avLst/>
+          </a:prstGeom>
+          <a:ln>
+            <a:noFill/>
+          </a:ln>
+        </p:spPr>
+      </p:pic>
+      <p:pic>
+        <p:nvPicPr>
+          <p:cNvPr id="177" name="" descr=""/>
+          <p:cNvPicPr/>
+          <p:nvPr/>
+        </p:nvPicPr>
+        <p:blipFill>
+          <a:blip r:embed="rId3"/>
+          <a:stretch/>
+        </p:blipFill>
+        <p:spPr>
+          <a:xfrm>
+            <a:off x="1512000" y="3456000"/>
+            <a:ext cx="2952000" cy="2021040"/>
+          </a:xfrm>
+          <a:prstGeom prst="rect">
+            <a:avLst/>
+          </a:prstGeom>
+          <a:ln>
+            <a:noFill/>
+          </a:ln>
+        </p:spPr>
+      </p:pic>
+    </p:spTree>
+  </p:cSld>
+  <mc:AlternateContent>
+    <mc:Choice Requires="p14">
+      <p:transition spd="slow" p14:dur="2000"/>
+    </mc:Choice>
+    <mc:Fallback>
+      <p:transition spd="slow"/>
+    </mc:Fallback>
+  </mc:AlternateContent>
+</p:sld>
+</file>
+
+<file path=ppt/slides/slide37.xml><?xml version="1.0" encoding="utf-8"?>
+<p:sld xmlns:a="http://schemas.openxmlformats.org/drawingml/2006/main" xmlns:p="http://schemas.openxmlformats.org/presentationml/2006/main" xmlns:r="http://schemas.openxmlformats.org/officeDocument/2006/relationships" xmlns:p14="http://schemas.microsoft.com/office/powerpoint/2010/main" xmlns:p15="http://schemas.microsoft.com/office/powerpoint/2012/main" xmlns:mc="http://schemas.openxmlformats.org/markup-compatibility/2006">
+  <p:cSld>
+    <p:spTree>
+      <p:nvGrpSpPr>
+        <p:cNvPr id="1" name=""/>
+        <p:cNvGrpSpPr/>
+        <p:nvPr/>
+      </p:nvGrpSpPr>
+      <p:grpSpPr>
+        <a:xfrm>
+          <a:off x="0" y="0"/>
+          <a:ext cx="0" cy="0"/>
+          <a:chOff x="0" y="0"/>
+          <a:chExt cx="0" cy="0"/>
+        </a:xfrm>
+      </p:grpSpPr>
+      <p:sp>
+        <p:nvSpPr>
+          <p:cNvPr id="178" name="CustomShape 1"/>
+          <p:cNvSpPr/>
+          <p:nvPr/>
+        </p:nvSpPr>
+        <p:spPr>
+          <a:xfrm>
+            <a:off x="504000" y="74160"/>
+            <a:ext cx="9070560" cy="1249200"/>
+          </a:xfrm>
+          <a:prstGeom prst="rect">
+            <a:avLst/>
+          </a:prstGeom>
+          <a:noFill/>
+          <a:ln>
+            <a:noFill/>
+          </a:ln>
+        </p:spPr>
+        <p:style>
+          <a:lnRef idx="0"/>
+          <a:fillRef idx="0"/>
+          <a:effectRef idx="0"/>
+          <a:fontRef idx="minor"/>
+        </p:style>
+        <p:txBody>
+          <a:bodyPr lIns="0" rIns="0" tIns="0" bIns="0" anchor="ctr">
+            <a:noAutofit/>
+          </a:bodyPr>
+          <a:p>
+            <a:pPr algn="ctr">
+              <a:lnSpc>
+                <a:spcPct val="100000"/>
+              </a:lnSpc>
+            </a:pPr>
+            <a:r>
+              <a:rPr b="0" lang="en-GB" sz="2800" spc="-1" strike="noStrike">
+                <a:solidFill>
+                  <a:srgbClr val="000000"/>
+                </a:solidFill>
+                <a:latin typeface="Arial"/>
+                <a:ea typeface="DejaVu Sans"/>
+              </a:rPr>
+              <a:t>BRISK + FLANN, stereo.mp4</a:t>
+            </a:r>
+            <a:endParaRPr b="0" lang="en-GB" sz="2800" spc="-1" strike="noStrike">
+              <a:latin typeface="Arial"/>
+            </a:endParaRPr>
+          </a:p>
+        </p:txBody>
+      </p:sp>
+      <p:sp>
+        <p:nvSpPr>
+          <p:cNvPr id="179" name="CustomShape 2"/>
+          <p:cNvSpPr/>
+          <p:nvPr/>
+        </p:nvSpPr>
+        <p:spPr>
+          <a:xfrm>
+            <a:off x="504000" y="1326600"/>
+            <a:ext cx="9070560" cy="3287160"/>
+          </a:xfrm>
+          <a:prstGeom prst="rect">
+            <a:avLst/>
+          </a:prstGeom>
+          <a:noFill/>
+          <a:ln>
+            <a:noFill/>
+          </a:ln>
+        </p:spPr>
+        <p:style>
+          <a:lnRef idx="0"/>
+          <a:fillRef idx="0"/>
+          <a:effectRef idx="0"/>
+          <a:fontRef idx="minor"/>
+        </p:style>
+      </p:sp>
+      <p:pic>
+        <p:nvPicPr>
+          <p:cNvPr id="180" name="" descr=""/>
+          <p:cNvPicPr/>
+          <p:nvPr/>
+        </p:nvPicPr>
+        <p:blipFill>
+          <a:blip r:embed="rId1"/>
+          <a:stretch/>
+        </p:blipFill>
+        <p:spPr>
+          <a:xfrm>
+            <a:off x="1296000" y="1080000"/>
+            <a:ext cx="3312000" cy="2332800"/>
+          </a:xfrm>
+          <a:prstGeom prst="rect">
+            <a:avLst/>
+          </a:prstGeom>
+          <a:ln>
+            <a:noFill/>
+          </a:ln>
+        </p:spPr>
+      </p:pic>
+      <p:pic>
+        <p:nvPicPr>
+          <p:cNvPr id="181" name="" descr=""/>
+          <p:cNvPicPr/>
+          <p:nvPr/>
+        </p:nvPicPr>
+        <p:blipFill>
+          <a:blip r:embed="rId2"/>
+          <a:stretch/>
+        </p:blipFill>
+        <p:spPr>
+          <a:xfrm>
+            <a:off x="5040000" y="1080000"/>
+            <a:ext cx="3408480" cy="2376000"/>
+          </a:xfrm>
+          <a:prstGeom prst="rect">
+            <a:avLst/>
+          </a:prstGeom>
+          <a:ln>
+            <a:noFill/>
+          </a:ln>
+        </p:spPr>
+      </p:pic>
+      <p:pic>
+        <p:nvPicPr>
+          <p:cNvPr id="182" name="" descr=""/>
+          <p:cNvPicPr/>
+          <p:nvPr/>
+        </p:nvPicPr>
+        <p:blipFill>
+          <a:blip r:embed="rId3"/>
+          <a:stretch/>
+        </p:blipFill>
+        <p:spPr>
+          <a:xfrm>
+            <a:off x="1512000" y="3456000"/>
+            <a:ext cx="2952000" cy="2021040"/>
+          </a:xfrm>
+          <a:prstGeom prst="rect">
+            <a:avLst/>
+          </a:prstGeom>
+          <a:ln>
+            <a:noFill/>
+          </a:ln>
+        </p:spPr>
+      </p:pic>
+    </p:spTree>
+  </p:cSld>
+  <mc:AlternateContent>
+    <mc:Choice Requires="p14">
+      <p:transition spd="slow" p14:dur="2000"/>
+    </mc:Choice>
+    <mc:Fallback>
+      <p:transition spd="slow"/>
+    </mc:Fallback>
+  </mc:AlternateContent>
+</p:sld>
+</file>
+
+<file path=ppt/slides/slide38.xml><?xml version="1.0" encoding="utf-8"?>
+<p:sld xmlns:a="http://schemas.openxmlformats.org/drawingml/2006/main" xmlns:p="http://schemas.openxmlformats.org/presentationml/2006/main" xmlns:r="http://schemas.openxmlformats.org/officeDocument/2006/relationships" xmlns:p14="http://schemas.microsoft.com/office/powerpoint/2010/main" xmlns:p15="http://schemas.microsoft.com/office/powerpoint/2012/main" xmlns:mc="http://schemas.openxmlformats.org/markup-compatibility/2006">
+  <p:cSld>
+    <p:spTree>
+      <p:nvGrpSpPr>
+        <p:cNvPr id="1" name=""/>
+        <p:cNvGrpSpPr/>
+        <p:nvPr/>
+      </p:nvGrpSpPr>
+      <p:grpSpPr>
+        <a:xfrm>
+          <a:off x="0" y="0"/>
+          <a:ext cx="0" cy="0"/>
+          <a:chOff x="0" y="0"/>
+          <a:chExt cx="0" cy="0"/>
+        </a:xfrm>
+      </p:grpSpPr>
+      <p:sp>
+        <p:nvSpPr>
+          <p:cNvPr id="183" name="CustomShape 1"/>
+          <p:cNvSpPr/>
+          <p:nvPr/>
+        </p:nvSpPr>
+        <p:spPr>
+          <a:xfrm>
+            <a:off x="504000" y="74160"/>
+            <a:ext cx="9070560" cy="1249200"/>
+          </a:xfrm>
+          <a:prstGeom prst="rect">
+            <a:avLst/>
+          </a:prstGeom>
+          <a:noFill/>
+          <a:ln>
+            <a:noFill/>
+          </a:ln>
+        </p:spPr>
+        <p:style>
+          <a:lnRef idx="0"/>
+          <a:fillRef idx="0"/>
+          <a:effectRef idx="0"/>
+          <a:fontRef idx="minor"/>
+        </p:style>
+        <p:txBody>
+          <a:bodyPr lIns="0" rIns="0" tIns="0" bIns="0" anchor="ctr">
+            <a:noAutofit/>
+          </a:bodyPr>
+          <a:p>
+            <a:pPr algn="ctr">
+              <a:lnSpc>
+                <a:spcPct val="100000"/>
+              </a:lnSpc>
+            </a:pPr>
+            <a:r>
+              <a:rPr b="0" lang="en-GB" sz="2800" spc="-1" strike="noStrike">
+                <a:solidFill>
+                  <a:srgbClr val="000000"/>
+                </a:solidFill>
+                <a:latin typeface="Arial"/>
+                <a:ea typeface="DejaVu Sans"/>
+              </a:rPr>
+              <a:t>BRISK + FLANN, icy_scarp.mp4</a:t>
+            </a:r>
+            <a:endParaRPr b="0" lang="en-GB" sz="2800" spc="-1" strike="noStrike">
+              <a:latin typeface="Arial"/>
+            </a:endParaRPr>
+          </a:p>
+        </p:txBody>
+      </p:sp>
+      <p:sp>
+        <p:nvSpPr>
+          <p:cNvPr id="184" name="CustomShape 2"/>
+          <p:cNvSpPr/>
+          <p:nvPr/>
+        </p:nvSpPr>
+        <p:spPr>
+          <a:xfrm>
+            <a:off x="504000" y="1326600"/>
+            <a:ext cx="9070560" cy="3287160"/>
+          </a:xfrm>
+          <a:prstGeom prst="rect">
+            <a:avLst/>
+          </a:prstGeom>
+          <a:noFill/>
+          <a:ln>
+            <a:noFill/>
+          </a:ln>
+        </p:spPr>
+        <p:style>
+          <a:lnRef idx="0"/>
+          <a:fillRef idx="0"/>
+          <a:effectRef idx="0"/>
+          <a:fontRef idx="minor"/>
+        </p:style>
+      </p:sp>
+      <p:pic>
+        <p:nvPicPr>
+          <p:cNvPr id="185" name="" descr=""/>
+          <p:cNvPicPr/>
+          <p:nvPr/>
+        </p:nvPicPr>
+        <p:blipFill>
+          <a:blip r:embed="rId1"/>
+          <a:stretch/>
+        </p:blipFill>
+        <p:spPr>
+          <a:xfrm>
+            <a:off x="1296000" y="1080000"/>
+            <a:ext cx="3312000" cy="2332800"/>
+          </a:xfrm>
+          <a:prstGeom prst="rect">
+            <a:avLst/>
+          </a:prstGeom>
+          <a:ln>
+            <a:noFill/>
+          </a:ln>
+        </p:spPr>
+      </p:pic>
+      <p:pic>
+        <p:nvPicPr>
+          <p:cNvPr id="186" name="" descr=""/>
+          <p:cNvPicPr/>
+          <p:nvPr/>
+        </p:nvPicPr>
+        <p:blipFill>
+          <a:blip r:embed="rId2"/>
+          <a:stretch/>
+        </p:blipFill>
+        <p:spPr>
+          <a:xfrm>
+            <a:off x="5040000" y="1080000"/>
+            <a:ext cx="3408480" cy="2376000"/>
+          </a:xfrm>
+          <a:prstGeom prst="rect">
+            <a:avLst/>
+          </a:prstGeom>
+          <a:ln>
+            <a:noFill/>
+          </a:ln>
+        </p:spPr>
+      </p:pic>
+      <p:pic>
+        <p:nvPicPr>
+          <p:cNvPr id="187" name="" descr=""/>
+          <p:cNvPicPr/>
+          <p:nvPr/>
+        </p:nvPicPr>
+        <p:blipFill>
+          <a:blip r:embed="rId3"/>
+          <a:stretch/>
+        </p:blipFill>
+        <p:spPr>
+          <a:xfrm>
+            <a:off x="1512000" y="3456000"/>
+            <a:ext cx="2952000" cy="2021040"/>
+          </a:xfrm>
+          <a:prstGeom prst="rect">
+            <a:avLst/>
+          </a:prstGeom>
+          <a:ln>
+            <a:noFill/>
+          </a:ln>
+        </p:spPr>
+      </p:pic>
+    </p:spTree>
+  </p:cSld>
+  <mc:AlternateContent>
+    <mc:Choice Requires="p14">
+      <p:transition spd="slow" p14:dur="2000"/>
+    </mc:Choice>
+    <mc:Fallback>
+      <p:transition spd="slow"/>
+    </mc:Fallback>
+  </mc:AlternateContent>
+</p:sld>
+</file>
+
+<file path=ppt/slides/slide39.xml><?xml version="1.0" encoding="utf-8"?>
+<p:sld xmlns:a="http://schemas.openxmlformats.org/drawingml/2006/main" xmlns:p="http://schemas.openxmlformats.org/presentationml/2006/main" xmlns:r="http://schemas.openxmlformats.org/officeDocument/2006/relationships" xmlns:p14="http://schemas.microsoft.com/office/powerpoint/2010/main" xmlns:p15="http://schemas.microsoft.com/office/powerpoint/2012/main" xmlns:mc="http://schemas.openxmlformats.org/markup-compatibility/2006">
+  <p:cSld>
+    <p:spTree>
+      <p:nvGrpSpPr>
+        <p:cNvPr id="1" name=""/>
+        <p:cNvGrpSpPr/>
+        <p:nvPr/>
+      </p:nvGrpSpPr>
+      <p:grpSpPr>
+        <a:xfrm>
+          <a:off x="0" y="0"/>
+          <a:ext cx="0" cy="0"/>
+          <a:chOff x="0" y="0"/>
+          <a:chExt cx="0" cy="0"/>
+        </a:xfrm>
+      </p:grpSpPr>
+      <p:sp>
+        <p:nvSpPr>
+          <p:cNvPr id="188" name="CustomShape 1"/>
+          <p:cNvSpPr/>
+          <p:nvPr/>
+        </p:nvSpPr>
+        <p:spPr>
+          <a:xfrm>
+            <a:off x="504000" y="74160"/>
+            <a:ext cx="9070560" cy="1249200"/>
+          </a:xfrm>
+          <a:prstGeom prst="rect">
+            <a:avLst/>
+          </a:prstGeom>
+          <a:noFill/>
+          <a:ln>
+            <a:noFill/>
+          </a:ln>
+        </p:spPr>
+        <p:style>
+          <a:lnRef idx="0"/>
+          <a:fillRef idx="0"/>
+          <a:effectRef idx="0"/>
+          <a:fontRef idx="minor"/>
+        </p:style>
+        <p:txBody>
+          <a:bodyPr lIns="0" rIns="0" tIns="0" bIns="0" anchor="ctr">
+            <a:noAutofit/>
+          </a:bodyPr>
+          <a:p>
+            <a:pPr algn="ctr">
+              <a:lnSpc>
+                <a:spcPct val="100000"/>
+              </a:lnSpc>
+            </a:pPr>
+            <a:r>
+              <a:rPr b="0" lang="en-GB" sz="2800" spc="-1" strike="noStrike">
+                <a:solidFill>
+                  <a:srgbClr val="000000"/>
+                </a:solidFill>
+                <a:latin typeface="Arial"/>
+                <a:ea typeface="DejaVu Sans"/>
+              </a:rPr>
+              <a:t>SURF + FLANN, stereo.mp4</a:t>
+            </a:r>
+            <a:endParaRPr b="0" lang="en-GB" sz="2800" spc="-1" strike="noStrike">
+              <a:latin typeface="Arial"/>
+            </a:endParaRPr>
+          </a:p>
+        </p:txBody>
+      </p:sp>
+      <p:sp>
+        <p:nvSpPr>
+          <p:cNvPr id="189" name="CustomShape 2"/>
+          <p:cNvSpPr/>
+          <p:nvPr/>
+        </p:nvSpPr>
+        <p:spPr>
+          <a:xfrm>
+            <a:off x="504000" y="1326600"/>
+            <a:ext cx="9070560" cy="3287160"/>
+          </a:xfrm>
+          <a:prstGeom prst="rect">
+            <a:avLst/>
+          </a:prstGeom>
+          <a:noFill/>
+          <a:ln>
+            <a:noFill/>
+          </a:ln>
+        </p:spPr>
+        <p:style>
+          <a:lnRef idx="0"/>
+          <a:fillRef idx="0"/>
+          <a:effectRef idx="0"/>
+          <a:fontRef idx="minor"/>
+        </p:style>
+      </p:sp>
+      <p:pic>
+        <p:nvPicPr>
+          <p:cNvPr id="190" name="" descr=""/>
+          <p:cNvPicPr/>
+          <p:nvPr/>
+        </p:nvPicPr>
+        <p:blipFill>
+          <a:blip r:embed="rId1"/>
+          <a:stretch/>
+        </p:blipFill>
+        <p:spPr>
+          <a:xfrm>
+            <a:off x="1296000" y="1080000"/>
+            <a:ext cx="3312000" cy="2332800"/>
+          </a:xfrm>
+          <a:prstGeom prst="rect">
+            <a:avLst/>
+          </a:prstGeom>
+          <a:ln>
+            <a:noFill/>
+          </a:ln>
+        </p:spPr>
+      </p:pic>
+      <p:pic>
+        <p:nvPicPr>
+          <p:cNvPr id="191" name="" descr=""/>
+          <p:cNvPicPr/>
+          <p:nvPr/>
+        </p:nvPicPr>
+        <p:blipFill>
+          <a:blip r:embed="rId2"/>
+          <a:stretch/>
+        </p:blipFill>
+        <p:spPr>
+          <a:xfrm>
+            <a:off x="5040000" y="1080000"/>
+            <a:ext cx="3408480" cy="2376000"/>
+          </a:xfrm>
+          <a:prstGeom prst="rect">
+            <a:avLst/>
+          </a:prstGeom>
+          <a:ln>
+            <a:noFill/>
+          </a:ln>
+        </p:spPr>
+      </p:pic>
+      <p:pic>
+        <p:nvPicPr>
+          <p:cNvPr id="192" name="" descr=""/>
+          <p:cNvPicPr/>
+          <p:nvPr/>
+        </p:nvPicPr>
+        <p:blipFill>
+          <a:blip r:embed="rId3"/>
+          <a:stretch/>
+        </p:blipFill>
+        <p:spPr>
+          <a:xfrm>
+            <a:off x="1512000" y="3456000"/>
+            <a:ext cx="2952000" cy="2021040"/>
+          </a:xfrm>
+          <a:prstGeom prst="rect">
+            <a:avLst/>
+          </a:prstGeom>
+          <a:ln>
+            <a:noFill/>
+          </a:ln>
+        </p:spPr>
+      </p:pic>
     </p:spTree>
   </p:cSld>
   <mc:AlternateContent>
@@ -10888,6 +12120,1766 @@
 </p:sld>
 </file>
 
+<file path=ppt/slides/slide40.xml><?xml version="1.0" encoding="utf-8"?>
+<p:sld xmlns:a="http://schemas.openxmlformats.org/drawingml/2006/main" xmlns:p="http://schemas.openxmlformats.org/presentationml/2006/main" xmlns:r="http://schemas.openxmlformats.org/officeDocument/2006/relationships" xmlns:p14="http://schemas.microsoft.com/office/powerpoint/2010/main" xmlns:p15="http://schemas.microsoft.com/office/powerpoint/2012/main" xmlns:mc="http://schemas.openxmlformats.org/markup-compatibility/2006">
+  <p:cSld>
+    <p:spTree>
+      <p:nvGrpSpPr>
+        <p:cNvPr id="1" name=""/>
+        <p:cNvGrpSpPr/>
+        <p:nvPr/>
+      </p:nvGrpSpPr>
+      <p:grpSpPr>
+        <a:xfrm>
+          <a:off x="0" y="0"/>
+          <a:ext cx="0" cy="0"/>
+          <a:chOff x="0" y="0"/>
+          <a:chExt cx="0" cy="0"/>
+        </a:xfrm>
+      </p:grpSpPr>
+      <p:sp>
+        <p:nvSpPr>
+          <p:cNvPr id="193" name="CustomShape 1"/>
+          <p:cNvSpPr/>
+          <p:nvPr/>
+        </p:nvSpPr>
+        <p:spPr>
+          <a:xfrm>
+            <a:off x="504000" y="74160"/>
+            <a:ext cx="9070560" cy="1249200"/>
+          </a:xfrm>
+          <a:prstGeom prst="rect">
+            <a:avLst/>
+          </a:prstGeom>
+          <a:noFill/>
+          <a:ln>
+            <a:noFill/>
+          </a:ln>
+        </p:spPr>
+        <p:style>
+          <a:lnRef idx="0"/>
+          <a:fillRef idx="0"/>
+          <a:effectRef idx="0"/>
+          <a:fontRef idx="minor"/>
+        </p:style>
+        <p:txBody>
+          <a:bodyPr lIns="0" rIns="0" tIns="0" bIns="0" anchor="ctr">
+            <a:noAutofit/>
+          </a:bodyPr>
+          <a:p>
+            <a:pPr algn="ctr">
+              <a:lnSpc>
+                <a:spcPct val="100000"/>
+              </a:lnSpc>
+            </a:pPr>
+            <a:r>
+              <a:rPr b="0" lang="en-GB" sz="2800" spc="-1" strike="noStrike">
+                <a:solidFill>
+                  <a:srgbClr val="000000"/>
+                </a:solidFill>
+                <a:latin typeface="Arial"/>
+                <a:ea typeface="DejaVu Sans"/>
+              </a:rPr>
+              <a:t>SURF + FLANN, icy_scarp.mp4</a:t>
+            </a:r>
+            <a:endParaRPr b="0" lang="en-GB" sz="2800" spc="-1" strike="noStrike">
+              <a:latin typeface="Arial"/>
+            </a:endParaRPr>
+          </a:p>
+        </p:txBody>
+      </p:sp>
+      <p:sp>
+        <p:nvSpPr>
+          <p:cNvPr id="194" name="CustomShape 2"/>
+          <p:cNvSpPr/>
+          <p:nvPr/>
+        </p:nvSpPr>
+        <p:spPr>
+          <a:xfrm>
+            <a:off x="504000" y="1326600"/>
+            <a:ext cx="9070560" cy="3287160"/>
+          </a:xfrm>
+          <a:prstGeom prst="rect">
+            <a:avLst/>
+          </a:prstGeom>
+          <a:noFill/>
+          <a:ln>
+            <a:noFill/>
+          </a:ln>
+        </p:spPr>
+        <p:style>
+          <a:lnRef idx="0"/>
+          <a:fillRef idx="0"/>
+          <a:effectRef idx="0"/>
+          <a:fontRef idx="minor"/>
+        </p:style>
+      </p:sp>
+      <p:pic>
+        <p:nvPicPr>
+          <p:cNvPr id="195" name="" descr=""/>
+          <p:cNvPicPr/>
+          <p:nvPr/>
+        </p:nvPicPr>
+        <p:blipFill>
+          <a:blip r:embed="rId1"/>
+          <a:stretch/>
+        </p:blipFill>
+        <p:spPr>
+          <a:xfrm>
+            <a:off x="1296000" y="1080000"/>
+            <a:ext cx="3312000" cy="2332800"/>
+          </a:xfrm>
+          <a:prstGeom prst="rect">
+            <a:avLst/>
+          </a:prstGeom>
+          <a:ln>
+            <a:noFill/>
+          </a:ln>
+        </p:spPr>
+      </p:pic>
+      <p:pic>
+        <p:nvPicPr>
+          <p:cNvPr id="196" name="" descr=""/>
+          <p:cNvPicPr/>
+          <p:nvPr/>
+        </p:nvPicPr>
+        <p:blipFill>
+          <a:blip r:embed="rId2"/>
+          <a:stretch/>
+        </p:blipFill>
+        <p:spPr>
+          <a:xfrm>
+            <a:off x="5040000" y="1080000"/>
+            <a:ext cx="3408480" cy="2376000"/>
+          </a:xfrm>
+          <a:prstGeom prst="rect">
+            <a:avLst/>
+          </a:prstGeom>
+          <a:ln>
+            <a:noFill/>
+          </a:ln>
+        </p:spPr>
+      </p:pic>
+      <p:pic>
+        <p:nvPicPr>
+          <p:cNvPr id="197" name="" descr=""/>
+          <p:cNvPicPr/>
+          <p:nvPr/>
+        </p:nvPicPr>
+        <p:blipFill>
+          <a:blip r:embed="rId3"/>
+          <a:stretch/>
+        </p:blipFill>
+        <p:spPr>
+          <a:xfrm>
+            <a:off x="1512000" y="3456000"/>
+            <a:ext cx="2952000" cy="2021040"/>
+          </a:xfrm>
+          <a:prstGeom prst="rect">
+            <a:avLst/>
+          </a:prstGeom>
+          <a:ln>
+            <a:noFill/>
+          </a:ln>
+        </p:spPr>
+      </p:pic>
+    </p:spTree>
+  </p:cSld>
+  <mc:AlternateContent>
+    <mc:Choice Requires="p14">
+      <p:transition spd="slow" p14:dur="2000"/>
+    </mc:Choice>
+    <mc:Fallback>
+      <p:transition spd="slow"/>
+    </mc:Fallback>
+  </mc:AlternateContent>
+</p:sld>
+</file>
+
+<file path=ppt/slides/slide41.xml><?xml version="1.0" encoding="utf-8"?>
+<p:sld xmlns:a="http://schemas.openxmlformats.org/drawingml/2006/main" xmlns:p="http://schemas.openxmlformats.org/presentationml/2006/main" xmlns:r="http://schemas.openxmlformats.org/officeDocument/2006/relationships" xmlns:p14="http://schemas.microsoft.com/office/powerpoint/2010/main" xmlns:p15="http://schemas.microsoft.com/office/powerpoint/2012/main" xmlns:mc="http://schemas.openxmlformats.org/markup-compatibility/2006">
+  <p:cSld>
+    <p:spTree>
+      <p:nvGrpSpPr>
+        <p:cNvPr id="1" name=""/>
+        <p:cNvGrpSpPr/>
+        <p:nvPr/>
+      </p:nvGrpSpPr>
+      <p:grpSpPr>
+        <a:xfrm>
+          <a:off x="0" y="0"/>
+          <a:ext cx="0" cy="0"/>
+          <a:chOff x="0" y="0"/>
+          <a:chExt cx="0" cy="0"/>
+        </a:xfrm>
+      </p:grpSpPr>
+      <p:sp>
+        <p:nvSpPr>
+          <p:cNvPr id="198" name="CustomShape 1"/>
+          <p:cNvSpPr/>
+          <p:nvPr/>
+        </p:nvSpPr>
+        <p:spPr>
+          <a:xfrm>
+            <a:off x="504000" y="74160"/>
+            <a:ext cx="9070560" cy="1249200"/>
+          </a:xfrm>
+          <a:prstGeom prst="rect">
+            <a:avLst/>
+          </a:prstGeom>
+          <a:noFill/>
+          <a:ln>
+            <a:noFill/>
+          </a:ln>
+        </p:spPr>
+        <p:style>
+          <a:lnRef idx="0"/>
+          <a:fillRef idx="0"/>
+          <a:effectRef idx="0"/>
+          <a:fontRef idx="minor"/>
+        </p:style>
+        <p:txBody>
+          <a:bodyPr lIns="0" rIns="0" tIns="0" bIns="0" anchor="ctr">
+            <a:noAutofit/>
+          </a:bodyPr>
+          <a:p>
+            <a:pPr algn="ctr">
+              <a:lnSpc>
+                <a:spcPct val="100000"/>
+              </a:lnSpc>
+            </a:pPr>
+            <a:r>
+              <a:rPr b="0" lang="en-GB" sz="2800" spc="-1" strike="noStrike">
+                <a:solidFill>
+                  <a:srgbClr val="000000"/>
+                </a:solidFill>
+                <a:latin typeface="Arial"/>
+                <a:ea typeface="DejaVu Sans"/>
+              </a:rPr>
+              <a:t>SURF (CUDA) + FLANN, stereo.mp4</a:t>
+            </a:r>
+            <a:endParaRPr b="0" lang="en-GB" sz="2800" spc="-1" strike="noStrike">
+              <a:latin typeface="Arial"/>
+            </a:endParaRPr>
+          </a:p>
+        </p:txBody>
+      </p:sp>
+      <p:sp>
+        <p:nvSpPr>
+          <p:cNvPr id="199" name="CustomShape 2"/>
+          <p:cNvSpPr/>
+          <p:nvPr/>
+        </p:nvSpPr>
+        <p:spPr>
+          <a:xfrm>
+            <a:off x="504000" y="1326600"/>
+            <a:ext cx="9070560" cy="3287160"/>
+          </a:xfrm>
+          <a:prstGeom prst="rect">
+            <a:avLst/>
+          </a:prstGeom>
+          <a:noFill/>
+          <a:ln>
+            <a:noFill/>
+          </a:ln>
+        </p:spPr>
+        <p:style>
+          <a:lnRef idx="0"/>
+          <a:fillRef idx="0"/>
+          <a:effectRef idx="0"/>
+          <a:fontRef idx="minor"/>
+        </p:style>
+      </p:sp>
+      <p:pic>
+        <p:nvPicPr>
+          <p:cNvPr id="200" name="" descr=""/>
+          <p:cNvPicPr/>
+          <p:nvPr/>
+        </p:nvPicPr>
+        <p:blipFill>
+          <a:blip r:embed="rId1"/>
+          <a:stretch/>
+        </p:blipFill>
+        <p:spPr>
+          <a:xfrm>
+            <a:off x="1296000" y="1080000"/>
+            <a:ext cx="3312000" cy="2332800"/>
+          </a:xfrm>
+          <a:prstGeom prst="rect">
+            <a:avLst/>
+          </a:prstGeom>
+          <a:ln>
+            <a:noFill/>
+          </a:ln>
+        </p:spPr>
+      </p:pic>
+      <p:pic>
+        <p:nvPicPr>
+          <p:cNvPr id="201" name="" descr=""/>
+          <p:cNvPicPr/>
+          <p:nvPr/>
+        </p:nvPicPr>
+        <p:blipFill>
+          <a:blip r:embed="rId2"/>
+          <a:stretch/>
+        </p:blipFill>
+        <p:spPr>
+          <a:xfrm>
+            <a:off x="5040000" y="1080000"/>
+            <a:ext cx="3408480" cy="2376000"/>
+          </a:xfrm>
+          <a:prstGeom prst="rect">
+            <a:avLst/>
+          </a:prstGeom>
+          <a:ln>
+            <a:noFill/>
+          </a:ln>
+        </p:spPr>
+      </p:pic>
+      <p:pic>
+        <p:nvPicPr>
+          <p:cNvPr id="202" name="" descr=""/>
+          <p:cNvPicPr/>
+          <p:nvPr/>
+        </p:nvPicPr>
+        <p:blipFill>
+          <a:blip r:embed="rId3"/>
+          <a:stretch/>
+        </p:blipFill>
+        <p:spPr>
+          <a:xfrm>
+            <a:off x="1512000" y="3456000"/>
+            <a:ext cx="2952000" cy="2021040"/>
+          </a:xfrm>
+          <a:prstGeom prst="rect">
+            <a:avLst/>
+          </a:prstGeom>
+          <a:ln>
+            <a:noFill/>
+          </a:ln>
+        </p:spPr>
+      </p:pic>
+    </p:spTree>
+  </p:cSld>
+  <mc:AlternateContent>
+    <mc:Choice Requires="p14">
+      <p:transition spd="slow" p14:dur="2000"/>
+    </mc:Choice>
+    <mc:Fallback>
+      <p:transition spd="slow"/>
+    </mc:Fallback>
+  </mc:AlternateContent>
+</p:sld>
+</file>
+
+<file path=ppt/slides/slide42.xml><?xml version="1.0" encoding="utf-8"?>
+<p:sld xmlns:a="http://schemas.openxmlformats.org/drawingml/2006/main" xmlns:p="http://schemas.openxmlformats.org/presentationml/2006/main" xmlns:r="http://schemas.openxmlformats.org/officeDocument/2006/relationships" xmlns:p14="http://schemas.microsoft.com/office/powerpoint/2010/main" xmlns:p15="http://schemas.microsoft.com/office/powerpoint/2012/main" xmlns:mc="http://schemas.openxmlformats.org/markup-compatibility/2006">
+  <p:cSld>
+    <p:spTree>
+      <p:nvGrpSpPr>
+        <p:cNvPr id="1" name=""/>
+        <p:cNvGrpSpPr/>
+        <p:nvPr/>
+      </p:nvGrpSpPr>
+      <p:grpSpPr>
+        <a:xfrm>
+          <a:off x="0" y="0"/>
+          <a:ext cx="0" cy="0"/>
+          <a:chOff x="0" y="0"/>
+          <a:chExt cx="0" cy="0"/>
+        </a:xfrm>
+      </p:grpSpPr>
+      <p:sp>
+        <p:nvSpPr>
+          <p:cNvPr id="203" name="CustomShape 1"/>
+          <p:cNvSpPr/>
+          <p:nvPr/>
+        </p:nvSpPr>
+        <p:spPr>
+          <a:xfrm>
+            <a:off x="504000" y="74160"/>
+            <a:ext cx="9070560" cy="1249200"/>
+          </a:xfrm>
+          <a:prstGeom prst="rect">
+            <a:avLst/>
+          </a:prstGeom>
+          <a:noFill/>
+          <a:ln>
+            <a:noFill/>
+          </a:ln>
+        </p:spPr>
+        <p:style>
+          <a:lnRef idx="0"/>
+          <a:fillRef idx="0"/>
+          <a:effectRef idx="0"/>
+          <a:fontRef idx="minor"/>
+        </p:style>
+        <p:txBody>
+          <a:bodyPr lIns="0" rIns="0" tIns="0" bIns="0" anchor="ctr">
+            <a:noAutofit/>
+          </a:bodyPr>
+          <a:p>
+            <a:pPr algn="ctr">
+              <a:lnSpc>
+                <a:spcPct val="100000"/>
+              </a:lnSpc>
+            </a:pPr>
+            <a:r>
+              <a:rPr b="0" lang="en-GB" sz="2800" spc="-1" strike="noStrike">
+                <a:solidFill>
+                  <a:srgbClr val="000000"/>
+                </a:solidFill>
+                <a:latin typeface="Arial"/>
+                <a:ea typeface="DejaVu Sans"/>
+              </a:rPr>
+              <a:t>SURF (CUDA) + FLANN, icy_scarp.mp4</a:t>
+            </a:r>
+            <a:endParaRPr b="0" lang="en-GB" sz="2800" spc="-1" strike="noStrike">
+              <a:latin typeface="Arial"/>
+            </a:endParaRPr>
+          </a:p>
+        </p:txBody>
+      </p:sp>
+      <p:sp>
+        <p:nvSpPr>
+          <p:cNvPr id="204" name="CustomShape 2"/>
+          <p:cNvSpPr/>
+          <p:nvPr/>
+        </p:nvSpPr>
+        <p:spPr>
+          <a:xfrm>
+            <a:off x="504000" y="1326600"/>
+            <a:ext cx="9070560" cy="3287160"/>
+          </a:xfrm>
+          <a:prstGeom prst="rect">
+            <a:avLst/>
+          </a:prstGeom>
+          <a:noFill/>
+          <a:ln>
+            <a:noFill/>
+          </a:ln>
+        </p:spPr>
+        <p:style>
+          <a:lnRef idx="0"/>
+          <a:fillRef idx="0"/>
+          <a:effectRef idx="0"/>
+          <a:fontRef idx="minor"/>
+        </p:style>
+      </p:sp>
+      <p:pic>
+        <p:nvPicPr>
+          <p:cNvPr id="205" name="" descr=""/>
+          <p:cNvPicPr/>
+          <p:nvPr/>
+        </p:nvPicPr>
+        <p:blipFill>
+          <a:blip r:embed="rId1"/>
+          <a:stretch/>
+        </p:blipFill>
+        <p:spPr>
+          <a:xfrm>
+            <a:off x="1296000" y="1080000"/>
+            <a:ext cx="3312000" cy="2332800"/>
+          </a:xfrm>
+          <a:prstGeom prst="rect">
+            <a:avLst/>
+          </a:prstGeom>
+          <a:ln>
+            <a:noFill/>
+          </a:ln>
+        </p:spPr>
+      </p:pic>
+      <p:pic>
+        <p:nvPicPr>
+          <p:cNvPr id="206" name="" descr=""/>
+          <p:cNvPicPr/>
+          <p:nvPr/>
+        </p:nvPicPr>
+        <p:blipFill>
+          <a:blip r:embed="rId2"/>
+          <a:stretch/>
+        </p:blipFill>
+        <p:spPr>
+          <a:xfrm>
+            <a:off x="5040000" y="1080000"/>
+            <a:ext cx="3408480" cy="2376000"/>
+          </a:xfrm>
+          <a:prstGeom prst="rect">
+            <a:avLst/>
+          </a:prstGeom>
+          <a:ln>
+            <a:noFill/>
+          </a:ln>
+        </p:spPr>
+      </p:pic>
+      <p:pic>
+        <p:nvPicPr>
+          <p:cNvPr id="207" name="" descr=""/>
+          <p:cNvPicPr/>
+          <p:nvPr/>
+        </p:nvPicPr>
+        <p:blipFill>
+          <a:blip r:embed="rId3"/>
+          <a:stretch/>
+        </p:blipFill>
+        <p:spPr>
+          <a:xfrm>
+            <a:off x="1512000" y="3456000"/>
+            <a:ext cx="2952000" cy="2021040"/>
+          </a:xfrm>
+          <a:prstGeom prst="rect">
+            <a:avLst/>
+          </a:prstGeom>
+          <a:ln>
+            <a:noFill/>
+          </a:ln>
+        </p:spPr>
+      </p:pic>
+    </p:spTree>
+  </p:cSld>
+  <mc:AlternateContent>
+    <mc:Choice Requires="p14">
+      <p:transition spd="slow" p14:dur="2000"/>
+    </mc:Choice>
+    <mc:Fallback>
+      <p:transition spd="slow"/>
+    </mc:Fallback>
+  </mc:AlternateContent>
+</p:sld>
+</file>
+
+<file path=ppt/slides/slide43.xml><?xml version="1.0" encoding="utf-8"?>
+<p:sld xmlns:a="http://schemas.openxmlformats.org/drawingml/2006/main" xmlns:p="http://schemas.openxmlformats.org/presentationml/2006/main" xmlns:r="http://schemas.openxmlformats.org/officeDocument/2006/relationships" xmlns:p14="http://schemas.microsoft.com/office/powerpoint/2010/main" xmlns:p15="http://schemas.microsoft.com/office/powerpoint/2012/main" xmlns:mc="http://schemas.openxmlformats.org/markup-compatibility/2006">
+  <p:cSld>
+    <p:spTree>
+      <p:nvGrpSpPr>
+        <p:cNvPr id="1" name=""/>
+        <p:cNvGrpSpPr/>
+        <p:nvPr/>
+      </p:nvGrpSpPr>
+      <p:grpSpPr>
+        <a:xfrm>
+          <a:off x="0" y="0"/>
+          <a:ext cx="0" cy="0"/>
+          <a:chOff x="0" y="0"/>
+          <a:chExt cx="0" cy="0"/>
+        </a:xfrm>
+      </p:grpSpPr>
+      <p:sp>
+        <p:nvSpPr>
+          <p:cNvPr id="208" name="CustomShape 1"/>
+          <p:cNvSpPr/>
+          <p:nvPr/>
+        </p:nvSpPr>
+        <p:spPr>
+          <a:xfrm>
+            <a:off x="504000" y="74160"/>
+            <a:ext cx="9070560" cy="1249200"/>
+          </a:xfrm>
+          <a:prstGeom prst="rect">
+            <a:avLst/>
+          </a:prstGeom>
+          <a:noFill/>
+          <a:ln>
+            <a:noFill/>
+          </a:ln>
+        </p:spPr>
+        <p:style>
+          <a:lnRef idx="0"/>
+          <a:fillRef idx="0"/>
+          <a:effectRef idx="0"/>
+          <a:fontRef idx="minor"/>
+        </p:style>
+        <p:txBody>
+          <a:bodyPr lIns="0" rIns="0" tIns="0" bIns="0" anchor="ctr">
+            <a:noAutofit/>
+          </a:bodyPr>
+          <a:p>
+            <a:pPr algn="ctr">
+              <a:lnSpc>
+                <a:spcPct val="100000"/>
+              </a:lnSpc>
+            </a:pPr>
+            <a:r>
+              <a:rPr b="0" lang="en-GB" sz="2800" spc="-1" strike="noStrike">
+                <a:solidFill>
+                  <a:srgbClr val="000000"/>
+                </a:solidFill>
+                <a:latin typeface="Arial"/>
+                <a:ea typeface="DejaVu Sans"/>
+              </a:rPr>
+              <a:t>SURF (OpenCL) + FLANN, stereo.mp4</a:t>
+            </a:r>
+            <a:endParaRPr b="0" lang="en-GB" sz="2800" spc="-1" strike="noStrike">
+              <a:latin typeface="Arial"/>
+            </a:endParaRPr>
+          </a:p>
+        </p:txBody>
+      </p:sp>
+      <p:sp>
+        <p:nvSpPr>
+          <p:cNvPr id="209" name="CustomShape 2"/>
+          <p:cNvSpPr/>
+          <p:nvPr/>
+        </p:nvSpPr>
+        <p:spPr>
+          <a:xfrm>
+            <a:off x="504000" y="1326600"/>
+            <a:ext cx="9070560" cy="3287160"/>
+          </a:xfrm>
+          <a:prstGeom prst="rect">
+            <a:avLst/>
+          </a:prstGeom>
+          <a:noFill/>
+          <a:ln>
+            <a:noFill/>
+          </a:ln>
+        </p:spPr>
+        <p:style>
+          <a:lnRef idx="0"/>
+          <a:fillRef idx="0"/>
+          <a:effectRef idx="0"/>
+          <a:fontRef idx="minor"/>
+        </p:style>
+      </p:sp>
+      <p:pic>
+        <p:nvPicPr>
+          <p:cNvPr id="210" name="" descr=""/>
+          <p:cNvPicPr/>
+          <p:nvPr/>
+        </p:nvPicPr>
+        <p:blipFill>
+          <a:blip r:embed="rId1"/>
+          <a:stretch/>
+        </p:blipFill>
+        <p:spPr>
+          <a:xfrm>
+            <a:off x="1296000" y="1080000"/>
+            <a:ext cx="3312000" cy="2332800"/>
+          </a:xfrm>
+          <a:prstGeom prst="rect">
+            <a:avLst/>
+          </a:prstGeom>
+          <a:ln>
+            <a:noFill/>
+          </a:ln>
+        </p:spPr>
+      </p:pic>
+      <p:pic>
+        <p:nvPicPr>
+          <p:cNvPr id="211" name="" descr=""/>
+          <p:cNvPicPr/>
+          <p:nvPr/>
+        </p:nvPicPr>
+        <p:blipFill>
+          <a:blip r:embed="rId2"/>
+          <a:stretch/>
+        </p:blipFill>
+        <p:spPr>
+          <a:xfrm>
+            <a:off x="5040000" y="1080000"/>
+            <a:ext cx="3408480" cy="2376000"/>
+          </a:xfrm>
+          <a:prstGeom prst="rect">
+            <a:avLst/>
+          </a:prstGeom>
+          <a:ln>
+            <a:noFill/>
+          </a:ln>
+        </p:spPr>
+      </p:pic>
+      <p:pic>
+        <p:nvPicPr>
+          <p:cNvPr id="212" name="" descr=""/>
+          <p:cNvPicPr/>
+          <p:nvPr/>
+        </p:nvPicPr>
+        <p:blipFill>
+          <a:blip r:embed="rId3"/>
+          <a:stretch/>
+        </p:blipFill>
+        <p:spPr>
+          <a:xfrm>
+            <a:off x="1512000" y="3456000"/>
+            <a:ext cx="2952000" cy="2021040"/>
+          </a:xfrm>
+          <a:prstGeom prst="rect">
+            <a:avLst/>
+          </a:prstGeom>
+          <a:ln>
+            <a:noFill/>
+          </a:ln>
+        </p:spPr>
+      </p:pic>
+    </p:spTree>
+  </p:cSld>
+  <mc:AlternateContent>
+    <mc:Choice Requires="p14">
+      <p:transition spd="slow" p14:dur="2000"/>
+    </mc:Choice>
+    <mc:Fallback>
+      <p:transition spd="slow"/>
+    </mc:Fallback>
+  </mc:AlternateContent>
+</p:sld>
+</file>
+
+<file path=ppt/slides/slide44.xml><?xml version="1.0" encoding="utf-8"?>
+<p:sld xmlns:a="http://schemas.openxmlformats.org/drawingml/2006/main" xmlns:p="http://schemas.openxmlformats.org/presentationml/2006/main" xmlns:r="http://schemas.openxmlformats.org/officeDocument/2006/relationships" xmlns:p14="http://schemas.microsoft.com/office/powerpoint/2010/main" xmlns:p15="http://schemas.microsoft.com/office/powerpoint/2012/main" xmlns:mc="http://schemas.openxmlformats.org/markup-compatibility/2006">
+  <p:cSld>
+    <p:spTree>
+      <p:nvGrpSpPr>
+        <p:cNvPr id="1" name=""/>
+        <p:cNvGrpSpPr/>
+        <p:nvPr/>
+      </p:nvGrpSpPr>
+      <p:grpSpPr>
+        <a:xfrm>
+          <a:off x="0" y="0"/>
+          <a:ext cx="0" cy="0"/>
+          <a:chOff x="0" y="0"/>
+          <a:chExt cx="0" cy="0"/>
+        </a:xfrm>
+      </p:grpSpPr>
+      <p:sp>
+        <p:nvSpPr>
+          <p:cNvPr id="213" name="CustomShape 1"/>
+          <p:cNvSpPr/>
+          <p:nvPr/>
+        </p:nvSpPr>
+        <p:spPr>
+          <a:xfrm>
+            <a:off x="504000" y="74160"/>
+            <a:ext cx="9070560" cy="1249200"/>
+          </a:xfrm>
+          <a:prstGeom prst="rect">
+            <a:avLst/>
+          </a:prstGeom>
+          <a:noFill/>
+          <a:ln>
+            <a:noFill/>
+          </a:ln>
+        </p:spPr>
+        <p:style>
+          <a:lnRef idx="0"/>
+          <a:fillRef idx="0"/>
+          <a:effectRef idx="0"/>
+          <a:fontRef idx="minor"/>
+        </p:style>
+        <p:txBody>
+          <a:bodyPr lIns="0" rIns="0" tIns="0" bIns="0" anchor="ctr">
+            <a:noAutofit/>
+          </a:bodyPr>
+          <a:p>
+            <a:pPr algn="ctr">
+              <a:lnSpc>
+                <a:spcPct val="100000"/>
+              </a:lnSpc>
+            </a:pPr>
+            <a:r>
+              <a:rPr b="0" lang="en-GB" sz="2800" spc="-1" strike="noStrike">
+                <a:solidFill>
+                  <a:srgbClr val="000000"/>
+                </a:solidFill>
+                <a:latin typeface="Arial"/>
+                <a:ea typeface="DejaVu Sans"/>
+              </a:rPr>
+              <a:t>SURF (OpenCL) + FLANN, icy_scarp.mp4</a:t>
+            </a:r>
+            <a:endParaRPr b="0" lang="en-GB" sz="2800" spc="-1" strike="noStrike">
+              <a:latin typeface="Arial"/>
+            </a:endParaRPr>
+          </a:p>
+        </p:txBody>
+      </p:sp>
+      <p:sp>
+        <p:nvSpPr>
+          <p:cNvPr id="214" name="CustomShape 2"/>
+          <p:cNvSpPr/>
+          <p:nvPr/>
+        </p:nvSpPr>
+        <p:spPr>
+          <a:xfrm>
+            <a:off x="504000" y="1326600"/>
+            <a:ext cx="9070560" cy="3287160"/>
+          </a:xfrm>
+          <a:prstGeom prst="rect">
+            <a:avLst/>
+          </a:prstGeom>
+          <a:noFill/>
+          <a:ln>
+            <a:noFill/>
+          </a:ln>
+        </p:spPr>
+        <p:style>
+          <a:lnRef idx="0"/>
+          <a:fillRef idx="0"/>
+          <a:effectRef idx="0"/>
+          <a:fontRef idx="minor"/>
+        </p:style>
+      </p:sp>
+      <p:pic>
+        <p:nvPicPr>
+          <p:cNvPr id="215" name="" descr=""/>
+          <p:cNvPicPr/>
+          <p:nvPr/>
+        </p:nvPicPr>
+        <p:blipFill>
+          <a:blip r:embed="rId1"/>
+          <a:stretch/>
+        </p:blipFill>
+        <p:spPr>
+          <a:xfrm>
+            <a:off x="1296000" y="1080000"/>
+            <a:ext cx="3312000" cy="2332800"/>
+          </a:xfrm>
+          <a:prstGeom prst="rect">
+            <a:avLst/>
+          </a:prstGeom>
+          <a:ln>
+            <a:noFill/>
+          </a:ln>
+        </p:spPr>
+      </p:pic>
+      <p:pic>
+        <p:nvPicPr>
+          <p:cNvPr id="216" name="" descr=""/>
+          <p:cNvPicPr/>
+          <p:nvPr/>
+        </p:nvPicPr>
+        <p:blipFill>
+          <a:blip r:embed="rId2"/>
+          <a:stretch/>
+        </p:blipFill>
+        <p:spPr>
+          <a:xfrm>
+            <a:off x="5040000" y="1080000"/>
+            <a:ext cx="3408480" cy="2376000"/>
+          </a:xfrm>
+          <a:prstGeom prst="rect">
+            <a:avLst/>
+          </a:prstGeom>
+          <a:ln>
+            <a:noFill/>
+          </a:ln>
+        </p:spPr>
+      </p:pic>
+      <p:pic>
+        <p:nvPicPr>
+          <p:cNvPr id="217" name="" descr=""/>
+          <p:cNvPicPr/>
+          <p:nvPr/>
+        </p:nvPicPr>
+        <p:blipFill>
+          <a:blip r:embed="rId3"/>
+          <a:stretch/>
+        </p:blipFill>
+        <p:spPr>
+          <a:xfrm>
+            <a:off x="1512000" y="3456000"/>
+            <a:ext cx="2952000" cy="2021040"/>
+          </a:xfrm>
+          <a:prstGeom prst="rect">
+            <a:avLst/>
+          </a:prstGeom>
+          <a:ln>
+            <a:noFill/>
+          </a:ln>
+        </p:spPr>
+      </p:pic>
+    </p:spTree>
+  </p:cSld>
+  <mc:AlternateContent>
+    <mc:Choice Requires="p14">
+      <p:transition spd="slow" p14:dur="2000"/>
+    </mc:Choice>
+    <mc:Fallback>
+      <p:transition spd="slow"/>
+    </mc:Fallback>
+  </mc:AlternateContent>
+</p:sld>
+</file>
+
+<file path=ppt/slides/slide45.xml><?xml version="1.0" encoding="utf-8"?>
+<p:sld xmlns:a="http://schemas.openxmlformats.org/drawingml/2006/main" xmlns:p="http://schemas.openxmlformats.org/presentationml/2006/main" xmlns:r="http://schemas.openxmlformats.org/officeDocument/2006/relationships" xmlns:p14="http://schemas.microsoft.com/office/powerpoint/2010/main" xmlns:p15="http://schemas.microsoft.com/office/powerpoint/2012/main" xmlns:mc="http://schemas.openxmlformats.org/markup-compatibility/2006">
+  <p:cSld>
+    <p:spTree>
+      <p:nvGrpSpPr>
+        <p:cNvPr id="1" name=""/>
+        <p:cNvGrpSpPr/>
+        <p:nvPr/>
+      </p:nvGrpSpPr>
+      <p:grpSpPr>
+        <a:xfrm>
+          <a:off x="0" y="0"/>
+          <a:ext cx="0" cy="0"/>
+          <a:chOff x="0" y="0"/>
+          <a:chExt cx="0" cy="0"/>
+        </a:xfrm>
+      </p:grpSpPr>
+      <p:sp>
+        <p:nvSpPr>
+          <p:cNvPr id="218" name="CustomShape 1"/>
+          <p:cNvSpPr/>
+          <p:nvPr/>
+        </p:nvSpPr>
+        <p:spPr>
+          <a:xfrm>
+            <a:off x="504000" y="74160"/>
+            <a:ext cx="9070560" cy="1249200"/>
+          </a:xfrm>
+          <a:prstGeom prst="rect">
+            <a:avLst/>
+          </a:prstGeom>
+          <a:noFill/>
+          <a:ln>
+            <a:noFill/>
+          </a:ln>
+        </p:spPr>
+        <p:style>
+          <a:lnRef idx="0"/>
+          <a:fillRef idx="0"/>
+          <a:effectRef idx="0"/>
+          <a:fontRef idx="minor"/>
+        </p:style>
+        <p:txBody>
+          <a:bodyPr lIns="0" rIns="0" tIns="0" bIns="0" anchor="ctr">
+            <a:noAutofit/>
+          </a:bodyPr>
+          <a:p>
+            <a:pPr algn="ctr">
+              <a:lnSpc>
+                <a:spcPct val="100000"/>
+              </a:lnSpc>
+            </a:pPr>
+            <a:r>
+              <a:rPr b="0" lang="en-GB" sz="2800" spc="-1" strike="noStrike">
+                <a:solidFill>
+                  <a:srgbClr val="000000"/>
+                </a:solidFill>
+                <a:latin typeface="Arial"/>
+                <a:ea typeface="DejaVu Sans"/>
+              </a:rPr>
+              <a:t>ORB + FLANN, stereo.mp4</a:t>
+            </a:r>
+            <a:endParaRPr b="0" lang="en-GB" sz="2800" spc="-1" strike="noStrike">
+              <a:latin typeface="Arial"/>
+            </a:endParaRPr>
+          </a:p>
+        </p:txBody>
+      </p:sp>
+      <p:sp>
+        <p:nvSpPr>
+          <p:cNvPr id="219" name="CustomShape 2"/>
+          <p:cNvSpPr/>
+          <p:nvPr/>
+        </p:nvSpPr>
+        <p:spPr>
+          <a:xfrm>
+            <a:off x="504000" y="1326600"/>
+            <a:ext cx="9070560" cy="3287160"/>
+          </a:xfrm>
+          <a:prstGeom prst="rect">
+            <a:avLst/>
+          </a:prstGeom>
+          <a:noFill/>
+          <a:ln>
+            <a:noFill/>
+          </a:ln>
+        </p:spPr>
+        <p:style>
+          <a:lnRef idx="0"/>
+          <a:fillRef idx="0"/>
+          <a:effectRef idx="0"/>
+          <a:fontRef idx="minor"/>
+        </p:style>
+      </p:sp>
+      <p:pic>
+        <p:nvPicPr>
+          <p:cNvPr id="220" name="" descr=""/>
+          <p:cNvPicPr/>
+          <p:nvPr/>
+        </p:nvPicPr>
+        <p:blipFill>
+          <a:blip r:embed="rId1"/>
+          <a:stretch/>
+        </p:blipFill>
+        <p:spPr>
+          <a:xfrm>
+            <a:off x="1296000" y="1080000"/>
+            <a:ext cx="3312000" cy="2332800"/>
+          </a:xfrm>
+          <a:prstGeom prst="rect">
+            <a:avLst/>
+          </a:prstGeom>
+          <a:ln>
+            <a:noFill/>
+          </a:ln>
+        </p:spPr>
+      </p:pic>
+      <p:pic>
+        <p:nvPicPr>
+          <p:cNvPr id="221" name="" descr=""/>
+          <p:cNvPicPr/>
+          <p:nvPr/>
+        </p:nvPicPr>
+        <p:blipFill>
+          <a:blip r:embed="rId2"/>
+          <a:stretch/>
+        </p:blipFill>
+        <p:spPr>
+          <a:xfrm>
+            <a:off x="5040000" y="1080000"/>
+            <a:ext cx="3408480" cy="2376000"/>
+          </a:xfrm>
+          <a:prstGeom prst="rect">
+            <a:avLst/>
+          </a:prstGeom>
+          <a:ln>
+            <a:noFill/>
+          </a:ln>
+        </p:spPr>
+      </p:pic>
+      <p:pic>
+        <p:nvPicPr>
+          <p:cNvPr id="222" name="" descr=""/>
+          <p:cNvPicPr/>
+          <p:nvPr/>
+        </p:nvPicPr>
+        <p:blipFill>
+          <a:blip r:embed="rId3"/>
+          <a:stretch/>
+        </p:blipFill>
+        <p:spPr>
+          <a:xfrm>
+            <a:off x="1512000" y="3456000"/>
+            <a:ext cx="2952000" cy="2021040"/>
+          </a:xfrm>
+          <a:prstGeom prst="rect">
+            <a:avLst/>
+          </a:prstGeom>
+          <a:ln>
+            <a:noFill/>
+          </a:ln>
+        </p:spPr>
+      </p:pic>
+    </p:spTree>
+  </p:cSld>
+  <mc:AlternateContent>
+    <mc:Choice Requires="p14">
+      <p:transition spd="slow" p14:dur="2000"/>
+    </mc:Choice>
+    <mc:Fallback>
+      <p:transition spd="slow"/>
+    </mc:Fallback>
+  </mc:AlternateContent>
+</p:sld>
+</file>
+
+<file path=ppt/slides/slide46.xml><?xml version="1.0" encoding="utf-8"?>
+<p:sld xmlns:a="http://schemas.openxmlformats.org/drawingml/2006/main" xmlns:p="http://schemas.openxmlformats.org/presentationml/2006/main" xmlns:r="http://schemas.openxmlformats.org/officeDocument/2006/relationships" xmlns:p14="http://schemas.microsoft.com/office/powerpoint/2010/main" xmlns:p15="http://schemas.microsoft.com/office/powerpoint/2012/main" xmlns:mc="http://schemas.openxmlformats.org/markup-compatibility/2006">
+  <p:cSld>
+    <p:spTree>
+      <p:nvGrpSpPr>
+        <p:cNvPr id="1" name=""/>
+        <p:cNvGrpSpPr/>
+        <p:nvPr/>
+      </p:nvGrpSpPr>
+      <p:grpSpPr>
+        <a:xfrm>
+          <a:off x="0" y="0"/>
+          <a:ext cx="0" cy="0"/>
+          <a:chOff x="0" y="0"/>
+          <a:chExt cx="0" cy="0"/>
+        </a:xfrm>
+      </p:grpSpPr>
+      <p:sp>
+        <p:nvSpPr>
+          <p:cNvPr id="223" name="CustomShape 1"/>
+          <p:cNvSpPr/>
+          <p:nvPr/>
+        </p:nvSpPr>
+        <p:spPr>
+          <a:xfrm>
+            <a:off x="504000" y="74160"/>
+            <a:ext cx="9070560" cy="1249200"/>
+          </a:xfrm>
+          <a:prstGeom prst="rect">
+            <a:avLst/>
+          </a:prstGeom>
+          <a:noFill/>
+          <a:ln>
+            <a:noFill/>
+          </a:ln>
+        </p:spPr>
+        <p:style>
+          <a:lnRef idx="0"/>
+          <a:fillRef idx="0"/>
+          <a:effectRef idx="0"/>
+          <a:fontRef idx="minor"/>
+        </p:style>
+        <p:txBody>
+          <a:bodyPr lIns="0" rIns="0" tIns="0" bIns="0" anchor="ctr">
+            <a:noAutofit/>
+          </a:bodyPr>
+          <a:p>
+            <a:pPr algn="ctr">
+              <a:lnSpc>
+                <a:spcPct val="100000"/>
+              </a:lnSpc>
+            </a:pPr>
+            <a:r>
+              <a:rPr b="0" lang="en-GB" sz="2800" spc="-1" strike="noStrike">
+                <a:solidFill>
+                  <a:srgbClr val="000000"/>
+                </a:solidFill>
+                <a:latin typeface="Arial"/>
+                <a:ea typeface="DejaVu Sans"/>
+              </a:rPr>
+              <a:t>ORB + FLANN, icy_scarp.mp4</a:t>
+            </a:r>
+            <a:endParaRPr b="0" lang="en-GB" sz="2800" spc="-1" strike="noStrike">
+              <a:latin typeface="Arial"/>
+            </a:endParaRPr>
+          </a:p>
+        </p:txBody>
+      </p:sp>
+      <p:sp>
+        <p:nvSpPr>
+          <p:cNvPr id="224" name="CustomShape 2"/>
+          <p:cNvSpPr/>
+          <p:nvPr/>
+        </p:nvSpPr>
+        <p:spPr>
+          <a:xfrm>
+            <a:off x="504000" y="1326600"/>
+            <a:ext cx="9070560" cy="3287160"/>
+          </a:xfrm>
+          <a:prstGeom prst="rect">
+            <a:avLst/>
+          </a:prstGeom>
+          <a:noFill/>
+          <a:ln>
+            <a:noFill/>
+          </a:ln>
+        </p:spPr>
+        <p:style>
+          <a:lnRef idx="0"/>
+          <a:fillRef idx="0"/>
+          <a:effectRef idx="0"/>
+          <a:fontRef idx="minor"/>
+        </p:style>
+      </p:sp>
+      <p:pic>
+        <p:nvPicPr>
+          <p:cNvPr id="225" name="" descr=""/>
+          <p:cNvPicPr/>
+          <p:nvPr/>
+        </p:nvPicPr>
+        <p:blipFill>
+          <a:blip r:embed="rId1"/>
+          <a:stretch/>
+        </p:blipFill>
+        <p:spPr>
+          <a:xfrm>
+            <a:off x="1296000" y="1080000"/>
+            <a:ext cx="3312000" cy="2332800"/>
+          </a:xfrm>
+          <a:prstGeom prst="rect">
+            <a:avLst/>
+          </a:prstGeom>
+          <a:ln>
+            <a:noFill/>
+          </a:ln>
+        </p:spPr>
+      </p:pic>
+      <p:pic>
+        <p:nvPicPr>
+          <p:cNvPr id="226" name="" descr=""/>
+          <p:cNvPicPr/>
+          <p:nvPr/>
+        </p:nvPicPr>
+        <p:blipFill>
+          <a:blip r:embed="rId2"/>
+          <a:stretch/>
+        </p:blipFill>
+        <p:spPr>
+          <a:xfrm>
+            <a:off x="5040000" y="1080000"/>
+            <a:ext cx="3408480" cy="2376000"/>
+          </a:xfrm>
+          <a:prstGeom prst="rect">
+            <a:avLst/>
+          </a:prstGeom>
+          <a:ln>
+            <a:noFill/>
+          </a:ln>
+        </p:spPr>
+      </p:pic>
+      <p:pic>
+        <p:nvPicPr>
+          <p:cNvPr id="227" name="" descr=""/>
+          <p:cNvPicPr/>
+          <p:nvPr/>
+        </p:nvPicPr>
+        <p:blipFill>
+          <a:blip r:embed="rId3"/>
+          <a:stretch/>
+        </p:blipFill>
+        <p:spPr>
+          <a:xfrm>
+            <a:off x="1512000" y="3456000"/>
+            <a:ext cx="2952000" cy="2021040"/>
+          </a:xfrm>
+          <a:prstGeom prst="rect">
+            <a:avLst/>
+          </a:prstGeom>
+          <a:ln>
+            <a:noFill/>
+          </a:ln>
+        </p:spPr>
+      </p:pic>
+    </p:spTree>
+  </p:cSld>
+  <mc:AlternateContent>
+    <mc:Choice Requires="p14">
+      <p:transition spd="slow" p14:dur="2000"/>
+    </mc:Choice>
+    <mc:Fallback>
+      <p:transition spd="slow"/>
+    </mc:Fallback>
+  </mc:AlternateContent>
+</p:sld>
+</file>
+
+<file path=ppt/slides/slide47.xml><?xml version="1.0" encoding="utf-8"?>
+<p:sld xmlns:a="http://schemas.openxmlformats.org/drawingml/2006/main" xmlns:p="http://schemas.openxmlformats.org/presentationml/2006/main" xmlns:r="http://schemas.openxmlformats.org/officeDocument/2006/relationships" xmlns:p14="http://schemas.microsoft.com/office/powerpoint/2010/main" xmlns:p15="http://schemas.microsoft.com/office/powerpoint/2012/main" xmlns:mc="http://schemas.openxmlformats.org/markup-compatibility/2006">
+  <p:cSld>
+    <p:spTree>
+      <p:nvGrpSpPr>
+        <p:cNvPr id="1" name=""/>
+        <p:cNvGrpSpPr/>
+        <p:nvPr/>
+      </p:nvGrpSpPr>
+      <p:grpSpPr>
+        <a:xfrm>
+          <a:off x="0" y="0"/>
+          <a:ext cx="0" cy="0"/>
+          <a:chOff x="0" y="0"/>
+          <a:chExt cx="0" cy="0"/>
+        </a:xfrm>
+      </p:grpSpPr>
+      <p:sp>
+        <p:nvSpPr>
+          <p:cNvPr id="228" name="CustomShape 1"/>
+          <p:cNvSpPr/>
+          <p:nvPr/>
+        </p:nvSpPr>
+        <p:spPr>
+          <a:xfrm>
+            <a:off x="504000" y="74160"/>
+            <a:ext cx="9070560" cy="1249200"/>
+          </a:xfrm>
+          <a:prstGeom prst="rect">
+            <a:avLst/>
+          </a:prstGeom>
+          <a:noFill/>
+          <a:ln>
+            <a:noFill/>
+          </a:ln>
+        </p:spPr>
+        <p:style>
+          <a:lnRef idx="0"/>
+          <a:fillRef idx="0"/>
+          <a:effectRef idx="0"/>
+          <a:fontRef idx="minor"/>
+        </p:style>
+        <p:txBody>
+          <a:bodyPr lIns="0" rIns="0" tIns="0" bIns="0" anchor="ctr">
+            <a:noAutofit/>
+          </a:bodyPr>
+          <a:p>
+            <a:pPr algn="ctr">
+              <a:lnSpc>
+                <a:spcPct val="100000"/>
+              </a:lnSpc>
+            </a:pPr>
+            <a:r>
+              <a:rPr b="0" lang="en-GB" sz="2800" spc="-1" strike="noStrike">
+                <a:solidFill>
+                  <a:srgbClr val="000000"/>
+                </a:solidFill>
+                <a:latin typeface="Arial"/>
+                <a:ea typeface="DejaVu Sans"/>
+              </a:rPr>
+              <a:t>ORB (CUDA) + FLANN, stereo.mp4</a:t>
+            </a:r>
+            <a:endParaRPr b="0" lang="en-GB" sz="2800" spc="-1" strike="noStrike">
+              <a:latin typeface="Arial"/>
+            </a:endParaRPr>
+          </a:p>
+        </p:txBody>
+      </p:sp>
+      <p:sp>
+        <p:nvSpPr>
+          <p:cNvPr id="229" name="CustomShape 2"/>
+          <p:cNvSpPr/>
+          <p:nvPr/>
+        </p:nvSpPr>
+        <p:spPr>
+          <a:xfrm>
+            <a:off x="504000" y="1326600"/>
+            <a:ext cx="9070560" cy="3287160"/>
+          </a:xfrm>
+          <a:prstGeom prst="rect">
+            <a:avLst/>
+          </a:prstGeom>
+          <a:noFill/>
+          <a:ln>
+            <a:noFill/>
+          </a:ln>
+        </p:spPr>
+        <p:style>
+          <a:lnRef idx="0"/>
+          <a:fillRef idx="0"/>
+          <a:effectRef idx="0"/>
+          <a:fontRef idx="minor"/>
+        </p:style>
+      </p:sp>
+      <p:pic>
+        <p:nvPicPr>
+          <p:cNvPr id="230" name="" descr=""/>
+          <p:cNvPicPr/>
+          <p:nvPr/>
+        </p:nvPicPr>
+        <p:blipFill>
+          <a:blip r:embed="rId1"/>
+          <a:stretch/>
+        </p:blipFill>
+        <p:spPr>
+          <a:xfrm>
+            <a:off x="1296000" y="1080000"/>
+            <a:ext cx="3312000" cy="2332800"/>
+          </a:xfrm>
+          <a:prstGeom prst="rect">
+            <a:avLst/>
+          </a:prstGeom>
+          <a:ln>
+            <a:noFill/>
+          </a:ln>
+        </p:spPr>
+      </p:pic>
+      <p:pic>
+        <p:nvPicPr>
+          <p:cNvPr id="231" name="" descr=""/>
+          <p:cNvPicPr/>
+          <p:nvPr/>
+        </p:nvPicPr>
+        <p:blipFill>
+          <a:blip r:embed="rId2"/>
+          <a:stretch/>
+        </p:blipFill>
+        <p:spPr>
+          <a:xfrm>
+            <a:off x="5040000" y="1080000"/>
+            <a:ext cx="3408480" cy="2376000"/>
+          </a:xfrm>
+          <a:prstGeom prst="rect">
+            <a:avLst/>
+          </a:prstGeom>
+          <a:ln>
+            <a:noFill/>
+          </a:ln>
+        </p:spPr>
+      </p:pic>
+      <p:pic>
+        <p:nvPicPr>
+          <p:cNvPr id="232" name="" descr=""/>
+          <p:cNvPicPr/>
+          <p:nvPr/>
+        </p:nvPicPr>
+        <p:blipFill>
+          <a:blip r:embed="rId3"/>
+          <a:stretch/>
+        </p:blipFill>
+        <p:spPr>
+          <a:xfrm>
+            <a:off x="1512000" y="3456000"/>
+            <a:ext cx="2952000" cy="2021040"/>
+          </a:xfrm>
+          <a:prstGeom prst="rect">
+            <a:avLst/>
+          </a:prstGeom>
+          <a:ln>
+            <a:noFill/>
+          </a:ln>
+        </p:spPr>
+      </p:pic>
+    </p:spTree>
+  </p:cSld>
+  <mc:AlternateContent>
+    <mc:Choice Requires="p14">
+      <p:transition spd="slow" p14:dur="2000"/>
+    </mc:Choice>
+    <mc:Fallback>
+      <p:transition spd="slow"/>
+    </mc:Fallback>
+  </mc:AlternateContent>
+</p:sld>
+</file>
+
+<file path=ppt/slides/slide48.xml><?xml version="1.0" encoding="utf-8"?>
+<p:sld xmlns:a="http://schemas.openxmlformats.org/drawingml/2006/main" xmlns:p="http://schemas.openxmlformats.org/presentationml/2006/main" xmlns:r="http://schemas.openxmlformats.org/officeDocument/2006/relationships" xmlns:p14="http://schemas.microsoft.com/office/powerpoint/2010/main" xmlns:p15="http://schemas.microsoft.com/office/powerpoint/2012/main" xmlns:mc="http://schemas.openxmlformats.org/markup-compatibility/2006">
+  <p:cSld>
+    <p:spTree>
+      <p:nvGrpSpPr>
+        <p:cNvPr id="1" name=""/>
+        <p:cNvGrpSpPr/>
+        <p:nvPr/>
+      </p:nvGrpSpPr>
+      <p:grpSpPr>
+        <a:xfrm>
+          <a:off x="0" y="0"/>
+          <a:ext cx="0" cy="0"/>
+          <a:chOff x="0" y="0"/>
+          <a:chExt cx="0" cy="0"/>
+        </a:xfrm>
+      </p:grpSpPr>
+      <p:sp>
+        <p:nvSpPr>
+          <p:cNvPr id="233" name="CustomShape 1"/>
+          <p:cNvSpPr/>
+          <p:nvPr/>
+        </p:nvSpPr>
+        <p:spPr>
+          <a:xfrm>
+            <a:off x="504000" y="74160"/>
+            <a:ext cx="9070560" cy="1249200"/>
+          </a:xfrm>
+          <a:prstGeom prst="rect">
+            <a:avLst/>
+          </a:prstGeom>
+          <a:noFill/>
+          <a:ln>
+            <a:noFill/>
+          </a:ln>
+        </p:spPr>
+        <p:style>
+          <a:lnRef idx="0"/>
+          <a:fillRef idx="0"/>
+          <a:effectRef idx="0"/>
+          <a:fontRef idx="minor"/>
+        </p:style>
+        <p:txBody>
+          <a:bodyPr lIns="0" rIns="0" tIns="0" bIns="0" anchor="ctr">
+            <a:noAutofit/>
+          </a:bodyPr>
+          <a:p>
+            <a:pPr algn="ctr">
+              <a:lnSpc>
+                <a:spcPct val="100000"/>
+              </a:lnSpc>
+            </a:pPr>
+            <a:r>
+              <a:rPr b="0" lang="en-GB" sz="2800" spc="-1" strike="noStrike">
+                <a:solidFill>
+                  <a:srgbClr val="000000"/>
+                </a:solidFill>
+                <a:latin typeface="Arial"/>
+                <a:ea typeface="DejaVu Sans"/>
+              </a:rPr>
+              <a:t>ORB (CUDA) + FLANN, icy_scarp.mp4</a:t>
+            </a:r>
+            <a:endParaRPr b="0" lang="en-GB" sz="2800" spc="-1" strike="noStrike">
+              <a:latin typeface="Arial"/>
+            </a:endParaRPr>
+          </a:p>
+        </p:txBody>
+      </p:sp>
+      <p:sp>
+        <p:nvSpPr>
+          <p:cNvPr id="234" name="CustomShape 2"/>
+          <p:cNvSpPr/>
+          <p:nvPr/>
+        </p:nvSpPr>
+        <p:spPr>
+          <a:xfrm>
+            <a:off x="504000" y="1326600"/>
+            <a:ext cx="9070560" cy="3287160"/>
+          </a:xfrm>
+          <a:prstGeom prst="rect">
+            <a:avLst/>
+          </a:prstGeom>
+          <a:noFill/>
+          <a:ln>
+            <a:noFill/>
+          </a:ln>
+        </p:spPr>
+        <p:style>
+          <a:lnRef idx="0"/>
+          <a:fillRef idx="0"/>
+          <a:effectRef idx="0"/>
+          <a:fontRef idx="minor"/>
+        </p:style>
+      </p:sp>
+      <p:pic>
+        <p:nvPicPr>
+          <p:cNvPr id="235" name="" descr=""/>
+          <p:cNvPicPr/>
+          <p:nvPr/>
+        </p:nvPicPr>
+        <p:blipFill>
+          <a:blip r:embed="rId1"/>
+          <a:stretch/>
+        </p:blipFill>
+        <p:spPr>
+          <a:xfrm>
+            <a:off x="1296000" y="1080000"/>
+            <a:ext cx="3312000" cy="2332800"/>
+          </a:xfrm>
+          <a:prstGeom prst="rect">
+            <a:avLst/>
+          </a:prstGeom>
+          <a:ln>
+            <a:noFill/>
+          </a:ln>
+        </p:spPr>
+      </p:pic>
+      <p:pic>
+        <p:nvPicPr>
+          <p:cNvPr id="236" name="" descr=""/>
+          <p:cNvPicPr/>
+          <p:nvPr/>
+        </p:nvPicPr>
+        <p:blipFill>
+          <a:blip r:embed="rId2"/>
+          <a:stretch/>
+        </p:blipFill>
+        <p:spPr>
+          <a:xfrm>
+            <a:off x="5040000" y="1080000"/>
+            <a:ext cx="3408480" cy="2376000"/>
+          </a:xfrm>
+          <a:prstGeom prst="rect">
+            <a:avLst/>
+          </a:prstGeom>
+          <a:ln>
+            <a:noFill/>
+          </a:ln>
+        </p:spPr>
+      </p:pic>
+      <p:pic>
+        <p:nvPicPr>
+          <p:cNvPr id="237" name="" descr=""/>
+          <p:cNvPicPr/>
+          <p:nvPr/>
+        </p:nvPicPr>
+        <p:blipFill>
+          <a:blip r:embed="rId3"/>
+          <a:stretch/>
+        </p:blipFill>
+        <p:spPr>
+          <a:xfrm>
+            <a:off x="1512000" y="3456000"/>
+            <a:ext cx="2952000" cy="2021040"/>
+          </a:xfrm>
+          <a:prstGeom prst="rect">
+            <a:avLst/>
+          </a:prstGeom>
+          <a:ln>
+            <a:noFill/>
+          </a:ln>
+        </p:spPr>
+      </p:pic>
+    </p:spTree>
+  </p:cSld>
+  <mc:AlternateContent>
+    <mc:Choice Requires="p14">
+      <p:transition spd="slow" p14:dur="2000"/>
+    </mc:Choice>
+    <mc:Fallback>
+      <p:transition spd="slow"/>
+    </mc:Fallback>
+  </mc:AlternateContent>
+</p:sld>
+</file>
+
+<file path=ppt/slides/slide49.xml><?xml version="1.0" encoding="utf-8"?>
+<p:sld xmlns:a="http://schemas.openxmlformats.org/drawingml/2006/main" xmlns:p="http://schemas.openxmlformats.org/presentationml/2006/main" xmlns:r="http://schemas.openxmlformats.org/officeDocument/2006/relationships" xmlns:p14="http://schemas.microsoft.com/office/powerpoint/2010/main" xmlns:p15="http://schemas.microsoft.com/office/powerpoint/2012/main" xmlns:mc="http://schemas.openxmlformats.org/markup-compatibility/2006">
+  <p:cSld>
+    <p:spTree>
+      <p:nvGrpSpPr>
+        <p:cNvPr id="1" name=""/>
+        <p:cNvGrpSpPr/>
+        <p:nvPr/>
+      </p:nvGrpSpPr>
+      <p:grpSpPr>
+        <a:xfrm>
+          <a:off x="0" y="0"/>
+          <a:ext cx="0" cy="0"/>
+          <a:chOff x="0" y="0"/>
+          <a:chExt cx="0" cy="0"/>
+        </a:xfrm>
+      </p:grpSpPr>
+      <p:sp>
+        <p:nvSpPr>
+          <p:cNvPr id="238" name="CustomShape 1"/>
+          <p:cNvSpPr/>
+          <p:nvPr/>
+        </p:nvSpPr>
+        <p:spPr>
+          <a:xfrm>
+            <a:off x="504000" y="74160"/>
+            <a:ext cx="9070560" cy="1249200"/>
+          </a:xfrm>
+          <a:prstGeom prst="rect">
+            <a:avLst/>
+          </a:prstGeom>
+          <a:noFill/>
+          <a:ln>
+            <a:noFill/>
+          </a:ln>
+        </p:spPr>
+        <p:style>
+          <a:lnRef idx="0"/>
+          <a:fillRef idx="0"/>
+          <a:effectRef idx="0"/>
+          <a:fontRef idx="minor"/>
+        </p:style>
+        <p:txBody>
+          <a:bodyPr lIns="0" rIns="0" tIns="0" bIns="0" anchor="ctr">
+            <a:noAutofit/>
+          </a:bodyPr>
+          <a:p>
+            <a:pPr algn="ctr">
+              <a:lnSpc>
+                <a:spcPct val="100000"/>
+              </a:lnSpc>
+            </a:pPr>
+            <a:r>
+              <a:rPr b="0" lang="en-GB" sz="2800" spc="-1" strike="noStrike">
+                <a:solidFill>
+                  <a:srgbClr val="000000"/>
+                </a:solidFill>
+                <a:latin typeface="Arial"/>
+                <a:ea typeface="DejaVu Sans"/>
+              </a:rPr>
+              <a:t>ORB (OpenCL) + FLANN, stereo.mp4</a:t>
+            </a:r>
+            <a:endParaRPr b="0" lang="en-GB" sz="2800" spc="-1" strike="noStrike">
+              <a:latin typeface="Arial"/>
+            </a:endParaRPr>
+          </a:p>
+        </p:txBody>
+      </p:sp>
+      <p:sp>
+        <p:nvSpPr>
+          <p:cNvPr id="239" name="CustomShape 2"/>
+          <p:cNvSpPr/>
+          <p:nvPr/>
+        </p:nvSpPr>
+        <p:spPr>
+          <a:xfrm>
+            <a:off x="504000" y="1326600"/>
+            <a:ext cx="9070560" cy="3287160"/>
+          </a:xfrm>
+          <a:prstGeom prst="rect">
+            <a:avLst/>
+          </a:prstGeom>
+          <a:noFill/>
+          <a:ln>
+            <a:noFill/>
+          </a:ln>
+        </p:spPr>
+        <p:style>
+          <a:lnRef idx="0"/>
+          <a:fillRef idx="0"/>
+          <a:effectRef idx="0"/>
+          <a:fontRef idx="minor"/>
+        </p:style>
+      </p:sp>
+      <p:pic>
+        <p:nvPicPr>
+          <p:cNvPr id="240" name="" descr=""/>
+          <p:cNvPicPr/>
+          <p:nvPr/>
+        </p:nvPicPr>
+        <p:blipFill>
+          <a:blip r:embed="rId1"/>
+          <a:stretch/>
+        </p:blipFill>
+        <p:spPr>
+          <a:xfrm>
+            <a:off x="1296000" y="1080000"/>
+            <a:ext cx="3312000" cy="2332800"/>
+          </a:xfrm>
+          <a:prstGeom prst="rect">
+            <a:avLst/>
+          </a:prstGeom>
+          <a:ln>
+            <a:noFill/>
+          </a:ln>
+        </p:spPr>
+      </p:pic>
+      <p:pic>
+        <p:nvPicPr>
+          <p:cNvPr id="241" name="" descr=""/>
+          <p:cNvPicPr/>
+          <p:nvPr/>
+        </p:nvPicPr>
+        <p:blipFill>
+          <a:blip r:embed="rId2"/>
+          <a:stretch/>
+        </p:blipFill>
+        <p:spPr>
+          <a:xfrm>
+            <a:off x="5040000" y="1080000"/>
+            <a:ext cx="3408480" cy="2376000"/>
+          </a:xfrm>
+          <a:prstGeom prst="rect">
+            <a:avLst/>
+          </a:prstGeom>
+          <a:ln>
+            <a:noFill/>
+          </a:ln>
+        </p:spPr>
+      </p:pic>
+      <p:pic>
+        <p:nvPicPr>
+          <p:cNvPr id="242" name="" descr=""/>
+          <p:cNvPicPr/>
+          <p:nvPr/>
+        </p:nvPicPr>
+        <p:blipFill>
+          <a:blip r:embed="rId3"/>
+          <a:stretch/>
+        </p:blipFill>
+        <p:spPr>
+          <a:xfrm>
+            <a:off x="1512000" y="3456000"/>
+            <a:ext cx="2952000" cy="2021040"/>
+          </a:xfrm>
+          <a:prstGeom prst="rect">
+            <a:avLst/>
+          </a:prstGeom>
+          <a:ln>
+            <a:noFill/>
+          </a:ln>
+        </p:spPr>
+      </p:pic>
+    </p:spTree>
+  </p:cSld>
+  <mc:AlternateContent>
+    <mc:Choice Requires="p14">
+      <p:transition spd="slow" p14:dur="2000"/>
+    </mc:Choice>
+    <mc:Fallback>
+      <p:transition spd="slow"/>
+    </mc:Fallback>
+  </mc:AlternateContent>
+</p:sld>
+</file>
+
 <file path=ppt/slides/slide5.xml><?xml version="1.0" encoding="utf-8"?>
 <p:sld xmlns:a="http://schemas.openxmlformats.org/drawingml/2006/main" xmlns:p="http://schemas.openxmlformats.org/presentationml/2006/main" xmlns:r="http://schemas.openxmlformats.org/officeDocument/2006/relationships" xmlns:p14="http://schemas.microsoft.com/office/powerpoint/2010/main" xmlns:p15="http://schemas.microsoft.com/office/powerpoint/2012/main" xmlns:mc="http://schemas.openxmlformats.org/markup-compatibility/2006">
   <p:cSld>
@@ -10979,6 +13971,404 @@
           </a:ln>
         </p:spPr>
       </p:pic>
+    </p:spTree>
+  </p:cSld>
+  <mc:AlternateContent>
+    <mc:Choice Requires="p14">
+      <p:transition spd="slow" p14:dur="2000"/>
+    </mc:Choice>
+    <mc:Fallback>
+      <p:transition spd="slow"/>
+    </mc:Fallback>
+  </mc:AlternateContent>
+</p:sld>
+</file>
+
+<file path=ppt/slides/slide50.xml><?xml version="1.0" encoding="utf-8"?>
+<p:sld xmlns:a="http://schemas.openxmlformats.org/drawingml/2006/main" xmlns:p="http://schemas.openxmlformats.org/presentationml/2006/main" xmlns:r="http://schemas.openxmlformats.org/officeDocument/2006/relationships" xmlns:p14="http://schemas.microsoft.com/office/powerpoint/2010/main" xmlns:p15="http://schemas.microsoft.com/office/powerpoint/2012/main" xmlns:mc="http://schemas.openxmlformats.org/markup-compatibility/2006">
+  <p:cSld>
+    <p:spTree>
+      <p:nvGrpSpPr>
+        <p:cNvPr id="1" name=""/>
+        <p:cNvGrpSpPr/>
+        <p:nvPr/>
+      </p:nvGrpSpPr>
+      <p:grpSpPr>
+        <a:xfrm>
+          <a:off x="0" y="0"/>
+          <a:ext cx="0" cy="0"/>
+          <a:chOff x="0" y="0"/>
+          <a:chExt cx="0" cy="0"/>
+        </a:xfrm>
+      </p:grpSpPr>
+      <p:sp>
+        <p:nvSpPr>
+          <p:cNvPr id="243" name="CustomShape 1"/>
+          <p:cNvSpPr/>
+          <p:nvPr/>
+        </p:nvSpPr>
+        <p:spPr>
+          <a:xfrm>
+            <a:off x="504000" y="74160"/>
+            <a:ext cx="9070560" cy="1249200"/>
+          </a:xfrm>
+          <a:prstGeom prst="rect">
+            <a:avLst/>
+          </a:prstGeom>
+          <a:noFill/>
+          <a:ln>
+            <a:noFill/>
+          </a:ln>
+        </p:spPr>
+        <p:style>
+          <a:lnRef idx="0"/>
+          <a:fillRef idx="0"/>
+          <a:effectRef idx="0"/>
+          <a:fontRef idx="minor"/>
+        </p:style>
+        <p:txBody>
+          <a:bodyPr lIns="0" rIns="0" tIns="0" bIns="0" anchor="ctr">
+            <a:noAutofit/>
+          </a:bodyPr>
+          <a:p>
+            <a:pPr algn="ctr">
+              <a:lnSpc>
+                <a:spcPct val="100000"/>
+              </a:lnSpc>
+            </a:pPr>
+            <a:r>
+              <a:rPr b="0" lang="en-GB" sz="2800" spc="-1" strike="noStrike">
+                <a:solidFill>
+                  <a:srgbClr val="000000"/>
+                </a:solidFill>
+                <a:latin typeface="Arial"/>
+                <a:ea typeface="DejaVu Sans"/>
+              </a:rPr>
+              <a:t>ORB (OpenCL) + FLANN, icy_scarp.mp4</a:t>
+            </a:r>
+            <a:endParaRPr b="0" lang="en-GB" sz="2800" spc="-1" strike="noStrike">
+              <a:latin typeface="Arial"/>
+            </a:endParaRPr>
+          </a:p>
+        </p:txBody>
+      </p:sp>
+      <p:sp>
+        <p:nvSpPr>
+          <p:cNvPr id="244" name="CustomShape 2"/>
+          <p:cNvSpPr/>
+          <p:nvPr/>
+        </p:nvSpPr>
+        <p:spPr>
+          <a:xfrm>
+            <a:off x="504000" y="1326600"/>
+            <a:ext cx="9070560" cy="3287160"/>
+          </a:xfrm>
+          <a:prstGeom prst="rect">
+            <a:avLst/>
+          </a:prstGeom>
+          <a:noFill/>
+          <a:ln>
+            <a:noFill/>
+          </a:ln>
+        </p:spPr>
+        <p:style>
+          <a:lnRef idx="0"/>
+          <a:fillRef idx="0"/>
+          <a:effectRef idx="0"/>
+          <a:fontRef idx="minor"/>
+        </p:style>
+      </p:sp>
+      <p:pic>
+        <p:nvPicPr>
+          <p:cNvPr id="245" name="" descr=""/>
+          <p:cNvPicPr/>
+          <p:nvPr/>
+        </p:nvPicPr>
+        <p:blipFill>
+          <a:blip r:embed="rId1"/>
+          <a:stretch/>
+        </p:blipFill>
+        <p:spPr>
+          <a:xfrm>
+            <a:off x="1296000" y="1080000"/>
+            <a:ext cx="3312000" cy="2332800"/>
+          </a:xfrm>
+          <a:prstGeom prst="rect">
+            <a:avLst/>
+          </a:prstGeom>
+          <a:ln>
+            <a:noFill/>
+          </a:ln>
+        </p:spPr>
+      </p:pic>
+      <p:pic>
+        <p:nvPicPr>
+          <p:cNvPr id="246" name="" descr=""/>
+          <p:cNvPicPr/>
+          <p:nvPr/>
+        </p:nvPicPr>
+        <p:blipFill>
+          <a:blip r:embed="rId2"/>
+          <a:stretch/>
+        </p:blipFill>
+        <p:spPr>
+          <a:xfrm>
+            <a:off x="5040000" y="1080000"/>
+            <a:ext cx="3408480" cy="2376000"/>
+          </a:xfrm>
+          <a:prstGeom prst="rect">
+            <a:avLst/>
+          </a:prstGeom>
+          <a:ln>
+            <a:noFill/>
+          </a:ln>
+        </p:spPr>
+      </p:pic>
+      <p:pic>
+        <p:nvPicPr>
+          <p:cNvPr id="247" name="" descr=""/>
+          <p:cNvPicPr/>
+          <p:nvPr/>
+        </p:nvPicPr>
+        <p:blipFill>
+          <a:blip r:embed="rId3"/>
+          <a:stretch/>
+        </p:blipFill>
+        <p:spPr>
+          <a:xfrm>
+            <a:off x="1512000" y="3456000"/>
+            <a:ext cx="2952000" cy="2021040"/>
+          </a:xfrm>
+          <a:prstGeom prst="rect">
+            <a:avLst/>
+          </a:prstGeom>
+          <a:ln>
+            <a:noFill/>
+          </a:ln>
+        </p:spPr>
+      </p:pic>
+    </p:spTree>
+  </p:cSld>
+  <mc:AlternateContent>
+    <mc:Choice Requires="p14">
+      <p:transition spd="slow" p14:dur="2000"/>
+    </mc:Choice>
+    <mc:Fallback>
+      <p:transition spd="slow"/>
+    </mc:Fallback>
+  </mc:AlternateContent>
+</p:sld>
+</file>
+
+<file path=ppt/slides/slide51.xml><?xml version="1.0" encoding="utf-8"?>
+<p:sld xmlns:a="http://schemas.openxmlformats.org/drawingml/2006/main" xmlns:p="http://schemas.openxmlformats.org/presentationml/2006/main" xmlns:r="http://schemas.openxmlformats.org/officeDocument/2006/relationships" xmlns:p14="http://schemas.microsoft.com/office/powerpoint/2010/main" xmlns:p15="http://schemas.microsoft.com/office/powerpoint/2012/main" xmlns:mc="http://schemas.openxmlformats.org/markup-compatibility/2006">
+  <p:cSld>
+    <p:spTree>
+      <p:nvGrpSpPr>
+        <p:cNvPr id="1" name=""/>
+        <p:cNvGrpSpPr/>
+        <p:nvPr/>
+      </p:nvGrpSpPr>
+      <p:grpSpPr>
+        <a:xfrm>
+          <a:off x="0" y="0"/>
+          <a:ext cx="0" cy="0"/>
+          <a:chOff x="0" y="0"/>
+          <a:chExt cx="0" cy="0"/>
+        </a:xfrm>
+      </p:grpSpPr>
+      <p:sp>
+        <p:nvSpPr>
+          <p:cNvPr id="248" name="CustomShape 1"/>
+          <p:cNvSpPr/>
+          <p:nvPr/>
+        </p:nvSpPr>
+        <p:spPr>
+          <a:xfrm>
+            <a:off x="504000" y="226080"/>
+            <a:ext cx="9070560" cy="945360"/>
+          </a:xfrm>
+          <a:prstGeom prst="rect">
+            <a:avLst/>
+          </a:prstGeom>
+          <a:noFill/>
+          <a:ln>
+            <a:noFill/>
+          </a:ln>
+        </p:spPr>
+        <p:style>
+          <a:lnRef idx="0"/>
+          <a:fillRef idx="0"/>
+          <a:effectRef idx="0"/>
+          <a:fontRef idx="minor"/>
+        </p:style>
+        <p:txBody>
+          <a:bodyPr lIns="0" rIns="0" tIns="0" bIns="0" anchor="ctr">
+            <a:noAutofit/>
+          </a:bodyPr>
+          <a:p>
+            <a:pPr algn="ctr">
+              <a:lnSpc>
+                <a:spcPct val="100000"/>
+              </a:lnSpc>
+            </a:pPr>
+            <a:r>
+              <a:rPr b="0" lang="en-GB" sz="4400" spc="-1" strike="noStrike">
+                <a:solidFill>
+                  <a:srgbClr val="000000"/>
+                </a:solidFill>
+                <a:latin typeface="Arial"/>
+                <a:ea typeface="DejaVu Sans"/>
+              </a:rPr>
+              <a:t>Интерпретация результатов</a:t>
+            </a:r>
+            <a:endParaRPr b="0" lang="en-GB" sz="4400" spc="-1" strike="noStrike">
+              <a:latin typeface="Arial"/>
+            </a:endParaRPr>
+          </a:p>
+        </p:txBody>
+      </p:sp>
+      <p:sp>
+        <p:nvSpPr>
+          <p:cNvPr id="249" name="CustomShape 2"/>
+          <p:cNvSpPr/>
+          <p:nvPr/>
+        </p:nvSpPr>
+        <p:spPr>
+          <a:xfrm>
+            <a:off x="504000" y="1326600"/>
+            <a:ext cx="9070560" cy="3287160"/>
+          </a:xfrm>
+          <a:prstGeom prst="rect">
+            <a:avLst/>
+          </a:prstGeom>
+          <a:noFill/>
+          <a:ln>
+            <a:noFill/>
+          </a:ln>
+        </p:spPr>
+        <p:style>
+          <a:lnRef idx="0"/>
+          <a:fillRef idx="0"/>
+          <a:effectRef idx="0"/>
+          <a:fontRef idx="minor"/>
+        </p:style>
+        <p:txBody>
+          <a:bodyPr lIns="0" rIns="0" tIns="0" bIns="0">
+            <a:normAutofit/>
+          </a:bodyPr>
+          <a:p>
+            <a:pPr marL="432000" indent="-322920">
+              <a:lnSpc>
+                <a:spcPct val="100000"/>
+              </a:lnSpc>
+              <a:spcBef>
+                <a:spcPts val="1417"/>
+              </a:spcBef>
+              <a:buClr>
+                <a:srgbClr val="000000"/>
+              </a:buClr>
+              <a:buSzPct val="45000"/>
+              <a:buFont typeface="Wingdings" charset="2"/>
+              <a:buChar char=""/>
+            </a:pPr>
+            <a:r>
+              <a:rPr b="0" lang="en-GB" sz="3200" spc="-1" strike="noStrike">
+                <a:solidFill>
+                  <a:srgbClr val="000000"/>
+                </a:solidFill>
+                <a:latin typeface="Arial"/>
+                <a:ea typeface="DejaVu Sans"/>
+              </a:rPr>
+              <a:t>...</a:t>
+            </a:r>
+            <a:endParaRPr b="0" lang="en-GB" sz="3200" spc="-1" strike="noStrike">
+              <a:latin typeface="Arial"/>
+            </a:endParaRPr>
+          </a:p>
+        </p:txBody>
+      </p:sp>
+    </p:spTree>
+  </p:cSld>
+  <mc:AlternateContent>
+    <mc:Choice Requires="p14">
+      <p:transition spd="slow" p14:dur="2000"/>
+    </mc:Choice>
+    <mc:Fallback>
+      <p:transition spd="slow"/>
+    </mc:Fallback>
+  </mc:AlternateContent>
+</p:sld>
+</file>
+
+<file path=ppt/slides/slide52.xml><?xml version="1.0" encoding="utf-8"?>
+<p:sld xmlns:a="http://schemas.openxmlformats.org/drawingml/2006/main" xmlns:p="http://schemas.openxmlformats.org/presentationml/2006/main" xmlns:r="http://schemas.openxmlformats.org/officeDocument/2006/relationships" xmlns:p14="http://schemas.microsoft.com/office/powerpoint/2010/main" xmlns:p15="http://schemas.microsoft.com/office/powerpoint/2012/main" xmlns:mc="http://schemas.openxmlformats.org/markup-compatibility/2006">
+  <p:cSld>
+    <p:spTree>
+      <p:nvGrpSpPr>
+        <p:cNvPr id="1" name=""/>
+        <p:cNvGrpSpPr/>
+        <p:nvPr/>
+      </p:nvGrpSpPr>
+      <p:grpSpPr>
+        <a:xfrm>
+          <a:off x="0" y="0"/>
+          <a:ext cx="0" cy="0"/>
+          <a:chOff x="0" y="0"/>
+          <a:chExt cx="0" cy="0"/>
+        </a:xfrm>
+      </p:grpSpPr>
+      <p:sp>
+        <p:nvSpPr>
+          <p:cNvPr id="250" name="CustomShape 1"/>
+          <p:cNvSpPr/>
+          <p:nvPr/>
+        </p:nvSpPr>
+        <p:spPr>
+          <a:xfrm>
+            <a:off x="504000" y="2221560"/>
+            <a:ext cx="9070560" cy="945360"/>
+          </a:xfrm>
+          <a:prstGeom prst="rect">
+            <a:avLst/>
+          </a:prstGeom>
+          <a:noFill/>
+          <a:ln>
+            <a:noFill/>
+          </a:ln>
+        </p:spPr>
+        <p:style>
+          <a:lnRef idx="0"/>
+          <a:fillRef idx="0"/>
+          <a:effectRef idx="0"/>
+          <a:fontRef idx="minor"/>
+        </p:style>
+        <p:txBody>
+          <a:bodyPr lIns="0" rIns="0" tIns="0" bIns="0" anchor="ctr">
+            <a:noAutofit/>
+          </a:bodyPr>
+          <a:p>
+            <a:pPr algn="ctr">
+              <a:lnSpc>
+                <a:spcPct val="100000"/>
+              </a:lnSpc>
+            </a:pPr>
+            <a:r>
+              <a:rPr b="0" lang="en-GB" sz="4400" spc="-1" strike="noStrike">
+                <a:solidFill>
+                  <a:srgbClr val="000000"/>
+                </a:solidFill>
+                <a:latin typeface="Arial"/>
+                <a:ea typeface="DejaVu Sans"/>
+              </a:rPr>
+              <a:t>Спасибо за внимание</a:t>
+            </a:r>
+            <a:endParaRPr b="0" lang="en-GB" sz="4400" spc="-1" strike="noStrike">
+              <a:latin typeface="Arial"/>
+            </a:endParaRPr>
+          </a:p>
+        </p:txBody>
+      </p:sp>
     </p:spTree>
   </p:cSld>
   <mc:AlternateContent>
@@ -11103,7 +14493,7 @@
                 <a:latin typeface="Arial"/>
                 <a:ea typeface="DejaVu Sans"/>
               </a:rPr>
-              <a:t>20201113_1516_Cam_1_15_00.mp4</a:t>
+              <a:t>stereo.mp4</a:t>
             </a:r>
             <a:endParaRPr b="0" lang="en-GB" sz="1800" spc="-1" strike="noStrike">
               <a:latin typeface="Arial"/>
@@ -11164,6 +14554,36 @@
                 <a:ea typeface="DejaVu Sans"/>
               </a:rPr>
               <a:t>Размер кадра: 4928x2056</a:t>
+            </a:r>
+            <a:endParaRPr b="0" lang="en-GB" sz="1800" spc="-1" strike="noStrike">
+              <a:latin typeface="Arial"/>
+            </a:endParaRPr>
+          </a:p>
+          <a:p>
+            <a:pPr>
+              <a:lnSpc>
+                <a:spcPct val="100000"/>
+              </a:lnSpc>
+            </a:pPr>
+            <a:endParaRPr b="0" lang="en-GB" sz="1800" spc="-1" strike="noStrike">
+              <a:latin typeface="Arial"/>
+            </a:endParaRPr>
+          </a:p>
+          <a:p>
+            <a:pPr>
+              <a:lnSpc>
+                <a:spcPct val="100000"/>
+              </a:lnSpc>
+            </a:pPr>
+            <a:r>
+              <a:rPr b="0" lang="en-GB" sz="1800" spc="-1" strike="noStrike">
+                <a:solidFill>
+                  <a:srgbClr val="000000"/>
+                </a:solidFill>
+                <a:latin typeface="Arial"/>
+                <a:ea typeface="DejaVu Sans"/>
+              </a:rPr>
+              <a:t>Частота кадров: 25 кадров в секунду</a:t>
             </a:r>
             <a:endParaRPr b="0" lang="en-GB" sz="1800" spc="-1" strike="noStrike">
               <a:latin typeface="Arial"/>
@@ -11379,6 +14799,36 @@
                 <a:ea typeface="DejaVu Sans"/>
               </a:rPr>
               <a:t>Размер кадра: 1920x1080</a:t>
+            </a:r>
+            <a:endParaRPr b="0" lang="en-GB" sz="1800" spc="-1" strike="noStrike">
+              <a:latin typeface="Arial"/>
+            </a:endParaRPr>
+          </a:p>
+          <a:p>
+            <a:pPr>
+              <a:lnSpc>
+                <a:spcPct val="100000"/>
+              </a:lnSpc>
+            </a:pPr>
+            <a:endParaRPr b="0" lang="en-GB" sz="1800" spc="-1" strike="noStrike">
+              <a:latin typeface="Arial"/>
+            </a:endParaRPr>
+          </a:p>
+          <a:p>
+            <a:pPr>
+              <a:lnSpc>
+                <a:spcPct val="100000"/>
+              </a:lnSpc>
+            </a:pPr>
+            <a:r>
+              <a:rPr b="0" lang="en-GB" sz="1800" spc="-1" strike="noStrike">
+                <a:solidFill>
+                  <a:srgbClr val="000000"/>
+                </a:solidFill>
+                <a:latin typeface="Arial"/>
+                <a:ea typeface="DejaVu Sans"/>
+              </a:rPr>
+              <a:t>Частота кадров: 25 кадров в секунду</a:t>
             </a:r>
             <a:endParaRPr b="0" lang="en-GB" sz="1800" spc="-1" strike="noStrike">
               <a:latin typeface="Arial"/>

--- a/диплом/вкр.pptx
+++ b/диплом/вкр.pptx
@@ -58,6 +58,7 @@
     <p:sldId id="305" r:id="rId53"/>
     <p:sldId id="306" r:id="rId54"/>
     <p:sldId id="307" r:id="rId55"/>
+    <p:sldId id="308" r:id="rId56"/>
   </p:sldIdLst>
   <p:sldSz cx="10080625" cy="5670550"/>
   <p:notesSz cx="7559675" cy="10691812"/>
@@ -3075,211 +3076,7 @@
               <a:rPr b="0" lang="en-GB" sz="4400" spc="-1" strike="noStrike">
                 <a:latin typeface="Arial"/>
               </a:rPr>
-              <a:t>C</a:t>
-            </a:r>
-            <a:r>
-              <a:rPr b="0" lang="en-GB" sz="4400" spc="-1" strike="noStrike">
-                <a:latin typeface="Arial"/>
-              </a:rPr>
-              <a:t>l</a:t>
-            </a:r>
-            <a:r>
-              <a:rPr b="0" lang="en-GB" sz="4400" spc="-1" strike="noStrike">
-                <a:latin typeface="Arial"/>
-              </a:rPr>
-              <a:t>i</a:t>
-            </a:r>
-            <a:r>
-              <a:rPr b="0" lang="en-GB" sz="4400" spc="-1" strike="noStrike">
-                <a:latin typeface="Arial"/>
-              </a:rPr>
-              <a:t>c</a:t>
-            </a:r>
-            <a:r>
-              <a:rPr b="0" lang="en-GB" sz="4400" spc="-1" strike="noStrike">
-                <a:latin typeface="Arial"/>
-              </a:rPr>
-              <a:t>k</a:t>
-            </a:r>
-            <a:r>
-              <a:rPr b="0" lang="en-GB" sz="4400" spc="-1" strike="noStrike">
-                <a:latin typeface="Arial"/>
-              </a:rPr>
-              <a:t> </a:t>
-            </a:r>
-            <a:r>
-              <a:rPr b="0" lang="en-GB" sz="4400" spc="-1" strike="noStrike">
-                <a:latin typeface="Arial"/>
-              </a:rPr>
-              <a:t>t</a:t>
-            </a:r>
-            <a:r>
-              <a:rPr b="0" lang="en-GB" sz="4400" spc="-1" strike="noStrike">
-                <a:latin typeface="Arial"/>
-              </a:rPr>
-              <a:t>o</a:t>
-            </a:r>
-            <a:r>
-              <a:rPr b="0" lang="en-GB" sz="4400" spc="-1" strike="noStrike">
-                <a:latin typeface="Arial"/>
-              </a:rPr>
-              <a:t> </a:t>
-            </a:r>
-            <a:r>
-              <a:rPr b="0" lang="en-GB" sz="4400" spc="-1" strike="noStrike">
-                <a:latin typeface="Arial"/>
-              </a:rPr>
-              <a:t>e</a:t>
-            </a:r>
-            <a:r>
-              <a:rPr b="0" lang="en-GB" sz="4400" spc="-1" strike="noStrike">
-                <a:latin typeface="Arial"/>
-              </a:rPr>
-              <a:t>d</a:t>
-            </a:r>
-            <a:r>
-              <a:rPr b="0" lang="en-GB" sz="4400" spc="-1" strike="noStrike">
-                <a:latin typeface="Arial"/>
-              </a:rPr>
-              <a:t>i</a:t>
-            </a:r>
-            <a:r>
-              <a:rPr b="0" lang="en-GB" sz="4400" spc="-1" strike="noStrike">
-                <a:latin typeface="Arial"/>
-              </a:rPr>
-              <a:t>t</a:t>
-            </a:r>
-            <a:r>
-              <a:rPr b="0" lang="en-GB" sz="4400" spc="-1" strike="noStrike">
-                <a:latin typeface="Arial"/>
-              </a:rPr>
-              <a:t> </a:t>
-            </a:r>
-            <a:r>
-              <a:rPr b="0" lang="en-GB" sz="4400" spc="-1" strike="noStrike">
-                <a:latin typeface="Arial"/>
-              </a:rPr>
-              <a:t>t</a:t>
-            </a:r>
-            <a:r>
-              <a:rPr b="0" lang="en-GB" sz="4400" spc="-1" strike="noStrike">
-                <a:latin typeface="Arial"/>
-              </a:rPr>
-              <a:t>h</a:t>
-            </a:r>
-            <a:r>
-              <a:rPr b="0" lang="en-GB" sz="4400" spc="-1" strike="noStrike">
-                <a:latin typeface="Arial"/>
-              </a:rPr>
-              <a:t>e</a:t>
-            </a:r>
-            <a:r>
-              <a:rPr b="0" lang="en-GB" sz="4400" spc="-1" strike="noStrike">
-                <a:latin typeface="Arial"/>
-              </a:rPr>
-              <a:t> </a:t>
-            </a:r>
-            <a:r>
-              <a:rPr b="0" lang="en-GB" sz="4400" spc="-1" strike="noStrike">
-                <a:latin typeface="Arial"/>
-              </a:rPr>
-              <a:t>t</a:t>
-            </a:r>
-            <a:r>
-              <a:rPr b="0" lang="en-GB" sz="4400" spc="-1" strike="noStrike">
-                <a:latin typeface="Arial"/>
-              </a:rPr>
-              <a:t>i</a:t>
-            </a:r>
-            <a:r>
-              <a:rPr b="0" lang="en-GB" sz="4400" spc="-1" strike="noStrike">
-                <a:latin typeface="Arial"/>
-              </a:rPr>
-              <a:t>t</a:t>
-            </a:r>
-            <a:r>
-              <a:rPr b="0" lang="en-GB" sz="4400" spc="-1" strike="noStrike">
-                <a:latin typeface="Arial"/>
-              </a:rPr>
-              <a:t>l</a:t>
-            </a:r>
-            <a:r>
-              <a:rPr b="0" lang="en-GB" sz="4400" spc="-1" strike="noStrike">
-                <a:latin typeface="Arial"/>
-              </a:rPr>
-              <a:t>e</a:t>
-            </a:r>
-            <a:r>
-              <a:rPr b="0" lang="en-GB" sz="4400" spc="-1" strike="noStrike">
-                <a:latin typeface="Arial"/>
-              </a:rPr>
-              <a:t> </a:t>
-            </a:r>
-            <a:r>
-              <a:rPr b="0" lang="en-GB" sz="4400" spc="-1" strike="noStrike">
-                <a:latin typeface="Arial"/>
-              </a:rPr>
-              <a:t>t</a:t>
-            </a:r>
-            <a:r>
-              <a:rPr b="0" lang="en-GB" sz="4400" spc="-1" strike="noStrike">
-                <a:latin typeface="Arial"/>
-              </a:rPr>
-              <a:t>e</a:t>
-            </a:r>
-            <a:r>
-              <a:rPr b="0" lang="en-GB" sz="4400" spc="-1" strike="noStrike">
-                <a:latin typeface="Arial"/>
-              </a:rPr>
-              <a:t>x</a:t>
-            </a:r>
-            <a:r>
-              <a:rPr b="0" lang="en-GB" sz="4400" spc="-1" strike="noStrike">
-                <a:latin typeface="Arial"/>
-              </a:rPr>
-              <a:t>t</a:t>
-            </a:r>
-            <a:r>
-              <a:rPr b="0" lang="en-GB" sz="4400" spc="-1" strike="noStrike">
-                <a:latin typeface="Arial"/>
-              </a:rPr>
-              <a:t> </a:t>
-            </a:r>
-            <a:r>
-              <a:rPr b="0" lang="en-GB" sz="4400" spc="-1" strike="noStrike">
-                <a:latin typeface="Arial"/>
-              </a:rPr>
-              <a:t>f</a:t>
-            </a:r>
-            <a:r>
-              <a:rPr b="0" lang="en-GB" sz="4400" spc="-1" strike="noStrike">
-                <a:latin typeface="Arial"/>
-              </a:rPr>
-              <a:t>o</a:t>
-            </a:r>
-            <a:r>
-              <a:rPr b="0" lang="en-GB" sz="4400" spc="-1" strike="noStrike">
-                <a:latin typeface="Arial"/>
-              </a:rPr>
-              <a:t>r</a:t>
-            </a:r>
-            <a:r>
-              <a:rPr b="0" lang="en-GB" sz="4400" spc="-1" strike="noStrike">
-                <a:latin typeface="Arial"/>
-              </a:rPr>
-              <a:t>m</a:t>
-            </a:r>
-            <a:r>
-              <a:rPr b="0" lang="en-GB" sz="4400" spc="-1" strike="noStrike">
-                <a:latin typeface="Arial"/>
-              </a:rPr>
-              <a:t>a</a:t>
-            </a:r>
-            <a:r>
-              <a:rPr b="0" lang="en-GB" sz="4400" spc="-1" strike="noStrike">
-                <a:latin typeface="Arial"/>
-              </a:rPr>
-              <a:t>t</a:t>
+              <a:t>Click to edit the title text format</a:t>
             </a:r>
             <a:endParaRPr b="0" lang="en-GB" sz="4400" spc="-1" strike="noStrike">
               <a:latin typeface="Arial"/>
@@ -10778,7 +10575,7 @@
                 <a:latin typeface="Arial"/>
                 <a:ea typeface="DejaVu Sans"/>
               </a:rPr>
-              <a:t>Shi-Tomasi + BRIEF + FLANN, stereo.mp4</a:t>
+              <a:t>Fast + Lukas-Kanade, icy_scarp.mp4</a:t>
             </a:r>
             <a:endParaRPr b="0" lang="en-GB" sz="2800" spc="-1" strike="noStrike">
               <a:latin typeface="Arial"/>
@@ -10954,7 +10751,7 @@
                 <a:latin typeface="Arial"/>
                 <a:ea typeface="DejaVu Sans"/>
               </a:rPr>
-              <a:t>Shi-Tomasi + BRIEF + FLANN, icy_scarp.mp4</a:t>
+              <a:t>Shi-Tomasi + BRIEF + FLANN, stereo.mp4</a:t>
             </a:r>
             <a:endParaRPr b="0" lang="en-GB" sz="2800" spc="-1" strike="noStrike">
               <a:latin typeface="Arial"/>
@@ -11130,7 +10927,7 @@
                 <a:latin typeface="Arial"/>
                 <a:ea typeface="DejaVu Sans"/>
               </a:rPr>
-              <a:t>Shi-Tomasi + FREAK + FLANN, stereo.mp4</a:t>
+              <a:t>Shi-Tomasi + BRIEF + FLANN, icy_scarp.mp4</a:t>
             </a:r>
             <a:endParaRPr b="0" lang="en-GB" sz="2800" spc="-1" strike="noStrike">
               <a:latin typeface="Arial"/>
@@ -11306,7 +11103,7 @@
                 <a:latin typeface="Arial"/>
                 <a:ea typeface="DejaVu Sans"/>
               </a:rPr>
-              <a:t>Shi-Tomasi + FREAK + FLANN, icy_scarp.mp4</a:t>
+              <a:t>Shi-Tomasi + FREAK + FLANN, stereo.mp4</a:t>
             </a:r>
             <a:endParaRPr b="0" lang="en-GB" sz="2800" spc="-1" strike="noStrike">
               <a:latin typeface="Arial"/>
@@ -11482,7 +11279,7 @@
                 <a:latin typeface="Arial"/>
                 <a:ea typeface="DejaVu Sans"/>
               </a:rPr>
-              <a:t>BRISK + FLANN, stereo.mp4</a:t>
+              <a:t>Shi-Tomasi + FREAK + FLANN, icy_scarp.mp4</a:t>
             </a:r>
             <a:endParaRPr b="0" lang="en-GB" sz="2800" spc="-1" strike="noStrike">
               <a:latin typeface="Arial"/>
@@ -11658,7 +11455,7 @@
                 <a:latin typeface="Arial"/>
                 <a:ea typeface="DejaVu Sans"/>
               </a:rPr>
-              <a:t>BRISK + FLANN, icy_scarp.mp4</a:t>
+              <a:t>BRISK + FLANN, stereo.mp4</a:t>
             </a:r>
             <a:endParaRPr b="0" lang="en-GB" sz="2800" spc="-1" strike="noStrike">
               <a:latin typeface="Arial"/>
@@ -11834,7 +11631,7 @@
                 <a:latin typeface="Arial"/>
                 <a:ea typeface="DejaVu Sans"/>
               </a:rPr>
-              <a:t>SURF + FLANN, stereo.mp4</a:t>
+              <a:t>BRISK + FLANN, icy_scarp.mp4</a:t>
             </a:r>
             <a:endParaRPr b="0" lang="en-GB" sz="2800" spc="-1" strike="noStrike">
               <a:latin typeface="Arial"/>
@@ -12180,7 +11977,7 @@
                 <a:latin typeface="Arial"/>
                 <a:ea typeface="DejaVu Sans"/>
               </a:rPr>
-              <a:t>SURF + FLANN, icy_scarp.mp4</a:t>
+              <a:t>SURF + FLANN, stereo.mp4</a:t>
             </a:r>
             <a:endParaRPr b="0" lang="en-GB" sz="2800" spc="-1" strike="noStrike">
               <a:latin typeface="Arial"/>
@@ -12356,7 +12153,7 @@
                 <a:latin typeface="Arial"/>
                 <a:ea typeface="DejaVu Sans"/>
               </a:rPr>
-              <a:t>SURF (CUDA) + FLANN, stereo.mp4</a:t>
+              <a:t>SURF + FLANN, icy_scarp.mp4</a:t>
             </a:r>
             <a:endParaRPr b="0" lang="en-GB" sz="2800" spc="-1" strike="noStrike">
               <a:latin typeface="Arial"/>
@@ -12532,7 +12329,7 @@
                 <a:latin typeface="Arial"/>
                 <a:ea typeface="DejaVu Sans"/>
               </a:rPr>
-              <a:t>SURF (CUDA) + FLANN, icy_scarp.mp4</a:t>
+              <a:t>SURF (CUDA) + FLANN, stereo.mp4</a:t>
             </a:r>
             <a:endParaRPr b="0" lang="en-GB" sz="2800" spc="-1" strike="noStrike">
               <a:latin typeface="Arial"/>
@@ -12708,7 +12505,7 @@
                 <a:latin typeface="Arial"/>
                 <a:ea typeface="DejaVu Sans"/>
               </a:rPr>
-              <a:t>SURF (OpenCL) + FLANN, stereo.mp4</a:t>
+              <a:t>SURF (CUDA) + FLANN, icy_scarp.mp4</a:t>
             </a:r>
             <a:endParaRPr b="0" lang="en-GB" sz="2800" spc="-1" strike="noStrike">
               <a:latin typeface="Arial"/>
@@ -12884,7 +12681,7 @@
                 <a:latin typeface="Arial"/>
                 <a:ea typeface="DejaVu Sans"/>
               </a:rPr>
-              <a:t>SURF (OpenCL) + FLANN, icy_scarp.mp4</a:t>
+              <a:t>SURF (OpenCL) + FLANN, stereo.mp4</a:t>
             </a:r>
             <a:endParaRPr b="0" lang="en-GB" sz="2800" spc="-1" strike="noStrike">
               <a:latin typeface="Arial"/>
@@ -13060,7 +12857,7 @@
                 <a:latin typeface="Arial"/>
                 <a:ea typeface="DejaVu Sans"/>
               </a:rPr>
-              <a:t>ORB + FLANN, stereo.mp4</a:t>
+              <a:t>SURF (OpenCL) + FLANN, icy_scarp.mp4</a:t>
             </a:r>
             <a:endParaRPr b="0" lang="en-GB" sz="2800" spc="-1" strike="noStrike">
               <a:latin typeface="Arial"/>
@@ -13236,7 +13033,7 @@
                 <a:latin typeface="Arial"/>
                 <a:ea typeface="DejaVu Sans"/>
               </a:rPr>
-              <a:t>ORB + FLANN, icy_scarp.mp4</a:t>
+              <a:t>ORB + FLANN, stereo.mp4</a:t>
             </a:r>
             <a:endParaRPr b="0" lang="en-GB" sz="2800" spc="-1" strike="noStrike">
               <a:latin typeface="Arial"/>
@@ -13412,7 +13209,7 @@
                 <a:latin typeface="Arial"/>
                 <a:ea typeface="DejaVu Sans"/>
               </a:rPr>
-              <a:t>ORB (CUDA) + FLANN, stereo.mp4</a:t>
+              <a:t>ORB + FLANN, icy_scarp.mp4</a:t>
             </a:r>
             <a:endParaRPr b="0" lang="en-GB" sz="2800" spc="-1" strike="noStrike">
               <a:latin typeface="Arial"/>
@@ -13588,7 +13385,7 @@
                 <a:latin typeface="Arial"/>
                 <a:ea typeface="DejaVu Sans"/>
               </a:rPr>
-              <a:t>ORB (CUDA) + FLANN, icy_scarp.mp4</a:t>
+              <a:t>ORB (CUDA) + FLANN, stereo.mp4</a:t>
             </a:r>
             <a:endParaRPr b="0" lang="en-GB" sz="2800" spc="-1" strike="noStrike">
               <a:latin typeface="Arial"/>
@@ -13764,7 +13561,7 @@
                 <a:latin typeface="Arial"/>
                 <a:ea typeface="DejaVu Sans"/>
               </a:rPr>
-              <a:t>ORB (OpenCL) + FLANN, stereo.mp4</a:t>
+              <a:t>ORB (CUDA) + FLANN, icy_scarp.mp4</a:t>
             </a:r>
             <a:endParaRPr b="0" lang="en-GB" sz="2800" spc="-1" strike="noStrike">
               <a:latin typeface="Arial"/>
@@ -14044,7 +13841,7 @@
                 <a:latin typeface="Arial"/>
                 <a:ea typeface="DejaVu Sans"/>
               </a:rPr>
-              <a:t>ORB (OpenCL) + FLANN, icy_scarp.mp4</a:t>
+              <a:t>ORB (OpenCL) + FLANN, stereo.mp4</a:t>
             </a:r>
             <a:endParaRPr b="0" lang="en-GB" sz="2800" spc="-1" strike="noStrike">
               <a:latin typeface="Arial"/>
@@ -14185,8 +13982,8 @@
         </p:nvSpPr>
         <p:spPr>
           <a:xfrm>
-            <a:off x="504000" y="226080"/>
-            <a:ext cx="9070560" cy="945360"/>
+            <a:off x="504000" y="74160"/>
+            <a:ext cx="9070560" cy="1249200"/>
           </a:xfrm>
           <a:prstGeom prst="rect">
             <a:avLst/>
@@ -14213,16 +14010,16 @@
               </a:lnSpc>
             </a:pPr>
             <a:r>
-              <a:rPr b="0" lang="en-GB" sz="4400" spc="-1" strike="noStrike">
-                <a:solidFill>
-                  <a:srgbClr val="000000"/>
-                </a:solidFill>
-                <a:latin typeface="Arial"/>
-                <a:ea typeface="DejaVu Sans"/>
-              </a:rPr>
-              <a:t>Интерпретация результатов</a:t>
-            </a:r>
-            <a:endParaRPr b="0" lang="en-GB" sz="4400" spc="-1" strike="noStrike">
+              <a:rPr b="0" lang="en-GB" sz="2800" spc="-1" strike="noStrike">
+                <a:solidFill>
+                  <a:srgbClr val="000000"/>
+                </a:solidFill>
+                <a:latin typeface="Arial"/>
+                <a:ea typeface="DejaVu Sans"/>
+              </a:rPr>
+              <a:t>ORB (OpenCL) + FLANN, icy_scarp.mp4</a:t>
+            </a:r>
+            <a:endParaRPr b="0" lang="en-GB" sz="2800" spc="-1" strike="noStrike">
               <a:latin typeface="Arial"/>
             </a:endParaRPr>
           </a:p>
@@ -14253,41 +14050,76 @@
           <a:effectRef idx="0"/>
           <a:fontRef idx="minor"/>
         </p:style>
-        <p:txBody>
-          <a:bodyPr lIns="0" rIns="0" tIns="0" bIns="0">
-            <a:normAutofit/>
-          </a:bodyPr>
-          <a:p>
-            <a:pPr marL="432000" indent="-322920">
-              <a:lnSpc>
-                <a:spcPct val="100000"/>
-              </a:lnSpc>
-              <a:spcBef>
-                <a:spcPts val="1417"/>
-              </a:spcBef>
-              <a:buClr>
-                <a:srgbClr val="000000"/>
-              </a:buClr>
-              <a:buSzPct val="45000"/>
-              <a:buFont typeface="Wingdings" charset="2"/>
-              <a:buChar char=""/>
-            </a:pPr>
-            <a:r>
-              <a:rPr b="0" lang="en-GB" sz="3200" spc="-1" strike="noStrike">
-                <a:solidFill>
-                  <a:srgbClr val="000000"/>
-                </a:solidFill>
-                <a:latin typeface="Arial"/>
-                <a:ea typeface="DejaVu Sans"/>
-              </a:rPr>
-              <a:t>...</a:t>
-            </a:r>
-            <a:endParaRPr b="0" lang="en-GB" sz="3200" spc="-1" strike="noStrike">
-              <a:latin typeface="Arial"/>
-            </a:endParaRPr>
-          </a:p>
-        </p:txBody>
-      </p:sp>
+      </p:sp>
+      <p:pic>
+        <p:nvPicPr>
+          <p:cNvPr id="250" name="" descr=""/>
+          <p:cNvPicPr/>
+          <p:nvPr/>
+        </p:nvPicPr>
+        <p:blipFill>
+          <a:blip r:embed="rId1"/>
+          <a:stretch/>
+        </p:blipFill>
+        <p:spPr>
+          <a:xfrm>
+            <a:off x="1296000" y="1080000"/>
+            <a:ext cx="3312000" cy="2332800"/>
+          </a:xfrm>
+          <a:prstGeom prst="rect">
+            <a:avLst/>
+          </a:prstGeom>
+          <a:ln>
+            <a:noFill/>
+          </a:ln>
+        </p:spPr>
+      </p:pic>
+      <p:pic>
+        <p:nvPicPr>
+          <p:cNvPr id="251" name="" descr=""/>
+          <p:cNvPicPr/>
+          <p:nvPr/>
+        </p:nvPicPr>
+        <p:blipFill>
+          <a:blip r:embed="rId2"/>
+          <a:stretch/>
+        </p:blipFill>
+        <p:spPr>
+          <a:xfrm>
+            <a:off x="5040000" y="1080000"/>
+            <a:ext cx="3408480" cy="2376000"/>
+          </a:xfrm>
+          <a:prstGeom prst="rect">
+            <a:avLst/>
+          </a:prstGeom>
+          <a:ln>
+            <a:noFill/>
+          </a:ln>
+        </p:spPr>
+      </p:pic>
+      <p:pic>
+        <p:nvPicPr>
+          <p:cNvPr id="252" name="" descr=""/>
+          <p:cNvPicPr/>
+          <p:nvPr/>
+        </p:nvPicPr>
+        <p:blipFill>
+          <a:blip r:embed="rId3"/>
+          <a:stretch/>
+        </p:blipFill>
+        <p:spPr>
+          <a:xfrm>
+            <a:off x="1512000" y="3456000"/>
+            <a:ext cx="2952000" cy="2021040"/>
+          </a:xfrm>
+          <a:prstGeom prst="rect">
+            <a:avLst/>
+          </a:prstGeom>
+          <a:ln>
+            <a:noFill/>
+          </a:ln>
+        </p:spPr>
+      </p:pic>
     </p:spTree>
   </p:cSld>
   <mc:AlternateContent>
@@ -14320,7 +14152,148 @@
       </p:grpSpPr>
       <p:sp>
         <p:nvSpPr>
-          <p:cNvPr id="250" name="CustomShape 1"/>
+          <p:cNvPr id="253" name="CustomShape 1"/>
+          <p:cNvSpPr/>
+          <p:nvPr/>
+        </p:nvSpPr>
+        <p:spPr>
+          <a:xfrm>
+            <a:off x="504000" y="226080"/>
+            <a:ext cx="9070560" cy="945360"/>
+          </a:xfrm>
+          <a:prstGeom prst="rect">
+            <a:avLst/>
+          </a:prstGeom>
+          <a:noFill/>
+          <a:ln>
+            <a:noFill/>
+          </a:ln>
+        </p:spPr>
+        <p:style>
+          <a:lnRef idx="0"/>
+          <a:fillRef idx="0"/>
+          <a:effectRef idx="0"/>
+          <a:fontRef idx="minor"/>
+        </p:style>
+        <p:txBody>
+          <a:bodyPr lIns="0" rIns="0" tIns="0" bIns="0" anchor="ctr">
+            <a:noAutofit/>
+          </a:bodyPr>
+          <a:p>
+            <a:pPr algn="ctr">
+              <a:lnSpc>
+                <a:spcPct val="100000"/>
+              </a:lnSpc>
+            </a:pPr>
+            <a:r>
+              <a:rPr b="0" lang="en-GB" sz="4400" spc="-1" strike="noStrike">
+                <a:solidFill>
+                  <a:srgbClr val="000000"/>
+                </a:solidFill>
+                <a:latin typeface="Arial"/>
+                <a:ea typeface="DejaVu Sans"/>
+              </a:rPr>
+              <a:t>Интерпретация результатов</a:t>
+            </a:r>
+            <a:endParaRPr b="0" lang="en-GB" sz="4400" spc="-1" strike="noStrike">
+              <a:latin typeface="Arial"/>
+            </a:endParaRPr>
+          </a:p>
+        </p:txBody>
+      </p:sp>
+      <p:sp>
+        <p:nvSpPr>
+          <p:cNvPr id="254" name="CustomShape 2"/>
+          <p:cNvSpPr/>
+          <p:nvPr/>
+        </p:nvSpPr>
+        <p:spPr>
+          <a:xfrm>
+            <a:off x="504000" y="1326600"/>
+            <a:ext cx="9070560" cy="3287160"/>
+          </a:xfrm>
+          <a:prstGeom prst="rect">
+            <a:avLst/>
+          </a:prstGeom>
+          <a:noFill/>
+          <a:ln>
+            <a:noFill/>
+          </a:ln>
+        </p:spPr>
+        <p:style>
+          <a:lnRef idx="0"/>
+          <a:fillRef idx="0"/>
+          <a:effectRef idx="0"/>
+          <a:fontRef idx="minor"/>
+        </p:style>
+        <p:txBody>
+          <a:bodyPr lIns="0" rIns="0" tIns="0" bIns="0">
+            <a:normAutofit/>
+          </a:bodyPr>
+          <a:p>
+            <a:pPr marL="432000" indent="-322920">
+              <a:lnSpc>
+                <a:spcPct val="100000"/>
+              </a:lnSpc>
+              <a:spcBef>
+                <a:spcPts val="1417"/>
+              </a:spcBef>
+              <a:buClr>
+                <a:srgbClr val="000000"/>
+              </a:buClr>
+              <a:buSzPct val="45000"/>
+              <a:buFont typeface="Wingdings" charset="2"/>
+              <a:buChar char=""/>
+            </a:pPr>
+            <a:r>
+              <a:rPr b="0" lang="en-GB" sz="3200" spc="-1" strike="noStrike">
+                <a:solidFill>
+                  <a:srgbClr val="000000"/>
+                </a:solidFill>
+                <a:latin typeface="Arial"/>
+                <a:ea typeface="DejaVu Sans"/>
+              </a:rPr>
+              <a:t>...</a:t>
+            </a:r>
+            <a:endParaRPr b="0" lang="en-GB" sz="3200" spc="-1" strike="noStrike">
+              <a:latin typeface="Arial"/>
+            </a:endParaRPr>
+          </a:p>
+        </p:txBody>
+      </p:sp>
+    </p:spTree>
+  </p:cSld>
+  <mc:AlternateContent>
+    <mc:Choice Requires="p14">
+      <p:transition spd="slow" p14:dur="2000"/>
+    </mc:Choice>
+    <mc:Fallback>
+      <p:transition spd="slow"/>
+    </mc:Fallback>
+  </mc:AlternateContent>
+</p:sld>
+</file>
+
+<file path=ppt/slides/slide53.xml><?xml version="1.0" encoding="utf-8"?>
+<p:sld xmlns:a="http://schemas.openxmlformats.org/drawingml/2006/main" xmlns:p="http://schemas.openxmlformats.org/presentationml/2006/main" xmlns:r="http://schemas.openxmlformats.org/officeDocument/2006/relationships" xmlns:p14="http://schemas.microsoft.com/office/powerpoint/2010/main" xmlns:p15="http://schemas.microsoft.com/office/powerpoint/2012/main" xmlns:mc="http://schemas.openxmlformats.org/markup-compatibility/2006">
+  <p:cSld>
+    <p:spTree>
+      <p:nvGrpSpPr>
+        <p:cNvPr id="1" name=""/>
+        <p:cNvGrpSpPr/>
+        <p:nvPr/>
+      </p:nvGrpSpPr>
+      <p:grpSpPr>
+        <a:xfrm>
+          <a:off x="0" y="0"/>
+          <a:ext cx="0" cy="0"/>
+          <a:chOff x="0" y="0"/>
+          <a:chExt cx="0" cy="0"/>
+        </a:xfrm>
+      </p:grpSpPr>
+      <p:sp>
+        <p:nvSpPr>
+          <p:cNvPr id="255" name="CustomShape 1"/>
           <p:cNvSpPr/>
           <p:nvPr/>
         </p:nvSpPr>

--- a/диплом/вкр.pptx
+++ b/диплом/вкр.pptx
@@ -10831,29 +10831,6 @@
           </a:ln>
         </p:spPr>
       </p:pic>
-      <p:pic>
-        <p:nvPicPr>
-          <p:cNvPr id="167" name="" descr=""/>
-          <p:cNvPicPr/>
-          <p:nvPr/>
-        </p:nvPicPr>
-        <p:blipFill>
-          <a:blip r:embed="rId3"/>
-          <a:stretch/>
-        </p:blipFill>
-        <p:spPr>
-          <a:xfrm>
-            <a:off x="1512000" y="3456000"/>
-            <a:ext cx="2952000" cy="2021040"/>
-          </a:xfrm>
-          <a:prstGeom prst="rect">
-            <a:avLst/>
-          </a:prstGeom>
-          <a:ln>
-            <a:noFill/>
-          </a:ln>
-        </p:spPr>
-      </p:pic>
     </p:spTree>
   </p:cSld>
   <mc:AlternateContent>
@@ -10886,7 +10863,7 @@
       </p:grpSpPr>
       <p:sp>
         <p:nvSpPr>
-          <p:cNvPr id="168" name="CustomShape 1"/>
+          <p:cNvPr id="167" name="CustomShape 1"/>
           <p:cNvSpPr/>
           <p:nvPr/>
         </p:nvSpPr>
@@ -10937,7 +10914,7 @@
       </p:sp>
       <p:sp>
         <p:nvSpPr>
-          <p:cNvPr id="169" name="CustomShape 2"/>
+          <p:cNvPr id="168" name="CustomShape 2"/>
           <p:cNvSpPr/>
           <p:nvPr/>
         </p:nvSpPr>
@@ -10963,7 +10940,7 @@
       </p:sp>
       <p:pic>
         <p:nvPicPr>
-          <p:cNvPr id="170" name="" descr=""/>
+          <p:cNvPr id="169" name="" descr=""/>
           <p:cNvPicPr/>
           <p:nvPr/>
         </p:nvPicPr>
@@ -10986,7 +10963,7 @@
       </p:pic>
       <p:pic>
         <p:nvPicPr>
-          <p:cNvPr id="171" name="" descr=""/>
+          <p:cNvPr id="170" name="" descr=""/>
           <p:cNvPicPr/>
           <p:nvPr/>
         </p:nvPicPr>
@@ -10998,29 +10975,6 @@
           <a:xfrm>
             <a:off x="5040000" y="1080000"/>
             <a:ext cx="3408480" cy="2376000"/>
-          </a:xfrm>
-          <a:prstGeom prst="rect">
-            <a:avLst/>
-          </a:prstGeom>
-          <a:ln>
-            <a:noFill/>
-          </a:ln>
-        </p:spPr>
-      </p:pic>
-      <p:pic>
-        <p:nvPicPr>
-          <p:cNvPr id="172" name="" descr=""/>
-          <p:cNvPicPr/>
-          <p:nvPr/>
-        </p:nvPicPr>
-        <p:blipFill>
-          <a:blip r:embed="rId3"/>
-          <a:stretch/>
-        </p:blipFill>
-        <p:spPr>
-          <a:xfrm>
-            <a:off x="1512000" y="3456000"/>
-            <a:ext cx="2952000" cy="2021040"/>
           </a:xfrm>
           <a:prstGeom prst="rect">
             <a:avLst/>
@@ -11062,7 +11016,7 @@
       </p:grpSpPr>
       <p:sp>
         <p:nvSpPr>
-          <p:cNvPr id="173" name="CustomShape 1"/>
+          <p:cNvPr id="171" name="CustomShape 1"/>
           <p:cNvSpPr/>
           <p:nvPr/>
         </p:nvSpPr>
@@ -11113,7 +11067,7 @@
       </p:sp>
       <p:sp>
         <p:nvSpPr>
-          <p:cNvPr id="174" name="CustomShape 2"/>
+          <p:cNvPr id="172" name="CustomShape 2"/>
           <p:cNvSpPr/>
           <p:nvPr/>
         </p:nvSpPr>
@@ -11139,7 +11093,7 @@
       </p:sp>
       <p:pic>
         <p:nvPicPr>
-          <p:cNvPr id="175" name="" descr=""/>
+          <p:cNvPr id="173" name="" descr=""/>
           <p:cNvPicPr/>
           <p:nvPr/>
         </p:nvPicPr>
@@ -11162,7 +11116,7 @@
       </p:pic>
       <p:pic>
         <p:nvPicPr>
-          <p:cNvPr id="176" name="" descr=""/>
+          <p:cNvPr id="174" name="" descr=""/>
           <p:cNvPicPr/>
           <p:nvPr/>
         </p:nvPicPr>
@@ -11174,29 +11128,6 @@
           <a:xfrm>
             <a:off x="5040000" y="1080000"/>
             <a:ext cx="3408480" cy="2376000"/>
-          </a:xfrm>
-          <a:prstGeom prst="rect">
-            <a:avLst/>
-          </a:prstGeom>
-          <a:ln>
-            <a:noFill/>
-          </a:ln>
-        </p:spPr>
-      </p:pic>
-      <p:pic>
-        <p:nvPicPr>
-          <p:cNvPr id="177" name="" descr=""/>
-          <p:cNvPicPr/>
-          <p:nvPr/>
-        </p:nvPicPr>
-        <p:blipFill>
-          <a:blip r:embed="rId3"/>
-          <a:stretch/>
-        </p:blipFill>
-        <p:spPr>
-          <a:xfrm>
-            <a:off x="1512000" y="3456000"/>
-            <a:ext cx="2952000" cy="2021040"/>
           </a:xfrm>
           <a:prstGeom prst="rect">
             <a:avLst/>
@@ -11238,7 +11169,7 @@
       </p:grpSpPr>
       <p:sp>
         <p:nvSpPr>
-          <p:cNvPr id="178" name="CustomShape 1"/>
+          <p:cNvPr id="175" name="CustomShape 1"/>
           <p:cNvSpPr/>
           <p:nvPr/>
         </p:nvSpPr>
@@ -11289,7 +11220,7 @@
       </p:sp>
       <p:sp>
         <p:nvSpPr>
-          <p:cNvPr id="179" name="CustomShape 2"/>
+          <p:cNvPr id="176" name="CustomShape 2"/>
           <p:cNvSpPr/>
           <p:nvPr/>
         </p:nvSpPr>
@@ -11315,7 +11246,7 @@
       </p:sp>
       <p:pic>
         <p:nvPicPr>
-          <p:cNvPr id="180" name="" descr=""/>
+          <p:cNvPr id="177" name="" descr=""/>
           <p:cNvPicPr/>
           <p:nvPr/>
         </p:nvPicPr>
@@ -11338,7 +11269,7 @@
       </p:pic>
       <p:pic>
         <p:nvPicPr>
-          <p:cNvPr id="181" name="" descr=""/>
+          <p:cNvPr id="178" name="" descr=""/>
           <p:cNvPicPr/>
           <p:nvPr/>
         </p:nvPicPr>
@@ -11350,29 +11281,6 @@
           <a:xfrm>
             <a:off x="5040000" y="1080000"/>
             <a:ext cx="3408480" cy="2376000"/>
-          </a:xfrm>
-          <a:prstGeom prst="rect">
-            <a:avLst/>
-          </a:prstGeom>
-          <a:ln>
-            <a:noFill/>
-          </a:ln>
-        </p:spPr>
-      </p:pic>
-      <p:pic>
-        <p:nvPicPr>
-          <p:cNvPr id="182" name="" descr=""/>
-          <p:cNvPicPr/>
-          <p:nvPr/>
-        </p:nvPicPr>
-        <p:blipFill>
-          <a:blip r:embed="rId3"/>
-          <a:stretch/>
-        </p:blipFill>
-        <p:spPr>
-          <a:xfrm>
-            <a:off x="1512000" y="3456000"/>
-            <a:ext cx="2952000" cy="2021040"/>
           </a:xfrm>
           <a:prstGeom prst="rect">
             <a:avLst/>
@@ -11414,7 +11322,7 @@
       </p:grpSpPr>
       <p:sp>
         <p:nvSpPr>
-          <p:cNvPr id="183" name="CustomShape 1"/>
+          <p:cNvPr id="179" name="CustomShape 1"/>
           <p:cNvSpPr/>
           <p:nvPr/>
         </p:nvSpPr>
@@ -11465,7 +11373,7 @@
       </p:sp>
       <p:sp>
         <p:nvSpPr>
-          <p:cNvPr id="184" name="CustomShape 2"/>
+          <p:cNvPr id="180" name="CustomShape 2"/>
           <p:cNvSpPr/>
           <p:nvPr/>
         </p:nvSpPr>
@@ -11491,7 +11399,7 @@
       </p:sp>
       <p:pic>
         <p:nvPicPr>
-          <p:cNvPr id="185" name="" descr=""/>
+          <p:cNvPr id="181" name="" descr=""/>
           <p:cNvPicPr/>
           <p:nvPr/>
         </p:nvPicPr>
@@ -11514,7 +11422,7 @@
       </p:pic>
       <p:pic>
         <p:nvPicPr>
-          <p:cNvPr id="186" name="" descr=""/>
+          <p:cNvPr id="182" name="" descr=""/>
           <p:cNvPicPr/>
           <p:nvPr/>
         </p:nvPicPr>
@@ -11537,7 +11445,7 @@
       </p:pic>
       <p:pic>
         <p:nvPicPr>
-          <p:cNvPr id="187" name="" descr=""/>
+          <p:cNvPr id="183" name="" descr=""/>
           <p:cNvPicPr/>
           <p:nvPr/>
         </p:nvPicPr>
@@ -11590,7 +11498,7 @@
       </p:grpSpPr>
       <p:sp>
         <p:nvSpPr>
-          <p:cNvPr id="188" name="CustomShape 1"/>
+          <p:cNvPr id="184" name="CustomShape 1"/>
           <p:cNvSpPr/>
           <p:nvPr/>
         </p:nvSpPr>
@@ -11641,7 +11549,7 @@
       </p:sp>
       <p:sp>
         <p:nvSpPr>
-          <p:cNvPr id="189" name="CustomShape 2"/>
+          <p:cNvPr id="185" name="CustomShape 2"/>
           <p:cNvSpPr/>
           <p:nvPr/>
         </p:nvSpPr>
@@ -11667,7 +11575,7 @@
       </p:sp>
       <p:pic>
         <p:nvPicPr>
-          <p:cNvPr id="190" name="" descr=""/>
+          <p:cNvPr id="186" name="" descr=""/>
           <p:cNvPicPr/>
           <p:nvPr/>
         </p:nvPicPr>
@@ -11690,7 +11598,7 @@
       </p:pic>
       <p:pic>
         <p:nvPicPr>
-          <p:cNvPr id="191" name="" descr=""/>
+          <p:cNvPr id="187" name="" descr=""/>
           <p:cNvPicPr/>
           <p:nvPr/>
         </p:nvPicPr>
@@ -11713,7 +11621,7 @@
       </p:pic>
       <p:pic>
         <p:nvPicPr>
-          <p:cNvPr id="192" name="" descr=""/>
+          <p:cNvPr id="188" name="" descr=""/>
           <p:cNvPicPr/>
           <p:nvPr/>
         </p:nvPicPr>
@@ -11936,7 +11844,7 @@
       </p:grpSpPr>
       <p:sp>
         <p:nvSpPr>
-          <p:cNvPr id="193" name="CustomShape 1"/>
+          <p:cNvPr id="189" name="CustomShape 1"/>
           <p:cNvSpPr/>
           <p:nvPr/>
         </p:nvSpPr>
@@ -11987,7 +11895,7 @@
       </p:sp>
       <p:sp>
         <p:nvSpPr>
-          <p:cNvPr id="194" name="CustomShape 2"/>
+          <p:cNvPr id="190" name="CustomShape 2"/>
           <p:cNvSpPr/>
           <p:nvPr/>
         </p:nvSpPr>
@@ -12013,7 +11921,7 @@
       </p:sp>
       <p:pic>
         <p:nvPicPr>
-          <p:cNvPr id="195" name="" descr=""/>
+          <p:cNvPr id="191" name="" descr=""/>
           <p:cNvPicPr/>
           <p:nvPr/>
         </p:nvPicPr>
@@ -12036,7 +11944,7 @@
       </p:pic>
       <p:pic>
         <p:nvPicPr>
-          <p:cNvPr id="196" name="" descr=""/>
+          <p:cNvPr id="192" name="" descr=""/>
           <p:cNvPicPr/>
           <p:nvPr/>
         </p:nvPicPr>
@@ -12059,7 +11967,7 @@
       </p:pic>
       <p:pic>
         <p:nvPicPr>
-          <p:cNvPr id="197" name="" descr=""/>
+          <p:cNvPr id="193" name="" descr=""/>
           <p:cNvPicPr/>
           <p:nvPr/>
         </p:nvPicPr>
@@ -12112,7 +12020,7 @@
       </p:grpSpPr>
       <p:sp>
         <p:nvSpPr>
-          <p:cNvPr id="198" name="CustomShape 1"/>
+          <p:cNvPr id="194" name="CustomShape 1"/>
           <p:cNvSpPr/>
           <p:nvPr/>
         </p:nvSpPr>
@@ -12163,7 +12071,7 @@
       </p:sp>
       <p:sp>
         <p:nvSpPr>
-          <p:cNvPr id="199" name="CustomShape 2"/>
+          <p:cNvPr id="195" name="CustomShape 2"/>
           <p:cNvSpPr/>
           <p:nvPr/>
         </p:nvSpPr>
@@ -12189,7 +12097,7 @@
       </p:sp>
       <p:pic>
         <p:nvPicPr>
-          <p:cNvPr id="200" name="" descr=""/>
+          <p:cNvPr id="196" name="" descr=""/>
           <p:cNvPicPr/>
           <p:nvPr/>
         </p:nvPicPr>
@@ -12212,7 +12120,7 @@
       </p:pic>
       <p:pic>
         <p:nvPicPr>
-          <p:cNvPr id="201" name="" descr=""/>
+          <p:cNvPr id="197" name="" descr=""/>
           <p:cNvPicPr/>
           <p:nvPr/>
         </p:nvPicPr>
@@ -12235,7 +12143,7 @@
       </p:pic>
       <p:pic>
         <p:nvPicPr>
-          <p:cNvPr id="202" name="" descr=""/>
+          <p:cNvPr id="198" name="" descr=""/>
           <p:cNvPicPr/>
           <p:nvPr/>
         </p:nvPicPr>
@@ -12288,7 +12196,7 @@
       </p:grpSpPr>
       <p:sp>
         <p:nvSpPr>
-          <p:cNvPr id="203" name="CustomShape 1"/>
+          <p:cNvPr id="199" name="CustomShape 1"/>
           <p:cNvSpPr/>
           <p:nvPr/>
         </p:nvSpPr>
@@ -12339,7 +12247,7 @@
       </p:sp>
       <p:sp>
         <p:nvSpPr>
-          <p:cNvPr id="204" name="CustomShape 2"/>
+          <p:cNvPr id="200" name="CustomShape 2"/>
           <p:cNvSpPr/>
           <p:nvPr/>
         </p:nvSpPr>
@@ -12365,7 +12273,7 @@
       </p:sp>
       <p:pic>
         <p:nvPicPr>
-          <p:cNvPr id="205" name="" descr=""/>
+          <p:cNvPr id="201" name="" descr=""/>
           <p:cNvPicPr/>
           <p:nvPr/>
         </p:nvPicPr>
@@ -12388,7 +12296,7 @@
       </p:pic>
       <p:pic>
         <p:nvPicPr>
-          <p:cNvPr id="206" name="" descr=""/>
+          <p:cNvPr id="202" name="" descr=""/>
           <p:cNvPicPr/>
           <p:nvPr/>
         </p:nvPicPr>
@@ -12411,7 +12319,7 @@
       </p:pic>
       <p:pic>
         <p:nvPicPr>
-          <p:cNvPr id="207" name="" descr=""/>
+          <p:cNvPr id="203" name="" descr=""/>
           <p:cNvPicPr/>
           <p:nvPr/>
         </p:nvPicPr>
@@ -12464,7 +12372,7 @@
       </p:grpSpPr>
       <p:sp>
         <p:nvSpPr>
-          <p:cNvPr id="208" name="CustomShape 1"/>
+          <p:cNvPr id="204" name="CustomShape 1"/>
           <p:cNvSpPr/>
           <p:nvPr/>
         </p:nvSpPr>
@@ -12515,7 +12423,7 @@
       </p:sp>
       <p:sp>
         <p:nvSpPr>
-          <p:cNvPr id="209" name="CustomShape 2"/>
+          <p:cNvPr id="205" name="CustomShape 2"/>
           <p:cNvSpPr/>
           <p:nvPr/>
         </p:nvSpPr>
@@ -12541,7 +12449,7 @@
       </p:sp>
       <p:pic>
         <p:nvPicPr>
-          <p:cNvPr id="210" name="" descr=""/>
+          <p:cNvPr id="206" name="" descr=""/>
           <p:cNvPicPr/>
           <p:nvPr/>
         </p:nvPicPr>
@@ -12564,7 +12472,7 @@
       </p:pic>
       <p:pic>
         <p:nvPicPr>
-          <p:cNvPr id="211" name="" descr=""/>
+          <p:cNvPr id="207" name="" descr=""/>
           <p:cNvPicPr/>
           <p:nvPr/>
         </p:nvPicPr>
@@ -12587,7 +12495,7 @@
       </p:pic>
       <p:pic>
         <p:nvPicPr>
-          <p:cNvPr id="212" name="" descr=""/>
+          <p:cNvPr id="208" name="" descr=""/>
           <p:cNvPicPr/>
           <p:nvPr/>
         </p:nvPicPr>
@@ -12640,7 +12548,7 @@
       </p:grpSpPr>
       <p:sp>
         <p:nvSpPr>
-          <p:cNvPr id="213" name="CustomShape 1"/>
+          <p:cNvPr id="209" name="CustomShape 1"/>
           <p:cNvSpPr/>
           <p:nvPr/>
         </p:nvSpPr>
@@ -12691,7 +12599,7 @@
       </p:sp>
       <p:sp>
         <p:nvSpPr>
-          <p:cNvPr id="214" name="CustomShape 2"/>
+          <p:cNvPr id="210" name="CustomShape 2"/>
           <p:cNvSpPr/>
           <p:nvPr/>
         </p:nvSpPr>
@@ -12717,7 +12625,7 @@
       </p:sp>
       <p:pic>
         <p:nvPicPr>
-          <p:cNvPr id="215" name="" descr=""/>
+          <p:cNvPr id="211" name="" descr=""/>
           <p:cNvPicPr/>
           <p:nvPr/>
         </p:nvPicPr>
@@ -12740,7 +12648,7 @@
       </p:pic>
       <p:pic>
         <p:nvPicPr>
-          <p:cNvPr id="216" name="" descr=""/>
+          <p:cNvPr id="212" name="" descr=""/>
           <p:cNvPicPr/>
           <p:nvPr/>
         </p:nvPicPr>
@@ -12763,7 +12671,7 @@
       </p:pic>
       <p:pic>
         <p:nvPicPr>
-          <p:cNvPr id="217" name="" descr=""/>
+          <p:cNvPr id="213" name="" descr=""/>
           <p:cNvPicPr/>
           <p:nvPr/>
         </p:nvPicPr>
@@ -12816,7 +12724,7 @@
       </p:grpSpPr>
       <p:sp>
         <p:nvSpPr>
-          <p:cNvPr id="218" name="CustomShape 1"/>
+          <p:cNvPr id="214" name="CustomShape 1"/>
           <p:cNvSpPr/>
           <p:nvPr/>
         </p:nvSpPr>
@@ -12867,7 +12775,7 @@
       </p:sp>
       <p:sp>
         <p:nvSpPr>
-          <p:cNvPr id="219" name="CustomShape 2"/>
+          <p:cNvPr id="215" name="CustomShape 2"/>
           <p:cNvSpPr/>
           <p:nvPr/>
         </p:nvSpPr>
@@ -12893,7 +12801,7 @@
       </p:sp>
       <p:pic>
         <p:nvPicPr>
-          <p:cNvPr id="220" name="" descr=""/>
+          <p:cNvPr id="216" name="" descr=""/>
           <p:cNvPicPr/>
           <p:nvPr/>
         </p:nvPicPr>
@@ -12916,7 +12824,7 @@
       </p:pic>
       <p:pic>
         <p:nvPicPr>
-          <p:cNvPr id="221" name="" descr=""/>
+          <p:cNvPr id="217" name="" descr=""/>
           <p:cNvPicPr/>
           <p:nvPr/>
         </p:nvPicPr>
@@ -12939,7 +12847,7 @@
       </p:pic>
       <p:pic>
         <p:nvPicPr>
-          <p:cNvPr id="222" name="" descr=""/>
+          <p:cNvPr id="218" name="" descr=""/>
           <p:cNvPicPr/>
           <p:nvPr/>
         </p:nvPicPr>
@@ -12992,7 +12900,7 @@
       </p:grpSpPr>
       <p:sp>
         <p:nvSpPr>
-          <p:cNvPr id="223" name="CustomShape 1"/>
+          <p:cNvPr id="219" name="CustomShape 1"/>
           <p:cNvSpPr/>
           <p:nvPr/>
         </p:nvSpPr>
@@ -13043,7 +12951,7 @@
       </p:sp>
       <p:sp>
         <p:nvSpPr>
-          <p:cNvPr id="224" name="CustomShape 2"/>
+          <p:cNvPr id="220" name="CustomShape 2"/>
           <p:cNvSpPr/>
           <p:nvPr/>
         </p:nvSpPr>
@@ -13069,7 +12977,7 @@
       </p:sp>
       <p:pic>
         <p:nvPicPr>
-          <p:cNvPr id="225" name="" descr=""/>
+          <p:cNvPr id="221" name="" descr=""/>
           <p:cNvPicPr/>
           <p:nvPr/>
         </p:nvPicPr>
@@ -13092,7 +13000,7 @@
       </p:pic>
       <p:pic>
         <p:nvPicPr>
-          <p:cNvPr id="226" name="" descr=""/>
+          <p:cNvPr id="222" name="" descr=""/>
           <p:cNvPicPr/>
           <p:nvPr/>
         </p:nvPicPr>
@@ -13115,7 +13023,7 @@
       </p:pic>
       <p:pic>
         <p:nvPicPr>
-          <p:cNvPr id="227" name="" descr=""/>
+          <p:cNvPr id="223" name="" descr=""/>
           <p:cNvPicPr/>
           <p:nvPr/>
         </p:nvPicPr>
@@ -13168,7 +13076,7 @@
       </p:grpSpPr>
       <p:sp>
         <p:nvSpPr>
-          <p:cNvPr id="228" name="CustomShape 1"/>
+          <p:cNvPr id="224" name="CustomShape 1"/>
           <p:cNvSpPr/>
           <p:nvPr/>
         </p:nvSpPr>
@@ -13219,7 +13127,7 @@
       </p:sp>
       <p:sp>
         <p:nvSpPr>
-          <p:cNvPr id="229" name="CustomShape 2"/>
+          <p:cNvPr id="225" name="CustomShape 2"/>
           <p:cNvSpPr/>
           <p:nvPr/>
         </p:nvSpPr>
@@ -13245,7 +13153,7 @@
       </p:sp>
       <p:pic>
         <p:nvPicPr>
-          <p:cNvPr id="230" name="" descr=""/>
+          <p:cNvPr id="226" name="" descr=""/>
           <p:cNvPicPr/>
           <p:nvPr/>
         </p:nvPicPr>
@@ -13268,7 +13176,7 @@
       </p:pic>
       <p:pic>
         <p:nvPicPr>
-          <p:cNvPr id="231" name="" descr=""/>
+          <p:cNvPr id="227" name="" descr=""/>
           <p:cNvPicPr/>
           <p:nvPr/>
         </p:nvPicPr>
@@ -13291,7 +13199,7 @@
       </p:pic>
       <p:pic>
         <p:nvPicPr>
-          <p:cNvPr id="232" name="" descr=""/>
+          <p:cNvPr id="228" name="" descr=""/>
           <p:cNvPicPr/>
           <p:nvPr/>
         </p:nvPicPr>
@@ -13344,7 +13252,7 @@
       </p:grpSpPr>
       <p:sp>
         <p:nvSpPr>
-          <p:cNvPr id="233" name="CustomShape 1"/>
+          <p:cNvPr id="229" name="CustomShape 1"/>
           <p:cNvSpPr/>
           <p:nvPr/>
         </p:nvSpPr>
@@ -13395,7 +13303,7 @@
       </p:sp>
       <p:sp>
         <p:nvSpPr>
-          <p:cNvPr id="234" name="CustomShape 2"/>
+          <p:cNvPr id="230" name="CustomShape 2"/>
           <p:cNvSpPr/>
           <p:nvPr/>
         </p:nvSpPr>
@@ -13421,7 +13329,7 @@
       </p:sp>
       <p:pic>
         <p:nvPicPr>
-          <p:cNvPr id="235" name="" descr=""/>
+          <p:cNvPr id="231" name="" descr=""/>
           <p:cNvPicPr/>
           <p:nvPr/>
         </p:nvPicPr>
@@ -13444,7 +13352,7 @@
       </p:pic>
       <p:pic>
         <p:nvPicPr>
-          <p:cNvPr id="236" name="" descr=""/>
+          <p:cNvPr id="232" name="" descr=""/>
           <p:cNvPicPr/>
           <p:nvPr/>
         </p:nvPicPr>
@@ -13467,7 +13375,7 @@
       </p:pic>
       <p:pic>
         <p:nvPicPr>
-          <p:cNvPr id="237" name="" descr=""/>
+          <p:cNvPr id="233" name="" descr=""/>
           <p:cNvPicPr/>
           <p:nvPr/>
         </p:nvPicPr>
@@ -13520,7 +13428,7 @@
       </p:grpSpPr>
       <p:sp>
         <p:nvSpPr>
-          <p:cNvPr id="238" name="CustomShape 1"/>
+          <p:cNvPr id="234" name="CustomShape 1"/>
           <p:cNvSpPr/>
           <p:nvPr/>
         </p:nvSpPr>
@@ -13571,7 +13479,7 @@
       </p:sp>
       <p:sp>
         <p:nvSpPr>
-          <p:cNvPr id="239" name="CustomShape 2"/>
+          <p:cNvPr id="235" name="CustomShape 2"/>
           <p:cNvSpPr/>
           <p:nvPr/>
         </p:nvSpPr>
@@ -13597,7 +13505,7 @@
       </p:sp>
       <p:pic>
         <p:nvPicPr>
-          <p:cNvPr id="240" name="" descr=""/>
+          <p:cNvPr id="236" name="" descr=""/>
           <p:cNvPicPr/>
           <p:nvPr/>
         </p:nvPicPr>
@@ -13620,7 +13528,7 @@
       </p:pic>
       <p:pic>
         <p:nvPicPr>
-          <p:cNvPr id="241" name="" descr=""/>
+          <p:cNvPr id="237" name="" descr=""/>
           <p:cNvPicPr/>
           <p:nvPr/>
         </p:nvPicPr>
@@ -13643,7 +13551,7 @@
       </p:pic>
       <p:pic>
         <p:nvPicPr>
-          <p:cNvPr id="242" name="" descr=""/>
+          <p:cNvPr id="238" name="" descr=""/>
           <p:cNvPicPr/>
           <p:nvPr/>
         </p:nvPicPr>
@@ -13800,7 +13708,7 @@
       </p:grpSpPr>
       <p:sp>
         <p:nvSpPr>
-          <p:cNvPr id="243" name="CustomShape 1"/>
+          <p:cNvPr id="239" name="CustomShape 1"/>
           <p:cNvSpPr/>
           <p:nvPr/>
         </p:nvSpPr>
@@ -13851,7 +13759,7 @@
       </p:sp>
       <p:sp>
         <p:nvSpPr>
-          <p:cNvPr id="244" name="CustomShape 2"/>
+          <p:cNvPr id="240" name="CustomShape 2"/>
           <p:cNvSpPr/>
           <p:nvPr/>
         </p:nvSpPr>
@@ -13877,7 +13785,7 @@
       </p:sp>
       <p:pic>
         <p:nvPicPr>
-          <p:cNvPr id="245" name="" descr=""/>
+          <p:cNvPr id="241" name="" descr=""/>
           <p:cNvPicPr/>
           <p:nvPr/>
         </p:nvPicPr>
@@ -13900,7 +13808,7 @@
       </p:pic>
       <p:pic>
         <p:nvPicPr>
-          <p:cNvPr id="246" name="" descr=""/>
+          <p:cNvPr id="242" name="" descr=""/>
           <p:cNvPicPr/>
           <p:nvPr/>
         </p:nvPicPr>
@@ -13923,7 +13831,7 @@
       </p:pic>
       <p:pic>
         <p:nvPicPr>
-          <p:cNvPr id="247" name="" descr=""/>
+          <p:cNvPr id="243" name="" descr=""/>
           <p:cNvPicPr/>
           <p:nvPr/>
         </p:nvPicPr>
@@ -13976,7 +13884,7 @@
       </p:grpSpPr>
       <p:sp>
         <p:nvSpPr>
-          <p:cNvPr id="248" name="CustomShape 1"/>
+          <p:cNvPr id="244" name="CustomShape 1"/>
           <p:cNvSpPr/>
           <p:nvPr/>
         </p:nvSpPr>
@@ -14027,7 +13935,7 @@
       </p:sp>
       <p:sp>
         <p:nvSpPr>
-          <p:cNvPr id="249" name="CustomShape 2"/>
+          <p:cNvPr id="245" name="CustomShape 2"/>
           <p:cNvSpPr/>
           <p:nvPr/>
         </p:nvSpPr>
@@ -14053,7 +13961,7 @@
       </p:sp>
       <p:pic>
         <p:nvPicPr>
-          <p:cNvPr id="250" name="" descr=""/>
+          <p:cNvPr id="246" name="" descr=""/>
           <p:cNvPicPr/>
           <p:nvPr/>
         </p:nvPicPr>
@@ -14076,7 +13984,7 @@
       </p:pic>
       <p:pic>
         <p:nvPicPr>
-          <p:cNvPr id="251" name="" descr=""/>
+          <p:cNvPr id="247" name="" descr=""/>
           <p:cNvPicPr/>
           <p:nvPr/>
         </p:nvPicPr>
@@ -14099,7 +14007,7 @@
       </p:pic>
       <p:pic>
         <p:nvPicPr>
-          <p:cNvPr id="252" name="" descr=""/>
+          <p:cNvPr id="248" name="" descr=""/>
           <p:cNvPicPr/>
           <p:nvPr/>
         </p:nvPicPr>
@@ -14152,7 +14060,7 @@
       </p:grpSpPr>
       <p:sp>
         <p:nvSpPr>
-          <p:cNvPr id="253" name="CustomShape 1"/>
+          <p:cNvPr id="249" name="CustomShape 1"/>
           <p:cNvSpPr/>
           <p:nvPr/>
         </p:nvSpPr>
@@ -14203,7 +14111,7 @@
       </p:sp>
       <p:sp>
         <p:nvSpPr>
-          <p:cNvPr id="254" name="CustomShape 2"/>
+          <p:cNvPr id="250" name="CustomShape 2"/>
           <p:cNvSpPr/>
           <p:nvPr/>
         </p:nvSpPr>
@@ -14293,7 +14201,7 @@
       </p:grpSpPr>
       <p:sp>
         <p:nvSpPr>
-          <p:cNvPr id="255" name="CustomShape 1"/>
+          <p:cNvPr id="251" name="CustomShape 1"/>
           <p:cNvSpPr/>
           <p:nvPr/>
         </p:nvSpPr>

--- a/диплом/вкр.pptx
+++ b/диплом/вкр.pptx
@@ -8723,7 +8723,7 @@
         </p:style>
         <p:txBody>
           <a:bodyPr lIns="0" rIns="0" tIns="0" bIns="0">
-            <a:normAutofit/>
+            <a:normAutofit fontScale="94000"/>
           </a:bodyPr>
           <a:p>
             <a:pPr marL="432000" indent="-322920">
@@ -8748,7 +8748,7 @@
                 <a:latin typeface="Arial"/>
                 <a:ea typeface="DejaVu Sans"/>
               </a:rPr>
-              <a:t>Скорость: количество кадров, которые можно обработать с помощью данного алгоритма на данном вычислителе</a:t>
+              <a:t>Скорость: количество кадров, которые можно обработать с помощью данного алгоритма на данном вычислителе за одну секунду</a:t>
             </a:r>
             <a:endParaRPr b="0" lang="en-GB" sz="3200" spc="-1" strike="noStrike">
               <a:latin typeface="Arial"/>
@@ -14649,7 +14649,7 @@
                 <a:latin typeface="Arial"/>
                 <a:ea typeface="DejaVu Sans"/>
               </a:rPr>
-              <a:t>Продолжительность: 00:00:55.06</a:t>
+              <a:t>Продолжительность: 00:00:05.06</a:t>
             </a:r>
             <a:endParaRPr b="0" lang="en-GB" sz="1800" spc="-1" strike="noStrike">
               <a:latin typeface="Arial"/>

--- a/диплом/вкр.pptx
+++ b/диплом/вкр.pptx
@@ -59,6 +59,7 @@
     <p:sldId id="306" r:id="rId54"/>
     <p:sldId id="307" r:id="rId55"/>
     <p:sldId id="308" r:id="rId56"/>
+    <p:sldId id="309" r:id="rId57"/>
   </p:sldIdLst>
   <p:sldSz cx="10080625" cy="5670550"/>
   <p:notesSz cx="7559675" cy="10691812"/>
@@ -3809,6 +3810,35 @@
               <a:latin typeface="Arial"/>
             </a:endParaRPr>
           </a:p>
+          <a:p>
+            <a:pPr marL="432000" indent="-322920">
+              <a:lnSpc>
+                <a:spcPct val="100000"/>
+              </a:lnSpc>
+              <a:spcBef>
+                <a:spcPts val="1417"/>
+              </a:spcBef>
+              <a:buClr>
+                <a:srgbClr val="000000"/>
+              </a:buClr>
+              <a:buSzPct val="45000"/>
+              <a:buFont typeface="Wingdings" charset="2"/>
+              <a:buChar char=""/>
+            </a:pPr>
+            <a:r>
+              <a:rPr b="0" lang="en-GB" sz="3200" spc="-1" strike="noStrike">
+                <a:solidFill>
+                  <a:srgbClr val="000000"/>
+                </a:solidFill>
+                <a:latin typeface="Arial"/>
+                <a:ea typeface="DejaVu Sans"/>
+              </a:rPr>
+              <a:t>BRISK</a:t>
+            </a:r>
+            <a:endParaRPr b="0" lang="en-GB" sz="3200" spc="-1" strike="noStrike">
+              <a:latin typeface="Arial"/>
+            </a:endParaRPr>
+          </a:p>
         </p:txBody>
       </p:sp>
     </p:spTree>
@@ -14094,16 +14124,16 @@
               </a:lnSpc>
             </a:pPr>
             <a:r>
-              <a:rPr b="0" lang="en-GB" sz="4400" spc="-1" strike="noStrike">
-                <a:solidFill>
-                  <a:srgbClr val="000000"/>
-                </a:solidFill>
-                <a:latin typeface="Arial"/>
-                <a:ea typeface="DejaVu Sans"/>
-              </a:rPr>
-              <a:t>Интерпретация результатов</a:t>
-            </a:r>
-            <a:endParaRPr b="0" lang="en-GB" sz="4400" spc="-1" strike="noStrike">
+              <a:rPr b="0" lang="en-GB" sz="2800" spc="-1" strike="noStrike">
+                <a:solidFill>
+                  <a:srgbClr val="000000"/>
+                </a:solidFill>
+                <a:latin typeface="Arial"/>
+                <a:ea typeface="DejaVu Sans"/>
+              </a:rPr>
+              <a:t>Интерпретация результатов, stereo.mp4</a:t>
+            </a:r>
+            <a:endParaRPr b="0" lang="en-GB" sz="2800" spc="-1" strike="noStrike">
               <a:latin typeface="Arial"/>
             </a:endParaRPr>
           </a:p>
@@ -14161,7 +14191,65 @@
                 <a:latin typeface="Arial"/>
                 <a:ea typeface="DejaVu Sans"/>
               </a:rPr>
-              <a:t>...</a:t>
+              <a:t>BRISK на CPU – 80мс</a:t>
+            </a:r>
+            <a:endParaRPr b="0" lang="en-GB" sz="3200" spc="-1" strike="noStrike">
+              <a:latin typeface="Arial"/>
+            </a:endParaRPr>
+          </a:p>
+          <a:p>
+            <a:pPr marL="432000" indent="-322920">
+              <a:lnSpc>
+                <a:spcPct val="100000"/>
+              </a:lnSpc>
+              <a:spcBef>
+                <a:spcPts val="1417"/>
+              </a:spcBef>
+              <a:buClr>
+                <a:srgbClr val="000000"/>
+              </a:buClr>
+              <a:buSzPct val="45000"/>
+              <a:buFont typeface="Wingdings" charset="2"/>
+              <a:buChar char=""/>
+            </a:pPr>
+            <a:r>
+              <a:rPr b="0" lang="en-GB" sz="3200" spc="-1" strike="noStrike">
+                <a:solidFill>
+                  <a:srgbClr val="000000"/>
+                </a:solidFill>
+                <a:latin typeface="Arial"/>
+                <a:ea typeface="DejaVu Sans"/>
+              </a:rPr>
+              <a:t>ORB на CUDA – 37мс, но выйдет дороже</a:t>
+            </a:r>
+            <a:endParaRPr b="0" lang="en-GB" sz="3200" spc="-1" strike="noStrike">
+              <a:latin typeface="Arial"/>
+            </a:endParaRPr>
+          </a:p>
+          <a:p>
+            <a:pPr marL="432000" indent="-322920">
+              <a:lnSpc>
+                <a:spcPct val="100000"/>
+              </a:lnSpc>
+              <a:spcBef>
+                <a:spcPts val="1417"/>
+              </a:spcBef>
+              <a:buClr>
+                <a:srgbClr val="000000"/>
+              </a:buClr>
+              <a:buSzPct val="45000"/>
+              <a:buFont typeface="Wingdings" charset="2"/>
+              <a:buChar char=""/>
+            </a:pPr>
+            <a:r>
+              <a:rPr b="0" lang="en-GB" sz="3200" spc="-1" strike="noStrike">
+                <a:solidFill>
+                  <a:srgbClr val="000000"/>
+                </a:solidFill>
+                <a:latin typeface="Arial"/>
+                <a:ea typeface="DejaVu Sans"/>
+              </a:rPr>
+              <a:t>Уменьшить разрешение стереопары</a:t>
             </a:r>
             <a:endParaRPr b="0" lang="en-GB" sz="3200" spc="-1" strike="noStrike">
               <a:latin typeface="Arial"/>
@@ -14202,6 +14290,176 @@
       <p:sp>
         <p:nvSpPr>
           <p:cNvPr id="251" name="CustomShape 1"/>
+          <p:cNvSpPr/>
+          <p:nvPr/>
+        </p:nvSpPr>
+        <p:spPr>
+          <a:xfrm>
+            <a:off x="504000" y="226080"/>
+            <a:ext cx="9070560" cy="945360"/>
+          </a:xfrm>
+          <a:prstGeom prst="rect">
+            <a:avLst/>
+          </a:prstGeom>
+          <a:noFill/>
+          <a:ln>
+            <a:noFill/>
+          </a:ln>
+        </p:spPr>
+        <p:style>
+          <a:lnRef idx="0"/>
+          <a:fillRef idx="0"/>
+          <a:effectRef idx="0"/>
+          <a:fontRef idx="minor"/>
+        </p:style>
+        <p:txBody>
+          <a:bodyPr lIns="0" rIns="0" tIns="0" bIns="0" anchor="ctr">
+            <a:noAutofit/>
+          </a:bodyPr>
+          <a:p>
+            <a:pPr algn="ctr">
+              <a:lnSpc>
+                <a:spcPct val="100000"/>
+              </a:lnSpc>
+            </a:pPr>
+            <a:r>
+              <a:rPr b="0" lang="en-GB" sz="2800" spc="-1" strike="noStrike">
+                <a:solidFill>
+                  <a:srgbClr val="000000"/>
+                </a:solidFill>
+                <a:latin typeface="Arial"/>
+                <a:ea typeface="DejaVu Sans"/>
+              </a:rPr>
+              <a:t>Интерпретация результатов, icy_scarp.mp4</a:t>
+            </a:r>
+            <a:endParaRPr b="0" lang="en-GB" sz="2800" spc="-1" strike="noStrike">
+              <a:latin typeface="Arial"/>
+            </a:endParaRPr>
+          </a:p>
+        </p:txBody>
+      </p:sp>
+      <p:sp>
+        <p:nvSpPr>
+          <p:cNvPr id="252" name="CustomShape 2"/>
+          <p:cNvSpPr/>
+          <p:nvPr/>
+        </p:nvSpPr>
+        <p:spPr>
+          <a:xfrm>
+            <a:off x="504000" y="1326600"/>
+            <a:ext cx="9070560" cy="3287160"/>
+          </a:xfrm>
+          <a:prstGeom prst="rect">
+            <a:avLst/>
+          </a:prstGeom>
+          <a:noFill/>
+          <a:ln>
+            <a:noFill/>
+          </a:ln>
+        </p:spPr>
+        <p:style>
+          <a:lnRef idx="0"/>
+          <a:fillRef idx="0"/>
+          <a:effectRef idx="0"/>
+          <a:fontRef idx="minor"/>
+        </p:style>
+        <p:txBody>
+          <a:bodyPr lIns="0" rIns="0" tIns="0" bIns="0">
+            <a:normAutofit/>
+          </a:bodyPr>
+          <a:p>
+            <a:pPr marL="432000" indent="-322920">
+              <a:lnSpc>
+                <a:spcPct val="100000"/>
+              </a:lnSpc>
+              <a:spcBef>
+                <a:spcPts val="1417"/>
+              </a:spcBef>
+              <a:buClr>
+                <a:srgbClr val="000000"/>
+              </a:buClr>
+              <a:buSzPct val="45000"/>
+              <a:buFont typeface="Wingdings" charset="2"/>
+              <a:buChar char=""/>
+            </a:pPr>
+            <a:r>
+              <a:rPr b="0" lang="en-GB" sz="3200" spc="-1" strike="noStrike">
+                <a:solidFill>
+                  <a:srgbClr val="000000"/>
+                </a:solidFill>
+                <a:latin typeface="Arial"/>
+                <a:ea typeface="DejaVu Sans"/>
+              </a:rPr>
+              <a:t>BRISK на CPU – 20мс – удовлетворяет всем требованиям</a:t>
+            </a:r>
+            <a:endParaRPr b="0" lang="en-GB" sz="3200" spc="-1" strike="noStrike">
+              <a:latin typeface="Arial"/>
+            </a:endParaRPr>
+          </a:p>
+          <a:p>
+            <a:pPr marL="432000" indent="-322920">
+              <a:lnSpc>
+                <a:spcPct val="100000"/>
+              </a:lnSpc>
+              <a:spcBef>
+                <a:spcPts val="1417"/>
+              </a:spcBef>
+              <a:buClr>
+                <a:srgbClr val="000000"/>
+              </a:buClr>
+              <a:buSzPct val="45000"/>
+              <a:buFont typeface="Wingdings" charset="2"/>
+              <a:buChar char=""/>
+            </a:pPr>
+            <a:r>
+              <a:rPr b="0" lang="en-GB" sz="3200" spc="-1" strike="noStrike">
+                <a:solidFill>
+                  <a:srgbClr val="000000"/>
+                </a:solidFill>
+                <a:latin typeface="Arial"/>
+                <a:ea typeface="DejaVu Sans"/>
+              </a:rPr>
+              <a:t>ORB на CUDA – 13мс, но выйдет дороже</a:t>
+            </a:r>
+            <a:endParaRPr b="0" lang="en-GB" sz="3200" spc="-1" strike="noStrike">
+              <a:latin typeface="Arial"/>
+            </a:endParaRPr>
+          </a:p>
+        </p:txBody>
+      </p:sp>
+    </p:spTree>
+  </p:cSld>
+  <mc:AlternateContent>
+    <mc:Choice Requires="p14">
+      <p:transition spd="slow" p14:dur="2000"/>
+    </mc:Choice>
+    <mc:Fallback>
+      <p:transition spd="slow"/>
+    </mc:Fallback>
+  </mc:AlternateContent>
+</p:sld>
+</file>
+
+<file path=ppt/slides/slide54.xml><?xml version="1.0" encoding="utf-8"?>
+<p:sld xmlns:a="http://schemas.openxmlformats.org/drawingml/2006/main" xmlns:p="http://schemas.openxmlformats.org/presentationml/2006/main" xmlns:r="http://schemas.openxmlformats.org/officeDocument/2006/relationships" xmlns:p14="http://schemas.microsoft.com/office/powerpoint/2010/main" xmlns:p15="http://schemas.microsoft.com/office/powerpoint/2012/main" xmlns:mc="http://schemas.openxmlformats.org/markup-compatibility/2006">
+  <p:cSld>
+    <p:spTree>
+      <p:nvGrpSpPr>
+        <p:cNvPr id="1" name=""/>
+        <p:cNvGrpSpPr/>
+        <p:nvPr/>
+      </p:nvGrpSpPr>
+      <p:grpSpPr>
+        <a:xfrm>
+          <a:off x="0" y="0"/>
+          <a:ext cx="0" cy="0"/>
+          <a:chOff x="0" y="0"/>
+          <a:chExt cx="0" cy="0"/>
+        </a:xfrm>
+      </p:grpSpPr>
+      <p:sp>
+        <p:nvSpPr>
+          <p:cNvPr id="253" name="CustomShape 1"/>
           <p:cNvSpPr/>
           <p:nvPr/>
         </p:nvSpPr>
